--- a/rough-diag.pptx
+++ b/rough-diag.pptx
@@ -5,7 +5,7 @@
     <p:sldMasterId id="2147483648" r:id="rId1"/>
   </p:sldMasterIdLst>
   <p:notesMasterIdLst>
-    <p:notesMasterId r:id="rId10"/>
+    <p:notesMasterId r:id="rId15"/>
   </p:notesMasterIdLst>
   <p:sldIdLst>
     <p:sldId id="288" r:id="rId2"/>
@@ -16,6 +16,11 @@
     <p:sldId id="715" r:id="rId7"/>
     <p:sldId id="716" r:id="rId8"/>
     <p:sldId id="717" r:id="rId9"/>
+    <p:sldId id="718" r:id="rId10"/>
+    <p:sldId id="719" r:id="rId11"/>
+    <p:sldId id="721" r:id="rId12"/>
+    <p:sldId id="722" r:id="rId13"/>
+    <p:sldId id="720" r:id="rId14"/>
   </p:sldIdLst>
   <p:sldSz cx="9144000" cy="5715000" type="screen16x10"/>
   <p:notesSz cx="6858000" cy="9144000"/>
@@ -200,7 +205,7 @@
             <a:fld id="{7D8A566C-5138-4135-8B6E-909EC4E2D69D}" type="datetimeFigureOut">
               <a:rPr lang="en-US" smtClean="0"/>
               <a:pPr/>
-              <a:t>6/24/2019</a:t>
+              <a:t>6/26/2019</a:t>
             </a:fld>
             <a:endParaRPr lang="en-US"/>
           </a:p>
@@ -730,7 +735,7 @@
             <a:fld id="{40A6C090-7603-40E1-A38A-09FB9492DEDA}" type="datetimeFigureOut">
               <a:rPr lang="en-US" smtClean="0"/>
               <a:pPr/>
-              <a:t>6/24/2019</a:t>
+              <a:t>6/26/2019</a:t>
             </a:fld>
             <a:endParaRPr lang="en-US"/>
           </a:p>
@@ -897,7 +902,7 @@
             <a:fld id="{40A6C090-7603-40E1-A38A-09FB9492DEDA}" type="datetimeFigureOut">
               <a:rPr lang="en-US" smtClean="0"/>
               <a:pPr/>
-              <a:t>6/24/2019</a:t>
+              <a:t>6/26/2019</a:t>
             </a:fld>
             <a:endParaRPr lang="en-US"/>
           </a:p>
@@ -1074,7 +1079,7 @@
             <a:fld id="{40A6C090-7603-40E1-A38A-09FB9492DEDA}" type="datetimeFigureOut">
               <a:rPr lang="en-US" smtClean="0"/>
               <a:pPr/>
-              <a:t>6/24/2019</a:t>
+              <a:t>6/26/2019</a:t>
             </a:fld>
             <a:endParaRPr lang="en-US"/>
           </a:p>
@@ -1241,7 +1246,7 @@
             <a:fld id="{40A6C090-7603-40E1-A38A-09FB9492DEDA}" type="datetimeFigureOut">
               <a:rPr lang="en-US" smtClean="0"/>
               <a:pPr/>
-              <a:t>6/24/2019</a:t>
+              <a:t>6/26/2019</a:t>
             </a:fld>
             <a:endParaRPr lang="en-US"/>
           </a:p>
@@ -1484,7 +1489,7 @@
             <a:fld id="{40A6C090-7603-40E1-A38A-09FB9492DEDA}" type="datetimeFigureOut">
               <a:rPr lang="en-US" smtClean="0"/>
               <a:pPr/>
-              <a:t>6/24/2019</a:t>
+              <a:t>6/26/2019</a:t>
             </a:fld>
             <a:endParaRPr lang="en-US"/>
           </a:p>
@@ -1769,7 +1774,7 @@
             <a:fld id="{40A6C090-7603-40E1-A38A-09FB9492DEDA}" type="datetimeFigureOut">
               <a:rPr lang="en-US" smtClean="0"/>
               <a:pPr/>
-              <a:t>6/24/2019</a:t>
+              <a:t>6/26/2019</a:t>
             </a:fld>
             <a:endParaRPr lang="en-US"/>
           </a:p>
@@ -2188,7 +2193,7 @@
             <a:fld id="{40A6C090-7603-40E1-A38A-09FB9492DEDA}" type="datetimeFigureOut">
               <a:rPr lang="en-US" smtClean="0"/>
               <a:pPr/>
-              <a:t>6/24/2019</a:t>
+              <a:t>6/26/2019</a:t>
             </a:fld>
             <a:endParaRPr lang="en-US"/>
           </a:p>
@@ -2303,7 +2308,7 @@
             <a:fld id="{40A6C090-7603-40E1-A38A-09FB9492DEDA}" type="datetimeFigureOut">
               <a:rPr lang="en-US" smtClean="0"/>
               <a:pPr/>
-              <a:t>6/24/2019</a:t>
+              <a:t>6/26/2019</a:t>
             </a:fld>
             <a:endParaRPr lang="en-US"/>
           </a:p>
@@ -2395,7 +2400,7 @@
             <a:fld id="{40A6C090-7603-40E1-A38A-09FB9492DEDA}" type="datetimeFigureOut">
               <a:rPr lang="en-US" smtClean="0"/>
               <a:pPr/>
-              <a:t>6/24/2019</a:t>
+              <a:t>6/26/2019</a:t>
             </a:fld>
             <a:endParaRPr lang="en-US"/>
           </a:p>
@@ -2669,7 +2674,7 @@
             <a:fld id="{40A6C090-7603-40E1-A38A-09FB9492DEDA}" type="datetimeFigureOut">
               <a:rPr lang="en-US" smtClean="0"/>
               <a:pPr/>
-              <a:t>6/24/2019</a:t>
+              <a:t>6/26/2019</a:t>
             </a:fld>
             <a:endParaRPr lang="en-US"/>
           </a:p>
@@ -2919,7 +2924,7 @@
             <a:fld id="{40A6C090-7603-40E1-A38A-09FB9492DEDA}" type="datetimeFigureOut">
               <a:rPr lang="en-US" smtClean="0"/>
               <a:pPr/>
-              <a:t>6/24/2019</a:t>
+              <a:t>6/26/2019</a:t>
             </a:fld>
             <a:endParaRPr lang="en-US"/>
           </a:p>
@@ -3129,7 +3134,7 @@
             <a:fld id="{40A6C090-7603-40E1-A38A-09FB9492DEDA}" type="datetimeFigureOut">
               <a:rPr lang="en-US" smtClean="0"/>
               <a:pPr/>
-              <a:t>6/24/2019</a:t>
+              <a:t>6/26/2019</a:t>
             </a:fld>
             <a:endParaRPr lang="en-US"/>
           </a:p>
@@ -3890,6 +3895,2206 @@
 </p:sld>
 </file>
 
+<file path=ppt/slides/slide10.xml><?xml version="1.0" encoding="utf-8"?>
+<p:sld xmlns:a="http://schemas.openxmlformats.org/drawingml/2006/main" xmlns:r="http://schemas.openxmlformats.org/officeDocument/2006/relationships" xmlns:p="http://schemas.openxmlformats.org/presentationml/2006/main">
+  <p:cSld>
+    <p:spTree>
+      <p:nvGrpSpPr>
+        <p:cNvPr id="1" name=""/>
+        <p:cNvGrpSpPr/>
+        <p:nvPr/>
+      </p:nvGrpSpPr>
+      <p:grpSpPr>
+        <a:xfrm>
+          <a:off x="0" y="0"/>
+          <a:ext cx="0" cy="0"/>
+          <a:chOff x="0" y="0"/>
+          <a:chExt cx="0" cy="0"/>
+        </a:xfrm>
+      </p:grpSpPr>
+      <p:sp>
+        <p:nvSpPr>
+          <p:cNvPr id="3" name="Rectangle 2"/>
+          <p:cNvSpPr/>
+          <p:nvPr/>
+        </p:nvSpPr>
+        <p:spPr>
+          <a:xfrm>
+            <a:off x="3657600" y="419100"/>
+            <a:ext cx="4876800" cy="4800600"/>
+          </a:xfrm>
+          <a:prstGeom prst="rect">
+            <a:avLst/>
+          </a:prstGeom>
+          <a:noFill/>
+        </p:spPr>
+        <p:style>
+          <a:lnRef idx="2">
+            <a:schemeClr val="accent1">
+              <a:shade val="50000"/>
+            </a:schemeClr>
+          </a:lnRef>
+          <a:fillRef idx="1">
+            <a:schemeClr val="accent1"/>
+          </a:fillRef>
+          <a:effectRef idx="0">
+            <a:schemeClr val="accent1"/>
+          </a:effectRef>
+          <a:fontRef idx="minor">
+            <a:schemeClr val="lt1"/>
+          </a:fontRef>
+        </p:style>
+        <p:txBody>
+          <a:bodyPr rtlCol="0" anchor="ctr"/>
+          <a:lstStyle/>
+          <a:p>
+            <a:pPr algn="ctr"/>
+            <a:endParaRPr lang="en-US"/>
+          </a:p>
+        </p:txBody>
+      </p:sp>
+      <p:sp>
+        <p:nvSpPr>
+          <p:cNvPr id="4" name="TextBox 3"/>
+          <p:cNvSpPr txBox="1"/>
+          <p:nvPr/>
+        </p:nvSpPr>
+        <p:spPr>
+          <a:xfrm>
+            <a:off x="3657600" y="266700"/>
+            <a:ext cx="2747868" cy="369332"/>
+          </a:xfrm>
+          <a:prstGeom prst="rect">
+            <a:avLst/>
+          </a:prstGeom>
+          <a:noFill/>
+        </p:spPr>
+        <p:txBody>
+          <a:bodyPr wrap="none" rtlCol="0">
+            <a:spAutoFit/>
+          </a:bodyPr>
+          <a:lstStyle/>
+          <a:p>
+            <a:r>
+              <a:rPr lang="en-US" dirty="0" smtClean="0"/>
+              <a:t>Machine1 : 192.168.99.100</a:t>
+            </a:r>
+            <a:endParaRPr lang="en-US" dirty="0"/>
+          </a:p>
+        </p:txBody>
+      </p:sp>
+      <p:sp>
+        <p:nvSpPr>
+          <p:cNvPr id="5" name="Oval 4"/>
+          <p:cNvSpPr/>
+          <p:nvPr/>
+        </p:nvSpPr>
+        <p:spPr>
+          <a:xfrm>
+            <a:off x="4648200" y="1028700"/>
+            <a:ext cx="1600200" cy="1066800"/>
+          </a:xfrm>
+          <a:prstGeom prst="ellipse">
+            <a:avLst/>
+          </a:prstGeom>
+        </p:spPr>
+        <p:style>
+          <a:lnRef idx="2">
+            <a:schemeClr val="accent1">
+              <a:shade val="50000"/>
+            </a:schemeClr>
+          </a:lnRef>
+          <a:fillRef idx="1">
+            <a:schemeClr val="accent1"/>
+          </a:fillRef>
+          <a:effectRef idx="0">
+            <a:schemeClr val="accent1"/>
+          </a:effectRef>
+          <a:fontRef idx="minor">
+            <a:schemeClr val="lt1"/>
+          </a:fontRef>
+        </p:style>
+        <p:txBody>
+          <a:bodyPr rtlCol="0" anchor="ctr"/>
+          <a:lstStyle/>
+          <a:p>
+            <a:pPr algn="ctr"/>
+            <a:r>
+              <a:rPr lang="en-US" dirty="0" smtClean="0"/>
+              <a:t>ghost</a:t>
+            </a:r>
+          </a:p>
+          <a:p>
+            <a:pPr algn="ctr"/>
+            <a:r>
+              <a:rPr lang="en-US" dirty="0" smtClean="0"/>
+              <a:t>Jdbc://172.17.0.6:3306</a:t>
+            </a:r>
+            <a:endParaRPr lang="en-US" dirty="0"/>
+          </a:p>
+        </p:txBody>
+      </p:sp>
+      <p:sp>
+        <p:nvSpPr>
+          <p:cNvPr id="6" name="Oval 5"/>
+          <p:cNvSpPr/>
+          <p:nvPr/>
+        </p:nvSpPr>
+        <p:spPr>
+          <a:xfrm>
+            <a:off x="7391400" y="1485900"/>
+            <a:ext cx="1066800" cy="609600"/>
+          </a:xfrm>
+          <a:prstGeom prst="ellipse">
+            <a:avLst/>
+          </a:prstGeom>
+        </p:spPr>
+        <p:style>
+          <a:lnRef idx="2">
+            <a:schemeClr val="accent1">
+              <a:shade val="50000"/>
+            </a:schemeClr>
+          </a:lnRef>
+          <a:fillRef idx="1">
+            <a:schemeClr val="accent1"/>
+          </a:fillRef>
+          <a:effectRef idx="0">
+            <a:schemeClr val="accent1"/>
+          </a:effectRef>
+          <a:fontRef idx="minor">
+            <a:schemeClr val="lt1"/>
+          </a:fontRef>
+        </p:style>
+        <p:txBody>
+          <a:bodyPr rtlCol="0" anchor="ctr"/>
+          <a:lstStyle/>
+          <a:p>
+            <a:pPr algn="ctr"/>
+            <a:r>
+              <a:rPr lang="en-US" dirty="0" smtClean="0"/>
+              <a:t>mysql:3306</a:t>
+            </a:r>
+            <a:endParaRPr lang="en-US" dirty="0"/>
+          </a:p>
+        </p:txBody>
+      </p:sp>
+      <p:sp>
+        <p:nvSpPr>
+          <p:cNvPr id="7" name="TextBox 6"/>
+          <p:cNvSpPr txBox="1"/>
+          <p:nvPr/>
+        </p:nvSpPr>
+        <p:spPr>
+          <a:xfrm>
+            <a:off x="4953000" y="2019300"/>
+            <a:ext cx="1176925" cy="369332"/>
+          </a:xfrm>
+          <a:prstGeom prst="rect">
+            <a:avLst/>
+          </a:prstGeom>
+          <a:noFill/>
+        </p:spPr>
+        <p:txBody>
+          <a:bodyPr wrap="none" rtlCol="0">
+            <a:spAutoFit/>
+          </a:bodyPr>
+          <a:lstStyle/>
+          <a:p>
+            <a:r>
+              <a:rPr lang="en-US" dirty="0" smtClean="0"/>
+              <a:t>172.17.0.5</a:t>
+            </a:r>
+            <a:endParaRPr lang="en-US" dirty="0"/>
+          </a:p>
+        </p:txBody>
+      </p:sp>
+      <p:sp>
+        <p:nvSpPr>
+          <p:cNvPr id="8" name="TextBox 7"/>
+          <p:cNvSpPr txBox="1"/>
+          <p:nvPr/>
+        </p:nvSpPr>
+        <p:spPr>
+          <a:xfrm>
+            <a:off x="7239000" y="2171700"/>
+            <a:ext cx="1176925" cy="369332"/>
+          </a:xfrm>
+          <a:prstGeom prst="rect">
+            <a:avLst/>
+          </a:prstGeom>
+          <a:noFill/>
+        </p:spPr>
+        <p:txBody>
+          <a:bodyPr wrap="none" rtlCol="0">
+            <a:spAutoFit/>
+          </a:bodyPr>
+          <a:lstStyle/>
+          <a:p>
+            <a:r>
+              <a:rPr lang="en-US" dirty="0" smtClean="0"/>
+              <a:t>172.17.0.6</a:t>
+            </a:r>
+            <a:endParaRPr lang="en-US" dirty="0"/>
+          </a:p>
+        </p:txBody>
+      </p:sp>
+      <p:cxnSp>
+        <p:nvCxnSpPr>
+          <p:cNvPr id="10" name="Straight Arrow Connector 9"/>
+          <p:cNvCxnSpPr>
+            <a:stCxn id="5" idx="6"/>
+            <a:endCxn id="6" idx="2"/>
+          </p:cNvCxnSpPr>
+          <p:nvPr/>
+        </p:nvCxnSpPr>
+        <p:spPr>
+          <a:xfrm>
+            <a:off x="6248400" y="1562100"/>
+            <a:ext cx="1143000" cy="228600"/>
+          </a:xfrm>
+          <a:prstGeom prst="straightConnector1">
+            <a:avLst/>
+          </a:prstGeom>
+          <a:ln>
+            <a:headEnd type="arrow"/>
+            <a:tailEnd type="arrow"/>
+          </a:ln>
+        </p:spPr>
+        <p:style>
+          <a:lnRef idx="1">
+            <a:schemeClr val="accent1"/>
+          </a:lnRef>
+          <a:fillRef idx="0">
+            <a:schemeClr val="accent1"/>
+          </a:fillRef>
+          <a:effectRef idx="0">
+            <a:schemeClr val="accent1"/>
+          </a:effectRef>
+          <a:fontRef idx="minor">
+            <a:schemeClr val="tx1"/>
+          </a:fontRef>
+        </p:style>
+      </p:cxnSp>
+      <p:sp>
+        <p:nvSpPr>
+          <p:cNvPr id="15" name="Oval 14"/>
+          <p:cNvSpPr/>
+          <p:nvPr/>
+        </p:nvSpPr>
+        <p:spPr>
+          <a:xfrm>
+            <a:off x="4800600" y="2857500"/>
+            <a:ext cx="1600200" cy="1066800"/>
+          </a:xfrm>
+          <a:prstGeom prst="ellipse">
+            <a:avLst/>
+          </a:prstGeom>
+        </p:spPr>
+        <p:style>
+          <a:lnRef idx="2">
+            <a:schemeClr val="accent1">
+              <a:shade val="50000"/>
+            </a:schemeClr>
+          </a:lnRef>
+          <a:fillRef idx="1">
+            <a:schemeClr val="accent1"/>
+          </a:fillRef>
+          <a:effectRef idx="0">
+            <a:schemeClr val="accent1"/>
+          </a:effectRef>
+          <a:fontRef idx="minor">
+            <a:schemeClr val="lt1"/>
+          </a:fontRef>
+        </p:style>
+        <p:txBody>
+          <a:bodyPr rtlCol="0" anchor="ctr"/>
+          <a:lstStyle/>
+          <a:p>
+            <a:pPr algn="ctr"/>
+            <a:r>
+              <a:rPr lang="en-US" dirty="0" smtClean="0"/>
+              <a:t>ghost</a:t>
+            </a:r>
+          </a:p>
+          <a:p>
+            <a:pPr algn="ctr"/>
+            <a:r>
+              <a:rPr lang="en-US" dirty="0" smtClean="0"/>
+              <a:t>Jdbc://172.17.0.6:3306</a:t>
+            </a:r>
+            <a:endParaRPr lang="en-US" dirty="0"/>
+          </a:p>
+        </p:txBody>
+      </p:sp>
+      <p:sp>
+        <p:nvSpPr>
+          <p:cNvPr id="17" name="TextBox 16"/>
+          <p:cNvSpPr txBox="1"/>
+          <p:nvPr/>
+        </p:nvSpPr>
+        <p:spPr>
+          <a:xfrm>
+            <a:off x="5334000" y="4000500"/>
+            <a:ext cx="1176925" cy="369332"/>
+          </a:xfrm>
+          <a:prstGeom prst="rect">
+            <a:avLst/>
+          </a:prstGeom>
+          <a:noFill/>
+        </p:spPr>
+        <p:txBody>
+          <a:bodyPr wrap="none" rtlCol="0">
+            <a:spAutoFit/>
+          </a:bodyPr>
+          <a:lstStyle/>
+          <a:p>
+            <a:r>
+              <a:rPr lang="en-US" dirty="0" smtClean="0"/>
+              <a:t>172.17.0.6</a:t>
+            </a:r>
+            <a:endParaRPr lang="en-US" dirty="0"/>
+          </a:p>
+        </p:txBody>
+      </p:sp>
+      <p:sp>
+        <p:nvSpPr>
+          <p:cNvPr id="22" name="Rectangle 21"/>
+          <p:cNvSpPr/>
+          <p:nvPr/>
+        </p:nvSpPr>
+        <p:spPr>
+          <a:xfrm>
+            <a:off x="3886200" y="2324100"/>
+            <a:ext cx="533400" cy="685800"/>
+          </a:xfrm>
+          <a:prstGeom prst="rect">
+            <a:avLst/>
+          </a:prstGeom>
+        </p:spPr>
+        <p:style>
+          <a:lnRef idx="2">
+            <a:schemeClr val="accent1">
+              <a:shade val="50000"/>
+            </a:schemeClr>
+          </a:lnRef>
+          <a:fillRef idx="1">
+            <a:schemeClr val="accent1"/>
+          </a:fillRef>
+          <a:effectRef idx="0">
+            <a:schemeClr val="accent1"/>
+          </a:effectRef>
+          <a:fontRef idx="minor">
+            <a:schemeClr val="lt1"/>
+          </a:fontRef>
+        </p:style>
+        <p:txBody>
+          <a:bodyPr rtlCol="0" anchor="ctr"/>
+          <a:lstStyle/>
+          <a:p>
+            <a:pPr algn="ctr"/>
+            <a:r>
+              <a:rPr lang="en-US" dirty="0" smtClean="0"/>
+              <a:t>lb</a:t>
+            </a:r>
+            <a:endParaRPr lang="en-US" dirty="0"/>
+          </a:p>
+        </p:txBody>
+      </p:sp>
+      <p:cxnSp>
+        <p:nvCxnSpPr>
+          <p:cNvPr id="24" name="Straight Arrow Connector 23"/>
+          <p:cNvCxnSpPr>
+            <a:stCxn id="22" idx="3"/>
+          </p:cNvCxnSpPr>
+          <p:nvPr/>
+        </p:nvCxnSpPr>
+        <p:spPr>
+          <a:xfrm flipV="1">
+            <a:off x="4419600" y="1714500"/>
+            <a:ext cx="228600" cy="952500"/>
+          </a:xfrm>
+          <a:prstGeom prst="straightConnector1">
+            <a:avLst/>
+          </a:prstGeom>
+          <a:ln>
+            <a:tailEnd type="arrow"/>
+          </a:ln>
+        </p:spPr>
+        <p:style>
+          <a:lnRef idx="1">
+            <a:schemeClr val="accent1"/>
+          </a:lnRef>
+          <a:fillRef idx="0">
+            <a:schemeClr val="accent1"/>
+          </a:fillRef>
+          <a:effectRef idx="0">
+            <a:schemeClr val="accent1"/>
+          </a:effectRef>
+          <a:fontRef idx="minor">
+            <a:schemeClr val="tx1"/>
+          </a:fontRef>
+        </p:style>
+      </p:cxnSp>
+      <p:cxnSp>
+        <p:nvCxnSpPr>
+          <p:cNvPr id="26" name="Straight Arrow Connector 25"/>
+          <p:cNvCxnSpPr>
+            <a:stCxn id="22" idx="3"/>
+            <a:endCxn id="15" idx="2"/>
+          </p:cNvCxnSpPr>
+          <p:nvPr/>
+        </p:nvCxnSpPr>
+        <p:spPr>
+          <a:xfrm>
+            <a:off x="4419600" y="2667000"/>
+            <a:ext cx="381000" cy="723900"/>
+          </a:xfrm>
+          <a:prstGeom prst="straightConnector1">
+            <a:avLst/>
+          </a:prstGeom>
+          <a:ln>
+            <a:tailEnd type="arrow"/>
+          </a:ln>
+        </p:spPr>
+        <p:style>
+          <a:lnRef idx="1">
+            <a:schemeClr val="accent1"/>
+          </a:lnRef>
+          <a:fillRef idx="0">
+            <a:schemeClr val="accent1"/>
+          </a:fillRef>
+          <a:effectRef idx="0">
+            <a:schemeClr val="accent1"/>
+          </a:effectRef>
+          <a:fontRef idx="minor">
+            <a:schemeClr val="tx1"/>
+          </a:fontRef>
+        </p:style>
+      </p:cxnSp>
+      <p:cxnSp>
+        <p:nvCxnSpPr>
+          <p:cNvPr id="28" name="Straight Arrow Connector 27"/>
+          <p:cNvCxnSpPr>
+            <a:endCxn id="22" idx="1"/>
+          </p:cNvCxnSpPr>
+          <p:nvPr/>
+        </p:nvCxnSpPr>
+        <p:spPr>
+          <a:xfrm>
+            <a:off x="3505200" y="2628900"/>
+            <a:ext cx="381000" cy="38100"/>
+          </a:xfrm>
+          <a:prstGeom prst="straightConnector1">
+            <a:avLst/>
+          </a:prstGeom>
+          <a:ln>
+            <a:tailEnd type="arrow"/>
+          </a:ln>
+        </p:spPr>
+        <p:style>
+          <a:lnRef idx="1">
+            <a:schemeClr val="accent1"/>
+          </a:lnRef>
+          <a:fillRef idx="0">
+            <a:schemeClr val="accent1"/>
+          </a:fillRef>
+          <a:effectRef idx="0">
+            <a:schemeClr val="accent1"/>
+          </a:effectRef>
+          <a:fontRef idx="minor">
+            <a:schemeClr val="tx1"/>
+          </a:fontRef>
+        </p:style>
+      </p:cxnSp>
+      <p:sp>
+        <p:nvSpPr>
+          <p:cNvPr id="29" name="TextBox 28"/>
+          <p:cNvSpPr txBox="1"/>
+          <p:nvPr/>
+        </p:nvSpPr>
+        <p:spPr>
+          <a:xfrm>
+            <a:off x="0" y="0"/>
+            <a:ext cx="3810000" cy="2031325"/>
+          </a:xfrm>
+          <a:prstGeom prst="rect">
+            <a:avLst/>
+          </a:prstGeom>
+          <a:noFill/>
+        </p:spPr>
+        <p:txBody>
+          <a:bodyPr wrap="square" rtlCol="0">
+            <a:spAutoFit/>
+          </a:bodyPr>
+          <a:lstStyle/>
+          <a:p>
+            <a:pPr marL="342900" indent="-342900">
+              <a:buAutoNum type="arabicPeriod"/>
+            </a:pPr>
+            <a:r>
+              <a:rPr lang="en-US" dirty="0" smtClean="0"/>
+              <a:t>Scaling – application</a:t>
+            </a:r>
+          </a:p>
+          <a:p>
+            <a:pPr marL="342900" indent="-342900">
+              <a:buAutoNum type="arabicPeriod"/>
+            </a:pPr>
+            <a:r>
+              <a:rPr lang="en-US" dirty="0" smtClean="0"/>
+              <a:t>Load balancer</a:t>
+            </a:r>
+          </a:p>
+          <a:p>
+            <a:pPr marL="342900" indent="-342900">
+              <a:buAutoNum type="arabicPeriod"/>
+            </a:pPr>
+            <a:r>
+              <a:rPr lang="en-US" dirty="0" smtClean="0"/>
+              <a:t>Better </a:t>
+            </a:r>
+            <a:r>
+              <a:rPr lang="en-US" dirty="0" err="1" smtClean="0"/>
+              <a:t>nw</a:t>
+            </a:r>
+            <a:r>
+              <a:rPr lang="en-US" dirty="0" smtClean="0"/>
+              <a:t> management</a:t>
+            </a:r>
+          </a:p>
+          <a:p>
+            <a:pPr marL="800100" lvl="1" indent="-342900">
+              <a:buAutoNum type="arabicPeriod"/>
+            </a:pPr>
+            <a:r>
+              <a:rPr lang="en-US" dirty="0" err="1" smtClean="0"/>
+              <a:t>Ipaddress</a:t>
+            </a:r>
+            <a:r>
+              <a:rPr lang="en-US" dirty="0" smtClean="0"/>
+              <a:t> clash</a:t>
+            </a:r>
+          </a:p>
+          <a:p>
+            <a:pPr marL="800100" lvl="1" indent="-342900">
+              <a:buAutoNum type="arabicPeriod"/>
+            </a:pPr>
+            <a:r>
+              <a:rPr lang="en-US" dirty="0" smtClean="0"/>
+              <a:t>No node-awareness</a:t>
+            </a:r>
+          </a:p>
+          <a:p>
+            <a:pPr marL="342900" indent="-342900">
+              <a:buAutoNum type="arabicPeriod"/>
+            </a:pPr>
+            <a:r>
+              <a:rPr lang="en-US" dirty="0" smtClean="0"/>
+              <a:t>Manage all communication with </a:t>
+            </a:r>
+            <a:r>
+              <a:rPr lang="en-US" dirty="0" err="1" smtClean="0"/>
+              <a:t>dockerd</a:t>
+            </a:r>
+            <a:endParaRPr lang="en-US" dirty="0"/>
+          </a:p>
+        </p:txBody>
+      </p:sp>
+      <p:sp>
+        <p:nvSpPr>
+          <p:cNvPr id="30" name="Rectangle 29"/>
+          <p:cNvSpPr/>
+          <p:nvPr/>
+        </p:nvSpPr>
+        <p:spPr>
+          <a:xfrm>
+            <a:off x="838200" y="3771900"/>
+            <a:ext cx="2590800" cy="1600200"/>
+          </a:xfrm>
+          <a:prstGeom prst="rect">
+            <a:avLst/>
+          </a:prstGeom>
+          <a:noFill/>
+        </p:spPr>
+        <p:style>
+          <a:lnRef idx="2">
+            <a:schemeClr val="accent1">
+              <a:shade val="50000"/>
+            </a:schemeClr>
+          </a:lnRef>
+          <a:fillRef idx="1">
+            <a:schemeClr val="accent1"/>
+          </a:fillRef>
+          <a:effectRef idx="0">
+            <a:schemeClr val="accent1"/>
+          </a:effectRef>
+          <a:fontRef idx="minor">
+            <a:schemeClr val="lt1"/>
+          </a:fontRef>
+        </p:style>
+        <p:txBody>
+          <a:bodyPr rtlCol="0" anchor="ctr"/>
+          <a:lstStyle/>
+          <a:p>
+            <a:pPr algn="ctr"/>
+            <a:r>
+              <a:rPr lang="en-US" dirty="0" smtClean="0">
+                <a:solidFill>
+                  <a:srgbClr val="FF0000"/>
+                </a:solidFill>
+              </a:rPr>
+              <a:t>Machine 3</a:t>
+            </a:r>
+            <a:endParaRPr lang="en-US" dirty="0">
+              <a:solidFill>
+                <a:srgbClr val="FF0000"/>
+              </a:solidFill>
+            </a:endParaRPr>
+          </a:p>
+        </p:txBody>
+      </p:sp>
+      <p:sp>
+        <p:nvSpPr>
+          <p:cNvPr id="31" name="Rectangle 30"/>
+          <p:cNvSpPr/>
+          <p:nvPr/>
+        </p:nvSpPr>
+        <p:spPr>
+          <a:xfrm>
+            <a:off x="304800" y="1943100"/>
+            <a:ext cx="2590800" cy="1600200"/>
+          </a:xfrm>
+          <a:prstGeom prst="rect">
+            <a:avLst/>
+          </a:prstGeom>
+          <a:noFill/>
+        </p:spPr>
+        <p:style>
+          <a:lnRef idx="2">
+            <a:schemeClr val="accent1">
+              <a:shade val="50000"/>
+            </a:schemeClr>
+          </a:lnRef>
+          <a:fillRef idx="1">
+            <a:schemeClr val="accent1"/>
+          </a:fillRef>
+          <a:effectRef idx="0">
+            <a:schemeClr val="accent1"/>
+          </a:effectRef>
+          <a:fontRef idx="minor">
+            <a:schemeClr val="lt1"/>
+          </a:fontRef>
+        </p:style>
+        <p:txBody>
+          <a:bodyPr rtlCol="0" anchor="ctr"/>
+          <a:lstStyle/>
+          <a:p>
+            <a:pPr algn="ctr"/>
+            <a:r>
+              <a:rPr lang="en-US" dirty="0" smtClean="0">
+                <a:solidFill>
+                  <a:srgbClr val="FF0000"/>
+                </a:solidFill>
+              </a:rPr>
+              <a:t>Machine 2</a:t>
+            </a:r>
+            <a:endParaRPr lang="en-US" dirty="0">
+              <a:solidFill>
+                <a:srgbClr val="FF0000"/>
+              </a:solidFill>
+            </a:endParaRPr>
+          </a:p>
+        </p:txBody>
+      </p:sp>
+      <p:sp>
+        <p:nvSpPr>
+          <p:cNvPr id="33" name="TextBox 32"/>
+          <p:cNvSpPr txBox="1"/>
+          <p:nvPr/>
+        </p:nvSpPr>
+        <p:spPr>
+          <a:xfrm>
+            <a:off x="2057400" y="2019300"/>
+            <a:ext cx="818429" cy="369332"/>
+          </a:xfrm>
+          <a:prstGeom prst="rect">
+            <a:avLst/>
+          </a:prstGeom>
+          <a:noFill/>
+        </p:spPr>
+        <p:txBody>
+          <a:bodyPr wrap="none" rtlCol="0">
+            <a:spAutoFit/>
+          </a:bodyPr>
+          <a:lstStyle/>
+          <a:p>
+            <a:r>
+              <a:rPr lang="en-US" dirty="0" err="1" smtClean="0"/>
+              <a:t>docker</a:t>
+            </a:r>
+            <a:endParaRPr lang="en-US" dirty="0"/>
+          </a:p>
+        </p:txBody>
+      </p:sp>
+      <p:sp>
+        <p:nvSpPr>
+          <p:cNvPr id="34" name="TextBox 33"/>
+          <p:cNvSpPr txBox="1"/>
+          <p:nvPr/>
+        </p:nvSpPr>
+        <p:spPr>
+          <a:xfrm>
+            <a:off x="2534371" y="3859768"/>
+            <a:ext cx="818429" cy="369332"/>
+          </a:xfrm>
+          <a:prstGeom prst="rect">
+            <a:avLst/>
+          </a:prstGeom>
+          <a:noFill/>
+        </p:spPr>
+        <p:txBody>
+          <a:bodyPr wrap="none" rtlCol="0">
+            <a:spAutoFit/>
+          </a:bodyPr>
+          <a:lstStyle/>
+          <a:p>
+            <a:r>
+              <a:rPr lang="en-US" dirty="0" err="1" smtClean="0"/>
+              <a:t>docker</a:t>
+            </a:r>
+            <a:endParaRPr lang="en-US" dirty="0"/>
+          </a:p>
+        </p:txBody>
+      </p:sp>
+      <p:sp>
+        <p:nvSpPr>
+          <p:cNvPr id="35" name="TextBox 34"/>
+          <p:cNvSpPr txBox="1"/>
+          <p:nvPr/>
+        </p:nvSpPr>
+        <p:spPr>
+          <a:xfrm>
+            <a:off x="3733800" y="4621768"/>
+            <a:ext cx="818429" cy="369332"/>
+          </a:xfrm>
+          <a:prstGeom prst="rect">
+            <a:avLst/>
+          </a:prstGeom>
+          <a:noFill/>
+        </p:spPr>
+        <p:txBody>
+          <a:bodyPr wrap="none" rtlCol="0">
+            <a:spAutoFit/>
+          </a:bodyPr>
+          <a:lstStyle/>
+          <a:p>
+            <a:r>
+              <a:rPr lang="en-US" dirty="0" err="1" smtClean="0"/>
+              <a:t>docker</a:t>
+            </a:r>
+            <a:endParaRPr lang="en-US" dirty="0"/>
+          </a:p>
+        </p:txBody>
+      </p:sp>
+      <p:sp>
+        <p:nvSpPr>
+          <p:cNvPr id="36" name="Oval 35"/>
+          <p:cNvSpPr/>
+          <p:nvPr/>
+        </p:nvSpPr>
+        <p:spPr>
+          <a:xfrm>
+            <a:off x="228600" y="1943100"/>
+            <a:ext cx="1600200" cy="990600"/>
+          </a:xfrm>
+          <a:prstGeom prst="ellipse">
+            <a:avLst/>
+          </a:prstGeom>
+        </p:spPr>
+        <p:style>
+          <a:lnRef idx="2">
+            <a:schemeClr val="accent1">
+              <a:shade val="50000"/>
+            </a:schemeClr>
+          </a:lnRef>
+          <a:fillRef idx="1">
+            <a:schemeClr val="accent1"/>
+          </a:fillRef>
+          <a:effectRef idx="0">
+            <a:schemeClr val="accent1"/>
+          </a:effectRef>
+          <a:fontRef idx="minor">
+            <a:schemeClr val="lt1"/>
+          </a:fontRef>
+        </p:style>
+        <p:txBody>
+          <a:bodyPr rtlCol="0" anchor="ctr"/>
+          <a:lstStyle/>
+          <a:p>
+            <a:pPr algn="ctr"/>
+            <a:r>
+              <a:rPr lang="en-US" sz="1400" dirty="0" err="1" smtClean="0"/>
+              <a:t>Wordpress</a:t>
+            </a:r>
+            <a:endParaRPr lang="en-US" sz="1400" dirty="0" smtClean="0"/>
+          </a:p>
+          <a:p>
+            <a:pPr algn="ctr"/>
+            <a:r>
+              <a:rPr lang="en-US" sz="1400" dirty="0" smtClean="0"/>
+              <a:t>192.168.99.100:8080</a:t>
+            </a:r>
+          </a:p>
+          <a:p>
+            <a:pPr algn="ctr"/>
+            <a:endParaRPr lang="en-US" sz="1400" dirty="0"/>
+          </a:p>
+        </p:txBody>
+      </p:sp>
+      <p:sp>
+        <p:nvSpPr>
+          <p:cNvPr id="37" name="Rectangle 36"/>
+          <p:cNvSpPr/>
+          <p:nvPr/>
+        </p:nvSpPr>
+        <p:spPr>
+          <a:xfrm>
+            <a:off x="0" y="2552700"/>
+            <a:ext cx="1176925" cy="369332"/>
+          </a:xfrm>
+          <a:prstGeom prst="rect">
+            <a:avLst/>
+          </a:prstGeom>
+        </p:spPr>
+        <p:txBody>
+          <a:bodyPr wrap="none">
+            <a:spAutoFit/>
+          </a:bodyPr>
+          <a:lstStyle/>
+          <a:p>
+            <a:r>
+              <a:rPr lang="en-US" dirty="0" smtClean="0"/>
+              <a:t>172.17.0.6</a:t>
+            </a:r>
+            <a:endParaRPr lang="en-US" dirty="0"/>
+          </a:p>
+        </p:txBody>
+      </p:sp>
+      <p:cxnSp>
+        <p:nvCxnSpPr>
+          <p:cNvPr id="39" name="Straight Arrow Connector 38"/>
+          <p:cNvCxnSpPr/>
+          <p:nvPr/>
+        </p:nvCxnSpPr>
+        <p:spPr>
+          <a:xfrm flipH="1" flipV="1">
+            <a:off x="3657600" y="800100"/>
+            <a:ext cx="3733800" cy="838200"/>
+          </a:xfrm>
+          <a:prstGeom prst="straightConnector1">
+            <a:avLst/>
+          </a:prstGeom>
+          <a:ln>
+            <a:tailEnd type="arrow"/>
+          </a:ln>
+        </p:spPr>
+        <p:style>
+          <a:lnRef idx="1">
+            <a:schemeClr val="accent1"/>
+          </a:lnRef>
+          <a:fillRef idx="0">
+            <a:schemeClr val="accent1"/>
+          </a:fillRef>
+          <a:effectRef idx="0">
+            <a:schemeClr val="accent1"/>
+          </a:effectRef>
+          <a:fontRef idx="minor">
+            <a:schemeClr val="tx1"/>
+          </a:fontRef>
+        </p:style>
+      </p:cxnSp>
+      <p:sp>
+        <p:nvSpPr>
+          <p:cNvPr id="40" name="TextBox 39"/>
+          <p:cNvSpPr txBox="1"/>
+          <p:nvPr/>
+        </p:nvSpPr>
+        <p:spPr>
+          <a:xfrm>
+            <a:off x="3429000" y="723900"/>
+            <a:ext cx="652743" cy="369332"/>
+          </a:xfrm>
+          <a:prstGeom prst="rect">
+            <a:avLst/>
+          </a:prstGeom>
+          <a:noFill/>
+        </p:spPr>
+        <p:txBody>
+          <a:bodyPr wrap="none" rtlCol="0">
+            <a:spAutoFit/>
+          </a:bodyPr>
+          <a:lstStyle/>
+          <a:p>
+            <a:r>
+              <a:rPr lang="en-US" dirty="0" smtClean="0"/>
+              <a:t>8080</a:t>
+            </a:r>
+            <a:endParaRPr lang="en-US" dirty="0"/>
+          </a:p>
+        </p:txBody>
+      </p:sp>
+    </p:spTree>
+  </p:cSld>
+  <p:clrMapOvr>
+    <a:masterClrMapping/>
+  </p:clrMapOvr>
+</p:sld>
+</file>
+
+<file path=ppt/slides/slide11.xml><?xml version="1.0" encoding="utf-8"?>
+<p:sld xmlns:a="http://schemas.openxmlformats.org/drawingml/2006/main" xmlns:r="http://schemas.openxmlformats.org/officeDocument/2006/relationships" xmlns:p="http://schemas.openxmlformats.org/presentationml/2006/main">
+  <p:cSld>
+    <p:spTree>
+      <p:nvGrpSpPr>
+        <p:cNvPr id="1" name=""/>
+        <p:cNvGrpSpPr/>
+        <p:nvPr/>
+      </p:nvGrpSpPr>
+      <p:grpSpPr>
+        <a:xfrm>
+          <a:off x="0" y="0"/>
+          <a:ext cx="0" cy="0"/>
+          <a:chOff x="0" y="0"/>
+          <a:chExt cx="0" cy="0"/>
+        </a:xfrm>
+      </p:grpSpPr>
+      <p:sp>
+        <p:nvSpPr>
+          <p:cNvPr id="2" name="TextBox 1"/>
+          <p:cNvSpPr txBox="1"/>
+          <p:nvPr/>
+        </p:nvSpPr>
+        <p:spPr>
+          <a:xfrm>
+            <a:off x="1447800" y="202168"/>
+            <a:ext cx="1657120" cy="369332"/>
+          </a:xfrm>
+          <a:prstGeom prst="rect">
+            <a:avLst/>
+          </a:prstGeom>
+          <a:noFill/>
+        </p:spPr>
+        <p:txBody>
+          <a:bodyPr wrap="none" rtlCol="0">
+            <a:spAutoFit/>
+          </a:bodyPr>
+          <a:lstStyle/>
+          <a:p>
+            <a:r>
+              <a:rPr lang="en-US" dirty="0" err="1" smtClean="0"/>
+              <a:t>Docker</a:t>
+            </a:r>
+            <a:r>
+              <a:rPr lang="en-US" dirty="0" smtClean="0"/>
+              <a:t> - Swarm</a:t>
+            </a:r>
+            <a:endParaRPr lang="en-US" dirty="0"/>
+          </a:p>
+        </p:txBody>
+      </p:sp>
+      <p:sp>
+        <p:nvSpPr>
+          <p:cNvPr id="3" name="TextBox 2"/>
+          <p:cNvSpPr txBox="1"/>
+          <p:nvPr/>
+        </p:nvSpPr>
+        <p:spPr>
+          <a:xfrm>
+            <a:off x="6705600" y="190500"/>
+            <a:ext cx="527709" cy="369332"/>
+          </a:xfrm>
+          <a:prstGeom prst="rect">
+            <a:avLst/>
+          </a:prstGeom>
+          <a:noFill/>
+        </p:spPr>
+        <p:txBody>
+          <a:bodyPr wrap="none" rtlCol="0">
+            <a:spAutoFit/>
+          </a:bodyPr>
+          <a:lstStyle/>
+          <a:p>
+            <a:r>
+              <a:rPr lang="en-US" dirty="0" smtClean="0"/>
+              <a:t>K8S</a:t>
+            </a:r>
+            <a:endParaRPr lang="en-US" dirty="0"/>
+          </a:p>
+        </p:txBody>
+      </p:sp>
+      <p:sp>
+        <p:nvSpPr>
+          <p:cNvPr id="4" name="TextBox 3"/>
+          <p:cNvSpPr txBox="1"/>
+          <p:nvPr/>
+        </p:nvSpPr>
+        <p:spPr>
+          <a:xfrm>
+            <a:off x="228600" y="791170"/>
+            <a:ext cx="4267200" cy="2031325"/>
+          </a:xfrm>
+          <a:prstGeom prst="rect">
+            <a:avLst/>
+          </a:prstGeom>
+          <a:noFill/>
+        </p:spPr>
+        <p:txBody>
+          <a:bodyPr wrap="square" rtlCol="0">
+            <a:spAutoFit/>
+          </a:bodyPr>
+          <a:lstStyle/>
+          <a:p>
+            <a:pPr marL="342900" indent="-342900">
+              <a:buAutoNum type="arabicPeriod"/>
+            </a:pPr>
+            <a:r>
+              <a:rPr lang="en-US" dirty="0" smtClean="0"/>
+              <a:t>Open Source, </a:t>
+            </a:r>
+            <a:r>
+              <a:rPr lang="en-US" dirty="0" err="1" smtClean="0"/>
+              <a:t>D</a:t>
+            </a:r>
+            <a:r>
+              <a:rPr lang="en-US" dirty="0" err="1" smtClean="0"/>
+              <a:t>ocker</a:t>
+            </a:r>
+            <a:endParaRPr lang="en-US" dirty="0" smtClean="0"/>
+          </a:p>
+          <a:p>
+            <a:pPr marL="342900" indent="-342900">
+              <a:buAutoNum type="arabicPeriod"/>
+            </a:pPr>
+            <a:r>
+              <a:rPr lang="en-US" dirty="0" smtClean="0"/>
+              <a:t>New, not very battle tested</a:t>
+            </a:r>
+          </a:p>
+          <a:p>
+            <a:pPr marL="342900" indent="-342900">
+              <a:buAutoNum type="arabicPeriod"/>
+            </a:pPr>
+            <a:r>
+              <a:rPr lang="en-US" dirty="0" smtClean="0"/>
+              <a:t>Closely tied to </a:t>
+            </a:r>
+            <a:r>
+              <a:rPr lang="en-US" dirty="0" err="1" smtClean="0"/>
+              <a:t>Docker</a:t>
+            </a:r>
+            <a:endParaRPr lang="en-US" dirty="0" smtClean="0"/>
+          </a:p>
+          <a:p>
+            <a:pPr marL="342900" indent="-342900">
+              <a:buAutoNum type="arabicPeriod"/>
+            </a:pPr>
+            <a:r>
+              <a:rPr lang="en-US" dirty="0" smtClean="0"/>
+              <a:t>No new terminology or new ways of doing things</a:t>
+            </a:r>
+          </a:p>
+          <a:p>
+            <a:pPr marL="342900" indent="-342900">
+              <a:buAutoNum type="arabicPeriod"/>
+            </a:pPr>
+            <a:r>
+              <a:rPr lang="en-US" dirty="0" smtClean="0"/>
+              <a:t>Learning curve is easy</a:t>
+            </a:r>
+          </a:p>
+          <a:p>
+            <a:pPr marL="342900" indent="-342900">
+              <a:buAutoNum type="arabicPeriod"/>
+            </a:pPr>
+            <a:r>
+              <a:rPr lang="en-US" dirty="0" smtClean="0"/>
+              <a:t>Vendor lock in</a:t>
+            </a:r>
+            <a:endParaRPr lang="en-US" dirty="0"/>
+          </a:p>
+        </p:txBody>
+      </p:sp>
+      <p:sp>
+        <p:nvSpPr>
+          <p:cNvPr id="5" name="TextBox 4"/>
+          <p:cNvSpPr txBox="1"/>
+          <p:nvPr/>
+        </p:nvSpPr>
+        <p:spPr>
+          <a:xfrm>
+            <a:off x="4954874" y="800100"/>
+            <a:ext cx="4189126" cy="2031325"/>
+          </a:xfrm>
+          <a:prstGeom prst="rect">
+            <a:avLst/>
+          </a:prstGeom>
+          <a:noFill/>
+        </p:spPr>
+        <p:txBody>
+          <a:bodyPr wrap="square" rtlCol="0">
+            <a:spAutoFit/>
+          </a:bodyPr>
+          <a:lstStyle/>
+          <a:p>
+            <a:pPr marL="342900" indent="-342900">
+              <a:buAutoNum type="arabicPeriod"/>
+            </a:pPr>
+            <a:r>
+              <a:rPr lang="en-US" dirty="0" smtClean="0"/>
+              <a:t>Open Source, </a:t>
+            </a:r>
+            <a:r>
+              <a:rPr lang="en-US" dirty="0" err="1" smtClean="0"/>
+              <a:t>google</a:t>
+            </a:r>
+            <a:endParaRPr lang="en-US" dirty="0" smtClean="0"/>
+          </a:p>
+          <a:p>
+            <a:pPr marL="342900" indent="-342900">
+              <a:buAutoNum type="arabicPeriod"/>
+            </a:pPr>
+            <a:r>
+              <a:rPr lang="en-US" dirty="0" smtClean="0"/>
+              <a:t>Battle tested- 10000’s nodes</a:t>
+            </a:r>
+          </a:p>
+          <a:p>
+            <a:pPr marL="342900" indent="-342900">
+              <a:buAutoNum type="arabicPeriod"/>
+            </a:pPr>
+            <a:r>
+              <a:rPr lang="en-US" dirty="0" smtClean="0"/>
+              <a:t>K8s -&gt; any Open Container Spec</a:t>
+            </a:r>
+          </a:p>
+          <a:p>
+            <a:pPr marL="342900" indent="-342900">
+              <a:buAutoNum type="arabicPeriod"/>
+            </a:pPr>
+            <a:r>
+              <a:rPr lang="en-US" dirty="0" smtClean="0"/>
+              <a:t>New terms and terminology to interact with containers</a:t>
+            </a:r>
+          </a:p>
+          <a:p>
+            <a:pPr marL="342900" indent="-342900">
+              <a:buAutoNum type="arabicPeriod"/>
+            </a:pPr>
+            <a:r>
+              <a:rPr lang="en-US" dirty="0" smtClean="0"/>
+              <a:t>Learning curve is steep</a:t>
+            </a:r>
+          </a:p>
+          <a:p>
+            <a:pPr marL="342900" indent="-342900">
+              <a:buAutoNum type="arabicPeriod"/>
+            </a:pPr>
+            <a:r>
+              <a:rPr lang="en-US" dirty="0" smtClean="0"/>
+              <a:t>No Vendor lock in</a:t>
+            </a:r>
+            <a:endParaRPr lang="en-US" dirty="0"/>
+          </a:p>
+        </p:txBody>
+      </p:sp>
+      <p:sp>
+        <p:nvSpPr>
+          <p:cNvPr id="7" name="TextBox 6"/>
+          <p:cNvSpPr txBox="1"/>
+          <p:nvPr/>
+        </p:nvSpPr>
+        <p:spPr>
+          <a:xfrm>
+            <a:off x="5105400" y="3924300"/>
+            <a:ext cx="818429" cy="369332"/>
+          </a:xfrm>
+          <a:prstGeom prst="rect">
+            <a:avLst/>
+          </a:prstGeom>
+          <a:noFill/>
+        </p:spPr>
+        <p:txBody>
+          <a:bodyPr wrap="none" rtlCol="0">
+            <a:spAutoFit/>
+          </a:bodyPr>
+          <a:lstStyle/>
+          <a:p>
+            <a:r>
+              <a:rPr lang="en-US" dirty="0" err="1" smtClean="0"/>
+              <a:t>docker</a:t>
+            </a:r>
+            <a:endParaRPr lang="en-US" dirty="0"/>
+          </a:p>
+        </p:txBody>
+      </p:sp>
+      <p:cxnSp>
+        <p:nvCxnSpPr>
+          <p:cNvPr id="9" name="Straight Arrow Connector 8"/>
+          <p:cNvCxnSpPr>
+            <a:stCxn id="7" idx="3"/>
+            <a:endCxn id="12" idx="2"/>
+          </p:cNvCxnSpPr>
+          <p:nvPr/>
+        </p:nvCxnSpPr>
+        <p:spPr>
+          <a:xfrm flipV="1">
+            <a:off x="5923829" y="3657600"/>
+            <a:ext cx="781771" cy="451366"/>
+          </a:xfrm>
+          <a:prstGeom prst="straightConnector1">
+            <a:avLst/>
+          </a:prstGeom>
+          <a:ln>
+            <a:tailEnd type="arrow"/>
+          </a:ln>
+        </p:spPr>
+        <p:style>
+          <a:lnRef idx="1">
+            <a:schemeClr val="accent1"/>
+          </a:lnRef>
+          <a:fillRef idx="0">
+            <a:schemeClr val="accent1"/>
+          </a:fillRef>
+          <a:effectRef idx="0">
+            <a:schemeClr val="accent1"/>
+          </a:effectRef>
+          <a:fontRef idx="minor">
+            <a:schemeClr val="tx1"/>
+          </a:fontRef>
+        </p:style>
+      </p:cxnSp>
+      <p:cxnSp>
+        <p:nvCxnSpPr>
+          <p:cNvPr id="11" name="Straight Arrow Connector 10"/>
+          <p:cNvCxnSpPr>
+            <a:stCxn id="7" idx="3"/>
+          </p:cNvCxnSpPr>
+          <p:nvPr/>
+        </p:nvCxnSpPr>
+        <p:spPr>
+          <a:xfrm>
+            <a:off x="5923829" y="4108966"/>
+            <a:ext cx="857971" cy="348734"/>
+          </a:xfrm>
+          <a:prstGeom prst="straightConnector1">
+            <a:avLst/>
+          </a:prstGeom>
+          <a:ln>
+            <a:tailEnd type="arrow"/>
+          </a:ln>
+        </p:spPr>
+        <p:style>
+          <a:lnRef idx="1">
+            <a:schemeClr val="accent1"/>
+          </a:lnRef>
+          <a:fillRef idx="0">
+            <a:schemeClr val="accent1"/>
+          </a:fillRef>
+          <a:effectRef idx="0">
+            <a:schemeClr val="accent1"/>
+          </a:effectRef>
+          <a:fontRef idx="minor">
+            <a:schemeClr val="tx1"/>
+          </a:fontRef>
+        </p:style>
+      </p:cxnSp>
+      <p:sp>
+        <p:nvSpPr>
+          <p:cNvPr id="12" name="Oval 11"/>
+          <p:cNvSpPr/>
+          <p:nvPr/>
+        </p:nvSpPr>
+        <p:spPr>
+          <a:xfrm>
+            <a:off x="6705600" y="3467100"/>
+            <a:ext cx="762000" cy="381000"/>
+          </a:xfrm>
+          <a:prstGeom prst="ellipse">
+            <a:avLst/>
+          </a:prstGeom>
+        </p:spPr>
+        <p:style>
+          <a:lnRef idx="2">
+            <a:schemeClr val="accent1">
+              <a:shade val="50000"/>
+            </a:schemeClr>
+          </a:lnRef>
+          <a:fillRef idx="1">
+            <a:schemeClr val="accent1"/>
+          </a:fillRef>
+          <a:effectRef idx="0">
+            <a:schemeClr val="accent1"/>
+          </a:effectRef>
+          <a:fontRef idx="minor">
+            <a:schemeClr val="lt1"/>
+          </a:fontRef>
+        </p:style>
+        <p:txBody>
+          <a:bodyPr rtlCol="0" anchor="ctr"/>
+          <a:lstStyle/>
+          <a:p>
+            <a:pPr algn="ctr"/>
+            <a:endParaRPr lang="en-US"/>
+          </a:p>
+        </p:txBody>
+      </p:sp>
+      <p:sp>
+        <p:nvSpPr>
+          <p:cNvPr id="13" name="Oval 12"/>
+          <p:cNvSpPr/>
+          <p:nvPr/>
+        </p:nvSpPr>
+        <p:spPr>
+          <a:xfrm>
+            <a:off x="6781800" y="4305300"/>
+            <a:ext cx="762000" cy="381000"/>
+          </a:xfrm>
+          <a:prstGeom prst="ellipse">
+            <a:avLst/>
+          </a:prstGeom>
+        </p:spPr>
+        <p:style>
+          <a:lnRef idx="2">
+            <a:schemeClr val="accent1">
+              <a:shade val="50000"/>
+            </a:schemeClr>
+          </a:lnRef>
+          <a:fillRef idx="1">
+            <a:schemeClr val="accent1"/>
+          </a:fillRef>
+          <a:effectRef idx="0">
+            <a:schemeClr val="accent1"/>
+          </a:effectRef>
+          <a:fontRef idx="minor">
+            <a:schemeClr val="lt1"/>
+          </a:fontRef>
+        </p:style>
+        <p:txBody>
+          <a:bodyPr rtlCol="0" anchor="ctr"/>
+          <a:lstStyle/>
+          <a:p>
+            <a:pPr algn="ctr"/>
+            <a:endParaRPr lang="en-US"/>
+          </a:p>
+        </p:txBody>
+      </p:sp>
+      <p:sp>
+        <p:nvSpPr>
+          <p:cNvPr id="15" name="Rectangle 14"/>
+          <p:cNvSpPr/>
+          <p:nvPr/>
+        </p:nvSpPr>
+        <p:spPr>
+          <a:xfrm>
+            <a:off x="4267200" y="3238500"/>
+            <a:ext cx="381000" cy="2438400"/>
+          </a:xfrm>
+          <a:prstGeom prst="rect">
+            <a:avLst/>
+          </a:prstGeom>
+        </p:spPr>
+        <p:style>
+          <a:lnRef idx="2">
+            <a:schemeClr val="accent1">
+              <a:shade val="50000"/>
+            </a:schemeClr>
+          </a:lnRef>
+          <a:fillRef idx="1">
+            <a:schemeClr val="accent1"/>
+          </a:fillRef>
+          <a:effectRef idx="0">
+            <a:schemeClr val="accent1"/>
+          </a:effectRef>
+          <a:fontRef idx="minor">
+            <a:schemeClr val="lt1"/>
+          </a:fontRef>
+        </p:style>
+        <p:txBody>
+          <a:bodyPr rtlCol="0" anchor="ctr"/>
+          <a:lstStyle/>
+          <a:p>
+            <a:pPr algn="ctr"/>
+            <a:r>
+              <a:rPr lang="en-US" dirty="0" smtClean="0"/>
+              <a:t>adapters</a:t>
+            </a:r>
+            <a:endParaRPr lang="en-US" dirty="0"/>
+          </a:p>
+        </p:txBody>
+      </p:sp>
+      <p:cxnSp>
+        <p:nvCxnSpPr>
+          <p:cNvPr id="17" name="Straight Arrow Connector 16"/>
+          <p:cNvCxnSpPr>
+            <a:stCxn id="15" idx="3"/>
+            <a:endCxn id="7" idx="1"/>
+          </p:cNvCxnSpPr>
+          <p:nvPr/>
+        </p:nvCxnSpPr>
+        <p:spPr>
+          <a:xfrm flipV="1">
+            <a:off x="4648200" y="4108966"/>
+            <a:ext cx="457200" cy="348734"/>
+          </a:xfrm>
+          <a:prstGeom prst="straightConnector1">
+            <a:avLst/>
+          </a:prstGeom>
+          <a:ln>
+            <a:tailEnd type="arrow"/>
+          </a:ln>
+        </p:spPr>
+        <p:style>
+          <a:lnRef idx="1">
+            <a:schemeClr val="accent1"/>
+          </a:lnRef>
+          <a:fillRef idx="0">
+            <a:schemeClr val="accent1"/>
+          </a:fillRef>
+          <a:effectRef idx="0">
+            <a:schemeClr val="accent1"/>
+          </a:effectRef>
+          <a:fontRef idx="minor">
+            <a:schemeClr val="tx1"/>
+          </a:fontRef>
+        </p:style>
+      </p:cxnSp>
+      <p:sp>
+        <p:nvSpPr>
+          <p:cNvPr id="18" name="TextBox 17"/>
+          <p:cNvSpPr txBox="1"/>
+          <p:nvPr/>
+        </p:nvSpPr>
+        <p:spPr>
+          <a:xfrm>
+            <a:off x="1981200" y="4000500"/>
+            <a:ext cx="1594988" cy="369332"/>
+          </a:xfrm>
+          <a:prstGeom prst="rect">
+            <a:avLst/>
+          </a:prstGeom>
+          <a:noFill/>
+        </p:spPr>
+        <p:txBody>
+          <a:bodyPr wrap="none" rtlCol="0">
+            <a:spAutoFit/>
+          </a:bodyPr>
+          <a:lstStyle/>
+          <a:p>
+            <a:r>
+              <a:rPr lang="en-US" dirty="0" smtClean="0"/>
+              <a:t>K8s commands</a:t>
+            </a:r>
+            <a:endParaRPr lang="en-US" dirty="0"/>
+          </a:p>
+        </p:txBody>
+      </p:sp>
+      <p:cxnSp>
+        <p:nvCxnSpPr>
+          <p:cNvPr id="20" name="Straight Arrow Connector 19"/>
+          <p:cNvCxnSpPr>
+            <a:endCxn id="15" idx="1"/>
+          </p:cNvCxnSpPr>
+          <p:nvPr/>
+        </p:nvCxnSpPr>
+        <p:spPr>
+          <a:xfrm>
+            <a:off x="3657600" y="4152900"/>
+            <a:ext cx="609600" cy="304800"/>
+          </a:xfrm>
+          <a:prstGeom prst="straightConnector1">
+            <a:avLst/>
+          </a:prstGeom>
+          <a:ln>
+            <a:tailEnd type="arrow"/>
+          </a:ln>
+        </p:spPr>
+        <p:style>
+          <a:lnRef idx="1">
+            <a:schemeClr val="accent1"/>
+          </a:lnRef>
+          <a:fillRef idx="0">
+            <a:schemeClr val="accent1"/>
+          </a:fillRef>
+          <a:effectRef idx="0">
+            <a:schemeClr val="accent1"/>
+          </a:effectRef>
+          <a:fontRef idx="minor">
+            <a:schemeClr val="tx1"/>
+          </a:fontRef>
+        </p:style>
+      </p:cxnSp>
+    </p:spTree>
+  </p:cSld>
+  <p:clrMapOvr>
+    <a:masterClrMapping/>
+  </p:clrMapOvr>
+</p:sld>
+</file>
+
+<file path=ppt/slides/slide12.xml><?xml version="1.0" encoding="utf-8"?>
+<p:sld xmlns:a="http://schemas.openxmlformats.org/drawingml/2006/main" xmlns:r="http://schemas.openxmlformats.org/officeDocument/2006/relationships" xmlns:p="http://schemas.openxmlformats.org/presentationml/2006/main">
+  <p:cSld>
+    <p:spTree>
+      <p:nvGrpSpPr>
+        <p:cNvPr id="1" name=""/>
+        <p:cNvGrpSpPr/>
+        <p:nvPr/>
+      </p:nvGrpSpPr>
+      <p:grpSpPr>
+        <a:xfrm>
+          <a:off x="0" y="0"/>
+          <a:ext cx="0" cy="0"/>
+          <a:chOff x="0" y="0"/>
+          <a:chExt cx="0" cy="0"/>
+        </a:xfrm>
+      </p:grpSpPr>
+      <p:sp>
+        <p:nvSpPr>
+          <p:cNvPr id="3" name="TextBox 2"/>
+          <p:cNvSpPr txBox="1"/>
+          <p:nvPr/>
+        </p:nvSpPr>
+        <p:spPr>
+          <a:xfrm>
+            <a:off x="762000" y="723900"/>
+            <a:ext cx="4931158" cy="1754326"/>
+          </a:xfrm>
+          <a:prstGeom prst="rect">
+            <a:avLst/>
+          </a:prstGeom>
+          <a:noFill/>
+        </p:spPr>
+        <p:txBody>
+          <a:bodyPr wrap="none" rtlCol="0">
+            <a:spAutoFit/>
+          </a:bodyPr>
+          <a:lstStyle/>
+          <a:p>
+            <a:pPr marL="342900" indent="-342900">
+              <a:buAutoNum type="arabicPeriod"/>
+            </a:pPr>
+            <a:r>
+              <a:rPr lang="en-US" dirty="0" err="1" smtClean="0"/>
+              <a:t>Minikube</a:t>
+            </a:r>
+            <a:r>
+              <a:rPr lang="en-US" dirty="0" smtClean="0"/>
+              <a:t> </a:t>
+            </a:r>
+            <a:r>
+              <a:rPr lang="en-US" dirty="0" smtClean="0">
+                <a:sym typeface="Wingdings" pitchFamily="2" charset="2"/>
+              </a:rPr>
+              <a:t> single node cluster  k8s running</a:t>
+            </a:r>
+          </a:p>
+          <a:p>
+            <a:pPr marL="342900" indent="-342900">
+              <a:buAutoNum type="arabicPeriod"/>
+            </a:pPr>
+            <a:r>
+              <a:rPr lang="en-US" dirty="0" smtClean="0">
+                <a:sym typeface="Wingdings" pitchFamily="2" charset="2"/>
+              </a:rPr>
+              <a:t>Understand the terms and terminology of k8s</a:t>
+            </a:r>
+          </a:p>
+          <a:p>
+            <a:pPr marL="342900" indent="-342900">
+              <a:buAutoNum type="arabicPeriod"/>
+            </a:pPr>
+            <a:r>
+              <a:rPr lang="en-US" dirty="0" smtClean="0">
+                <a:sym typeface="Wingdings" pitchFamily="2" charset="2"/>
+              </a:rPr>
+              <a:t>Architecture of k8s</a:t>
+            </a:r>
+          </a:p>
+          <a:p>
+            <a:pPr marL="342900" indent="-342900">
+              <a:buAutoNum type="arabicPeriod"/>
+            </a:pPr>
+            <a:r>
+              <a:rPr lang="en-US" dirty="0" smtClean="0">
+                <a:sym typeface="Wingdings" pitchFamily="2" charset="2"/>
+              </a:rPr>
+              <a:t>Multi node setup of k8s</a:t>
+            </a:r>
+          </a:p>
+          <a:p>
+            <a:pPr marL="342900" indent="-342900">
+              <a:buAutoNum type="arabicPeriod"/>
+            </a:pPr>
+            <a:r>
+              <a:rPr lang="en-US" dirty="0" err="1" smtClean="0">
+                <a:sym typeface="Wingdings" pitchFamily="2" charset="2"/>
+              </a:rPr>
+              <a:t>ci-cd</a:t>
+            </a:r>
+            <a:r>
+              <a:rPr lang="en-US" dirty="0" smtClean="0">
+                <a:sym typeface="Wingdings" pitchFamily="2" charset="2"/>
+              </a:rPr>
+              <a:t> system – code to deploy</a:t>
+            </a:r>
+          </a:p>
+          <a:p>
+            <a:pPr marL="342900" indent="-342900"/>
+            <a:endParaRPr lang="en-US" dirty="0"/>
+          </a:p>
+        </p:txBody>
+      </p:sp>
+    </p:spTree>
+  </p:cSld>
+  <p:clrMapOvr>
+    <a:masterClrMapping/>
+  </p:clrMapOvr>
+</p:sld>
+</file>
+
+<file path=ppt/slides/slide13.xml><?xml version="1.0" encoding="utf-8"?>
+<p:sld xmlns:a="http://schemas.openxmlformats.org/drawingml/2006/main" xmlns:r="http://schemas.openxmlformats.org/officeDocument/2006/relationships" xmlns:p="http://schemas.openxmlformats.org/presentationml/2006/main">
+  <p:cSld>
+    <p:spTree>
+      <p:nvGrpSpPr>
+        <p:cNvPr id="1" name=""/>
+        <p:cNvGrpSpPr/>
+        <p:nvPr/>
+      </p:nvGrpSpPr>
+      <p:grpSpPr>
+        <a:xfrm>
+          <a:off x="0" y="0"/>
+          <a:ext cx="0" cy="0"/>
+          <a:chOff x="0" y="0"/>
+          <a:chExt cx="0" cy="0"/>
+        </a:xfrm>
+      </p:grpSpPr>
+      <p:sp>
+        <p:nvSpPr>
+          <p:cNvPr id="2" name="Rectangle 1"/>
+          <p:cNvSpPr/>
+          <p:nvPr/>
+        </p:nvSpPr>
+        <p:spPr>
+          <a:xfrm>
+            <a:off x="2057400" y="266700"/>
+            <a:ext cx="6477000" cy="4800600"/>
+          </a:xfrm>
+          <a:prstGeom prst="rect">
+            <a:avLst/>
+          </a:prstGeom>
+          <a:noFill/>
+        </p:spPr>
+        <p:style>
+          <a:lnRef idx="2">
+            <a:schemeClr val="accent1">
+              <a:shade val="50000"/>
+            </a:schemeClr>
+          </a:lnRef>
+          <a:fillRef idx="1">
+            <a:schemeClr val="accent1"/>
+          </a:fillRef>
+          <a:effectRef idx="0">
+            <a:schemeClr val="accent1"/>
+          </a:effectRef>
+          <a:fontRef idx="minor">
+            <a:schemeClr val="lt1"/>
+          </a:fontRef>
+        </p:style>
+        <p:txBody>
+          <a:bodyPr rtlCol="0" anchor="ctr"/>
+          <a:lstStyle/>
+          <a:p>
+            <a:pPr algn="ctr"/>
+            <a:endParaRPr lang="en-US"/>
+          </a:p>
+        </p:txBody>
+      </p:sp>
+      <p:sp>
+        <p:nvSpPr>
+          <p:cNvPr id="3" name="TextBox 2"/>
+          <p:cNvSpPr txBox="1"/>
+          <p:nvPr/>
+        </p:nvSpPr>
+        <p:spPr>
+          <a:xfrm>
+            <a:off x="2057400" y="266700"/>
+            <a:ext cx="1056956" cy="369332"/>
+          </a:xfrm>
+          <a:prstGeom prst="rect">
+            <a:avLst/>
+          </a:prstGeom>
+          <a:noFill/>
+        </p:spPr>
+        <p:txBody>
+          <a:bodyPr wrap="none" rtlCol="0">
+            <a:spAutoFit/>
+          </a:bodyPr>
+          <a:lstStyle/>
+          <a:p>
+            <a:r>
+              <a:rPr lang="en-US" dirty="0" err="1" smtClean="0"/>
+              <a:t>minikube</a:t>
+            </a:r>
+            <a:endParaRPr lang="en-US" dirty="0"/>
+          </a:p>
+        </p:txBody>
+      </p:sp>
+      <p:sp>
+        <p:nvSpPr>
+          <p:cNvPr id="4" name="TextBox 3"/>
+          <p:cNvSpPr txBox="1"/>
+          <p:nvPr/>
+        </p:nvSpPr>
+        <p:spPr>
+          <a:xfrm>
+            <a:off x="3352800" y="3619500"/>
+            <a:ext cx="849913" cy="461665"/>
+          </a:xfrm>
+          <a:prstGeom prst="rect">
+            <a:avLst/>
+          </a:prstGeom>
+          <a:noFill/>
+        </p:spPr>
+        <p:txBody>
+          <a:bodyPr wrap="none" rtlCol="0">
+            <a:spAutoFit/>
+          </a:bodyPr>
+          <a:lstStyle/>
+          <a:p>
+            <a:r>
+              <a:rPr lang="en-US" sz="1200" dirty="0" smtClean="0"/>
+              <a:t>w1</a:t>
+            </a:r>
+          </a:p>
+          <a:p>
+            <a:r>
+              <a:rPr lang="en-US" sz="1200" dirty="0" smtClean="0"/>
+              <a:t>172.18.0.2</a:t>
+            </a:r>
+            <a:endParaRPr lang="en-US" sz="1200" dirty="0"/>
+          </a:p>
+        </p:txBody>
+      </p:sp>
+      <p:sp>
+        <p:nvSpPr>
+          <p:cNvPr id="5" name="TextBox 4"/>
+          <p:cNvSpPr txBox="1"/>
+          <p:nvPr/>
+        </p:nvSpPr>
+        <p:spPr>
+          <a:xfrm>
+            <a:off x="5486400" y="3467100"/>
+            <a:ext cx="849913" cy="830997"/>
+          </a:xfrm>
+          <a:prstGeom prst="rect">
+            <a:avLst/>
+          </a:prstGeom>
+          <a:noFill/>
+        </p:spPr>
+        <p:txBody>
+          <a:bodyPr wrap="none" rtlCol="0">
+            <a:spAutoFit/>
+          </a:bodyPr>
+          <a:lstStyle/>
+          <a:p>
+            <a:r>
+              <a:rPr lang="en-US" sz="1200" dirty="0" smtClean="0"/>
+              <a:t>db</a:t>
+            </a:r>
+          </a:p>
+          <a:p>
+            <a:r>
+              <a:rPr lang="en-US" sz="1200" dirty="0" smtClean="0"/>
+              <a:t>172.18.0.3</a:t>
+            </a:r>
+          </a:p>
+          <a:p>
+            <a:r>
+              <a:rPr lang="en-US" sz="1200" dirty="0" smtClean="0"/>
+              <a:t>172.19.0.3</a:t>
+            </a:r>
+          </a:p>
+          <a:p>
+            <a:endParaRPr lang="en-US" sz="1200" dirty="0"/>
+          </a:p>
+        </p:txBody>
+      </p:sp>
+      <p:sp>
+        <p:nvSpPr>
+          <p:cNvPr id="6" name="TextBox 5"/>
+          <p:cNvSpPr txBox="1"/>
+          <p:nvPr/>
+        </p:nvSpPr>
+        <p:spPr>
+          <a:xfrm>
+            <a:off x="5334000" y="1714500"/>
+            <a:ext cx="849913" cy="461665"/>
+          </a:xfrm>
+          <a:prstGeom prst="rect">
+            <a:avLst/>
+          </a:prstGeom>
+          <a:noFill/>
+        </p:spPr>
+        <p:txBody>
+          <a:bodyPr wrap="none" rtlCol="0">
+            <a:spAutoFit/>
+          </a:bodyPr>
+          <a:lstStyle/>
+          <a:p>
+            <a:r>
+              <a:rPr lang="en-US" sz="1200" dirty="0" smtClean="0"/>
+              <a:t>w2</a:t>
+            </a:r>
+          </a:p>
+          <a:p>
+            <a:r>
+              <a:rPr lang="en-US" sz="1200" dirty="0" smtClean="0"/>
+              <a:t>172.19.0.2</a:t>
+            </a:r>
+            <a:endParaRPr lang="en-US" sz="1200" dirty="0"/>
+          </a:p>
+        </p:txBody>
+      </p:sp>
+      <p:cxnSp>
+        <p:nvCxnSpPr>
+          <p:cNvPr id="8" name="Straight Arrow Connector 7"/>
+          <p:cNvCxnSpPr>
+            <a:stCxn id="4" idx="3"/>
+            <a:endCxn id="5" idx="1"/>
+          </p:cNvCxnSpPr>
+          <p:nvPr/>
+        </p:nvCxnSpPr>
+        <p:spPr>
+          <a:xfrm>
+            <a:off x="4202713" y="3850333"/>
+            <a:ext cx="1283687" cy="32266"/>
+          </a:xfrm>
+          <a:prstGeom prst="straightConnector1">
+            <a:avLst/>
+          </a:prstGeom>
+          <a:ln>
+            <a:headEnd type="arrow"/>
+            <a:tailEnd type="arrow"/>
+          </a:ln>
+        </p:spPr>
+        <p:style>
+          <a:lnRef idx="1">
+            <a:schemeClr val="accent1"/>
+          </a:lnRef>
+          <a:fillRef idx="0">
+            <a:schemeClr val="accent1"/>
+          </a:fillRef>
+          <a:effectRef idx="0">
+            <a:schemeClr val="accent1"/>
+          </a:effectRef>
+          <a:fontRef idx="minor">
+            <a:schemeClr val="tx1"/>
+          </a:fontRef>
+        </p:style>
+      </p:cxnSp>
+      <p:cxnSp>
+        <p:nvCxnSpPr>
+          <p:cNvPr id="10" name="Straight Arrow Connector 9"/>
+          <p:cNvCxnSpPr>
+            <a:stCxn id="5" idx="0"/>
+            <a:endCxn id="6" idx="2"/>
+          </p:cNvCxnSpPr>
+          <p:nvPr/>
+        </p:nvCxnSpPr>
+        <p:spPr>
+          <a:xfrm flipH="1" flipV="1">
+            <a:off x="5758957" y="2176165"/>
+            <a:ext cx="152400" cy="1290935"/>
+          </a:xfrm>
+          <a:prstGeom prst="straightConnector1">
+            <a:avLst/>
+          </a:prstGeom>
+          <a:ln>
+            <a:headEnd type="arrow"/>
+            <a:tailEnd type="arrow"/>
+          </a:ln>
+        </p:spPr>
+        <p:style>
+          <a:lnRef idx="1">
+            <a:schemeClr val="accent1"/>
+          </a:lnRef>
+          <a:fillRef idx="0">
+            <a:schemeClr val="accent1"/>
+          </a:fillRef>
+          <a:effectRef idx="0">
+            <a:schemeClr val="accent1"/>
+          </a:effectRef>
+          <a:fontRef idx="minor">
+            <a:schemeClr val="tx1"/>
+          </a:fontRef>
+        </p:style>
+      </p:cxnSp>
+      <p:cxnSp>
+        <p:nvCxnSpPr>
+          <p:cNvPr id="12" name="Straight Arrow Connector 11"/>
+          <p:cNvCxnSpPr/>
+          <p:nvPr/>
+        </p:nvCxnSpPr>
+        <p:spPr>
+          <a:xfrm>
+            <a:off x="2286000" y="1028700"/>
+            <a:ext cx="7030" cy="376535"/>
+          </a:xfrm>
+          <a:prstGeom prst="straightConnector1">
+            <a:avLst/>
+          </a:prstGeom>
+          <a:ln>
+            <a:headEnd type="arrow"/>
+            <a:tailEnd type="arrow"/>
+          </a:ln>
+        </p:spPr>
+        <p:style>
+          <a:lnRef idx="1">
+            <a:schemeClr val="accent1"/>
+          </a:lnRef>
+          <a:fillRef idx="0">
+            <a:schemeClr val="accent1"/>
+          </a:fillRef>
+          <a:effectRef idx="0">
+            <a:schemeClr val="accent1"/>
+          </a:effectRef>
+          <a:fontRef idx="minor">
+            <a:schemeClr val="tx1"/>
+          </a:fontRef>
+        </p:style>
+      </p:cxnSp>
+      <p:sp>
+        <p:nvSpPr>
+          <p:cNvPr id="13" name="TextBox 12"/>
+          <p:cNvSpPr txBox="1"/>
+          <p:nvPr/>
+        </p:nvSpPr>
+        <p:spPr>
+          <a:xfrm>
+            <a:off x="4419600" y="723900"/>
+            <a:ext cx="1501052" cy="276999"/>
+          </a:xfrm>
+          <a:prstGeom prst="rect">
+            <a:avLst/>
+          </a:prstGeom>
+          <a:noFill/>
+        </p:spPr>
+        <p:txBody>
+          <a:bodyPr wrap="none" rtlCol="0">
+            <a:spAutoFit/>
+          </a:bodyPr>
+          <a:lstStyle/>
+          <a:p>
+            <a:r>
+              <a:rPr lang="en-US" sz="1200" dirty="0" smtClean="0"/>
+              <a:t>Bridge 172.17.0.0/16</a:t>
+            </a:r>
+            <a:endParaRPr lang="en-US" dirty="0"/>
+          </a:p>
+        </p:txBody>
+      </p:sp>
+      <p:sp>
+        <p:nvSpPr>
+          <p:cNvPr id="14" name="Cloud 13"/>
+          <p:cNvSpPr/>
+          <p:nvPr/>
+        </p:nvSpPr>
+        <p:spPr>
+          <a:xfrm>
+            <a:off x="3810000" y="419100"/>
+            <a:ext cx="3962400" cy="609600"/>
+          </a:xfrm>
+          <a:prstGeom prst="cloud">
+            <a:avLst/>
+          </a:prstGeom>
+          <a:noFill/>
+        </p:spPr>
+        <p:style>
+          <a:lnRef idx="2">
+            <a:schemeClr val="accent1">
+              <a:shade val="50000"/>
+            </a:schemeClr>
+          </a:lnRef>
+          <a:fillRef idx="1">
+            <a:schemeClr val="accent1"/>
+          </a:fillRef>
+          <a:effectRef idx="0">
+            <a:schemeClr val="accent1"/>
+          </a:effectRef>
+          <a:fontRef idx="minor">
+            <a:schemeClr val="lt1"/>
+          </a:fontRef>
+        </p:style>
+        <p:txBody>
+          <a:bodyPr rtlCol="0" anchor="ctr"/>
+          <a:lstStyle/>
+          <a:p>
+            <a:pPr algn="ctr"/>
+            <a:endParaRPr lang="en-US"/>
+          </a:p>
+        </p:txBody>
+      </p:sp>
+      <p:sp>
+        <p:nvSpPr>
+          <p:cNvPr id="15" name="TextBox 14"/>
+          <p:cNvSpPr txBox="1"/>
+          <p:nvPr/>
+        </p:nvSpPr>
+        <p:spPr>
+          <a:xfrm>
+            <a:off x="2667000" y="3238500"/>
+            <a:ext cx="1751570" cy="276999"/>
+          </a:xfrm>
+          <a:prstGeom prst="rect">
+            <a:avLst/>
+          </a:prstGeom>
+          <a:noFill/>
+        </p:spPr>
+        <p:txBody>
+          <a:bodyPr wrap="none" rtlCol="0">
+            <a:spAutoFit/>
+          </a:bodyPr>
+          <a:lstStyle/>
+          <a:p>
+            <a:r>
+              <a:rPr lang="en-US" sz="1200" dirty="0" smtClean="0"/>
+              <a:t>w1-db-net 172.18.0.0/16</a:t>
+            </a:r>
+            <a:endParaRPr lang="en-US" dirty="0"/>
+          </a:p>
+        </p:txBody>
+      </p:sp>
+      <p:sp>
+        <p:nvSpPr>
+          <p:cNvPr id="16" name="Cloud 15"/>
+          <p:cNvSpPr/>
+          <p:nvPr/>
+        </p:nvSpPr>
+        <p:spPr>
+          <a:xfrm>
+            <a:off x="2819400" y="2933700"/>
+            <a:ext cx="3962400" cy="1752600"/>
+          </a:xfrm>
+          <a:prstGeom prst="cloud">
+            <a:avLst/>
+          </a:prstGeom>
+          <a:noFill/>
+        </p:spPr>
+        <p:style>
+          <a:lnRef idx="2">
+            <a:schemeClr val="accent1">
+              <a:shade val="50000"/>
+            </a:schemeClr>
+          </a:lnRef>
+          <a:fillRef idx="1">
+            <a:schemeClr val="accent1"/>
+          </a:fillRef>
+          <a:effectRef idx="0">
+            <a:schemeClr val="accent1"/>
+          </a:effectRef>
+          <a:fontRef idx="minor">
+            <a:schemeClr val="lt1"/>
+          </a:fontRef>
+        </p:style>
+        <p:txBody>
+          <a:bodyPr rtlCol="0" anchor="ctr"/>
+          <a:lstStyle/>
+          <a:p>
+            <a:pPr algn="ctr"/>
+            <a:endParaRPr lang="en-US"/>
+          </a:p>
+        </p:txBody>
+      </p:sp>
+      <p:sp>
+        <p:nvSpPr>
+          <p:cNvPr id="32" name="TextBox 31"/>
+          <p:cNvSpPr txBox="1"/>
+          <p:nvPr/>
+        </p:nvSpPr>
+        <p:spPr>
+          <a:xfrm>
+            <a:off x="3581400" y="1257300"/>
+            <a:ext cx="1751570" cy="276999"/>
+          </a:xfrm>
+          <a:prstGeom prst="rect">
+            <a:avLst/>
+          </a:prstGeom>
+          <a:noFill/>
+        </p:spPr>
+        <p:txBody>
+          <a:bodyPr wrap="none" rtlCol="0">
+            <a:spAutoFit/>
+          </a:bodyPr>
+          <a:lstStyle/>
+          <a:p>
+            <a:r>
+              <a:rPr lang="en-US" sz="1200" dirty="0" smtClean="0"/>
+              <a:t>w2-db-net 172.19.0.0/16</a:t>
+            </a:r>
+            <a:endParaRPr lang="en-US" dirty="0"/>
+          </a:p>
+        </p:txBody>
+      </p:sp>
+      <p:sp>
+        <p:nvSpPr>
+          <p:cNvPr id="33" name="Cloud 32"/>
+          <p:cNvSpPr/>
+          <p:nvPr/>
+        </p:nvSpPr>
+        <p:spPr>
+          <a:xfrm rot="5051041">
+            <a:off x="3815752" y="2059800"/>
+            <a:ext cx="3962400" cy="1752600"/>
+          </a:xfrm>
+          <a:prstGeom prst="cloud">
+            <a:avLst/>
+          </a:prstGeom>
+          <a:noFill/>
+        </p:spPr>
+        <p:style>
+          <a:lnRef idx="2">
+            <a:schemeClr val="accent1">
+              <a:shade val="50000"/>
+            </a:schemeClr>
+          </a:lnRef>
+          <a:fillRef idx="1">
+            <a:schemeClr val="accent1"/>
+          </a:fillRef>
+          <a:effectRef idx="0">
+            <a:schemeClr val="accent1"/>
+          </a:effectRef>
+          <a:fontRef idx="minor">
+            <a:schemeClr val="lt1"/>
+          </a:fontRef>
+        </p:style>
+        <p:txBody>
+          <a:bodyPr rtlCol="0" anchor="ctr"/>
+          <a:lstStyle/>
+          <a:p>
+            <a:pPr algn="ctr"/>
+            <a:endParaRPr lang="en-US"/>
+          </a:p>
+        </p:txBody>
+      </p:sp>
+    </p:spTree>
+  </p:cSld>
+  <p:clrMapOvr>
+    <a:masterClrMapping/>
+  </p:clrMapOvr>
+</p:sld>
+</file>
+
 <file path=ppt/slides/slide2.xml><?xml version="1.0" encoding="utf-8"?>
 <p:sld xmlns:a="http://schemas.openxmlformats.org/drawingml/2006/main" xmlns:r="http://schemas.openxmlformats.org/officeDocument/2006/relationships" xmlns:p="http://schemas.openxmlformats.org/presentationml/2006/main">
   <p:cSld>
@@ -7216,11 +9421,7 @@
             <a:pPr algn="ctr"/>
             <a:r>
               <a:rPr lang="en-US" sz="1200" dirty="0" err="1" smtClean="0"/>
-              <a:t>l</a:t>
-            </a:r>
-            <a:r>
-              <a:rPr lang="en-US" sz="1200" dirty="0" err="1" smtClean="0"/>
-              <a:t>in</a:t>
+              <a:t>lin</a:t>
             </a:r>
             <a:endParaRPr lang="en-US" sz="1200" dirty="0" smtClean="0"/>
           </a:p>
@@ -8740,11 +10941,7 @@
             <a:pPr algn="ctr"/>
             <a:r>
               <a:rPr lang="en-US" sz="1100" dirty="0" smtClean="0"/>
-              <a:t>"</a:t>
-            </a:r>
-            <a:r>
-              <a:rPr lang="en-US" sz="1100" dirty="0" smtClean="0"/>
-              <a:t>172.17.0.15“</a:t>
+              <a:t>"172.17.0.15“</a:t>
             </a:r>
           </a:p>
           <a:p>
@@ -8831,7 +11028,7 @@
         </p:nvSpPr>
         <p:spPr>
           <a:xfrm>
-            <a:off x="1451832" y="2095500"/>
+            <a:off x="1219200" y="2171700"/>
             <a:ext cx="1519968" cy="276999"/>
           </a:xfrm>
           <a:prstGeom prst="rect">
@@ -8863,8 +11060,8 @@
         </p:nvCxnSpPr>
         <p:spPr>
           <a:xfrm flipV="1">
-            <a:off x="2971800" y="2051566"/>
-            <a:ext cx="76200" cy="182434"/>
+            <a:off x="2739168" y="2051566"/>
+            <a:ext cx="308832" cy="258634"/>
           </a:xfrm>
           <a:prstGeom prst="straightConnector1">
             <a:avLst/>
@@ -9073,11 +11270,7 @@
             <a:pPr algn="ctr"/>
             <a:r>
               <a:rPr lang="en-US" dirty="0" smtClean="0"/>
-              <a:t>RO:Layer1</a:t>
-            </a:r>
-            <a:r>
-              <a:rPr lang="en-US" dirty="0" smtClean="0"/>
-              <a:t>: 55.3MB</a:t>
+              <a:t>RO:Layer1: 55.3MB</a:t>
             </a:r>
             <a:endParaRPr lang="en-US" dirty="0"/>
           </a:p>
@@ -9629,6 +11822,502 @@
           </a:p>
         </p:txBody>
       </p:sp>
+    </p:spTree>
+  </p:cSld>
+  <p:clrMapOvr>
+    <a:masterClrMapping/>
+  </p:clrMapOvr>
+</p:sld>
+</file>
+
+<file path=ppt/slides/slide9.xml><?xml version="1.0" encoding="utf-8"?>
+<p:sld xmlns:a="http://schemas.openxmlformats.org/drawingml/2006/main" xmlns:r="http://schemas.openxmlformats.org/officeDocument/2006/relationships" xmlns:p="http://schemas.openxmlformats.org/presentationml/2006/main">
+  <p:cSld>
+    <p:spTree>
+      <p:nvGrpSpPr>
+        <p:cNvPr id="1" name=""/>
+        <p:cNvGrpSpPr/>
+        <p:nvPr/>
+      </p:nvGrpSpPr>
+      <p:grpSpPr>
+        <a:xfrm>
+          <a:off x="0" y="0"/>
+          <a:ext cx="0" cy="0"/>
+          <a:chOff x="0" y="0"/>
+          <a:chExt cx="0" cy="0"/>
+        </a:xfrm>
+      </p:grpSpPr>
+      <p:sp>
+        <p:nvSpPr>
+          <p:cNvPr id="2" name="Rectangle 1"/>
+          <p:cNvSpPr/>
+          <p:nvPr/>
+        </p:nvSpPr>
+        <p:spPr>
+          <a:xfrm>
+            <a:off x="2362200" y="419100"/>
+            <a:ext cx="5486400" cy="4572000"/>
+          </a:xfrm>
+          <a:prstGeom prst="rect">
+            <a:avLst/>
+          </a:prstGeom>
+          <a:noFill/>
+        </p:spPr>
+        <p:style>
+          <a:lnRef idx="2">
+            <a:schemeClr val="accent1">
+              <a:shade val="50000"/>
+            </a:schemeClr>
+          </a:lnRef>
+          <a:fillRef idx="1">
+            <a:schemeClr val="accent1"/>
+          </a:fillRef>
+          <a:effectRef idx="0">
+            <a:schemeClr val="accent1"/>
+          </a:effectRef>
+          <a:fontRef idx="minor">
+            <a:schemeClr val="lt1"/>
+          </a:fontRef>
+        </p:style>
+        <p:txBody>
+          <a:bodyPr rtlCol="0" anchor="ctr"/>
+          <a:lstStyle/>
+          <a:p>
+            <a:pPr algn="ctr"/>
+            <a:endParaRPr lang="en-US"/>
+          </a:p>
+        </p:txBody>
+      </p:sp>
+      <p:sp>
+        <p:nvSpPr>
+          <p:cNvPr id="3" name="TextBox 2"/>
+          <p:cNvSpPr txBox="1"/>
+          <p:nvPr/>
+        </p:nvSpPr>
+        <p:spPr>
+          <a:xfrm>
+            <a:off x="2438400" y="571500"/>
+            <a:ext cx="1056956" cy="369332"/>
+          </a:xfrm>
+          <a:prstGeom prst="rect">
+            <a:avLst/>
+          </a:prstGeom>
+          <a:noFill/>
+        </p:spPr>
+        <p:txBody>
+          <a:bodyPr wrap="none" rtlCol="0">
+            <a:spAutoFit/>
+          </a:bodyPr>
+          <a:lstStyle/>
+          <a:p>
+            <a:r>
+              <a:rPr lang="en-US" dirty="0" err="1" smtClean="0"/>
+              <a:t>minikube</a:t>
+            </a:r>
+            <a:endParaRPr lang="en-US" dirty="0"/>
+          </a:p>
+        </p:txBody>
+      </p:sp>
+      <p:sp>
+        <p:nvSpPr>
+          <p:cNvPr id="4" name="Oval 3"/>
+          <p:cNvSpPr/>
+          <p:nvPr/>
+        </p:nvSpPr>
+        <p:spPr>
+          <a:xfrm>
+            <a:off x="2362200" y="1943100"/>
+            <a:ext cx="2667000" cy="1600200"/>
+          </a:xfrm>
+          <a:prstGeom prst="ellipse">
+            <a:avLst/>
+          </a:prstGeom>
+        </p:spPr>
+        <p:style>
+          <a:lnRef idx="2">
+            <a:schemeClr val="accent1">
+              <a:shade val="50000"/>
+            </a:schemeClr>
+          </a:lnRef>
+          <a:fillRef idx="1">
+            <a:schemeClr val="accent1"/>
+          </a:fillRef>
+          <a:effectRef idx="0">
+            <a:schemeClr val="accent1"/>
+          </a:effectRef>
+          <a:fontRef idx="minor">
+            <a:schemeClr val="lt1"/>
+          </a:fontRef>
+        </p:style>
+        <p:txBody>
+          <a:bodyPr rtlCol="0" anchor="ctr"/>
+          <a:lstStyle/>
+          <a:p>
+            <a:pPr algn="ctr"/>
+            <a:r>
+              <a:rPr lang="en-US" dirty="0" smtClean="0"/>
+              <a:t>App</a:t>
+            </a:r>
+          </a:p>
+          <a:p>
+            <a:pPr algn="ctr"/>
+            <a:r>
+              <a:rPr lang="en-US" dirty="0" smtClean="0"/>
+              <a:t>/</a:t>
+            </a:r>
+            <a:r>
+              <a:rPr lang="en-US" dirty="0" err="1" smtClean="0"/>
+              <a:t>var</a:t>
+            </a:r>
+            <a:r>
+              <a:rPr lang="en-US" dirty="0" smtClean="0"/>
+              <a:t>/log/apache2</a:t>
+            </a:r>
+          </a:p>
+          <a:p>
+            <a:pPr algn="ctr"/>
+            <a:r>
+              <a:rPr lang="en-US" dirty="0" smtClean="0"/>
+              <a:t>-- access.log</a:t>
+            </a:r>
+          </a:p>
+          <a:p>
+            <a:pPr algn="ctr"/>
+            <a:r>
+              <a:rPr lang="en-US" dirty="0" smtClean="0"/>
+              <a:t>-- error.log</a:t>
+            </a:r>
+            <a:endParaRPr lang="en-US" dirty="0"/>
+          </a:p>
+        </p:txBody>
+      </p:sp>
+      <p:sp>
+        <p:nvSpPr>
+          <p:cNvPr id="5" name="Oval 4"/>
+          <p:cNvSpPr/>
+          <p:nvPr/>
+        </p:nvSpPr>
+        <p:spPr>
+          <a:xfrm>
+            <a:off x="5791200" y="0"/>
+            <a:ext cx="2667000" cy="2209800"/>
+          </a:xfrm>
+          <a:prstGeom prst="ellipse">
+            <a:avLst/>
+          </a:prstGeom>
+        </p:spPr>
+        <p:style>
+          <a:lnRef idx="2">
+            <a:schemeClr val="accent1">
+              <a:shade val="50000"/>
+            </a:schemeClr>
+          </a:lnRef>
+          <a:fillRef idx="1">
+            <a:schemeClr val="accent1"/>
+          </a:fillRef>
+          <a:effectRef idx="0">
+            <a:schemeClr val="accent1"/>
+          </a:effectRef>
+          <a:fontRef idx="minor">
+            <a:schemeClr val="lt1"/>
+          </a:fontRef>
+        </p:style>
+        <p:txBody>
+          <a:bodyPr rtlCol="0" anchor="ctr"/>
+          <a:lstStyle/>
+          <a:p>
+            <a:pPr algn="ctr"/>
+            <a:r>
+              <a:rPr lang="en-US" dirty="0" err="1" smtClean="0"/>
+              <a:t>Mysql</a:t>
+            </a:r>
+            <a:endParaRPr lang="en-US" dirty="0" smtClean="0"/>
+          </a:p>
+          <a:p>
+            <a:pPr algn="ctr">
+              <a:buFontTx/>
+              <a:buChar char="-"/>
+            </a:pPr>
+            <a:r>
+              <a:rPr lang="en-US" dirty="0" smtClean="0"/>
+              <a:t>/</a:t>
+            </a:r>
+            <a:r>
+              <a:rPr lang="en-US" dirty="0" err="1" smtClean="0"/>
+              <a:t>var</a:t>
+            </a:r>
+            <a:r>
+              <a:rPr lang="en-US" dirty="0" smtClean="0"/>
+              <a:t>/lib/</a:t>
+            </a:r>
+            <a:r>
+              <a:rPr lang="en-US" dirty="0" err="1" smtClean="0"/>
+              <a:t>mysql</a:t>
+            </a:r>
+            <a:endParaRPr lang="en-US" dirty="0" smtClean="0"/>
+          </a:p>
+          <a:p>
+            <a:pPr algn="ctr">
+              <a:buFontTx/>
+              <a:buChar char="-"/>
+            </a:pPr>
+            <a:r>
+              <a:rPr lang="en-US" dirty="0" smtClean="0"/>
+              <a:t> user create data</a:t>
+            </a:r>
+            <a:endParaRPr lang="en-US" dirty="0"/>
+          </a:p>
+        </p:txBody>
+      </p:sp>
+      <p:sp>
+        <p:nvSpPr>
+          <p:cNvPr id="6" name="TextBox 5"/>
+          <p:cNvSpPr txBox="1"/>
+          <p:nvPr/>
+        </p:nvSpPr>
+        <p:spPr>
+          <a:xfrm>
+            <a:off x="76200" y="114300"/>
+            <a:ext cx="2214004" cy="369332"/>
+          </a:xfrm>
+          <a:prstGeom prst="rect">
+            <a:avLst/>
+          </a:prstGeom>
+          <a:noFill/>
+        </p:spPr>
+        <p:txBody>
+          <a:bodyPr wrap="none" rtlCol="0">
+            <a:spAutoFit/>
+          </a:bodyPr>
+          <a:lstStyle/>
+          <a:p>
+            <a:r>
+              <a:rPr lang="en-US" dirty="0" err="1" smtClean="0"/>
+              <a:t>Ephimeral</a:t>
+            </a:r>
+            <a:r>
+              <a:rPr lang="en-US" dirty="0" smtClean="0"/>
+              <a:t> File system</a:t>
+            </a:r>
+            <a:endParaRPr lang="en-US" dirty="0"/>
+          </a:p>
+        </p:txBody>
+      </p:sp>
+      <p:sp>
+        <p:nvSpPr>
+          <p:cNvPr id="7" name="TextBox 6"/>
+          <p:cNvSpPr txBox="1"/>
+          <p:nvPr/>
+        </p:nvSpPr>
+        <p:spPr>
+          <a:xfrm>
+            <a:off x="2438400" y="3848100"/>
+            <a:ext cx="3657600" cy="923330"/>
+          </a:xfrm>
+          <a:prstGeom prst="rect">
+            <a:avLst/>
+          </a:prstGeom>
+          <a:noFill/>
+        </p:spPr>
+        <p:txBody>
+          <a:bodyPr wrap="square" rtlCol="0">
+            <a:spAutoFit/>
+          </a:bodyPr>
+          <a:lstStyle/>
+          <a:p>
+            <a:r>
+              <a:rPr lang="en-US" dirty="0" smtClean="0"/>
+              <a:t>/</a:t>
+            </a:r>
+            <a:r>
+              <a:rPr lang="en-US" dirty="0" err="1" smtClean="0"/>
+              <a:t>var</a:t>
+            </a:r>
+            <a:r>
+              <a:rPr lang="en-US" dirty="0" smtClean="0"/>
+              <a:t>/lib/</a:t>
+            </a:r>
+            <a:r>
+              <a:rPr lang="en-US" dirty="0" err="1" smtClean="0"/>
+              <a:t>docker</a:t>
+            </a:r>
+            <a:r>
+              <a:rPr lang="en-US" dirty="0" smtClean="0"/>
+              <a:t>/volumes/6cf15aec2b4f0293598e5d0e8d84affcc03c784337b972a6476d86b7a43b804c/_data</a:t>
+            </a:r>
+            <a:endParaRPr lang="en-US" dirty="0"/>
+          </a:p>
+        </p:txBody>
+      </p:sp>
+      <p:cxnSp>
+        <p:nvCxnSpPr>
+          <p:cNvPr id="9" name="Straight Arrow Connector 8"/>
+          <p:cNvCxnSpPr>
+            <a:stCxn id="4" idx="4"/>
+            <a:endCxn id="7" idx="0"/>
+          </p:cNvCxnSpPr>
+          <p:nvPr/>
+        </p:nvCxnSpPr>
+        <p:spPr>
+          <a:xfrm>
+            <a:off x="3695700" y="3543300"/>
+            <a:ext cx="571500" cy="304800"/>
+          </a:xfrm>
+          <a:prstGeom prst="straightConnector1">
+            <a:avLst/>
+          </a:prstGeom>
+          <a:ln>
+            <a:headEnd type="arrow"/>
+            <a:tailEnd type="arrow"/>
+          </a:ln>
+        </p:spPr>
+        <p:style>
+          <a:lnRef idx="1">
+            <a:schemeClr val="accent1"/>
+          </a:lnRef>
+          <a:fillRef idx="0">
+            <a:schemeClr val="accent1"/>
+          </a:fillRef>
+          <a:effectRef idx="0">
+            <a:schemeClr val="accent1"/>
+          </a:effectRef>
+          <a:fontRef idx="minor">
+            <a:schemeClr val="tx1"/>
+          </a:fontRef>
+        </p:style>
+      </p:cxnSp>
+      <p:sp>
+        <p:nvSpPr>
+          <p:cNvPr id="10" name="Rectangle 9"/>
+          <p:cNvSpPr/>
+          <p:nvPr/>
+        </p:nvSpPr>
+        <p:spPr>
+          <a:xfrm>
+            <a:off x="5105400" y="2857500"/>
+            <a:ext cx="4572000" cy="923330"/>
+          </a:xfrm>
+          <a:prstGeom prst="rect">
+            <a:avLst/>
+          </a:prstGeom>
+        </p:spPr>
+        <p:txBody>
+          <a:bodyPr>
+            <a:spAutoFit/>
+          </a:bodyPr>
+          <a:lstStyle/>
+          <a:p>
+            <a:r>
+              <a:rPr lang="en-US" dirty="0" smtClean="0"/>
+              <a:t>/</a:t>
+            </a:r>
+            <a:r>
+              <a:rPr lang="en-US" dirty="0" err="1" smtClean="0"/>
+              <a:t>var</a:t>
+            </a:r>
+            <a:r>
+              <a:rPr lang="en-US" dirty="0" smtClean="0"/>
+              <a:t>/lib/</a:t>
+            </a:r>
+            <a:r>
+              <a:rPr lang="en-US" dirty="0" err="1" smtClean="0"/>
+              <a:t>docker</a:t>
+            </a:r>
+            <a:r>
+              <a:rPr lang="en-US" dirty="0" smtClean="0"/>
+              <a:t>/volumes/8558a40815bf14a92663abfde470227a6b98b7cb12980a92179d1fd579821e98/_data  </a:t>
+            </a:r>
+            <a:r>
+              <a:rPr lang="en-US" dirty="0" smtClean="0">
+                <a:sym typeface="Wingdings" pitchFamily="2" charset="2"/>
+              </a:rPr>
+              <a:t> 100 users data</a:t>
+            </a:r>
+            <a:endParaRPr lang="en-US" dirty="0"/>
+          </a:p>
+        </p:txBody>
+      </p:sp>
+      <p:sp>
+        <p:nvSpPr>
+          <p:cNvPr id="15" name="Rectangle 14"/>
+          <p:cNvSpPr/>
+          <p:nvPr/>
+        </p:nvSpPr>
+        <p:spPr>
+          <a:xfrm>
+            <a:off x="2286000" y="876300"/>
+            <a:ext cx="3048000" cy="738664"/>
+          </a:xfrm>
+          <a:prstGeom prst="rect">
+            <a:avLst/>
+          </a:prstGeom>
+        </p:spPr>
+        <p:txBody>
+          <a:bodyPr wrap="square">
+            <a:spAutoFit/>
+          </a:bodyPr>
+          <a:lstStyle/>
+          <a:p>
+            <a:r>
+              <a:rPr lang="en-US" sz="1400" dirty="0" smtClean="0"/>
+              <a:t>/</a:t>
+            </a:r>
+            <a:r>
+              <a:rPr lang="en-US" sz="1400" dirty="0" err="1" smtClean="0"/>
+              <a:t>var</a:t>
+            </a:r>
+            <a:r>
+              <a:rPr lang="en-US" sz="1400" dirty="0" smtClean="0"/>
+              <a:t>/lib/</a:t>
+            </a:r>
+            <a:r>
+              <a:rPr lang="en-US" sz="1400" dirty="0" err="1" smtClean="0"/>
+              <a:t>docker</a:t>
+            </a:r>
+            <a:r>
+              <a:rPr lang="en-US" sz="1400" dirty="0" smtClean="0"/>
+              <a:t>/volumes/9889a40815bf14a92663abfde470227a6b98b7cb12980a92179d1fd579821e98/_data</a:t>
+            </a:r>
+            <a:endParaRPr lang="en-US" sz="1400" dirty="0"/>
+          </a:p>
+        </p:txBody>
+      </p:sp>
+      <p:cxnSp>
+        <p:nvCxnSpPr>
+          <p:cNvPr id="17" name="Straight Arrow Connector 16"/>
+          <p:cNvCxnSpPr>
+            <a:stCxn id="5" idx="2"/>
+            <a:endCxn id="15" idx="3"/>
+          </p:cNvCxnSpPr>
+          <p:nvPr/>
+        </p:nvCxnSpPr>
+        <p:spPr>
+          <a:xfrm flipH="1">
+            <a:off x="5334000" y="1104900"/>
+            <a:ext cx="457200" cy="140732"/>
+          </a:xfrm>
+          <a:prstGeom prst="straightConnector1">
+            <a:avLst/>
+          </a:prstGeom>
+          <a:ln>
+            <a:tailEnd type="arrow"/>
+          </a:ln>
+        </p:spPr>
+        <p:style>
+          <a:lnRef idx="1">
+            <a:schemeClr val="accent1"/>
+          </a:lnRef>
+          <a:fillRef idx="0">
+            <a:schemeClr val="accent1"/>
+          </a:fillRef>
+          <a:effectRef idx="0">
+            <a:schemeClr val="accent1"/>
+          </a:effectRef>
+          <a:fontRef idx="minor">
+            <a:schemeClr val="tx1"/>
+          </a:fontRef>
+        </p:style>
+      </p:cxnSp>
     </p:spTree>
   </p:cSld>
   <p:clrMapOvr>

--- a/rough-diag.pptx
+++ b/rough-diag.pptx
@@ -5,7 +5,7 @@
     <p:sldMasterId id="2147483648" r:id="rId1"/>
   </p:sldMasterIdLst>
   <p:notesMasterIdLst>
-    <p:notesMasterId r:id="rId15"/>
+    <p:notesMasterId r:id="rId19"/>
   </p:notesMasterIdLst>
   <p:sldIdLst>
     <p:sldId id="288" r:id="rId2"/>
@@ -20,7 +20,11 @@
     <p:sldId id="719" r:id="rId11"/>
     <p:sldId id="721" r:id="rId12"/>
     <p:sldId id="722" r:id="rId13"/>
-    <p:sldId id="720" r:id="rId14"/>
+    <p:sldId id="723" r:id="rId14"/>
+    <p:sldId id="726" r:id="rId15"/>
+    <p:sldId id="720" r:id="rId16"/>
+    <p:sldId id="724" r:id="rId17"/>
+    <p:sldId id="725" r:id="rId18"/>
   </p:sldIdLst>
   <p:sldSz cx="9144000" cy="5715000" type="screen16x10"/>
   <p:notesSz cx="6858000" cy="9144000"/>
@@ -5297,7 +5301,7 @@
         <p:spPr>
           <a:xfrm>
             <a:off x="4267200" y="3238500"/>
-            <a:ext cx="381000" cy="2438400"/>
+            <a:ext cx="304800" cy="2438400"/>
           </a:xfrm>
           <a:prstGeom prst="rect">
             <a:avLst/>
@@ -5343,8 +5347,8 @@
         </p:nvCxnSpPr>
         <p:spPr>
           <a:xfrm flipV="1">
-            <a:off x="4648200" y="4108966"/>
-            <a:ext cx="457200" cy="348734"/>
+            <a:off x="4572000" y="4108966"/>
+            <a:ext cx="533400" cy="348734"/>
           </a:xfrm>
           <a:prstGeom prst="straightConnector1">
             <a:avLst/>
@@ -5587,6 +5591,1894 @@
         </p:nvSpPr>
         <p:spPr>
           <a:xfrm>
+            <a:off x="2819400" y="190500"/>
+            <a:ext cx="6019800" cy="5257800"/>
+          </a:xfrm>
+          <a:prstGeom prst="rect">
+            <a:avLst/>
+          </a:prstGeom>
+          <a:noFill/>
+        </p:spPr>
+        <p:style>
+          <a:lnRef idx="2">
+            <a:schemeClr val="accent1">
+              <a:shade val="50000"/>
+            </a:schemeClr>
+          </a:lnRef>
+          <a:fillRef idx="1">
+            <a:schemeClr val="accent1"/>
+          </a:fillRef>
+          <a:effectRef idx="0">
+            <a:schemeClr val="accent1"/>
+          </a:effectRef>
+          <a:fontRef idx="minor">
+            <a:schemeClr val="lt1"/>
+          </a:fontRef>
+        </p:style>
+        <p:txBody>
+          <a:bodyPr rtlCol="0" anchor="ctr"/>
+          <a:lstStyle/>
+          <a:p>
+            <a:pPr algn="ctr"/>
+            <a:endParaRPr lang="en-US"/>
+          </a:p>
+        </p:txBody>
+      </p:sp>
+      <p:sp>
+        <p:nvSpPr>
+          <p:cNvPr id="3" name="TextBox 2"/>
+          <p:cNvSpPr txBox="1"/>
+          <p:nvPr/>
+        </p:nvSpPr>
+        <p:spPr>
+          <a:xfrm>
+            <a:off x="2819400" y="190500"/>
+            <a:ext cx="2698431" cy="369332"/>
+          </a:xfrm>
+          <a:prstGeom prst="rect">
+            <a:avLst/>
+          </a:prstGeom>
+          <a:noFill/>
+        </p:spPr>
+        <p:txBody>
+          <a:bodyPr wrap="none" rtlCol="0">
+            <a:spAutoFit/>
+          </a:bodyPr>
+          <a:lstStyle/>
+          <a:p>
+            <a:r>
+              <a:rPr lang="en-US" dirty="0" err="1" smtClean="0"/>
+              <a:t>Minikube</a:t>
+            </a:r>
+            <a:r>
+              <a:rPr lang="en-US" dirty="0" smtClean="0"/>
+              <a:t> : 192.168.99.100</a:t>
+            </a:r>
+            <a:endParaRPr lang="en-US" dirty="0"/>
+          </a:p>
+        </p:txBody>
+      </p:sp>
+      <p:sp>
+        <p:nvSpPr>
+          <p:cNvPr id="4" name="Freeform 3"/>
+          <p:cNvSpPr/>
+          <p:nvPr/>
+        </p:nvSpPr>
+        <p:spPr>
+          <a:xfrm>
+            <a:off x="6600092" y="726831"/>
+            <a:ext cx="230058" cy="1371600"/>
+          </a:xfrm>
+          <a:custGeom>
+            <a:avLst/>
+            <a:gdLst>
+              <a:gd name="connsiteX0" fmla="*/ 58616 w 230058"/>
+              <a:gd name="connsiteY0" fmla="*/ 0 h 1371600"/>
+              <a:gd name="connsiteX1" fmla="*/ 35170 w 230058"/>
+              <a:gd name="connsiteY1" fmla="*/ 46892 h 1371600"/>
+              <a:gd name="connsiteX2" fmla="*/ 11723 w 230058"/>
+              <a:gd name="connsiteY2" fmla="*/ 70338 h 1371600"/>
+              <a:gd name="connsiteX3" fmla="*/ 0 w 230058"/>
+              <a:gd name="connsiteY3" fmla="*/ 222738 h 1371600"/>
+              <a:gd name="connsiteX4" fmla="*/ 11723 w 230058"/>
+              <a:gd name="connsiteY4" fmla="*/ 281354 h 1371600"/>
+              <a:gd name="connsiteX5" fmla="*/ 46893 w 230058"/>
+              <a:gd name="connsiteY5" fmla="*/ 293077 h 1371600"/>
+              <a:gd name="connsiteX6" fmla="*/ 140677 w 230058"/>
+              <a:gd name="connsiteY6" fmla="*/ 328246 h 1371600"/>
+              <a:gd name="connsiteX7" fmla="*/ 175846 w 230058"/>
+              <a:gd name="connsiteY7" fmla="*/ 633046 h 1371600"/>
+              <a:gd name="connsiteX8" fmla="*/ 152400 w 230058"/>
+              <a:gd name="connsiteY8" fmla="*/ 820615 h 1371600"/>
+              <a:gd name="connsiteX9" fmla="*/ 128954 w 230058"/>
+              <a:gd name="connsiteY9" fmla="*/ 1019907 h 1371600"/>
+              <a:gd name="connsiteX10" fmla="*/ 140677 w 230058"/>
+              <a:gd name="connsiteY10" fmla="*/ 1219200 h 1371600"/>
+              <a:gd name="connsiteX11" fmla="*/ 140677 w 230058"/>
+              <a:gd name="connsiteY11" fmla="*/ 1371600 h 1371600"/>
+            </a:gdLst>
+            <a:ahLst/>
+            <a:cxnLst>
+              <a:cxn ang="0">
+                <a:pos x="connsiteX0" y="connsiteY0"/>
+              </a:cxn>
+              <a:cxn ang="0">
+                <a:pos x="connsiteX1" y="connsiteY1"/>
+              </a:cxn>
+              <a:cxn ang="0">
+                <a:pos x="connsiteX2" y="connsiteY2"/>
+              </a:cxn>
+              <a:cxn ang="0">
+                <a:pos x="connsiteX3" y="connsiteY3"/>
+              </a:cxn>
+              <a:cxn ang="0">
+                <a:pos x="connsiteX4" y="connsiteY4"/>
+              </a:cxn>
+              <a:cxn ang="0">
+                <a:pos x="connsiteX5" y="connsiteY5"/>
+              </a:cxn>
+              <a:cxn ang="0">
+                <a:pos x="connsiteX6" y="connsiteY6"/>
+              </a:cxn>
+              <a:cxn ang="0">
+                <a:pos x="connsiteX7" y="connsiteY7"/>
+              </a:cxn>
+              <a:cxn ang="0">
+                <a:pos x="connsiteX8" y="connsiteY8"/>
+              </a:cxn>
+              <a:cxn ang="0">
+                <a:pos x="connsiteX9" y="connsiteY9"/>
+              </a:cxn>
+              <a:cxn ang="0">
+                <a:pos x="connsiteX10" y="connsiteY10"/>
+              </a:cxn>
+              <a:cxn ang="0">
+                <a:pos x="connsiteX11" y="connsiteY11"/>
+              </a:cxn>
+            </a:cxnLst>
+            <a:rect l="l" t="t" r="r" b="b"/>
+            <a:pathLst>
+              <a:path w="230058" h="1371600">
+                <a:moveTo>
+                  <a:pt x="58616" y="0"/>
+                </a:moveTo>
+                <a:cubicBezTo>
+                  <a:pt x="50801" y="15631"/>
+                  <a:pt x="44864" y="32352"/>
+                  <a:pt x="35170" y="46892"/>
+                </a:cubicBezTo>
+                <a:cubicBezTo>
+                  <a:pt x="29039" y="56088"/>
+                  <a:pt x="13891" y="59500"/>
+                  <a:pt x="11723" y="70338"/>
+                </a:cubicBezTo>
+                <a:cubicBezTo>
+                  <a:pt x="1731" y="120299"/>
+                  <a:pt x="3908" y="171938"/>
+                  <a:pt x="0" y="222738"/>
+                </a:cubicBezTo>
+                <a:cubicBezTo>
+                  <a:pt x="3908" y="242277"/>
+                  <a:pt x="670" y="264775"/>
+                  <a:pt x="11723" y="281354"/>
+                </a:cubicBezTo>
+                <a:cubicBezTo>
+                  <a:pt x="18578" y="291636"/>
+                  <a:pt x="35535" y="288209"/>
+                  <a:pt x="46893" y="293077"/>
+                </a:cubicBezTo>
+                <a:cubicBezTo>
+                  <a:pt x="132719" y="329859"/>
+                  <a:pt x="54222" y="306632"/>
+                  <a:pt x="140677" y="328246"/>
+                </a:cubicBezTo>
+                <a:cubicBezTo>
+                  <a:pt x="230058" y="462314"/>
+                  <a:pt x="191530" y="374269"/>
+                  <a:pt x="175846" y="633046"/>
+                </a:cubicBezTo>
+                <a:cubicBezTo>
+                  <a:pt x="166460" y="787913"/>
+                  <a:pt x="179438" y="739500"/>
+                  <a:pt x="152400" y="820615"/>
+                </a:cubicBezTo>
+                <a:cubicBezTo>
+                  <a:pt x="145306" y="870273"/>
+                  <a:pt x="128954" y="976491"/>
+                  <a:pt x="128954" y="1019907"/>
+                </a:cubicBezTo>
+                <a:cubicBezTo>
+                  <a:pt x="128954" y="1086453"/>
+                  <a:pt x="138460" y="1152691"/>
+                  <a:pt x="140677" y="1219200"/>
+                </a:cubicBezTo>
+                <a:cubicBezTo>
+                  <a:pt x="142369" y="1269972"/>
+                  <a:pt x="140677" y="1320800"/>
+                  <a:pt x="140677" y="1371600"/>
+                </a:cubicBezTo>
+              </a:path>
+            </a:pathLst>
+          </a:custGeom>
+        </p:spPr>
+        <p:style>
+          <a:lnRef idx="1">
+            <a:schemeClr val="accent1"/>
+          </a:lnRef>
+          <a:fillRef idx="0">
+            <a:schemeClr val="accent1"/>
+          </a:fillRef>
+          <a:effectRef idx="0">
+            <a:schemeClr val="accent1"/>
+          </a:effectRef>
+          <a:fontRef idx="minor">
+            <a:schemeClr val="tx1"/>
+          </a:fontRef>
+        </p:style>
+        <p:txBody>
+          <a:bodyPr rtlCol="0" anchor="ctr"/>
+          <a:lstStyle/>
+          <a:p>
+            <a:pPr algn="ctr"/>
+            <a:endParaRPr lang="en-US"/>
+          </a:p>
+        </p:txBody>
+      </p:sp>
+      <p:sp>
+        <p:nvSpPr>
+          <p:cNvPr id="5" name="TextBox 4"/>
+          <p:cNvSpPr txBox="1"/>
+          <p:nvPr/>
+        </p:nvSpPr>
+        <p:spPr>
+          <a:xfrm>
+            <a:off x="6781800" y="1104900"/>
+            <a:ext cx="818429" cy="369332"/>
+          </a:xfrm>
+          <a:prstGeom prst="rect">
+            <a:avLst/>
+          </a:prstGeom>
+          <a:noFill/>
+        </p:spPr>
+        <p:txBody>
+          <a:bodyPr wrap="none" rtlCol="0">
+            <a:spAutoFit/>
+          </a:bodyPr>
+          <a:lstStyle/>
+          <a:p>
+            <a:r>
+              <a:rPr lang="en-US" dirty="0" err="1" smtClean="0"/>
+              <a:t>docker</a:t>
+            </a:r>
+            <a:endParaRPr lang="en-US" dirty="0"/>
+          </a:p>
+        </p:txBody>
+      </p:sp>
+      <p:sp>
+        <p:nvSpPr>
+          <p:cNvPr id="6" name="TextBox 5"/>
+          <p:cNvSpPr txBox="1"/>
+          <p:nvPr/>
+        </p:nvSpPr>
+        <p:spPr>
+          <a:xfrm>
+            <a:off x="3352800" y="1485900"/>
+            <a:ext cx="1312090" cy="369332"/>
+          </a:xfrm>
+          <a:prstGeom prst="rect">
+            <a:avLst/>
+          </a:prstGeom>
+          <a:noFill/>
+        </p:spPr>
+        <p:txBody>
+          <a:bodyPr wrap="none" rtlCol="0">
+            <a:spAutoFit/>
+          </a:bodyPr>
+          <a:lstStyle/>
+          <a:p>
+            <a:r>
+              <a:rPr lang="en-US" dirty="0" smtClean="0"/>
+              <a:t>K8s services</a:t>
+            </a:r>
+            <a:endParaRPr lang="en-US" dirty="0"/>
+          </a:p>
+        </p:txBody>
+      </p:sp>
+      <p:sp>
+        <p:nvSpPr>
+          <p:cNvPr id="8" name="Isosceles Triangle 7"/>
+          <p:cNvSpPr/>
+          <p:nvPr/>
+        </p:nvSpPr>
+        <p:spPr>
+          <a:xfrm>
+            <a:off x="990600" y="2705100"/>
+            <a:ext cx="609600" cy="838200"/>
+          </a:xfrm>
+          <a:prstGeom prst="triangle">
+            <a:avLst/>
+          </a:prstGeom>
+        </p:spPr>
+        <p:style>
+          <a:lnRef idx="2">
+            <a:schemeClr val="accent1">
+              <a:shade val="50000"/>
+            </a:schemeClr>
+          </a:lnRef>
+          <a:fillRef idx="1">
+            <a:schemeClr val="accent1"/>
+          </a:fillRef>
+          <a:effectRef idx="0">
+            <a:schemeClr val="accent1"/>
+          </a:effectRef>
+          <a:fontRef idx="minor">
+            <a:schemeClr val="lt1"/>
+          </a:fontRef>
+        </p:style>
+        <p:txBody>
+          <a:bodyPr rtlCol="0" anchor="ctr"/>
+          <a:lstStyle/>
+          <a:p>
+            <a:pPr algn="ctr"/>
+            <a:endParaRPr lang="en-US"/>
+          </a:p>
+        </p:txBody>
+      </p:sp>
+      <p:sp>
+        <p:nvSpPr>
+          <p:cNvPr id="7" name="Rectangle 6"/>
+          <p:cNvSpPr/>
+          <p:nvPr/>
+        </p:nvSpPr>
+        <p:spPr>
+          <a:xfrm>
+            <a:off x="152400" y="1562100"/>
+            <a:ext cx="2362200" cy="1371600"/>
+          </a:xfrm>
+          <a:prstGeom prst="rect">
+            <a:avLst/>
+          </a:prstGeom>
+        </p:spPr>
+        <p:style>
+          <a:lnRef idx="2">
+            <a:schemeClr val="accent1">
+              <a:shade val="50000"/>
+            </a:schemeClr>
+          </a:lnRef>
+          <a:fillRef idx="1">
+            <a:schemeClr val="accent1"/>
+          </a:fillRef>
+          <a:effectRef idx="0">
+            <a:schemeClr val="accent1"/>
+          </a:effectRef>
+          <a:fontRef idx="minor">
+            <a:schemeClr val="lt1"/>
+          </a:fontRef>
+        </p:style>
+        <p:txBody>
+          <a:bodyPr rtlCol="0" anchor="ctr"/>
+          <a:lstStyle/>
+          <a:p>
+            <a:pPr algn="ctr"/>
+            <a:r>
+              <a:rPr lang="en-US" dirty="0" err="1" smtClean="0"/>
+              <a:t>Kubectl</a:t>
+            </a:r>
+            <a:r>
+              <a:rPr lang="en-US" dirty="0" smtClean="0"/>
+              <a:t> version</a:t>
+            </a:r>
+          </a:p>
+          <a:p>
+            <a:pPr algn="ctr"/>
+            <a:r>
+              <a:rPr lang="en-US" dirty="0" smtClean="0"/>
+              <a:t>Users home dir- </a:t>
+            </a:r>
+            <a:r>
+              <a:rPr lang="en-US" dirty="0" err="1" smtClean="0"/>
+              <a:t>config</a:t>
+            </a:r>
+            <a:endParaRPr lang="en-US" dirty="0" smtClean="0"/>
+          </a:p>
+          <a:p>
+            <a:pPr algn="ctr"/>
+            <a:r>
+              <a:rPr lang="en-US" dirty="0" err="1" smtClean="0"/>
+              <a:t>Kubectl</a:t>
+            </a:r>
+            <a:r>
+              <a:rPr lang="en-US" dirty="0" smtClean="0"/>
+              <a:t> apply –f p.yml</a:t>
+            </a:r>
+            <a:endParaRPr lang="en-US" dirty="0"/>
+          </a:p>
+        </p:txBody>
+      </p:sp>
+      <p:cxnSp>
+        <p:nvCxnSpPr>
+          <p:cNvPr id="10" name="Straight Arrow Connector 9"/>
+          <p:cNvCxnSpPr>
+            <a:stCxn id="7" idx="3"/>
+            <a:endCxn id="6" idx="1"/>
+          </p:cNvCxnSpPr>
+          <p:nvPr/>
+        </p:nvCxnSpPr>
+        <p:spPr>
+          <a:xfrm flipV="1">
+            <a:off x="2514600" y="1670566"/>
+            <a:ext cx="838200" cy="577334"/>
+          </a:xfrm>
+          <a:prstGeom prst="straightConnector1">
+            <a:avLst/>
+          </a:prstGeom>
+          <a:ln>
+            <a:tailEnd type="arrow"/>
+          </a:ln>
+        </p:spPr>
+        <p:style>
+          <a:lnRef idx="1">
+            <a:schemeClr val="accent1"/>
+          </a:lnRef>
+          <a:fillRef idx="0">
+            <a:schemeClr val="accent1"/>
+          </a:fillRef>
+          <a:effectRef idx="0">
+            <a:schemeClr val="accent1"/>
+          </a:effectRef>
+          <a:fontRef idx="minor">
+            <a:schemeClr val="tx1"/>
+          </a:fontRef>
+        </p:style>
+      </p:cxnSp>
+      <p:cxnSp>
+        <p:nvCxnSpPr>
+          <p:cNvPr id="13" name="Straight Arrow Connector 12"/>
+          <p:cNvCxnSpPr>
+            <a:endCxn id="5" idx="1"/>
+          </p:cNvCxnSpPr>
+          <p:nvPr/>
+        </p:nvCxnSpPr>
+        <p:spPr>
+          <a:xfrm flipV="1">
+            <a:off x="4724400" y="1289566"/>
+            <a:ext cx="2057400" cy="424934"/>
+          </a:xfrm>
+          <a:prstGeom prst="straightConnector1">
+            <a:avLst/>
+          </a:prstGeom>
+          <a:ln>
+            <a:tailEnd type="arrow"/>
+          </a:ln>
+        </p:spPr>
+        <p:style>
+          <a:lnRef idx="1">
+            <a:schemeClr val="accent1"/>
+          </a:lnRef>
+          <a:fillRef idx="0">
+            <a:schemeClr val="accent1"/>
+          </a:fillRef>
+          <a:effectRef idx="0">
+            <a:schemeClr val="accent1"/>
+          </a:effectRef>
+          <a:fontRef idx="minor">
+            <a:schemeClr val="tx1"/>
+          </a:fontRef>
+        </p:style>
+      </p:cxnSp>
+      <p:cxnSp>
+        <p:nvCxnSpPr>
+          <p:cNvPr id="15" name="Straight Arrow Connector 14"/>
+          <p:cNvCxnSpPr>
+            <a:stCxn id="5" idx="2"/>
+            <a:endCxn id="16" idx="1"/>
+          </p:cNvCxnSpPr>
+          <p:nvPr/>
+        </p:nvCxnSpPr>
+        <p:spPr>
+          <a:xfrm flipH="1">
+            <a:off x="7049622" y="1474232"/>
+            <a:ext cx="141393" cy="493101"/>
+          </a:xfrm>
+          <a:prstGeom prst="straightConnector1">
+            <a:avLst/>
+          </a:prstGeom>
+          <a:ln>
+            <a:tailEnd type="arrow"/>
+          </a:ln>
+        </p:spPr>
+        <p:style>
+          <a:lnRef idx="1">
+            <a:schemeClr val="accent1"/>
+          </a:lnRef>
+          <a:fillRef idx="0">
+            <a:schemeClr val="accent1"/>
+          </a:fillRef>
+          <a:effectRef idx="0">
+            <a:schemeClr val="accent1"/>
+          </a:effectRef>
+          <a:fontRef idx="minor">
+            <a:schemeClr val="tx1"/>
+          </a:fontRef>
+        </p:style>
+      </p:cxnSp>
+      <p:sp>
+        <p:nvSpPr>
+          <p:cNvPr id="16" name="Oval 15"/>
+          <p:cNvSpPr/>
+          <p:nvPr/>
+        </p:nvSpPr>
+        <p:spPr>
+          <a:xfrm>
+            <a:off x="6781800" y="1866900"/>
+            <a:ext cx="1828800" cy="685800"/>
+          </a:xfrm>
+          <a:prstGeom prst="ellipse">
+            <a:avLst/>
+          </a:prstGeom>
+        </p:spPr>
+        <p:style>
+          <a:lnRef idx="2">
+            <a:schemeClr val="accent1">
+              <a:shade val="50000"/>
+            </a:schemeClr>
+          </a:lnRef>
+          <a:fillRef idx="1">
+            <a:schemeClr val="accent1"/>
+          </a:fillRef>
+          <a:effectRef idx="0">
+            <a:schemeClr val="accent1"/>
+          </a:effectRef>
+          <a:fontRef idx="minor">
+            <a:schemeClr val="lt1"/>
+          </a:fontRef>
+        </p:style>
+        <p:txBody>
+          <a:bodyPr rtlCol="0" anchor="ctr"/>
+          <a:lstStyle/>
+          <a:p>
+            <a:pPr algn="ctr"/>
+            <a:r>
+              <a:rPr lang="en-US" dirty="0" smtClean="0"/>
+              <a:t>pod: my-</a:t>
+            </a:r>
+            <a:r>
+              <a:rPr lang="en-US" dirty="0" err="1" smtClean="0"/>
+              <a:t>nginx</a:t>
+            </a:r>
+            <a:endParaRPr lang="en-US" dirty="0"/>
+          </a:p>
+        </p:txBody>
+      </p:sp>
+      <p:cxnSp>
+        <p:nvCxnSpPr>
+          <p:cNvPr id="18" name="Straight Arrow Connector 17"/>
+          <p:cNvCxnSpPr>
+            <a:stCxn id="16" idx="0"/>
+          </p:cNvCxnSpPr>
+          <p:nvPr/>
+        </p:nvCxnSpPr>
+        <p:spPr>
+          <a:xfrm flipH="1" flipV="1">
+            <a:off x="7315200" y="1409700"/>
+            <a:ext cx="381000" cy="457200"/>
+          </a:xfrm>
+          <a:prstGeom prst="straightConnector1">
+            <a:avLst/>
+          </a:prstGeom>
+          <a:ln>
+            <a:tailEnd type="arrow"/>
+          </a:ln>
+        </p:spPr>
+        <p:style>
+          <a:lnRef idx="1">
+            <a:schemeClr val="accent1"/>
+          </a:lnRef>
+          <a:fillRef idx="0">
+            <a:schemeClr val="accent1"/>
+          </a:fillRef>
+          <a:effectRef idx="0">
+            <a:schemeClr val="accent1"/>
+          </a:effectRef>
+          <a:fontRef idx="minor">
+            <a:schemeClr val="tx1"/>
+          </a:fontRef>
+        </p:style>
+      </p:cxnSp>
+      <p:sp>
+        <p:nvSpPr>
+          <p:cNvPr id="19" name="Oval 18"/>
+          <p:cNvSpPr/>
+          <p:nvPr/>
+        </p:nvSpPr>
+        <p:spPr>
+          <a:xfrm>
+            <a:off x="7696200" y="571500"/>
+            <a:ext cx="1143000" cy="609600"/>
+          </a:xfrm>
+          <a:prstGeom prst="ellipse">
+            <a:avLst/>
+          </a:prstGeom>
+        </p:spPr>
+        <p:style>
+          <a:lnRef idx="2">
+            <a:schemeClr val="accent1">
+              <a:shade val="50000"/>
+            </a:schemeClr>
+          </a:lnRef>
+          <a:fillRef idx="1">
+            <a:schemeClr val="accent1"/>
+          </a:fillRef>
+          <a:effectRef idx="0">
+            <a:schemeClr val="accent1"/>
+          </a:effectRef>
+          <a:fontRef idx="minor">
+            <a:schemeClr val="lt1"/>
+          </a:fontRef>
+        </p:style>
+        <p:txBody>
+          <a:bodyPr rtlCol="0" anchor="ctr"/>
+          <a:lstStyle/>
+          <a:p>
+            <a:pPr algn="ctr"/>
+            <a:r>
+              <a:rPr lang="en-US" dirty="0" err="1" smtClean="0"/>
+              <a:t>nginx</a:t>
+            </a:r>
+            <a:endParaRPr lang="en-US" dirty="0"/>
+          </a:p>
+        </p:txBody>
+      </p:sp>
+      <p:cxnSp>
+        <p:nvCxnSpPr>
+          <p:cNvPr id="21" name="Straight Arrow Connector 20"/>
+          <p:cNvCxnSpPr>
+            <a:stCxn id="5" idx="0"/>
+            <a:endCxn id="19" idx="2"/>
+          </p:cNvCxnSpPr>
+          <p:nvPr/>
+        </p:nvCxnSpPr>
+        <p:spPr>
+          <a:xfrm flipV="1">
+            <a:off x="7191015" y="876300"/>
+            <a:ext cx="505185" cy="228600"/>
+          </a:xfrm>
+          <a:prstGeom prst="straightConnector1">
+            <a:avLst/>
+          </a:prstGeom>
+          <a:ln>
+            <a:tailEnd type="arrow"/>
+          </a:ln>
+        </p:spPr>
+        <p:style>
+          <a:lnRef idx="1">
+            <a:schemeClr val="accent1"/>
+          </a:lnRef>
+          <a:fillRef idx="0">
+            <a:schemeClr val="accent1"/>
+          </a:fillRef>
+          <a:effectRef idx="0">
+            <a:schemeClr val="accent1"/>
+          </a:effectRef>
+          <a:fontRef idx="minor">
+            <a:schemeClr val="tx1"/>
+          </a:fontRef>
+        </p:style>
+      </p:cxnSp>
+      <p:sp>
+        <p:nvSpPr>
+          <p:cNvPr id="22" name="Rectangle 21"/>
+          <p:cNvSpPr/>
+          <p:nvPr/>
+        </p:nvSpPr>
+        <p:spPr>
+          <a:xfrm>
+            <a:off x="3124200" y="2324100"/>
+            <a:ext cx="2438400" cy="1828800"/>
+          </a:xfrm>
+          <a:prstGeom prst="rect">
+            <a:avLst/>
+          </a:prstGeom>
+          <a:noFill/>
+        </p:spPr>
+        <p:style>
+          <a:lnRef idx="2">
+            <a:schemeClr val="accent1">
+              <a:shade val="50000"/>
+            </a:schemeClr>
+          </a:lnRef>
+          <a:fillRef idx="1">
+            <a:schemeClr val="accent1"/>
+          </a:fillRef>
+          <a:effectRef idx="0">
+            <a:schemeClr val="accent1"/>
+          </a:effectRef>
+          <a:fontRef idx="minor">
+            <a:schemeClr val="lt1"/>
+          </a:fontRef>
+        </p:style>
+        <p:txBody>
+          <a:bodyPr rtlCol="0" anchor="ctr"/>
+          <a:lstStyle/>
+          <a:p>
+            <a:pPr algn="ctr"/>
+            <a:endParaRPr lang="en-US"/>
+          </a:p>
+        </p:txBody>
+      </p:sp>
+      <p:sp>
+        <p:nvSpPr>
+          <p:cNvPr id="23" name="TextBox 22"/>
+          <p:cNvSpPr txBox="1"/>
+          <p:nvPr/>
+        </p:nvSpPr>
+        <p:spPr>
+          <a:xfrm>
+            <a:off x="3200400" y="2019300"/>
+            <a:ext cx="1822935" cy="369332"/>
+          </a:xfrm>
+          <a:prstGeom prst="rect">
+            <a:avLst/>
+          </a:prstGeom>
+          <a:noFill/>
+        </p:spPr>
+        <p:txBody>
+          <a:bodyPr wrap="none" rtlCol="0">
+            <a:spAutoFit/>
+          </a:bodyPr>
+          <a:lstStyle/>
+          <a:p>
+            <a:r>
+              <a:rPr lang="en-US" dirty="0" smtClean="0"/>
+              <a:t>POD: 172.17.0.14</a:t>
+            </a:r>
+            <a:endParaRPr lang="en-US" dirty="0"/>
+          </a:p>
+        </p:txBody>
+      </p:sp>
+      <p:sp>
+        <p:nvSpPr>
+          <p:cNvPr id="24" name="Oval 23"/>
+          <p:cNvSpPr/>
+          <p:nvPr/>
+        </p:nvSpPr>
+        <p:spPr>
+          <a:xfrm>
+            <a:off x="3124200" y="2552700"/>
+            <a:ext cx="2362200" cy="838200"/>
+          </a:xfrm>
+          <a:prstGeom prst="ellipse">
+            <a:avLst/>
+          </a:prstGeom>
+        </p:spPr>
+        <p:style>
+          <a:lnRef idx="2">
+            <a:schemeClr val="accent1">
+              <a:shade val="50000"/>
+            </a:schemeClr>
+          </a:lnRef>
+          <a:fillRef idx="1">
+            <a:schemeClr val="accent1"/>
+          </a:fillRef>
+          <a:effectRef idx="0">
+            <a:schemeClr val="accent1"/>
+          </a:effectRef>
+          <a:fontRef idx="minor">
+            <a:schemeClr val="lt1"/>
+          </a:fontRef>
+        </p:style>
+        <p:txBody>
+          <a:bodyPr rtlCol="0" anchor="ctr"/>
+          <a:lstStyle/>
+          <a:p>
+            <a:pPr algn="ctr"/>
+            <a:r>
+              <a:rPr lang="en-US" dirty="0" smtClean="0"/>
+              <a:t>Ghost:2368</a:t>
+            </a:r>
+          </a:p>
+          <a:p>
+            <a:pPr algn="ctr"/>
+            <a:r>
+              <a:rPr lang="en-US" dirty="0" smtClean="0"/>
+              <a:t>Db: localhost:3306</a:t>
+            </a:r>
+            <a:endParaRPr lang="en-US" dirty="0"/>
+          </a:p>
+        </p:txBody>
+      </p:sp>
+      <p:cxnSp>
+        <p:nvCxnSpPr>
+          <p:cNvPr id="26" name="Straight Arrow Connector 25"/>
+          <p:cNvCxnSpPr>
+            <a:endCxn id="23" idx="0"/>
+          </p:cNvCxnSpPr>
+          <p:nvPr/>
+        </p:nvCxnSpPr>
+        <p:spPr>
+          <a:xfrm flipH="1">
+            <a:off x="4111868" y="1562100"/>
+            <a:ext cx="231532" cy="457200"/>
+          </a:xfrm>
+          <a:prstGeom prst="straightConnector1">
+            <a:avLst/>
+          </a:prstGeom>
+          <a:ln>
+            <a:tailEnd type="arrow"/>
+          </a:ln>
+        </p:spPr>
+        <p:style>
+          <a:lnRef idx="1">
+            <a:schemeClr val="accent1"/>
+          </a:lnRef>
+          <a:fillRef idx="0">
+            <a:schemeClr val="accent1"/>
+          </a:fillRef>
+          <a:effectRef idx="0">
+            <a:schemeClr val="accent1"/>
+          </a:effectRef>
+          <a:fontRef idx="minor">
+            <a:schemeClr val="tx1"/>
+          </a:fontRef>
+        </p:style>
+      </p:cxnSp>
+      <p:cxnSp>
+        <p:nvCxnSpPr>
+          <p:cNvPr id="28" name="Straight Arrow Connector 27"/>
+          <p:cNvCxnSpPr>
+            <a:stCxn id="23" idx="2"/>
+            <a:endCxn id="24" idx="0"/>
+          </p:cNvCxnSpPr>
+          <p:nvPr/>
+        </p:nvCxnSpPr>
+        <p:spPr>
+          <a:xfrm>
+            <a:off x="4111868" y="2388632"/>
+            <a:ext cx="193432" cy="164068"/>
+          </a:xfrm>
+          <a:prstGeom prst="straightConnector1">
+            <a:avLst/>
+          </a:prstGeom>
+          <a:ln>
+            <a:tailEnd type="arrow"/>
+          </a:ln>
+        </p:spPr>
+        <p:style>
+          <a:lnRef idx="1">
+            <a:schemeClr val="accent1"/>
+          </a:lnRef>
+          <a:fillRef idx="0">
+            <a:schemeClr val="accent1"/>
+          </a:fillRef>
+          <a:effectRef idx="0">
+            <a:schemeClr val="accent1"/>
+          </a:effectRef>
+          <a:fontRef idx="minor">
+            <a:schemeClr val="tx1"/>
+          </a:fontRef>
+        </p:style>
+      </p:cxnSp>
+      <p:sp>
+        <p:nvSpPr>
+          <p:cNvPr id="29" name="Oval 28"/>
+          <p:cNvSpPr/>
+          <p:nvPr/>
+        </p:nvSpPr>
+        <p:spPr>
+          <a:xfrm>
+            <a:off x="3733800" y="3467100"/>
+            <a:ext cx="1828800" cy="685800"/>
+          </a:xfrm>
+          <a:prstGeom prst="ellipse">
+            <a:avLst/>
+          </a:prstGeom>
+        </p:spPr>
+        <p:style>
+          <a:lnRef idx="2">
+            <a:schemeClr val="accent1">
+              <a:shade val="50000"/>
+            </a:schemeClr>
+          </a:lnRef>
+          <a:fillRef idx="1">
+            <a:schemeClr val="accent1"/>
+          </a:fillRef>
+          <a:effectRef idx="0">
+            <a:schemeClr val="accent1"/>
+          </a:effectRef>
+          <a:fontRef idx="minor">
+            <a:schemeClr val="lt1"/>
+          </a:fontRef>
+        </p:style>
+        <p:txBody>
+          <a:bodyPr rtlCol="0" anchor="ctr"/>
+          <a:lstStyle/>
+          <a:p>
+            <a:pPr algn="ctr"/>
+            <a:r>
+              <a:rPr lang="en-US" dirty="0" smtClean="0"/>
+              <a:t>Mysql:3306</a:t>
+            </a:r>
+            <a:endParaRPr lang="en-US" dirty="0"/>
+          </a:p>
+        </p:txBody>
+      </p:sp>
+      <p:cxnSp>
+        <p:nvCxnSpPr>
+          <p:cNvPr id="36" name="Straight Arrow Connector 35"/>
+          <p:cNvCxnSpPr>
+            <a:stCxn id="24" idx="4"/>
+          </p:cNvCxnSpPr>
+          <p:nvPr/>
+        </p:nvCxnSpPr>
+        <p:spPr>
+          <a:xfrm>
+            <a:off x="4305300" y="3390900"/>
+            <a:ext cx="342900" cy="228600"/>
+          </a:xfrm>
+          <a:prstGeom prst="straightConnector1">
+            <a:avLst/>
+          </a:prstGeom>
+          <a:ln>
+            <a:tailEnd type="arrow"/>
+          </a:ln>
+        </p:spPr>
+        <p:style>
+          <a:lnRef idx="1">
+            <a:schemeClr val="accent1"/>
+          </a:lnRef>
+          <a:fillRef idx="0">
+            <a:schemeClr val="accent1"/>
+          </a:fillRef>
+          <a:effectRef idx="0">
+            <a:schemeClr val="accent1"/>
+          </a:effectRef>
+          <a:fontRef idx="minor">
+            <a:schemeClr val="tx1"/>
+          </a:fontRef>
+        </p:style>
+      </p:cxnSp>
+      <p:sp>
+        <p:nvSpPr>
+          <p:cNvPr id="43" name="Rectangle 42"/>
+          <p:cNvSpPr/>
+          <p:nvPr/>
+        </p:nvSpPr>
+        <p:spPr>
+          <a:xfrm>
+            <a:off x="5943600" y="3086100"/>
+            <a:ext cx="2438400" cy="1143000"/>
+          </a:xfrm>
+          <a:prstGeom prst="rect">
+            <a:avLst/>
+          </a:prstGeom>
+          <a:noFill/>
+        </p:spPr>
+        <p:style>
+          <a:lnRef idx="2">
+            <a:schemeClr val="accent1">
+              <a:shade val="50000"/>
+            </a:schemeClr>
+          </a:lnRef>
+          <a:fillRef idx="1">
+            <a:schemeClr val="accent1"/>
+          </a:fillRef>
+          <a:effectRef idx="0">
+            <a:schemeClr val="accent1"/>
+          </a:effectRef>
+          <a:fontRef idx="minor">
+            <a:schemeClr val="lt1"/>
+          </a:fontRef>
+        </p:style>
+        <p:txBody>
+          <a:bodyPr rtlCol="0" anchor="ctr"/>
+          <a:lstStyle/>
+          <a:p>
+            <a:pPr algn="ctr"/>
+            <a:endParaRPr lang="en-US"/>
+          </a:p>
+        </p:txBody>
+      </p:sp>
+      <p:sp>
+        <p:nvSpPr>
+          <p:cNvPr id="44" name="TextBox 43"/>
+          <p:cNvSpPr txBox="1"/>
+          <p:nvPr/>
+        </p:nvSpPr>
+        <p:spPr>
+          <a:xfrm>
+            <a:off x="6019800" y="2781300"/>
+            <a:ext cx="1822935" cy="369332"/>
+          </a:xfrm>
+          <a:prstGeom prst="rect">
+            <a:avLst/>
+          </a:prstGeom>
+          <a:noFill/>
+        </p:spPr>
+        <p:txBody>
+          <a:bodyPr wrap="none" rtlCol="0">
+            <a:spAutoFit/>
+          </a:bodyPr>
+          <a:lstStyle/>
+          <a:p>
+            <a:r>
+              <a:rPr lang="en-US" dirty="0" smtClean="0"/>
+              <a:t>POD: 172.17.0.15</a:t>
+            </a:r>
+            <a:endParaRPr lang="en-US" dirty="0"/>
+          </a:p>
+        </p:txBody>
+      </p:sp>
+      <p:sp>
+        <p:nvSpPr>
+          <p:cNvPr id="45" name="Oval 44"/>
+          <p:cNvSpPr/>
+          <p:nvPr/>
+        </p:nvSpPr>
+        <p:spPr>
+          <a:xfrm>
+            <a:off x="5943600" y="3314700"/>
+            <a:ext cx="2362200" cy="838200"/>
+          </a:xfrm>
+          <a:prstGeom prst="ellipse">
+            <a:avLst/>
+          </a:prstGeom>
+        </p:spPr>
+        <p:style>
+          <a:lnRef idx="2">
+            <a:schemeClr val="accent1">
+              <a:shade val="50000"/>
+            </a:schemeClr>
+          </a:lnRef>
+          <a:fillRef idx="1">
+            <a:schemeClr val="accent1"/>
+          </a:fillRef>
+          <a:effectRef idx="0">
+            <a:schemeClr val="accent1"/>
+          </a:effectRef>
+          <a:fontRef idx="minor">
+            <a:schemeClr val="lt1"/>
+          </a:fontRef>
+        </p:style>
+        <p:txBody>
+          <a:bodyPr rtlCol="0" anchor="ctr"/>
+          <a:lstStyle/>
+          <a:p>
+            <a:pPr algn="ctr"/>
+            <a:r>
+              <a:rPr lang="en-US" sz="1200" dirty="0" smtClean="0"/>
+              <a:t>Ghost:2368</a:t>
+            </a:r>
+          </a:p>
+          <a:p>
+            <a:pPr algn="ctr"/>
+            <a:r>
+              <a:rPr lang="en-US" sz="1200" dirty="0" smtClean="0"/>
+              <a:t>Db: 172.17.0.16:3306</a:t>
+            </a:r>
+            <a:endParaRPr lang="en-US" sz="1200" dirty="0"/>
+          </a:p>
+        </p:txBody>
+      </p:sp>
+      <p:cxnSp>
+        <p:nvCxnSpPr>
+          <p:cNvPr id="46" name="Straight Arrow Connector 45"/>
+          <p:cNvCxnSpPr>
+            <a:stCxn id="44" idx="2"/>
+            <a:endCxn id="45" idx="0"/>
+          </p:cNvCxnSpPr>
+          <p:nvPr/>
+        </p:nvCxnSpPr>
+        <p:spPr>
+          <a:xfrm>
+            <a:off x="6931268" y="3150632"/>
+            <a:ext cx="193432" cy="164068"/>
+          </a:xfrm>
+          <a:prstGeom prst="straightConnector1">
+            <a:avLst/>
+          </a:prstGeom>
+          <a:ln>
+            <a:tailEnd type="arrow"/>
+          </a:ln>
+        </p:spPr>
+        <p:style>
+          <a:lnRef idx="1">
+            <a:schemeClr val="accent1"/>
+          </a:lnRef>
+          <a:fillRef idx="0">
+            <a:schemeClr val="accent1"/>
+          </a:fillRef>
+          <a:effectRef idx="0">
+            <a:schemeClr val="accent1"/>
+          </a:effectRef>
+          <a:fontRef idx="minor">
+            <a:schemeClr val="tx1"/>
+          </a:fontRef>
+        </p:style>
+      </p:cxnSp>
+      <p:sp>
+        <p:nvSpPr>
+          <p:cNvPr id="47" name="Oval 46"/>
+          <p:cNvSpPr/>
+          <p:nvPr/>
+        </p:nvSpPr>
+        <p:spPr>
+          <a:xfrm>
+            <a:off x="6705600" y="4610100"/>
+            <a:ext cx="1828800" cy="685800"/>
+          </a:xfrm>
+          <a:prstGeom prst="ellipse">
+            <a:avLst/>
+          </a:prstGeom>
+        </p:spPr>
+        <p:style>
+          <a:lnRef idx="2">
+            <a:schemeClr val="accent1">
+              <a:shade val="50000"/>
+            </a:schemeClr>
+          </a:lnRef>
+          <a:fillRef idx="1">
+            <a:schemeClr val="accent1"/>
+          </a:fillRef>
+          <a:effectRef idx="0">
+            <a:schemeClr val="accent1"/>
+          </a:effectRef>
+          <a:fontRef idx="minor">
+            <a:schemeClr val="lt1"/>
+          </a:fontRef>
+        </p:style>
+        <p:txBody>
+          <a:bodyPr rtlCol="0" anchor="ctr"/>
+          <a:lstStyle/>
+          <a:p>
+            <a:pPr algn="ctr"/>
+            <a:r>
+              <a:rPr lang="en-US" dirty="0" smtClean="0"/>
+              <a:t>Mysql:3306</a:t>
+            </a:r>
+            <a:endParaRPr lang="en-US" dirty="0"/>
+          </a:p>
+        </p:txBody>
+      </p:sp>
+      <p:cxnSp>
+        <p:nvCxnSpPr>
+          <p:cNvPr id="48" name="Straight Arrow Connector 47"/>
+          <p:cNvCxnSpPr>
+            <a:stCxn id="45" idx="4"/>
+          </p:cNvCxnSpPr>
+          <p:nvPr/>
+        </p:nvCxnSpPr>
+        <p:spPr>
+          <a:xfrm>
+            <a:off x="7124700" y="4152900"/>
+            <a:ext cx="342900" cy="228600"/>
+          </a:xfrm>
+          <a:prstGeom prst="straightConnector1">
+            <a:avLst/>
+          </a:prstGeom>
+          <a:ln>
+            <a:tailEnd type="arrow"/>
+          </a:ln>
+        </p:spPr>
+        <p:style>
+          <a:lnRef idx="1">
+            <a:schemeClr val="accent1"/>
+          </a:lnRef>
+          <a:fillRef idx="0">
+            <a:schemeClr val="accent1"/>
+          </a:fillRef>
+          <a:effectRef idx="0">
+            <a:schemeClr val="accent1"/>
+          </a:effectRef>
+          <a:fontRef idx="minor">
+            <a:schemeClr val="tx1"/>
+          </a:fontRef>
+        </p:style>
+      </p:cxnSp>
+      <p:sp>
+        <p:nvSpPr>
+          <p:cNvPr id="49" name="Rectangle 48"/>
+          <p:cNvSpPr/>
+          <p:nvPr/>
+        </p:nvSpPr>
+        <p:spPr>
+          <a:xfrm>
+            <a:off x="6324600" y="4610100"/>
+            <a:ext cx="2438400" cy="762000"/>
+          </a:xfrm>
+          <a:prstGeom prst="rect">
+            <a:avLst/>
+          </a:prstGeom>
+          <a:noFill/>
+        </p:spPr>
+        <p:style>
+          <a:lnRef idx="2">
+            <a:schemeClr val="accent1">
+              <a:shade val="50000"/>
+            </a:schemeClr>
+          </a:lnRef>
+          <a:fillRef idx="1">
+            <a:schemeClr val="accent1"/>
+          </a:fillRef>
+          <a:effectRef idx="0">
+            <a:schemeClr val="accent1"/>
+          </a:effectRef>
+          <a:fontRef idx="minor">
+            <a:schemeClr val="lt1"/>
+          </a:fontRef>
+        </p:style>
+        <p:txBody>
+          <a:bodyPr rtlCol="0" anchor="ctr"/>
+          <a:lstStyle/>
+          <a:p>
+            <a:pPr algn="ctr"/>
+            <a:endParaRPr lang="en-US"/>
+          </a:p>
+        </p:txBody>
+      </p:sp>
+      <p:sp>
+        <p:nvSpPr>
+          <p:cNvPr id="50" name="TextBox 49"/>
+          <p:cNvSpPr txBox="1"/>
+          <p:nvPr/>
+        </p:nvSpPr>
+        <p:spPr>
+          <a:xfrm>
+            <a:off x="6477000" y="4229100"/>
+            <a:ext cx="1822935" cy="369332"/>
+          </a:xfrm>
+          <a:prstGeom prst="rect">
+            <a:avLst/>
+          </a:prstGeom>
+          <a:noFill/>
+        </p:spPr>
+        <p:txBody>
+          <a:bodyPr wrap="none" rtlCol="0">
+            <a:spAutoFit/>
+          </a:bodyPr>
+          <a:lstStyle/>
+          <a:p>
+            <a:r>
+              <a:rPr lang="en-US" dirty="0" smtClean="0"/>
+              <a:t>POD: 172.17.0.16</a:t>
+            </a:r>
+            <a:endParaRPr lang="en-US" dirty="0"/>
+          </a:p>
+        </p:txBody>
+      </p:sp>
+      <p:sp>
+        <p:nvSpPr>
+          <p:cNvPr id="51" name="Rectangle 50"/>
+          <p:cNvSpPr/>
+          <p:nvPr/>
+        </p:nvSpPr>
+        <p:spPr>
+          <a:xfrm>
+            <a:off x="2971800" y="4419600"/>
+            <a:ext cx="2438400" cy="1143000"/>
+          </a:xfrm>
+          <a:prstGeom prst="rect">
+            <a:avLst/>
+          </a:prstGeom>
+          <a:noFill/>
+        </p:spPr>
+        <p:style>
+          <a:lnRef idx="2">
+            <a:schemeClr val="accent1">
+              <a:shade val="50000"/>
+            </a:schemeClr>
+          </a:lnRef>
+          <a:fillRef idx="1">
+            <a:schemeClr val="accent1"/>
+          </a:fillRef>
+          <a:effectRef idx="0">
+            <a:schemeClr val="accent1"/>
+          </a:effectRef>
+          <a:fontRef idx="minor">
+            <a:schemeClr val="lt1"/>
+          </a:fontRef>
+        </p:style>
+        <p:txBody>
+          <a:bodyPr rtlCol="0" anchor="ctr"/>
+          <a:lstStyle/>
+          <a:p>
+            <a:pPr algn="ctr"/>
+            <a:endParaRPr lang="en-US"/>
+          </a:p>
+        </p:txBody>
+      </p:sp>
+      <p:sp>
+        <p:nvSpPr>
+          <p:cNvPr id="52" name="TextBox 51"/>
+          <p:cNvSpPr txBox="1"/>
+          <p:nvPr/>
+        </p:nvSpPr>
+        <p:spPr>
+          <a:xfrm>
+            <a:off x="3048000" y="4114800"/>
+            <a:ext cx="1822935" cy="369332"/>
+          </a:xfrm>
+          <a:prstGeom prst="rect">
+            <a:avLst/>
+          </a:prstGeom>
+          <a:noFill/>
+        </p:spPr>
+        <p:txBody>
+          <a:bodyPr wrap="none" rtlCol="0">
+            <a:spAutoFit/>
+          </a:bodyPr>
+          <a:lstStyle/>
+          <a:p>
+            <a:r>
+              <a:rPr lang="en-US" dirty="0" smtClean="0"/>
+              <a:t>POD: 172.17.0.16</a:t>
+            </a:r>
+            <a:endParaRPr lang="en-US" dirty="0"/>
+          </a:p>
+        </p:txBody>
+      </p:sp>
+      <p:sp>
+        <p:nvSpPr>
+          <p:cNvPr id="53" name="Oval 52"/>
+          <p:cNvSpPr/>
+          <p:nvPr/>
+        </p:nvSpPr>
+        <p:spPr>
+          <a:xfrm>
+            <a:off x="2971800" y="4648200"/>
+            <a:ext cx="2362200" cy="838200"/>
+          </a:xfrm>
+          <a:prstGeom prst="ellipse">
+            <a:avLst/>
+          </a:prstGeom>
+        </p:spPr>
+        <p:style>
+          <a:lnRef idx="2">
+            <a:schemeClr val="accent1">
+              <a:shade val="50000"/>
+            </a:schemeClr>
+          </a:lnRef>
+          <a:fillRef idx="1">
+            <a:schemeClr val="accent1"/>
+          </a:fillRef>
+          <a:effectRef idx="0">
+            <a:schemeClr val="accent1"/>
+          </a:effectRef>
+          <a:fontRef idx="minor">
+            <a:schemeClr val="lt1"/>
+          </a:fontRef>
+        </p:style>
+        <p:txBody>
+          <a:bodyPr rtlCol="0" anchor="ctr"/>
+          <a:lstStyle/>
+          <a:p>
+            <a:pPr algn="ctr"/>
+            <a:r>
+              <a:rPr lang="en-US" sz="1200" dirty="0" smtClean="0"/>
+              <a:t>Ghost:2368</a:t>
+            </a:r>
+          </a:p>
+          <a:p>
+            <a:pPr algn="ctr"/>
+            <a:r>
+              <a:rPr lang="en-US" sz="1200" dirty="0" smtClean="0"/>
+              <a:t>Db: 172.17.0.16:3306</a:t>
+            </a:r>
+            <a:endParaRPr lang="en-US" sz="1200" dirty="0"/>
+          </a:p>
+        </p:txBody>
+      </p:sp>
+      <p:cxnSp>
+        <p:nvCxnSpPr>
+          <p:cNvPr id="54" name="Straight Arrow Connector 53"/>
+          <p:cNvCxnSpPr>
+            <a:stCxn id="52" idx="2"/>
+            <a:endCxn id="53" idx="0"/>
+          </p:cNvCxnSpPr>
+          <p:nvPr/>
+        </p:nvCxnSpPr>
+        <p:spPr>
+          <a:xfrm>
+            <a:off x="3959468" y="4484132"/>
+            <a:ext cx="193432" cy="164068"/>
+          </a:xfrm>
+          <a:prstGeom prst="straightConnector1">
+            <a:avLst/>
+          </a:prstGeom>
+          <a:ln>
+            <a:tailEnd type="arrow"/>
+          </a:ln>
+        </p:spPr>
+        <p:style>
+          <a:lnRef idx="1">
+            <a:schemeClr val="accent1"/>
+          </a:lnRef>
+          <a:fillRef idx="0">
+            <a:schemeClr val="accent1"/>
+          </a:fillRef>
+          <a:effectRef idx="0">
+            <a:schemeClr val="accent1"/>
+          </a:effectRef>
+          <a:fontRef idx="minor">
+            <a:schemeClr val="tx1"/>
+          </a:fontRef>
+        </p:style>
+      </p:cxnSp>
+      <p:cxnSp>
+        <p:nvCxnSpPr>
+          <p:cNvPr id="55" name="Straight Arrow Connector 54"/>
+          <p:cNvCxnSpPr>
+            <a:stCxn id="53" idx="4"/>
+            <a:endCxn id="47" idx="2"/>
+          </p:cNvCxnSpPr>
+          <p:nvPr/>
+        </p:nvCxnSpPr>
+        <p:spPr>
+          <a:xfrm flipV="1">
+            <a:off x="4152900" y="4953000"/>
+            <a:ext cx="2552700" cy="533400"/>
+          </a:xfrm>
+          <a:prstGeom prst="straightConnector1">
+            <a:avLst/>
+          </a:prstGeom>
+          <a:ln>
+            <a:tailEnd type="arrow"/>
+          </a:ln>
+        </p:spPr>
+        <p:style>
+          <a:lnRef idx="1">
+            <a:schemeClr val="accent1"/>
+          </a:lnRef>
+          <a:fillRef idx="0">
+            <a:schemeClr val="accent1"/>
+          </a:fillRef>
+          <a:effectRef idx="0">
+            <a:schemeClr val="accent1"/>
+          </a:effectRef>
+          <a:fontRef idx="minor">
+            <a:schemeClr val="tx1"/>
+          </a:fontRef>
+        </p:style>
+      </p:cxnSp>
+    </p:spTree>
+  </p:cSld>
+  <p:clrMapOvr>
+    <a:masterClrMapping/>
+  </p:clrMapOvr>
+</p:sld>
+</file>
+
+<file path=ppt/slides/slide14.xml><?xml version="1.0" encoding="utf-8"?>
+<p:sld xmlns:a="http://schemas.openxmlformats.org/drawingml/2006/main" xmlns:r="http://schemas.openxmlformats.org/officeDocument/2006/relationships" xmlns:p="http://schemas.openxmlformats.org/presentationml/2006/main">
+  <p:cSld>
+    <p:spTree>
+      <p:nvGrpSpPr>
+        <p:cNvPr id="1" name=""/>
+        <p:cNvGrpSpPr/>
+        <p:nvPr/>
+      </p:nvGrpSpPr>
+      <p:grpSpPr>
+        <a:xfrm>
+          <a:off x="0" y="0"/>
+          <a:ext cx="0" cy="0"/>
+          <a:chOff x="0" y="0"/>
+          <a:chExt cx="0" cy="0"/>
+        </a:xfrm>
+      </p:grpSpPr>
+      <p:sp>
+        <p:nvSpPr>
+          <p:cNvPr id="2" name="Rectangle 1"/>
+          <p:cNvSpPr/>
+          <p:nvPr/>
+        </p:nvSpPr>
+        <p:spPr>
+          <a:xfrm>
+            <a:off x="2819400" y="190500"/>
+            <a:ext cx="6019800" cy="5257800"/>
+          </a:xfrm>
+          <a:prstGeom prst="rect">
+            <a:avLst/>
+          </a:prstGeom>
+          <a:noFill/>
+        </p:spPr>
+        <p:style>
+          <a:lnRef idx="2">
+            <a:schemeClr val="accent1">
+              <a:shade val="50000"/>
+            </a:schemeClr>
+          </a:lnRef>
+          <a:fillRef idx="1">
+            <a:schemeClr val="accent1"/>
+          </a:fillRef>
+          <a:effectRef idx="0">
+            <a:schemeClr val="accent1"/>
+          </a:effectRef>
+          <a:fontRef idx="minor">
+            <a:schemeClr val="lt1"/>
+          </a:fontRef>
+        </p:style>
+        <p:txBody>
+          <a:bodyPr rtlCol="0" anchor="ctr"/>
+          <a:lstStyle/>
+          <a:p>
+            <a:pPr algn="ctr"/>
+            <a:endParaRPr lang="en-US"/>
+          </a:p>
+        </p:txBody>
+      </p:sp>
+      <p:sp>
+        <p:nvSpPr>
+          <p:cNvPr id="3" name="TextBox 2"/>
+          <p:cNvSpPr txBox="1"/>
+          <p:nvPr/>
+        </p:nvSpPr>
+        <p:spPr>
+          <a:xfrm>
+            <a:off x="2819400" y="190500"/>
+            <a:ext cx="2698431" cy="369332"/>
+          </a:xfrm>
+          <a:prstGeom prst="rect">
+            <a:avLst/>
+          </a:prstGeom>
+          <a:noFill/>
+        </p:spPr>
+        <p:txBody>
+          <a:bodyPr wrap="none" rtlCol="0">
+            <a:spAutoFit/>
+          </a:bodyPr>
+          <a:lstStyle/>
+          <a:p>
+            <a:r>
+              <a:rPr lang="en-US" dirty="0" err="1" smtClean="0"/>
+              <a:t>Minikube</a:t>
+            </a:r>
+            <a:r>
+              <a:rPr lang="en-US" dirty="0" smtClean="0"/>
+              <a:t> : 192.168.99.100</a:t>
+            </a:r>
+            <a:endParaRPr lang="en-US" dirty="0"/>
+          </a:p>
+        </p:txBody>
+      </p:sp>
+      <p:sp>
+        <p:nvSpPr>
+          <p:cNvPr id="4" name="Oval 3"/>
+          <p:cNvSpPr/>
+          <p:nvPr/>
+        </p:nvSpPr>
+        <p:spPr>
+          <a:xfrm>
+            <a:off x="6705600" y="4610100"/>
+            <a:ext cx="1828800" cy="685800"/>
+          </a:xfrm>
+          <a:prstGeom prst="ellipse">
+            <a:avLst/>
+          </a:prstGeom>
+        </p:spPr>
+        <p:style>
+          <a:lnRef idx="2">
+            <a:schemeClr val="accent1">
+              <a:shade val="50000"/>
+            </a:schemeClr>
+          </a:lnRef>
+          <a:fillRef idx="1">
+            <a:schemeClr val="accent1"/>
+          </a:fillRef>
+          <a:effectRef idx="0">
+            <a:schemeClr val="accent1"/>
+          </a:effectRef>
+          <a:fontRef idx="minor">
+            <a:schemeClr val="lt1"/>
+          </a:fontRef>
+        </p:style>
+        <p:txBody>
+          <a:bodyPr rtlCol="0" anchor="ctr"/>
+          <a:lstStyle/>
+          <a:p>
+            <a:pPr algn="ctr"/>
+            <a:r>
+              <a:rPr lang="en-US" dirty="0" smtClean="0"/>
+              <a:t>Mysql:3306</a:t>
+            </a:r>
+            <a:endParaRPr lang="en-US" dirty="0"/>
+          </a:p>
+        </p:txBody>
+      </p:sp>
+      <p:sp>
+        <p:nvSpPr>
+          <p:cNvPr id="5" name="Rectangle 4"/>
+          <p:cNvSpPr/>
+          <p:nvPr/>
+        </p:nvSpPr>
+        <p:spPr>
+          <a:xfrm>
+            <a:off x="6324600" y="4610100"/>
+            <a:ext cx="2438400" cy="762000"/>
+          </a:xfrm>
+          <a:prstGeom prst="rect">
+            <a:avLst/>
+          </a:prstGeom>
+          <a:noFill/>
+        </p:spPr>
+        <p:style>
+          <a:lnRef idx="2">
+            <a:schemeClr val="accent1">
+              <a:shade val="50000"/>
+            </a:schemeClr>
+          </a:lnRef>
+          <a:fillRef idx="1">
+            <a:schemeClr val="accent1"/>
+          </a:fillRef>
+          <a:effectRef idx="0">
+            <a:schemeClr val="accent1"/>
+          </a:effectRef>
+          <a:fontRef idx="minor">
+            <a:schemeClr val="lt1"/>
+          </a:fontRef>
+        </p:style>
+        <p:txBody>
+          <a:bodyPr rtlCol="0" anchor="ctr"/>
+          <a:lstStyle/>
+          <a:p>
+            <a:pPr algn="ctr"/>
+            <a:endParaRPr lang="en-US"/>
+          </a:p>
+        </p:txBody>
+      </p:sp>
+      <p:sp>
+        <p:nvSpPr>
+          <p:cNvPr id="6" name="TextBox 5"/>
+          <p:cNvSpPr txBox="1"/>
+          <p:nvPr/>
+        </p:nvSpPr>
+        <p:spPr>
+          <a:xfrm>
+            <a:off x="6477000" y="4229100"/>
+            <a:ext cx="1822935" cy="369332"/>
+          </a:xfrm>
+          <a:prstGeom prst="rect">
+            <a:avLst/>
+          </a:prstGeom>
+          <a:noFill/>
+        </p:spPr>
+        <p:txBody>
+          <a:bodyPr wrap="none" rtlCol="0">
+            <a:spAutoFit/>
+          </a:bodyPr>
+          <a:lstStyle/>
+          <a:p>
+            <a:r>
+              <a:rPr lang="en-US" dirty="0" smtClean="0"/>
+              <a:t>POD: 172.17.0.16</a:t>
+            </a:r>
+            <a:endParaRPr lang="en-US" dirty="0"/>
+          </a:p>
+        </p:txBody>
+      </p:sp>
+      <p:sp>
+        <p:nvSpPr>
+          <p:cNvPr id="7" name="Rectangle 6"/>
+          <p:cNvSpPr/>
+          <p:nvPr/>
+        </p:nvSpPr>
+        <p:spPr>
+          <a:xfrm>
+            <a:off x="2971800" y="4419600"/>
+            <a:ext cx="2438400" cy="1143000"/>
+          </a:xfrm>
+          <a:prstGeom prst="rect">
+            <a:avLst/>
+          </a:prstGeom>
+          <a:noFill/>
+        </p:spPr>
+        <p:style>
+          <a:lnRef idx="2">
+            <a:schemeClr val="accent1">
+              <a:shade val="50000"/>
+            </a:schemeClr>
+          </a:lnRef>
+          <a:fillRef idx="1">
+            <a:schemeClr val="accent1"/>
+          </a:fillRef>
+          <a:effectRef idx="0">
+            <a:schemeClr val="accent1"/>
+          </a:effectRef>
+          <a:fontRef idx="minor">
+            <a:schemeClr val="lt1"/>
+          </a:fontRef>
+        </p:style>
+        <p:txBody>
+          <a:bodyPr rtlCol="0" anchor="ctr"/>
+          <a:lstStyle/>
+          <a:p>
+            <a:pPr algn="ctr"/>
+            <a:endParaRPr lang="en-US"/>
+          </a:p>
+        </p:txBody>
+      </p:sp>
+      <p:sp>
+        <p:nvSpPr>
+          <p:cNvPr id="8" name="TextBox 7"/>
+          <p:cNvSpPr txBox="1"/>
+          <p:nvPr/>
+        </p:nvSpPr>
+        <p:spPr>
+          <a:xfrm>
+            <a:off x="3048000" y="4114800"/>
+            <a:ext cx="1822935" cy="369332"/>
+          </a:xfrm>
+          <a:prstGeom prst="rect">
+            <a:avLst/>
+          </a:prstGeom>
+          <a:noFill/>
+        </p:spPr>
+        <p:txBody>
+          <a:bodyPr wrap="none" rtlCol="0">
+            <a:spAutoFit/>
+          </a:bodyPr>
+          <a:lstStyle/>
+          <a:p>
+            <a:r>
+              <a:rPr lang="en-US" dirty="0" smtClean="0"/>
+              <a:t>POD: 172.17.0.16</a:t>
+            </a:r>
+            <a:endParaRPr lang="en-US" dirty="0"/>
+          </a:p>
+        </p:txBody>
+      </p:sp>
+      <p:sp>
+        <p:nvSpPr>
+          <p:cNvPr id="9" name="Oval 8"/>
+          <p:cNvSpPr/>
+          <p:nvPr/>
+        </p:nvSpPr>
+        <p:spPr>
+          <a:xfrm>
+            <a:off x="2971800" y="4648200"/>
+            <a:ext cx="2362200" cy="838200"/>
+          </a:xfrm>
+          <a:prstGeom prst="ellipse">
+            <a:avLst/>
+          </a:prstGeom>
+        </p:spPr>
+        <p:style>
+          <a:lnRef idx="2">
+            <a:schemeClr val="accent1">
+              <a:shade val="50000"/>
+            </a:schemeClr>
+          </a:lnRef>
+          <a:fillRef idx="1">
+            <a:schemeClr val="accent1"/>
+          </a:fillRef>
+          <a:effectRef idx="0">
+            <a:schemeClr val="accent1"/>
+          </a:effectRef>
+          <a:fontRef idx="minor">
+            <a:schemeClr val="lt1"/>
+          </a:fontRef>
+        </p:style>
+        <p:txBody>
+          <a:bodyPr rtlCol="0" anchor="ctr"/>
+          <a:lstStyle/>
+          <a:p>
+            <a:pPr algn="ctr"/>
+            <a:r>
+              <a:rPr lang="en-US" sz="1200" dirty="0" smtClean="0"/>
+              <a:t>Ghost:2368</a:t>
+            </a:r>
+          </a:p>
+          <a:p>
+            <a:pPr algn="ctr"/>
+            <a:r>
+              <a:rPr lang="en-US" sz="1200" dirty="0" smtClean="0"/>
+              <a:t>Db</a:t>
+            </a:r>
+            <a:r>
+              <a:rPr lang="en-US" sz="1200" smtClean="0"/>
+              <a:t>: db-svc</a:t>
+            </a:r>
+            <a:endParaRPr lang="en-US" sz="1200" dirty="0"/>
+          </a:p>
+        </p:txBody>
+      </p:sp>
+      <p:sp>
+        <p:nvSpPr>
+          <p:cNvPr id="10" name="TextBox 9"/>
+          <p:cNvSpPr txBox="1"/>
+          <p:nvPr/>
+        </p:nvSpPr>
+        <p:spPr>
+          <a:xfrm>
+            <a:off x="6400800" y="3467100"/>
+            <a:ext cx="805157" cy="369332"/>
+          </a:xfrm>
+          <a:prstGeom prst="rect">
+            <a:avLst/>
+          </a:prstGeom>
+          <a:noFill/>
+        </p:spPr>
+        <p:txBody>
+          <a:bodyPr wrap="none" rtlCol="0">
+            <a:spAutoFit/>
+          </a:bodyPr>
+          <a:lstStyle/>
+          <a:p>
+            <a:r>
+              <a:rPr lang="en-US" dirty="0" smtClean="0"/>
+              <a:t>Db-svc</a:t>
+            </a:r>
+            <a:endParaRPr lang="en-US" dirty="0"/>
+          </a:p>
+        </p:txBody>
+      </p:sp>
+      <p:cxnSp>
+        <p:nvCxnSpPr>
+          <p:cNvPr id="12" name="Straight Arrow Connector 11"/>
+          <p:cNvCxnSpPr>
+            <a:stCxn id="10" idx="2"/>
+            <a:endCxn id="6" idx="0"/>
+          </p:cNvCxnSpPr>
+          <p:nvPr/>
+        </p:nvCxnSpPr>
+        <p:spPr>
+          <a:xfrm>
+            <a:off x="6803379" y="3836432"/>
+            <a:ext cx="585089" cy="392668"/>
+          </a:xfrm>
+          <a:prstGeom prst="straightConnector1">
+            <a:avLst/>
+          </a:prstGeom>
+          <a:ln>
+            <a:tailEnd type="arrow"/>
+          </a:ln>
+        </p:spPr>
+        <p:style>
+          <a:lnRef idx="1">
+            <a:schemeClr val="accent1"/>
+          </a:lnRef>
+          <a:fillRef idx="0">
+            <a:schemeClr val="accent1"/>
+          </a:fillRef>
+          <a:effectRef idx="0">
+            <a:schemeClr val="accent1"/>
+          </a:effectRef>
+          <a:fontRef idx="minor">
+            <a:schemeClr val="tx1"/>
+          </a:fontRef>
+        </p:style>
+      </p:cxnSp>
+    </p:spTree>
+  </p:cSld>
+  <p:clrMapOvr>
+    <a:masterClrMapping/>
+  </p:clrMapOvr>
+</p:sld>
+</file>
+
+<file path=ppt/slides/slide15.xml><?xml version="1.0" encoding="utf-8"?>
+<p:sld xmlns:a="http://schemas.openxmlformats.org/drawingml/2006/main" xmlns:r="http://schemas.openxmlformats.org/officeDocument/2006/relationships" xmlns:p="http://schemas.openxmlformats.org/presentationml/2006/main">
+  <p:cSld>
+    <p:spTree>
+      <p:nvGrpSpPr>
+        <p:cNvPr id="1" name=""/>
+        <p:cNvGrpSpPr/>
+        <p:nvPr/>
+      </p:nvGrpSpPr>
+      <p:grpSpPr>
+        <a:xfrm>
+          <a:off x="0" y="0"/>
+          <a:ext cx="0" cy="0"/>
+          <a:chOff x="0" y="0"/>
+          <a:chExt cx="0" cy="0"/>
+        </a:xfrm>
+      </p:grpSpPr>
+      <p:sp>
+        <p:nvSpPr>
+          <p:cNvPr id="2" name="Rectangle 1"/>
+          <p:cNvSpPr/>
+          <p:nvPr/>
+        </p:nvSpPr>
+        <p:spPr>
+          <a:xfrm>
             <a:off x="2057400" y="266700"/>
             <a:ext cx="6477000" cy="4800600"/>
           </a:xfrm>
@@ -6084,6 +7976,1562 @@
           <a:p>
             <a:pPr algn="ctr"/>
             <a:endParaRPr lang="en-US"/>
+          </a:p>
+        </p:txBody>
+      </p:sp>
+    </p:spTree>
+  </p:cSld>
+  <p:clrMapOvr>
+    <a:masterClrMapping/>
+  </p:clrMapOvr>
+</p:sld>
+</file>
+
+<file path=ppt/slides/slide16.xml><?xml version="1.0" encoding="utf-8"?>
+<p:sld xmlns:a="http://schemas.openxmlformats.org/drawingml/2006/main" xmlns:r="http://schemas.openxmlformats.org/officeDocument/2006/relationships" xmlns:p="http://schemas.openxmlformats.org/presentationml/2006/main">
+  <p:cSld>
+    <p:spTree>
+      <p:nvGrpSpPr>
+        <p:cNvPr id="1" name=""/>
+        <p:cNvGrpSpPr/>
+        <p:nvPr/>
+      </p:nvGrpSpPr>
+      <p:grpSpPr>
+        <a:xfrm>
+          <a:off x="0" y="0"/>
+          <a:ext cx="0" cy="0"/>
+          <a:chOff x="0" y="0"/>
+          <a:chExt cx="0" cy="0"/>
+        </a:xfrm>
+      </p:grpSpPr>
+      <p:sp>
+        <p:nvSpPr>
+          <p:cNvPr id="2" name="Rectangle 1"/>
+          <p:cNvSpPr/>
+          <p:nvPr/>
+        </p:nvSpPr>
+        <p:spPr>
+          <a:xfrm>
+            <a:off x="2971800" y="266700"/>
+            <a:ext cx="5715000" cy="4800600"/>
+          </a:xfrm>
+          <a:prstGeom prst="rect">
+            <a:avLst/>
+          </a:prstGeom>
+          <a:noFill/>
+        </p:spPr>
+        <p:style>
+          <a:lnRef idx="2">
+            <a:schemeClr val="accent1">
+              <a:shade val="50000"/>
+            </a:schemeClr>
+          </a:lnRef>
+          <a:fillRef idx="1">
+            <a:schemeClr val="accent1"/>
+          </a:fillRef>
+          <a:effectRef idx="0">
+            <a:schemeClr val="accent1"/>
+          </a:effectRef>
+          <a:fontRef idx="minor">
+            <a:schemeClr val="lt1"/>
+          </a:fontRef>
+        </p:style>
+        <p:txBody>
+          <a:bodyPr rtlCol="0" anchor="ctr"/>
+          <a:lstStyle/>
+          <a:p>
+            <a:pPr algn="ctr"/>
+            <a:endParaRPr lang="en-US"/>
+          </a:p>
+        </p:txBody>
+      </p:sp>
+      <p:sp>
+        <p:nvSpPr>
+          <p:cNvPr id="3" name="TextBox 2"/>
+          <p:cNvSpPr txBox="1"/>
+          <p:nvPr/>
+        </p:nvSpPr>
+        <p:spPr>
+          <a:xfrm>
+            <a:off x="2971800" y="266700"/>
+            <a:ext cx="1295400" cy="369332"/>
+          </a:xfrm>
+          <a:prstGeom prst="rect">
+            <a:avLst/>
+          </a:prstGeom>
+          <a:noFill/>
+        </p:spPr>
+        <p:txBody>
+          <a:bodyPr wrap="square" rtlCol="0">
+            <a:spAutoFit/>
+          </a:bodyPr>
+          <a:lstStyle/>
+          <a:p>
+            <a:r>
+              <a:rPr lang="en-US" dirty="0" err="1" smtClean="0"/>
+              <a:t>minikube</a:t>
+            </a:r>
+            <a:endParaRPr lang="en-US" dirty="0"/>
+          </a:p>
+        </p:txBody>
+      </p:sp>
+      <p:sp>
+        <p:nvSpPr>
+          <p:cNvPr id="4" name="Rectangle 3"/>
+          <p:cNvSpPr/>
+          <p:nvPr/>
+        </p:nvSpPr>
+        <p:spPr>
+          <a:xfrm>
+            <a:off x="6096000" y="3924300"/>
+            <a:ext cx="1828800" cy="838200"/>
+          </a:xfrm>
+          <a:prstGeom prst="rect">
+            <a:avLst/>
+          </a:prstGeom>
+          <a:noFill/>
+        </p:spPr>
+        <p:style>
+          <a:lnRef idx="2">
+            <a:schemeClr val="accent1">
+              <a:shade val="50000"/>
+            </a:schemeClr>
+          </a:lnRef>
+          <a:fillRef idx="1">
+            <a:schemeClr val="accent1"/>
+          </a:fillRef>
+          <a:effectRef idx="0">
+            <a:schemeClr val="accent1"/>
+          </a:effectRef>
+          <a:fontRef idx="minor">
+            <a:schemeClr val="lt1"/>
+          </a:fontRef>
+        </p:style>
+        <p:txBody>
+          <a:bodyPr rtlCol="0" anchor="ctr"/>
+          <a:lstStyle/>
+          <a:p>
+            <a:pPr algn="ctr"/>
+            <a:endParaRPr lang="en-US"/>
+          </a:p>
+        </p:txBody>
+      </p:sp>
+      <p:sp>
+        <p:nvSpPr>
+          <p:cNvPr id="5" name="Oval 4"/>
+          <p:cNvSpPr/>
+          <p:nvPr/>
+        </p:nvSpPr>
+        <p:spPr>
+          <a:xfrm>
+            <a:off x="6705600" y="4076700"/>
+            <a:ext cx="1143000" cy="533400"/>
+          </a:xfrm>
+          <a:prstGeom prst="ellipse">
+            <a:avLst/>
+          </a:prstGeom>
+        </p:spPr>
+        <p:style>
+          <a:lnRef idx="2">
+            <a:schemeClr val="accent1">
+              <a:shade val="50000"/>
+            </a:schemeClr>
+          </a:lnRef>
+          <a:fillRef idx="1">
+            <a:schemeClr val="accent1"/>
+          </a:fillRef>
+          <a:effectRef idx="0">
+            <a:schemeClr val="accent1"/>
+          </a:effectRef>
+          <a:fontRef idx="minor">
+            <a:schemeClr val="lt1"/>
+          </a:fontRef>
+        </p:style>
+        <p:txBody>
+          <a:bodyPr rtlCol="0" anchor="ctr"/>
+          <a:lstStyle/>
+          <a:p>
+            <a:pPr algn="ctr"/>
+            <a:r>
+              <a:rPr lang="en-US" dirty="0" smtClean="0"/>
+              <a:t>App:80</a:t>
+            </a:r>
+            <a:endParaRPr lang="en-US" dirty="0"/>
+          </a:p>
+        </p:txBody>
+      </p:sp>
+      <p:sp>
+        <p:nvSpPr>
+          <p:cNvPr id="6" name="TextBox 5"/>
+          <p:cNvSpPr txBox="1"/>
+          <p:nvPr/>
+        </p:nvSpPr>
+        <p:spPr>
+          <a:xfrm>
+            <a:off x="6096000" y="3543300"/>
+            <a:ext cx="1767022" cy="369332"/>
+          </a:xfrm>
+          <a:prstGeom prst="rect">
+            <a:avLst/>
+          </a:prstGeom>
+          <a:noFill/>
+        </p:spPr>
+        <p:txBody>
+          <a:bodyPr wrap="none" rtlCol="0">
+            <a:spAutoFit/>
+          </a:bodyPr>
+          <a:lstStyle/>
+          <a:p>
+            <a:r>
+              <a:rPr lang="en-US" dirty="0" smtClean="0"/>
+              <a:t>Pod: 172.17.0.14</a:t>
+            </a:r>
+            <a:endParaRPr lang="en-US" dirty="0"/>
+          </a:p>
+        </p:txBody>
+      </p:sp>
+      <p:sp>
+        <p:nvSpPr>
+          <p:cNvPr id="7" name="TextBox 6"/>
+          <p:cNvSpPr txBox="1"/>
+          <p:nvPr/>
+        </p:nvSpPr>
+        <p:spPr>
+          <a:xfrm>
+            <a:off x="1" y="342900"/>
+            <a:ext cx="2971800" cy="1200329"/>
+          </a:xfrm>
+          <a:prstGeom prst="rect">
+            <a:avLst/>
+          </a:prstGeom>
+          <a:noFill/>
+        </p:spPr>
+        <p:txBody>
+          <a:bodyPr wrap="square" rtlCol="0">
+            <a:spAutoFit/>
+          </a:bodyPr>
+          <a:lstStyle/>
+          <a:p>
+            <a:pPr marL="342900" indent="-342900">
+              <a:buAutoNum type="arabicPeriod"/>
+            </a:pPr>
+            <a:r>
+              <a:rPr lang="en-US" dirty="0" smtClean="0"/>
+              <a:t>(optional)-&gt; node 31001</a:t>
+            </a:r>
+          </a:p>
+          <a:p>
+            <a:pPr marL="342900" indent="-342900">
+              <a:buAutoNum type="arabicPeriod"/>
+            </a:pPr>
+            <a:r>
+              <a:rPr lang="en-US" dirty="0" smtClean="0"/>
+              <a:t>Load balancing</a:t>
+            </a:r>
+          </a:p>
+          <a:p>
+            <a:pPr marL="342900" indent="-342900">
+              <a:buAutoNum type="arabicPeriod"/>
+            </a:pPr>
+            <a:r>
+              <a:rPr lang="en-US" dirty="0" err="1" smtClean="0"/>
+              <a:t>Dns</a:t>
+            </a:r>
+            <a:r>
+              <a:rPr lang="en-US" dirty="0" smtClean="0"/>
+              <a:t> on the service name itself</a:t>
+            </a:r>
+            <a:endParaRPr lang="en-US" dirty="0"/>
+          </a:p>
+        </p:txBody>
+      </p:sp>
+      <p:sp>
+        <p:nvSpPr>
+          <p:cNvPr id="8" name="TextBox 7"/>
+          <p:cNvSpPr txBox="1"/>
+          <p:nvPr/>
+        </p:nvSpPr>
+        <p:spPr>
+          <a:xfrm>
+            <a:off x="2667000" y="2019300"/>
+            <a:ext cx="769763" cy="369332"/>
+          </a:xfrm>
+          <a:prstGeom prst="rect">
+            <a:avLst/>
+          </a:prstGeom>
+          <a:noFill/>
+        </p:spPr>
+        <p:txBody>
+          <a:bodyPr wrap="none" rtlCol="0">
+            <a:spAutoFit/>
+          </a:bodyPr>
+          <a:lstStyle/>
+          <a:p>
+            <a:r>
+              <a:rPr lang="en-US" dirty="0" smtClean="0"/>
+              <a:t>31001</a:t>
+            </a:r>
+            <a:endParaRPr lang="en-US" dirty="0"/>
+          </a:p>
+        </p:txBody>
+      </p:sp>
+      <p:cxnSp>
+        <p:nvCxnSpPr>
+          <p:cNvPr id="10" name="Straight Arrow Connector 9"/>
+          <p:cNvCxnSpPr>
+            <a:endCxn id="8" idx="1"/>
+          </p:cNvCxnSpPr>
+          <p:nvPr/>
+        </p:nvCxnSpPr>
+        <p:spPr>
+          <a:xfrm flipV="1">
+            <a:off x="1905000" y="2203966"/>
+            <a:ext cx="762000" cy="43934"/>
+          </a:xfrm>
+          <a:prstGeom prst="straightConnector1">
+            <a:avLst/>
+          </a:prstGeom>
+          <a:ln>
+            <a:tailEnd type="arrow"/>
+          </a:ln>
+        </p:spPr>
+        <p:style>
+          <a:lnRef idx="1">
+            <a:schemeClr val="accent1"/>
+          </a:lnRef>
+          <a:fillRef idx="0">
+            <a:schemeClr val="accent1"/>
+          </a:fillRef>
+          <a:effectRef idx="0">
+            <a:schemeClr val="accent1"/>
+          </a:effectRef>
+          <a:fontRef idx="minor">
+            <a:schemeClr val="tx1"/>
+          </a:fontRef>
+        </p:style>
+      </p:cxnSp>
+      <p:sp>
+        <p:nvSpPr>
+          <p:cNvPr id="11" name="Rectangle 10"/>
+          <p:cNvSpPr/>
+          <p:nvPr/>
+        </p:nvSpPr>
+        <p:spPr>
+          <a:xfrm>
+            <a:off x="3581400" y="3924300"/>
+            <a:ext cx="1828800" cy="838200"/>
+          </a:xfrm>
+          <a:prstGeom prst="rect">
+            <a:avLst/>
+          </a:prstGeom>
+          <a:noFill/>
+        </p:spPr>
+        <p:style>
+          <a:lnRef idx="2">
+            <a:schemeClr val="accent1">
+              <a:shade val="50000"/>
+            </a:schemeClr>
+          </a:lnRef>
+          <a:fillRef idx="1">
+            <a:schemeClr val="accent1"/>
+          </a:fillRef>
+          <a:effectRef idx="0">
+            <a:schemeClr val="accent1"/>
+          </a:effectRef>
+          <a:fontRef idx="minor">
+            <a:schemeClr val="lt1"/>
+          </a:fontRef>
+        </p:style>
+        <p:txBody>
+          <a:bodyPr rtlCol="0" anchor="ctr"/>
+          <a:lstStyle/>
+          <a:p>
+            <a:pPr algn="ctr"/>
+            <a:endParaRPr lang="en-US"/>
+          </a:p>
+        </p:txBody>
+      </p:sp>
+      <p:sp>
+        <p:nvSpPr>
+          <p:cNvPr id="12" name="Oval 11"/>
+          <p:cNvSpPr/>
+          <p:nvPr/>
+        </p:nvSpPr>
+        <p:spPr>
+          <a:xfrm>
+            <a:off x="3739662" y="4076700"/>
+            <a:ext cx="1594338" cy="533400"/>
+          </a:xfrm>
+          <a:prstGeom prst="ellipse">
+            <a:avLst/>
+          </a:prstGeom>
+        </p:spPr>
+        <p:style>
+          <a:lnRef idx="2">
+            <a:schemeClr val="accent1">
+              <a:shade val="50000"/>
+            </a:schemeClr>
+          </a:lnRef>
+          <a:fillRef idx="1">
+            <a:schemeClr val="accent1"/>
+          </a:fillRef>
+          <a:effectRef idx="0">
+            <a:schemeClr val="accent1"/>
+          </a:effectRef>
+          <a:fontRef idx="minor">
+            <a:schemeClr val="lt1"/>
+          </a:fontRef>
+        </p:style>
+        <p:txBody>
+          <a:bodyPr rtlCol="0" anchor="ctr"/>
+          <a:lstStyle/>
+          <a:p>
+            <a:pPr algn="ctr"/>
+            <a:r>
+              <a:rPr lang="en-US" dirty="0" smtClean="0"/>
+              <a:t>App:80</a:t>
+            </a:r>
+          </a:p>
+          <a:p>
+            <a:pPr algn="ctr"/>
+            <a:r>
+              <a:rPr lang="en-US" dirty="0" smtClean="0"/>
+              <a:t>Curl 10.98</a:t>
+            </a:r>
+            <a:endParaRPr lang="en-US" dirty="0"/>
+          </a:p>
+        </p:txBody>
+      </p:sp>
+      <p:sp>
+        <p:nvSpPr>
+          <p:cNvPr id="13" name="TextBox 12"/>
+          <p:cNvSpPr txBox="1"/>
+          <p:nvPr/>
+        </p:nvSpPr>
+        <p:spPr>
+          <a:xfrm>
+            <a:off x="3581400" y="3543300"/>
+            <a:ext cx="1767022" cy="369332"/>
+          </a:xfrm>
+          <a:prstGeom prst="rect">
+            <a:avLst/>
+          </a:prstGeom>
+          <a:noFill/>
+        </p:spPr>
+        <p:txBody>
+          <a:bodyPr wrap="none" rtlCol="0">
+            <a:spAutoFit/>
+          </a:bodyPr>
+          <a:lstStyle/>
+          <a:p>
+            <a:r>
+              <a:rPr lang="en-US" dirty="0" smtClean="0"/>
+              <a:t>Pod: </a:t>
+            </a:r>
+            <a:r>
+              <a:rPr lang="en-US" dirty="0" smtClean="0"/>
+              <a:t>172.17.0.15</a:t>
+            </a:r>
+            <a:endParaRPr lang="en-US" dirty="0"/>
+          </a:p>
+        </p:txBody>
+      </p:sp>
+      <p:sp>
+        <p:nvSpPr>
+          <p:cNvPr id="14" name="TextBox 13"/>
+          <p:cNvSpPr txBox="1"/>
+          <p:nvPr/>
+        </p:nvSpPr>
+        <p:spPr>
+          <a:xfrm>
+            <a:off x="4572000" y="1485900"/>
+            <a:ext cx="2775247" cy="369332"/>
+          </a:xfrm>
+          <a:prstGeom prst="rect">
+            <a:avLst/>
+          </a:prstGeom>
+          <a:noFill/>
+        </p:spPr>
+        <p:txBody>
+          <a:bodyPr wrap="none" rtlCol="0">
+            <a:spAutoFit/>
+          </a:bodyPr>
+          <a:lstStyle/>
+          <a:p>
+            <a:r>
+              <a:rPr lang="en-US" dirty="0" smtClean="0"/>
+              <a:t>Hw-svc: 10.98.220.82: </a:t>
+            </a:r>
+            <a:r>
+              <a:rPr lang="en-US" dirty="0" smtClean="0"/>
+              <a:t>8888</a:t>
+            </a:r>
+            <a:endParaRPr lang="en-US" dirty="0"/>
+          </a:p>
+        </p:txBody>
+      </p:sp>
+      <p:cxnSp>
+        <p:nvCxnSpPr>
+          <p:cNvPr id="16" name="Straight Arrow Connector 15"/>
+          <p:cNvCxnSpPr>
+            <a:stCxn id="8" idx="3"/>
+            <a:endCxn id="14" idx="1"/>
+          </p:cNvCxnSpPr>
+          <p:nvPr/>
+        </p:nvCxnSpPr>
+        <p:spPr>
+          <a:xfrm flipV="1">
+            <a:off x="3436763" y="1670566"/>
+            <a:ext cx="1135237" cy="533400"/>
+          </a:xfrm>
+          <a:prstGeom prst="straightConnector1">
+            <a:avLst/>
+          </a:prstGeom>
+          <a:ln>
+            <a:tailEnd type="arrow"/>
+          </a:ln>
+        </p:spPr>
+        <p:style>
+          <a:lnRef idx="1">
+            <a:schemeClr val="accent1"/>
+          </a:lnRef>
+          <a:fillRef idx="0">
+            <a:schemeClr val="accent1"/>
+          </a:fillRef>
+          <a:effectRef idx="0">
+            <a:schemeClr val="accent1"/>
+          </a:effectRef>
+          <a:fontRef idx="minor">
+            <a:schemeClr val="tx1"/>
+          </a:fontRef>
+        </p:style>
+      </p:cxnSp>
+      <p:cxnSp>
+        <p:nvCxnSpPr>
+          <p:cNvPr id="18" name="Straight Arrow Connector 17"/>
+          <p:cNvCxnSpPr>
+            <a:stCxn id="14" idx="2"/>
+            <a:endCxn id="13" idx="0"/>
+          </p:cNvCxnSpPr>
+          <p:nvPr/>
+        </p:nvCxnSpPr>
+        <p:spPr>
+          <a:xfrm flipH="1">
+            <a:off x="4464911" y="1855232"/>
+            <a:ext cx="1494713" cy="1688068"/>
+          </a:xfrm>
+          <a:prstGeom prst="straightConnector1">
+            <a:avLst/>
+          </a:prstGeom>
+          <a:ln>
+            <a:tailEnd type="arrow"/>
+          </a:ln>
+        </p:spPr>
+        <p:style>
+          <a:lnRef idx="1">
+            <a:schemeClr val="accent1"/>
+          </a:lnRef>
+          <a:fillRef idx="0">
+            <a:schemeClr val="accent1"/>
+          </a:fillRef>
+          <a:effectRef idx="0">
+            <a:schemeClr val="accent1"/>
+          </a:effectRef>
+          <a:fontRef idx="minor">
+            <a:schemeClr val="tx1"/>
+          </a:fontRef>
+        </p:style>
+      </p:cxnSp>
+      <p:cxnSp>
+        <p:nvCxnSpPr>
+          <p:cNvPr id="20" name="Straight Arrow Connector 19"/>
+          <p:cNvCxnSpPr>
+            <a:stCxn id="14" idx="2"/>
+            <a:endCxn id="6" idx="0"/>
+          </p:cNvCxnSpPr>
+          <p:nvPr/>
+        </p:nvCxnSpPr>
+        <p:spPr>
+          <a:xfrm>
+            <a:off x="5959624" y="1855232"/>
+            <a:ext cx="1019887" cy="1688068"/>
+          </a:xfrm>
+          <a:prstGeom prst="straightConnector1">
+            <a:avLst/>
+          </a:prstGeom>
+          <a:ln>
+            <a:tailEnd type="arrow"/>
+          </a:ln>
+        </p:spPr>
+        <p:style>
+          <a:lnRef idx="1">
+            <a:schemeClr val="accent1"/>
+          </a:lnRef>
+          <a:fillRef idx="0">
+            <a:schemeClr val="accent1"/>
+          </a:fillRef>
+          <a:effectRef idx="0">
+            <a:schemeClr val="accent1"/>
+          </a:effectRef>
+          <a:fontRef idx="minor">
+            <a:schemeClr val="tx1"/>
+          </a:fontRef>
+        </p:style>
+      </p:cxnSp>
+      <p:cxnSp>
+        <p:nvCxnSpPr>
+          <p:cNvPr id="22" name="Straight Arrow Connector 21"/>
+          <p:cNvCxnSpPr/>
+          <p:nvPr/>
+        </p:nvCxnSpPr>
+        <p:spPr>
+          <a:xfrm flipH="1" flipV="1">
+            <a:off x="3429000" y="647700"/>
+            <a:ext cx="533400" cy="2895600"/>
+          </a:xfrm>
+          <a:prstGeom prst="straightConnector1">
+            <a:avLst/>
+          </a:prstGeom>
+          <a:ln>
+            <a:tailEnd type="arrow"/>
+          </a:ln>
+        </p:spPr>
+        <p:style>
+          <a:lnRef idx="1">
+            <a:schemeClr val="accent1"/>
+          </a:lnRef>
+          <a:fillRef idx="0">
+            <a:schemeClr val="accent1"/>
+          </a:fillRef>
+          <a:effectRef idx="0">
+            <a:schemeClr val="accent1"/>
+          </a:effectRef>
+          <a:fontRef idx="minor">
+            <a:schemeClr val="tx1"/>
+          </a:fontRef>
+        </p:style>
+      </p:cxnSp>
+    </p:spTree>
+  </p:cSld>
+  <p:clrMapOvr>
+    <a:masterClrMapping/>
+  </p:clrMapOvr>
+</p:sld>
+</file>
+
+<file path=ppt/slides/slide17.xml><?xml version="1.0" encoding="utf-8"?>
+<p:sld xmlns:a="http://schemas.openxmlformats.org/drawingml/2006/main" xmlns:r="http://schemas.openxmlformats.org/officeDocument/2006/relationships" xmlns:p="http://schemas.openxmlformats.org/presentationml/2006/main">
+  <p:cSld>
+    <p:spTree>
+      <p:nvGrpSpPr>
+        <p:cNvPr id="1" name=""/>
+        <p:cNvGrpSpPr/>
+        <p:nvPr/>
+      </p:nvGrpSpPr>
+      <p:grpSpPr>
+        <a:xfrm>
+          <a:off x="0" y="0"/>
+          <a:ext cx="0" cy="0"/>
+          <a:chOff x="0" y="0"/>
+          <a:chExt cx="0" cy="0"/>
+        </a:xfrm>
+      </p:grpSpPr>
+      <p:sp>
+        <p:nvSpPr>
+          <p:cNvPr id="2" name="Can 1"/>
+          <p:cNvSpPr/>
+          <p:nvPr/>
+        </p:nvSpPr>
+        <p:spPr>
+          <a:xfrm>
+            <a:off x="7620000" y="1562100"/>
+            <a:ext cx="990600" cy="990600"/>
+          </a:xfrm>
+          <a:prstGeom prst="can">
+            <a:avLst/>
+          </a:prstGeom>
+        </p:spPr>
+        <p:style>
+          <a:lnRef idx="2">
+            <a:schemeClr val="accent1">
+              <a:shade val="50000"/>
+            </a:schemeClr>
+          </a:lnRef>
+          <a:fillRef idx="1">
+            <a:schemeClr val="accent1"/>
+          </a:fillRef>
+          <a:effectRef idx="0">
+            <a:schemeClr val="accent1"/>
+          </a:effectRef>
+          <a:fontRef idx="minor">
+            <a:schemeClr val="lt1"/>
+          </a:fontRef>
+        </p:style>
+        <p:txBody>
+          <a:bodyPr rtlCol="0" anchor="ctr"/>
+          <a:lstStyle/>
+          <a:p>
+            <a:pPr algn="ctr"/>
+            <a:r>
+              <a:rPr lang="en-US" dirty="0" err="1" smtClean="0"/>
+              <a:t>mysql</a:t>
+            </a:r>
+            <a:r>
+              <a:rPr lang="en-US" dirty="0" smtClean="0"/>
+              <a:t>:</a:t>
+            </a:r>
+            <a:endParaRPr lang="en-US" dirty="0"/>
+          </a:p>
+        </p:txBody>
+      </p:sp>
+      <p:sp>
+        <p:nvSpPr>
+          <p:cNvPr id="3" name="TextBox 2"/>
+          <p:cNvSpPr txBox="1"/>
+          <p:nvPr/>
+        </p:nvSpPr>
+        <p:spPr>
+          <a:xfrm>
+            <a:off x="7391400" y="2552700"/>
+            <a:ext cx="1463862" cy="307777"/>
+          </a:xfrm>
+          <a:prstGeom prst="rect">
+            <a:avLst/>
+          </a:prstGeom>
+          <a:noFill/>
+        </p:spPr>
+        <p:txBody>
+          <a:bodyPr wrap="none" rtlCol="0">
+            <a:spAutoFit/>
+          </a:bodyPr>
+          <a:lstStyle/>
+          <a:p>
+            <a:r>
+              <a:rPr lang="en-US" sz="1400" dirty="0" smtClean="0"/>
+              <a:t>12.34.56.78:3306</a:t>
+            </a:r>
+            <a:endParaRPr lang="en-US" sz="1400" dirty="0"/>
+          </a:p>
+        </p:txBody>
+      </p:sp>
+      <p:sp>
+        <p:nvSpPr>
+          <p:cNvPr id="4" name="Rectangle 3"/>
+          <p:cNvSpPr/>
+          <p:nvPr/>
+        </p:nvSpPr>
+        <p:spPr>
+          <a:xfrm>
+            <a:off x="5165538" y="647700"/>
+            <a:ext cx="990600" cy="609600"/>
+          </a:xfrm>
+          <a:prstGeom prst="rect">
+            <a:avLst/>
+          </a:prstGeom>
+        </p:spPr>
+        <p:style>
+          <a:lnRef idx="2">
+            <a:schemeClr val="accent1">
+              <a:shade val="50000"/>
+            </a:schemeClr>
+          </a:lnRef>
+          <a:fillRef idx="1">
+            <a:schemeClr val="accent1"/>
+          </a:fillRef>
+          <a:effectRef idx="0">
+            <a:schemeClr val="accent1"/>
+          </a:effectRef>
+          <a:fontRef idx="minor">
+            <a:schemeClr val="lt1"/>
+          </a:fontRef>
+        </p:style>
+        <p:txBody>
+          <a:bodyPr rtlCol="0" anchor="ctr"/>
+          <a:lstStyle/>
+          <a:p>
+            <a:pPr algn="ctr"/>
+            <a:r>
+              <a:rPr lang="en-US" dirty="0" smtClean="0"/>
+              <a:t>tomcat</a:t>
+            </a:r>
+            <a:endParaRPr lang="en-US" dirty="0"/>
+          </a:p>
+        </p:txBody>
+      </p:sp>
+      <p:sp>
+        <p:nvSpPr>
+          <p:cNvPr id="5" name="TextBox 4"/>
+          <p:cNvSpPr txBox="1"/>
+          <p:nvPr/>
+        </p:nvSpPr>
+        <p:spPr>
+          <a:xfrm>
+            <a:off x="4936938" y="1257300"/>
+            <a:ext cx="1463862" cy="307777"/>
+          </a:xfrm>
+          <a:prstGeom prst="rect">
+            <a:avLst/>
+          </a:prstGeom>
+          <a:noFill/>
+        </p:spPr>
+        <p:txBody>
+          <a:bodyPr wrap="none" rtlCol="0">
+            <a:spAutoFit/>
+          </a:bodyPr>
+          <a:lstStyle/>
+          <a:p>
+            <a:r>
+              <a:rPr lang="en-US" sz="1400" dirty="0" smtClean="0"/>
+              <a:t>12.34.56.79:8080</a:t>
+            </a:r>
+            <a:endParaRPr lang="en-US" sz="1400" dirty="0"/>
+          </a:p>
+        </p:txBody>
+      </p:sp>
+      <p:cxnSp>
+        <p:nvCxnSpPr>
+          <p:cNvPr id="7" name="Straight Arrow Connector 6"/>
+          <p:cNvCxnSpPr>
+            <a:stCxn id="4" idx="3"/>
+            <a:endCxn id="2" idx="2"/>
+          </p:cNvCxnSpPr>
+          <p:nvPr/>
+        </p:nvCxnSpPr>
+        <p:spPr>
+          <a:xfrm>
+            <a:off x="6156138" y="952500"/>
+            <a:ext cx="1463862" cy="1104900"/>
+          </a:xfrm>
+          <a:prstGeom prst="straightConnector1">
+            <a:avLst/>
+          </a:prstGeom>
+          <a:ln>
+            <a:tailEnd type="arrow"/>
+          </a:ln>
+        </p:spPr>
+        <p:style>
+          <a:lnRef idx="1">
+            <a:schemeClr val="accent1"/>
+          </a:lnRef>
+          <a:fillRef idx="0">
+            <a:schemeClr val="accent1"/>
+          </a:fillRef>
+          <a:effectRef idx="0">
+            <a:schemeClr val="accent1"/>
+          </a:effectRef>
+          <a:fontRef idx="minor">
+            <a:schemeClr val="tx1"/>
+          </a:fontRef>
+        </p:style>
+      </p:cxnSp>
+      <p:sp>
+        <p:nvSpPr>
+          <p:cNvPr id="10" name="Rectangle 9"/>
+          <p:cNvSpPr/>
+          <p:nvPr/>
+        </p:nvSpPr>
+        <p:spPr>
+          <a:xfrm>
+            <a:off x="0" y="1333500"/>
+            <a:ext cx="1467709" cy="307777"/>
+          </a:xfrm>
+          <a:prstGeom prst="rect">
+            <a:avLst/>
+          </a:prstGeom>
+        </p:spPr>
+        <p:txBody>
+          <a:bodyPr wrap="none">
+            <a:spAutoFit/>
+          </a:bodyPr>
+          <a:lstStyle/>
+          <a:p>
+            <a:r>
+              <a:rPr lang="en-US" sz="1400" dirty="0" smtClean="0"/>
+              <a:t>http:/app.com:80</a:t>
+            </a:r>
+            <a:endParaRPr lang="en-US" dirty="0"/>
+          </a:p>
+        </p:txBody>
+      </p:sp>
+      <p:sp>
+        <p:nvSpPr>
+          <p:cNvPr id="11" name="Rectangle 10"/>
+          <p:cNvSpPr/>
+          <p:nvPr/>
+        </p:nvSpPr>
+        <p:spPr>
+          <a:xfrm>
+            <a:off x="5317938" y="1866900"/>
+            <a:ext cx="990600" cy="609600"/>
+          </a:xfrm>
+          <a:prstGeom prst="rect">
+            <a:avLst/>
+          </a:prstGeom>
+        </p:spPr>
+        <p:style>
+          <a:lnRef idx="2">
+            <a:schemeClr val="accent1">
+              <a:shade val="50000"/>
+            </a:schemeClr>
+          </a:lnRef>
+          <a:fillRef idx="1">
+            <a:schemeClr val="accent1"/>
+          </a:fillRef>
+          <a:effectRef idx="0">
+            <a:schemeClr val="accent1"/>
+          </a:effectRef>
+          <a:fontRef idx="minor">
+            <a:schemeClr val="lt1"/>
+          </a:fontRef>
+        </p:style>
+        <p:txBody>
+          <a:bodyPr rtlCol="0" anchor="ctr"/>
+          <a:lstStyle/>
+          <a:p>
+            <a:pPr algn="ctr"/>
+            <a:r>
+              <a:rPr lang="en-US" dirty="0" smtClean="0"/>
+              <a:t>tomcat</a:t>
+            </a:r>
+            <a:endParaRPr lang="en-US" dirty="0"/>
+          </a:p>
+        </p:txBody>
+      </p:sp>
+      <p:sp>
+        <p:nvSpPr>
+          <p:cNvPr id="12" name="TextBox 11"/>
+          <p:cNvSpPr txBox="1"/>
+          <p:nvPr/>
+        </p:nvSpPr>
+        <p:spPr>
+          <a:xfrm>
+            <a:off x="5089338" y="2476500"/>
+            <a:ext cx="1463862" cy="307777"/>
+          </a:xfrm>
+          <a:prstGeom prst="rect">
+            <a:avLst/>
+          </a:prstGeom>
+          <a:noFill/>
+        </p:spPr>
+        <p:txBody>
+          <a:bodyPr wrap="none" rtlCol="0">
+            <a:spAutoFit/>
+          </a:bodyPr>
+          <a:lstStyle/>
+          <a:p>
+            <a:r>
+              <a:rPr lang="en-US" sz="1400" dirty="0" smtClean="0"/>
+              <a:t>12.34.56.80:8080</a:t>
+            </a:r>
+            <a:endParaRPr lang="en-US" sz="1400" dirty="0"/>
+          </a:p>
+        </p:txBody>
+      </p:sp>
+      <p:cxnSp>
+        <p:nvCxnSpPr>
+          <p:cNvPr id="14" name="Straight Arrow Connector 13"/>
+          <p:cNvCxnSpPr>
+            <a:stCxn id="11" idx="3"/>
+            <a:endCxn id="2" idx="2"/>
+          </p:cNvCxnSpPr>
+          <p:nvPr/>
+        </p:nvCxnSpPr>
+        <p:spPr>
+          <a:xfrm flipV="1">
+            <a:off x="6308538" y="2057400"/>
+            <a:ext cx="1311462" cy="114300"/>
+          </a:xfrm>
+          <a:prstGeom prst="straightConnector1">
+            <a:avLst/>
+          </a:prstGeom>
+          <a:ln>
+            <a:tailEnd type="arrow"/>
+          </a:ln>
+        </p:spPr>
+        <p:style>
+          <a:lnRef idx="1">
+            <a:schemeClr val="accent1"/>
+          </a:lnRef>
+          <a:fillRef idx="0">
+            <a:schemeClr val="accent1"/>
+          </a:fillRef>
+          <a:effectRef idx="0">
+            <a:schemeClr val="accent1"/>
+          </a:effectRef>
+          <a:fontRef idx="minor">
+            <a:schemeClr val="tx1"/>
+          </a:fontRef>
+        </p:style>
+      </p:cxnSp>
+      <p:sp>
+        <p:nvSpPr>
+          <p:cNvPr id="15" name="Smiley Face 14"/>
+          <p:cNvSpPr/>
+          <p:nvPr/>
+        </p:nvSpPr>
+        <p:spPr>
+          <a:xfrm>
+            <a:off x="381000" y="723900"/>
+            <a:ext cx="457200" cy="457200"/>
+          </a:xfrm>
+          <a:prstGeom prst="smileyFace">
+            <a:avLst/>
+          </a:prstGeom>
+        </p:spPr>
+        <p:style>
+          <a:lnRef idx="2">
+            <a:schemeClr val="accent1">
+              <a:shade val="50000"/>
+            </a:schemeClr>
+          </a:lnRef>
+          <a:fillRef idx="1">
+            <a:schemeClr val="accent1"/>
+          </a:fillRef>
+          <a:effectRef idx="0">
+            <a:schemeClr val="accent1"/>
+          </a:effectRef>
+          <a:fontRef idx="minor">
+            <a:schemeClr val="lt1"/>
+          </a:fontRef>
+        </p:style>
+        <p:txBody>
+          <a:bodyPr rtlCol="0" anchor="ctr"/>
+          <a:lstStyle/>
+          <a:p>
+            <a:pPr algn="ctr"/>
+            <a:endParaRPr lang="en-US"/>
+          </a:p>
+        </p:txBody>
+      </p:sp>
+      <p:sp>
+        <p:nvSpPr>
+          <p:cNvPr id="17" name="Rectangle 16"/>
+          <p:cNvSpPr/>
+          <p:nvPr/>
+        </p:nvSpPr>
+        <p:spPr>
+          <a:xfrm>
+            <a:off x="3200400" y="1333500"/>
+            <a:ext cx="1066800" cy="685800"/>
+          </a:xfrm>
+          <a:prstGeom prst="rect">
+            <a:avLst/>
+          </a:prstGeom>
+        </p:spPr>
+        <p:style>
+          <a:lnRef idx="2">
+            <a:schemeClr val="accent1">
+              <a:shade val="50000"/>
+            </a:schemeClr>
+          </a:lnRef>
+          <a:fillRef idx="1">
+            <a:schemeClr val="accent1"/>
+          </a:fillRef>
+          <a:effectRef idx="0">
+            <a:schemeClr val="accent1"/>
+          </a:effectRef>
+          <a:fontRef idx="minor">
+            <a:schemeClr val="lt1"/>
+          </a:fontRef>
+        </p:style>
+        <p:txBody>
+          <a:bodyPr rtlCol="0" anchor="ctr"/>
+          <a:lstStyle/>
+          <a:p>
+            <a:pPr algn="ctr"/>
+            <a:r>
+              <a:rPr lang="en-US" dirty="0" smtClean="0"/>
+              <a:t>Ha-proxy</a:t>
+            </a:r>
+            <a:endParaRPr lang="en-US" dirty="0"/>
+          </a:p>
+        </p:txBody>
+      </p:sp>
+      <p:sp>
+        <p:nvSpPr>
+          <p:cNvPr id="18" name="TextBox 17"/>
+          <p:cNvSpPr txBox="1"/>
+          <p:nvPr/>
+        </p:nvSpPr>
+        <p:spPr>
+          <a:xfrm>
+            <a:off x="3200400" y="2019300"/>
+            <a:ext cx="1574149" cy="646331"/>
+          </a:xfrm>
+          <a:prstGeom prst="rect">
+            <a:avLst/>
+          </a:prstGeom>
+          <a:noFill/>
+        </p:spPr>
+        <p:txBody>
+          <a:bodyPr wrap="none" rtlCol="0">
+            <a:spAutoFit/>
+          </a:bodyPr>
+          <a:lstStyle/>
+          <a:p>
+            <a:r>
+              <a:rPr lang="en-US" sz="1200" dirty="0" smtClean="0"/>
+              <a:t>Backend (round robin)</a:t>
+            </a:r>
+          </a:p>
+          <a:p>
+            <a:r>
+              <a:rPr lang="en-US" sz="1200" dirty="0" smtClean="0"/>
+              <a:t>12.34.56.79:8080</a:t>
+            </a:r>
+          </a:p>
+          <a:p>
+            <a:r>
+              <a:rPr lang="en-US" sz="1200" dirty="0" smtClean="0"/>
+              <a:t>12.34.56.80:8080</a:t>
+            </a:r>
+            <a:endParaRPr lang="en-US" sz="1600" dirty="0"/>
+          </a:p>
+        </p:txBody>
+      </p:sp>
+      <p:cxnSp>
+        <p:nvCxnSpPr>
+          <p:cNvPr id="20" name="Straight Arrow Connector 19"/>
+          <p:cNvCxnSpPr>
+            <a:stCxn id="17" idx="3"/>
+            <a:endCxn id="4" idx="1"/>
+          </p:cNvCxnSpPr>
+          <p:nvPr/>
+        </p:nvCxnSpPr>
+        <p:spPr>
+          <a:xfrm flipV="1">
+            <a:off x="4267200" y="952500"/>
+            <a:ext cx="898338" cy="723900"/>
+          </a:xfrm>
+          <a:prstGeom prst="straightConnector1">
+            <a:avLst/>
+          </a:prstGeom>
+          <a:ln>
+            <a:tailEnd type="arrow"/>
+          </a:ln>
+        </p:spPr>
+        <p:style>
+          <a:lnRef idx="1">
+            <a:schemeClr val="accent1"/>
+          </a:lnRef>
+          <a:fillRef idx="0">
+            <a:schemeClr val="accent1"/>
+          </a:fillRef>
+          <a:effectRef idx="0">
+            <a:schemeClr val="accent1"/>
+          </a:effectRef>
+          <a:fontRef idx="minor">
+            <a:schemeClr val="tx1"/>
+          </a:fontRef>
+        </p:style>
+      </p:cxnSp>
+      <p:cxnSp>
+        <p:nvCxnSpPr>
+          <p:cNvPr id="22" name="Straight Arrow Connector 21"/>
+          <p:cNvCxnSpPr>
+            <a:stCxn id="17" idx="3"/>
+            <a:endCxn id="11" idx="1"/>
+          </p:cNvCxnSpPr>
+          <p:nvPr/>
+        </p:nvCxnSpPr>
+        <p:spPr>
+          <a:xfrm>
+            <a:off x="4267200" y="1676400"/>
+            <a:ext cx="1050738" cy="495300"/>
+          </a:xfrm>
+          <a:prstGeom prst="straightConnector1">
+            <a:avLst/>
+          </a:prstGeom>
+          <a:ln>
+            <a:tailEnd type="arrow"/>
+          </a:ln>
+        </p:spPr>
+        <p:style>
+          <a:lnRef idx="1">
+            <a:schemeClr val="accent1"/>
+          </a:lnRef>
+          <a:fillRef idx="0">
+            <a:schemeClr val="accent1"/>
+          </a:fillRef>
+          <a:effectRef idx="0">
+            <a:schemeClr val="accent1"/>
+          </a:effectRef>
+          <a:fontRef idx="minor">
+            <a:schemeClr val="tx1"/>
+          </a:fontRef>
+        </p:style>
+      </p:cxnSp>
+      <p:sp>
+        <p:nvSpPr>
+          <p:cNvPr id="23" name="Rectangle 22"/>
+          <p:cNvSpPr/>
+          <p:nvPr/>
+        </p:nvSpPr>
+        <p:spPr>
+          <a:xfrm>
+            <a:off x="3124200" y="1025723"/>
+            <a:ext cx="1281120" cy="307777"/>
+          </a:xfrm>
+          <a:prstGeom prst="rect">
+            <a:avLst/>
+          </a:prstGeom>
+        </p:spPr>
+        <p:txBody>
+          <a:bodyPr wrap="none">
+            <a:spAutoFit/>
+          </a:bodyPr>
+          <a:lstStyle/>
+          <a:p>
+            <a:r>
+              <a:rPr lang="en-US" sz="1400" dirty="0" smtClean="0"/>
+              <a:t>12.34.56.81:80</a:t>
+            </a:r>
+            <a:endParaRPr lang="en-US" sz="1400" dirty="0"/>
+          </a:p>
+        </p:txBody>
+      </p:sp>
+      <p:cxnSp>
+        <p:nvCxnSpPr>
+          <p:cNvPr id="25" name="Straight Arrow Connector 24"/>
+          <p:cNvCxnSpPr>
+            <a:stCxn id="10" idx="3"/>
+            <a:endCxn id="34" idx="1"/>
+          </p:cNvCxnSpPr>
+          <p:nvPr/>
+        </p:nvCxnSpPr>
+        <p:spPr>
+          <a:xfrm>
+            <a:off x="1467709" y="1487389"/>
+            <a:ext cx="284891" cy="0"/>
+          </a:xfrm>
+          <a:prstGeom prst="straightConnector1">
+            <a:avLst/>
+          </a:prstGeom>
+          <a:ln>
+            <a:tailEnd type="arrow"/>
+          </a:ln>
+        </p:spPr>
+        <p:style>
+          <a:lnRef idx="1">
+            <a:schemeClr val="accent1"/>
+          </a:lnRef>
+          <a:fillRef idx="0">
+            <a:schemeClr val="accent1"/>
+          </a:fillRef>
+          <a:effectRef idx="0">
+            <a:schemeClr val="accent1"/>
+          </a:effectRef>
+          <a:fontRef idx="minor">
+            <a:schemeClr val="tx1"/>
+          </a:fontRef>
+        </p:style>
+      </p:cxnSp>
+      <p:sp>
+        <p:nvSpPr>
+          <p:cNvPr id="31" name="Oval 30"/>
+          <p:cNvSpPr/>
+          <p:nvPr/>
+        </p:nvSpPr>
+        <p:spPr>
+          <a:xfrm>
+            <a:off x="1447800" y="0"/>
+            <a:ext cx="1981200" cy="381000"/>
+          </a:xfrm>
+          <a:prstGeom prst="ellipse">
+            <a:avLst/>
+          </a:prstGeom>
+        </p:spPr>
+        <p:style>
+          <a:lnRef idx="2">
+            <a:schemeClr val="accent1">
+              <a:shade val="50000"/>
+            </a:schemeClr>
+          </a:lnRef>
+          <a:fillRef idx="1">
+            <a:schemeClr val="accent1"/>
+          </a:fillRef>
+          <a:effectRef idx="0">
+            <a:schemeClr val="accent1"/>
+          </a:effectRef>
+          <a:fontRef idx="minor">
+            <a:schemeClr val="lt1"/>
+          </a:fontRef>
+        </p:style>
+        <p:txBody>
+          <a:bodyPr rtlCol="0" anchor="ctr"/>
+          <a:lstStyle/>
+          <a:p>
+            <a:pPr algn="ctr"/>
+            <a:r>
+              <a:rPr lang="en-US" dirty="0" err="1" smtClean="0"/>
+              <a:t>Dns</a:t>
+            </a:r>
+            <a:r>
+              <a:rPr lang="en-US" dirty="0" smtClean="0"/>
+              <a:t>-service</a:t>
+            </a:r>
+            <a:endParaRPr lang="en-US" dirty="0"/>
+          </a:p>
+        </p:txBody>
+      </p:sp>
+      <p:sp>
+        <p:nvSpPr>
+          <p:cNvPr id="32" name="TextBox 31"/>
+          <p:cNvSpPr txBox="1"/>
+          <p:nvPr/>
+        </p:nvSpPr>
+        <p:spPr>
+          <a:xfrm>
+            <a:off x="1752600" y="495300"/>
+            <a:ext cx="2085827" cy="369332"/>
+          </a:xfrm>
+          <a:prstGeom prst="rect">
+            <a:avLst/>
+          </a:prstGeom>
+          <a:noFill/>
+        </p:spPr>
+        <p:txBody>
+          <a:bodyPr wrap="none" rtlCol="0">
+            <a:spAutoFit/>
+          </a:bodyPr>
+          <a:lstStyle/>
+          <a:p>
+            <a:r>
+              <a:rPr lang="en-US" dirty="0" smtClean="0"/>
+              <a:t>a</a:t>
+            </a:r>
+            <a:r>
+              <a:rPr lang="en-US" dirty="0" smtClean="0"/>
+              <a:t>pp   </a:t>
+            </a:r>
+            <a:r>
+              <a:rPr lang="en-US" dirty="0" smtClean="0">
+                <a:sym typeface="Wingdings" pitchFamily="2" charset="2"/>
+              </a:rPr>
+              <a:t> 12.34.56.81</a:t>
+            </a:r>
+            <a:endParaRPr lang="en-US" dirty="0"/>
+          </a:p>
+        </p:txBody>
+      </p:sp>
+      <p:sp>
+        <p:nvSpPr>
+          <p:cNvPr id="34" name="Rectangle 33"/>
+          <p:cNvSpPr/>
+          <p:nvPr/>
+        </p:nvSpPr>
+        <p:spPr>
+          <a:xfrm>
+            <a:off x="1752600" y="1333500"/>
+            <a:ext cx="1281120" cy="307777"/>
+          </a:xfrm>
+          <a:prstGeom prst="rect">
+            <a:avLst/>
+          </a:prstGeom>
+        </p:spPr>
+        <p:txBody>
+          <a:bodyPr wrap="none">
+            <a:spAutoFit/>
+          </a:bodyPr>
+          <a:lstStyle/>
+          <a:p>
+            <a:r>
+              <a:rPr lang="en-US" sz="1400" dirty="0" smtClean="0"/>
+              <a:t>12.34.56.81:80</a:t>
+            </a:r>
+            <a:endParaRPr lang="en-US" sz="1400" dirty="0"/>
+          </a:p>
+        </p:txBody>
+      </p:sp>
+      <p:cxnSp>
+        <p:nvCxnSpPr>
+          <p:cNvPr id="37" name="Straight Arrow Connector 36"/>
+          <p:cNvCxnSpPr>
+            <a:stCxn id="34" idx="3"/>
+          </p:cNvCxnSpPr>
+          <p:nvPr/>
+        </p:nvCxnSpPr>
+        <p:spPr>
+          <a:xfrm>
+            <a:off x="3033720" y="1487389"/>
+            <a:ext cx="166680" cy="74711"/>
+          </a:xfrm>
+          <a:prstGeom prst="straightConnector1">
+            <a:avLst/>
+          </a:prstGeom>
+          <a:ln>
+            <a:tailEnd type="arrow"/>
+          </a:ln>
+        </p:spPr>
+        <p:style>
+          <a:lnRef idx="1">
+            <a:schemeClr val="accent1"/>
+          </a:lnRef>
+          <a:fillRef idx="0">
+            <a:schemeClr val="accent1"/>
+          </a:fillRef>
+          <a:effectRef idx="0">
+            <a:schemeClr val="accent1"/>
+          </a:effectRef>
+          <a:fontRef idx="minor">
+            <a:schemeClr val="tx1"/>
+          </a:fontRef>
+        </p:style>
+      </p:cxnSp>
+      <p:sp>
+        <p:nvSpPr>
+          <p:cNvPr id="38" name="Rectangle 37"/>
+          <p:cNvSpPr/>
+          <p:nvPr/>
+        </p:nvSpPr>
+        <p:spPr>
+          <a:xfrm>
+            <a:off x="2895600" y="3390900"/>
+            <a:ext cx="1941557" cy="369332"/>
+          </a:xfrm>
+          <a:prstGeom prst="rect">
+            <a:avLst/>
+          </a:prstGeom>
+        </p:spPr>
+        <p:txBody>
+          <a:bodyPr wrap="none">
+            <a:spAutoFit/>
+          </a:bodyPr>
+          <a:lstStyle/>
+          <a:p>
+            <a:r>
+              <a:rPr lang="en-US" dirty="0" smtClean="0"/>
+              <a:t>10.98.220.82:8888</a:t>
+            </a:r>
+            <a:endParaRPr lang="en-US" dirty="0"/>
+          </a:p>
+        </p:txBody>
+      </p:sp>
+      <p:cxnSp>
+        <p:nvCxnSpPr>
+          <p:cNvPr id="40" name="Straight Arrow Connector 39"/>
+          <p:cNvCxnSpPr>
+            <a:stCxn id="38" idx="3"/>
+          </p:cNvCxnSpPr>
+          <p:nvPr/>
+        </p:nvCxnSpPr>
+        <p:spPr>
+          <a:xfrm flipV="1">
+            <a:off x="4837157" y="3162300"/>
+            <a:ext cx="573043" cy="413266"/>
+          </a:xfrm>
+          <a:prstGeom prst="straightConnector1">
+            <a:avLst/>
+          </a:prstGeom>
+          <a:ln>
+            <a:tailEnd type="arrow"/>
+          </a:ln>
+        </p:spPr>
+        <p:style>
+          <a:lnRef idx="1">
+            <a:schemeClr val="accent1"/>
+          </a:lnRef>
+          <a:fillRef idx="0">
+            <a:schemeClr val="accent1"/>
+          </a:fillRef>
+          <a:effectRef idx="0">
+            <a:schemeClr val="accent1"/>
+          </a:effectRef>
+          <a:fontRef idx="minor">
+            <a:schemeClr val="tx1"/>
+          </a:fontRef>
+        </p:style>
+      </p:cxnSp>
+      <p:cxnSp>
+        <p:nvCxnSpPr>
+          <p:cNvPr id="42" name="Straight Arrow Connector 41"/>
+          <p:cNvCxnSpPr>
+            <a:stCxn id="38" idx="3"/>
+          </p:cNvCxnSpPr>
+          <p:nvPr/>
+        </p:nvCxnSpPr>
+        <p:spPr>
+          <a:xfrm>
+            <a:off x="4837157" y="3575566"/>
+            <a:ext cx="649243" cy="196334"/>
+          </a:xfrm>
+          <a:prstGeom prst="straightConnector1">
+            <a:avLst/>
+          </a:prstGeom>
+          <a:ln>
+            <a:tailEnd type="arrow"/>
+          </a:ln>
+        </p:spPr>
+        <p:style>
+          <a:lnRef idx="1">
+            <a:schemeClr val="accent1"/>
+          </a:lnRef>
+          <a:fillRef idx="0">
+            <a:schemeClr val="accent1"/>
+          </a:fillRef>
+          <a:effectRef idx="0">
+            <a:schemeClr val="accent1"/>
+          </a:effectRef>
+          <a:fontRef idx="minor">
+            <a:schemeClr val="tx1"/>
+          </a:fontRef>
+        </p:style>
+      </p:cxnSp>
+      <p:sp>
+        <p:nvSpPr>
+          <p:cNvPr id="43" name="Rectangle 42"/>
+          <p:cNvSpPr/>
+          <p:nvPr/>
+        </p:nvSpPr>
+        <p:spPr>
+          <a:xfrm>
+            <a:off x="5410200" y="2933700"/>
+            <a:ext cx="1590500" cy="369332"/>
+          </a:xfrm>
+          <a:prstGeom prst="rect">
+            <a:avLst/>
+          </a:prstGeom>
+        </p:spPr>
+        <p:txBody>
+          <a:bodyPr wrap="none">
+            <a:spAutoFit/>
+          </a:bodyPr>
+          <a:lstStyle/>
+          <a:p>
+            <a:r>
+              <a:rPr lang="en-US" dirty="0" smtClean="0"/>
+              <a:t>172.17.0.14:80</a:t>
+            </a:r>
+            <a:endParaRPr lang="en-US" dirty="0"/>
+          </a:p>
+        </p:txBody>
+      </p:sp>
+      <p:sp>
+        <p:nvSpPr>
+          <p:cNvPr id="44" name="Rectangle 43"/>
+          <p:cNvSpPr/>
+          <p:nvPr/>
+        </p:nvSpPr>
+        <p:spPr>
+          <a:xfrm>
+            <a:off x="5486400" y="3619500"/>
+            <a:ext cx="1590500" cy="369332"/>
+          </a:xfrm>
+          <a:prstGeom prst="rect">
+            <a:avLst/>
+          </a:prstGeom>
+        </p:spPr>
+        <p:txBody>
+          <a:bodyPr wrap="none">
+            <a:spAutoFit/>
+          </a:bodyPr>
+          <a:lstStyle/>
+          <a:p>
+            <a:r>
+              <a:rPr lang="en-US" dirty="0" smtClean="0"/>
+              <a:t>172.17.0.16:80</a:t>
+            </a:r>
+            <a:endParaRPr lang="en-US" dirty="0"/>
           </a:p>
         </p:txBody>
       </p:sp>

--- a/rough-diag.pptx
+++ b/rough-diag.pptx
@@ -5,7 +5,7 @@
     <p:sldMasterId id="2147483648" r:id="rId1"/>
   </p:sldMasterIdLst>
   <p:notesMasterIdLst>
-    <p:notesMasterId r:id="rId19"/>
+    <p:notesMasterId r:id="rId23"/>
   </p:notesMasterIdLst>
   <p:sldIdLst>
     <p:sldId id="288" r:id="rId2"/>
@@ -25,6 +25,10 @@
     <p:sldId id="720" r:id="rId16"/>
     <p:sldId id="724" r:id="rId17"/>
     <p:sldId id="725" r:id="rId18"/>
+    <p:sldId id="727" r:id="rId19"/>
+    <p:sldId id="728" r:id="rId20"/>
+    <p:sldId id="729" r:id="rId21"/>
+    <p:sldId id="730" r:id="rId22"/>
   </p:sldIdLst>
   <p:sldSz cx="9144000" cy="5715000" type="screen16x10"/>
   <p:notesSz cx="6858000" cy="9144000"/>
@@ -209,7 +213,7 @@
             <a:fld id="{7D8A566C-5138-4135-8B6E-909EC4E2D69D}" type="datetimeFigureOut">
               <a:rPr lang="en-US" smtClean="0"/>
               <a:pPr/>
-              <a:t>6/26/2019</a:t>
+              <a:t>6/27/2019</a:t>
             </a:fld>
             <a:endParaRPr lang="en-US"/>
           </a:p>
@@ -739,7 +743,7 @@
             <a:fld id="{40A6C090-7603-40E1-A38A-09FB9492DEDA}" type="datetimeFigureOut">
               <a:rPr lang="en-US" smtClean="0"/>
               <a:pPr/>
-              <a:t>6/26/2019</a:t>
+              <a:t>6/27/2019</a:t>
             </a:fld>
             <a:endParaRPr lang="en-US"/>
           </a:p>
@@ -906,7 +910,7 @@
             <a:fld id="{40A6C090-7603-40E1-A38A-09FB9492DEDA}" type="datetimeFigureOut">
               <a:rPr lang="en-US" smtClean="0"/>
               <a:pPr/>
-              <a:t>6/26/2019</a:t>
+              <a:t>6/27/2019</a:t>
             </a:fld>
             <a:endParaRPr lang="en-US"/>
           </a:p>
@@ -1083,7 +1087,7 @@
             <a:fld id="{40A6C090-7603-40E1-A38A-09FB9492DEDA}" type="datetimeFigureOut">
               <a:rPr lang="en-US" smtClean="0"/>
               <a:pPr/>
-              <a:t>6/26/2019</a:t>
+              <a:t>6/27/2019</a:t>
             </a:fld>
             <a:endParaRPr lang="en-US"/>
           </a:p>
@@ -1250,7 +1254,7 @@
             <a:fld id="{40A6C090-7603-40E1-A38A-09FB9492DEDA}" type="datetimeFigureOut">
               <a:rPr lang="en-US" smtClean="0"/>
               <a:pPr/>
-              <a:t>6/26/2019</a:t>
+              <a:t>6/27/2019</a:t>
             </a:fld>
             <a:endParaRPr lang="en-US"/>
           </a:p>
@@ -1493,7 +1497,7 @@
             <a:fld id="{40A6C090-7603-40E1-A38A-09FB9492DEDA}" type="datetimeFigureOut">
               <a:rPr lang="en-US" smtClean="0"/>
               <a:pPr/>
-              <a:t>6/26/2019</a:t>
+              <a:t>6/27/2019</a:t>
             </a:fld>
             <a:endParaRPr lang="en-US"/>
           </a:p>
@@ -1778,7 +1782,7 @@
             <a:fld id="{40A6C090-7603-40E1-A38A-09FB9492DEDA}" type="datetimeFigureOut">
               <a:rPr lang="en-US" smtClean="0"/>
               <a:pPr/>
-              <a:t>6/26/2019</a:t>
+              <a:t>6/27/2019</a:t>
             </a:fld>
             <a:endParaRPr lang="en-US"/>
           </a:p>
@@ -2197,7 +2201,7 @@
             <a:fld id="{40A6C090-7603-40E1-A38A-09FB9492DEDA}" type="datetimeFigureOut">
               <a:rPr lang="en-US" smtClean="0"/>
               <a:pPr/>
-              <a:t>6/26/2019</a:t>
+              <a:t>6/27/2019</a:t>
             </a:fld>
             <a:endParaRPr lang="en-US"/>
           </a:p>
@@ -2312,7 +2316,7 @@
             <a:fld id="{40A6C090-7603-40E1-A38A-09FB9492DEDA}" type="datetimeFigureOut">
               <a:rPr lang="en-US" smtClean="0"/>
               <a:pPr/>
-              <a:t>6/26/2019</a:t>
+              <a:t>6/27/2019</a:t>
             </a:fld>
             <a:endParaRPr lang="en-US"/>
           </a:p>
@@ -2404,7 +2408,7 @@
             <a:fld id="{40A6C090-7603-40E1-A38A-09FB9492DEDA}" type="datetimeFigureOut">
               <a:rPr lang="en-US" smtClean="0"/>
               <a:pPr/>
-              <a:t>6/26/2019</a:t>
+              <a:t>6/27/2019</a:t>
             </a:fld>
             <a:endParaRPr lang="en-US"/>
           </a:p>
@@ -2678,7 +2682,7 @@
             <a:fld id="{40A6C090-7603-40E1-A38A-09FB9492DEDA}" type="datetimeFigureOut">
               <a:rPr lang="en-US" smtClean="0"/>
               <a:pPr/>
-              <a:t>6/26/2019</a:t>
+              <a:t>6/27/2019</a:t>
             </a:fld>
             <a:endParaRPr lang="en-US"/>
           </a:p>
@@ -2928,7 +2932,7 @@
             <a:fld id="{40A6C090-7603-40E1-A38A-09FB9492DEDA}" type="datetimeFigureOut">
               <a:rPr lang="en-US" smtClean="0"/>
               <a:pPr/>
-              <a:t>6/26/2019</a:t>
+              <a:t>6/27/2019</a:t>
             </a:fld>
             <a:endParaRPr lang="en-US"/>
           </a:p>
@@ -3138,7 +3142,7 @@
             <a:fld id="{40A6C090-7603-40E1-A38A-09FB9492DEDA}" type="datetimeFigureOut">
               <a:rPr lang="en-US" smtClean="0"/>
               <a:pPr/>
-              <a:t>6/26/2019</a:t>
+              <a:t>6/27/2019</a:t>
             </a:fld>
             <a:endParaRPr lang="en-US"/>
           </a:p>
@@ -4967,11 +4971,7 @@
             </a:r>
             <a:r>
               <a:rPr lang="en-US" dirty="0" err="1" smtClean="0"/>
-              <a:t>D</a:t>
-            </a:r>
-            <a:r>
-              <a:rPr lang="en-US" dirty="0" err="1" smtClean="0"/>
-              <a:t>ocker</a:t>
+              <a:t>Docker</a:t>
             </a:r>
             <a:endParaRPr lang="en-US" dirty="0" smtClean="0"/>
           </a:p>
@@ -5591,7 +5591,7 @@
         </p:nvSpPr>
         <p:spPr>
           <a:xfrm>
-            <a:off x="2819400" y="190500"/>
+            <a:off x="2819400" y="266700"/>
             <a:ext cx="6019800" cy="5257800"/>
           </a:xfrm>
           <a:prstGeom prst="rect">
@@ -8239,7 +8239,11 @@
             </a:r>
             <a:r>
               <a:rPr lang="en-US" dirty="0" smtClean="0"/>
-              <a:t> on the service name itself</a:t>
+              <a:t> on the service name </a:t>
+            </a:r>
+            <a:r>
+              <a:rPr lang="en-US" dirty="0" smtClean="0"/>
+              <a:t>itself – Service discovery</a:t>
             </a:r>
             <a:endParaRPr lang="en-US" dirty="0"/>
           </a:p>
@@ -8359,8 +8363,8 @@
         </p:nvSpPr>
         <p:spPr>
           <a:xfrm>
-            <a:off x="3739662" y="4076700"/>
-            <a:ext cx="1594338" cy="533400"/>
+            <a:off x="3657600" y="3924300"/>
+            <a:ext cx="1676400" cy="685800"/>
           </a:xfrm>
           <a:prstGeom prst="ellipse">
             <a:avLst/>
@@ -8426,11 +8430,7 @@
           <a:p>
             <a:r>
               <a:rPr lang="en-US" dirty="0" smtClean="0"/>
-              <a:t>Pod: </a:t>
-            </a:r>
-            <a:r>
-              <a:rPr lang="en-US" dirty="0" smtClean="0"/>
-              <a:t>172.17.0.15</a:t>
+              <a:t>Pod: 172.17.0.15</a:t>
             </a:r>
             <a:endParaRPr lang="en-US" dirty="0"/>
           </a:p>
@@ -8460,11 +8460,7 @@
           <a:p>
             <a:r>
               <a:rPr lang="en-US" dirty="0" smtClean="0"/>
-              <a:t>Hw-svc: 10.98.220.82: </a:t>
-            </a:r>
-            <a:r>
-              <a:rPr lang="en-US" dirty="0" smtClean="0"/>
-              <a:t>8888</a:t>
+              <a:t>Hw-svc: 10.98.220.82: 8888</a:t>
             </a:r>
             <a:endParaRPr lang="en-US" dirty="0"/>
           </a:p>
@@ -9298,11 +9294,7 @@
           <a:p>
             <a:r>
               <a:rPr lang="en-US" dirty="0" smtClean="0"/>
-              <a:t>a</a:t>
-            </a:r>
-            <a:r>
-              <a:rPr lang="en-US" dirty="0" smtClean="0"/>
-              <a:t>pp   </a:t>
+              <a:t>app   </a:t>
             </a:r>
             <a:r>
               <a:rPr lang="en-US" dirty="0" smtClean="0">
@@ -9530,6 +9522,2257 @@
             <a:r>
               <a:rPr lang="en-US" dirty="0" smtClean="0"/>
               <a:t>172.17.0.16:80</a:t>
+            </a:r>
+            <a:endParaRPr lang="en-US" dirty="0"/>
+          </a:p>
+        </p:txBody>
+      </p:sp>
+    </p:spTree>
+  </p:cSld>
+  <p:clrMapOvr>
+    <a:masterClrMapping/>
+  </p:clrMapOvr>
+</p:sld>
+</file>
+
+<file path=ppt/slides/slide18.xml><?xml version="1.0" encoding="utf-8"?>
+<p:sld xmlns:a="http://schemas.openxmlformats.org/drawingml/2006/main" xmlns:r="http://schemas.openxmlformats.org/officeDocument/2006/relationships" xmlns:p="http://schemas.openxmlformats.org/presentationml/2006/main">
+  <p:cSld>
+    <p:spTree>
+      <p:nvGrpSpPr>
+        <p:cNvPr id="1" name=""/>
+        <p:cNvGrpSpPr/>
+        <p:nvPr/>
+      </p:nvGrpSpPr>
+      <p:grpSpPr>
+        <a:xfrm>
+          <a:off x="0" y="0"/>
+          <a:ext cx="0" cy="0"/>
+          <a:chOff x="0" y="0"/>
+          <a:chExt cx="0" cy="0"/>
+        </a:xfrm>
+      </p:grpSpPr>
+      <p:sp>
+        <p:nvSpPr>
+          <p:cNvPr id="2" name="Rectangle 1"/>
+          <p:cNvSpPr/>
+          <p:nvPr/>
+        </p:nvSpPr>
+        <p:spPr>
+          <a:xfrm>
+            <a:off x="2209800" y="1333500"/>
+            <a:ext cx="2286000" cy="1524000"/>
+          </a:xfrm>
+          <a:prstGeom prst="rect">
+            <a:avLst/>
+          </a:prstGeom>
+        </p:spPr>
+        <p:style>
+          <a:lnRef idx="2">
+            <a:schemeClr val="accent1">
+              <a:shade val="50000"/>
+            </a:schemeClr>
+          </a:lnRef>
+          <a:fillRef idx="1">
+            <a:schemeClr val="accent1"/>
+          </a:fillRef>
+          <a:effectRef idx="0">
+            <a:schemeClr val="accent1"/>
+          </a:effectRef>
+          <a:fontRef idx="minor">
+            <a:schemeClr val="lt1"/>
+          </a:fontRef>
+        </p:style>
+        <p:txBody>
+          <a:bodyPr rtlCol="0" anchor="ctr"/>
+          <a:lstStyle/>
+          <a:p>
+            <a:pPr algn="ctr"/>
+            <a:r>
+              <a:rPr lang="en-US" dirty="0" smtClean="0"/>
+              <a:t>K8smaster</a:t>
+            </a:r>
+          </a:p>
+          <a:p>
+            <a:pPr algn="ctr"/>
+            <a:r>
+              <a:rPr lang="en-US" dirty="0" err="1" smtClean="0"/>
+              <a:t>Docker</a:t>
+            </a:r>
+            <a:r>
+              <a:rPr lang="en-US" dirty="0" smtClean="0"/>
+              <a:t> installed</a:t>
+            </a:r>
+          </a:p>
+          <a:p>
+            <a:pPr algn="ctr"/>
+            <a:r>
+              <a:rPr lang="en-US" dirty="0" smtClean="0"/>
+              <a:t>K8s packages installed</a:t>
+            </a:r>
+          </a:p>
+          <a:p>
+            <a:pPr algn="ctr"/>
+            <a:r>
+              <a:rPr lang="en-US" dirty="0" err="1" smtClean="0"/>
+              <a:t>k</a:t>
+            </a:r>
+            <a:r>
+              <a:rPr lang="en-US" dirty="0" err="1" smtClean="0"/>
+              <a:t>ubeadm</a:t>
+            </a:r>
+            <a:r>
+              <a:rPr lang="en-US" dirty="0" smtClean="0"/>
+              <a:t> init…</a:t>
+            </a:r>
+            <a:endParaRPr lang="en-US" dirty="0"/>
+          </a:p>
+        </p:txBody>
+      </p:sp>
+      <p:sp>
+        <p:nvSpPr>
+          <p:cNvPr id="3" name="Rectangle 2"/>
+          <p:cNvSpPr/>
+          <p:nvPr/>
+        </p:nvSpPr>
+        <p:spPr>
+          <a:xfrm>
+            <a:off x="5029200" y="1333500"/>
+            <a:ext cx="2286000" cy="1524000"/>
+          </a:xfrm>
+          <a:prstGeom prst="rect">
+            <a:avLst/>
+          </a:prstGeom>
+        </p:spPr>
+        <p:style>
+          <a:lnRef idx="2">
+            <a:schemeClr val="accent1">
+              <a:shade val="50000"/>
+            </a:schemeClr>
+          </a:lnRef>
+          <a:fillRef idx="1">
+            <a:schemeClr val="accent1"/>
+          </a:fillRef>
+          <a:effectRef idx="0">
+            <a:schemeClr val="accent1"/>
+          </a:effectRef>
+          <a:fontRef idx="minor">
+            <a:schemeClr val="lt1"/>
+          </a:fontRef>
+        </p:style>
+        <p:txBody>
+          <a:bodyPr rtlCol="0" anchor="ctr"/>
+          <a:lstStyle/>
+          <a:p>
+            <a:pPr algn="ctr"/>
+            <a:r>
+              <a:rPr lang="en-US" dirty="0" smtClean="0"/>
+              <a:t>K8snode1</a:t>
+            </a:r>
+          </a:p>
+          <a:p>
+            <a:pPr algn="ctr"/>
+            <a:r>
+              <a:rPr lang="en-US" dirty="0" err="1" smtClean="0"/>
+              <a:t>Docker</a:t>
+            </a:r>
+            <a:r>
+              <a:rPr lang="en-US" dirty="0" smtClean="0"/>
+              <a:t> installed</a:t>
+            </a:r>
+          </a:p>
+          <a:p>
+            <a:pPr algn="ctr"/>
+            <a:r>
+              <a:rPr lang="en-US" dirty="0" smtClean="0"/>
+              <a:t>K8s packages installed</a:t>
+            </a:r>
+          </a:p>
+          <a:p>
+            <a:pPr algn="ctr"/>
+            <a:r>
+              <a:rPr lang="en-US" dirty="0" err="1" smtClean="0"/>
+              <a:t>Kubeadm</a:t>
+            </a:r>
+            <a:r>
+              <a:rPr lang="en-US" dirty="0" smtClean="0"/>
+              <a:t> join</a:t>
+            </a:r>
+          </a:p>
+          <a:p>
+            <a:pPr algn="ctr"/>
+            <a:endParaRPr lang="en-US" dirty="0"/>
+          </a:p>
+        </p:txBody>
+      </p:sp>
+      <p:sp>
+        <p:nvSpPr>
+          <p:cNvPr id="4" name="TextBox 3"/>
+          <p:cNvSpPr txBox="1"/>
+          <p:nvPr/>
+        </p:nvSpPr>
+        <p:spPr>
+          <a:xfrm>
+            <a:off x="228600" y="2095500"/>
+            <a:ext cx="940899" cy="923330"/>
+          </a:xfrm>
+          <a:prstGeom prst="rect">
+            <a:avLst/>
+          </a:prstGeom>
+          <a:noFill/>
+        </p:spPr>
+        <p:txBody>
+          <a:bodyPr wrap="none" rtlCol="0">
+            <a:spAutoFit/>
+          </a:bodyPr>
+          <a:lstStyle/>
+          <a:p>
+            <a:r>
+              <a:rPr lang="en-US" dirty="0" err="1" smtClean="0"/>
+              <a:t>Config</a:t>
+            </a:r>
+            <a:endParaRPr lang="en-US" dirty="0" smtClean="0"/>
+          </a:p>
+          <a:p>
+            <a:r>
+              <a:rPr lang="en-US" dirty="0" err="1" smtClean="0"/>
+              <a:t>Kubectl</a:t>
+            </a:r>
+            <a:endParaRPr lang="en-US" dirty="0" smtClean="0"/>
+          </a:p>
+          <a:p>
+            <a:r>
+              <a:rPr lang="en-US" dirty="0" err="1" smtClean="0"/>
+              <a:t>Kubectl</a:t>
+            </a:r>
+            <a:r>
+              <a:rPr lang="en-US" dirty="0" smtClean="0"/>
+              <a:t> </a:t>
+            </a:r>
+            <a:endParaRPr lang="en-US" dirty="0"/>
+          </a:p>
+        </p:txBody>
+      </p:sp>
+      <p:sp>
+        <p:nvSpPr>
+          <p:cNvPr id="5" name="Cloud 4"/>
+          <p:cNvSpPr/>
+          <p:nvPr/>
+        </p:nvSpPr>
+        <p:spPr>
+          <a:xfrm>
+            <a:off x="1828800" y="952500"/>
+            <a:ext cx="6172200" cy="2590800"/>
+          </a:xfrm>
+          <a:prstGeom prst="cloud">
+            <a:avLst/>
+          </a:prstGeom>
+          <a:noFill/>
+        </p:spPr>
+        <p:style>
+          <a:lnRef idx="2">
+            <a:schemeClr val="accent1">
+              <a:shade val="50000"/>
+            </a:schemeClr>
+          </a:lnRef>
+          <a:fillRef idx="1">
+            <a:schemeClr val="accent1"/>
+          </a:fillRef>
+          <a:effectRef idx="0">
+            <a:schemeClr val="accent1"/>
+          </a:effectRef>
+          <a:fontRef idx="minor">
+            <a:schemeClr val="lt1"/>
+          </a:fontRef>
+        </p:style>
+        <p:txBody>
+          <a:bodyPr rtlCol="0" anchor="ctr"/>
+          <a:lstStyle/>
+          <a:p>
+            <a:pPr algn="ctr"/>
+            <a:endParaRPr lang="en-US"/>
+          </a:p>
+        </p:txBody>
+      </p:sp>
+      <p:sp>
+        <p:nvSpPr>
+          <p:cNvPr id="6" name="Rectangle 5"/>
+          <p:cNvSpPr/>
+          <p:nvPr/>
+        </p:nvSpPr>
+        <p:spPr>
+          <a:xfrm>
+            <a:off x="3276600" y="4000500"/>
+            <a:ext cx="1828800" cy="990600"/>
+          </a:xfrm>
+          <a:prstGeom prst="rect">
+            <a:avLst/>
+          </a:prstGeom>
+        </p:spPr>
+        <p:style>
+          <a:lnRef idx="2">
+            <a:schemeClr val="accent1">
+              <a:shade val="50000"/>
+            </a:schemeClr>
+          </a:lnRef>
+          <a:fillRef idx="1">
+            <a:schemeClr val="accent1"/>
+          </a:fillRef>
+          <a:effectRef idx="0">
+            <a:schemeClr val="accent1"/>
+          </a:effectRef>
+          <a:fontRef idx="minor">
+            <a:schemeClr val="lt1"/>
+          </a:fontRef>
+        </p:style>
+        <p:txBody>
+          <a:bodyPr rtlCol="0" anchor="ctr"/>
+          <a:lstStyle/>
+          <a:p>
+            <a:pPr algn="ctr"/>
+            <a:r>
+              <a:rPr lang="en-US" dirty="0" err="1" smtClean="0"/>
+              <a:t>minikube</a:t>
+            </a:r>
+            <a:endParaRPr lang="en-US" dirty="0"/>
+          </a:p>
+        </p:txBody>
+      </p:sp>
+      <p:sp>
+        <p:nvSpPr>
+          <p:cNvPr id="7" name="Cloud 6"/>
+          <p:cNvSpPr/>
+          <p:nvPr/>
+        </p:nvSpPr>
+        <p:spPr>
+          <a:xfrm>
+            <a:off x="2971800" y="3619500"/>
+            <a:ext cx="2743200" cy="1676400"/>
+          </a:xfrm>
+          <a:prstGeom prst="cloud">
+            <a:avLst/>
+          </a:prstGeom>
+          <a:noFill/>
+        </p:spPr>
+        <p:style>
+          <a:lnRef idx="2">
+            <a:schemeClr val="accent1">
+              <a:shade val="50000"/>
+            </a:schemeClr>
+          </a:lnRef>
+          <a:fillRef idx="1">
+            <a:schemeClr val="accent1"/>
+          </a:fillRef>
+          <a:effectRef idx="0">
+            <a:schemeClr val="accent1"/>
+          </a:effectRef>
+          <a:fontRef idx="minor">
+            <a:schemeClr val="lt1"/>
+          </a:fontRef>
+        </p:style>
+        <p:txBody>
+          <a:bodyPr rtlCol="0" anchor="ctr"/>
+          <a:lstStyle/>
+          <a:p>
+            <a:pPr algn="ctr"/>
+            <a:endParaRPr lang="en-US"/>
+          </a:p>
+        </p:txBody>
+      </p:sp>
+      <p:cxnSp>
+        <p:nvCxnSpPr>
+          <p:cNvPr id="9" name="Straight Arrow Connector 8"/>
+          <p:cNvCxnSpPr>
+            <a:endCxn id="2" idx="1"/>
+          </p:cNvCxnSpPr>
+          <p:nvPr/>
+        </p:nvCxnSpPr>
+        <p:spPr>
+          <a:xfrm flipV="1">
+            <a:off x="1143000" y="2095500"/>
+            <a:ext cx="1066800" cy="685800"/>
+          </a:xfrm>
+          <a:prstGeom prst="straightConnector1">
+            <a:avLst/>
+          </a:prstGeom>
+          <a:ln>
+            <a:tailEnd type="arrow"/>
+          </a:ln>
+        </p:spPr>
+        <p:style>
+          <a:lnRef idx="1">
+            <a:schemeClr val="accent1"/>
+          </a:lnRef>
+          <a:fillRef idx="0">
+            <a:schemeClr val="accent1"/>
+          </a:fillRef>
+          <a:effectRef idx="0">
+            <a:schemeClr val="accent1"/>
+          </a:effectRef>
+          <a:fontRef idx="minor">
+            <a:schemeClr val="tx1"/>
+          </a:fontRef>
+        </p:style>
+      </p:cxnSp>
+      <p:cxnSp>
+        <p:nvCxnSpPr>
+          <p:cNvPr id="11" name="Straight Arrow Connector 10"/>
+          <p:cNvCxnSpPr>
+            <a:endCxn id="6" idx="1"/>
+          </p:cNvCxnSpPr>
+          <p:nvPr/>
+        </p:nvCxnSpPr>
+        <p:spPr>
+          <a:xfrm>
+            <a:off x="1143000" y="2781300"/>
+            <a:ext cx="2133600" cy="1714500"/>
+          </a:xfrm>
+          <a:prstGeom prst="straightConnector1">
+            <a:avLst/>
+          </a:prstGeom>
+          <a:ln>
+            <a:tailEnd type="arrow"/>
+          </a:ln>
+        </p:spPr>
+        <p:style>
+          <a:lnRef idx="1">
+            <a:schemeClr val="accent1"/>
+          </a:lnRef>
+          <a:fillRef idx="0">
+            <a:schemeClr val="accent1"/>
+          </a:fillRef>
+          <a:effectRef idx="0">
+            <a:schemeClr val="accent1"/>
+          </a:effectRef>
+          <a:fontRef idx="minor">
+            <a:schemeClr val="tx1"/>
+          </a:fontRef>
+        </p:style>
+      </p:cxnSp>
+      <p:sp>
+        <p:nvSpPr>
+          <p:cNvPr id="13" name="Rectangle 12"/>
+          <p:cNvSpPr/>
+          <p:nvPr/>
+        </p:nvSpPr>
+        <p:spPr>
+          <a:xfrm>
+            <a:off x="2514600" y="952500"/>
+            <a:ext cx="1527982" cy="369332"/>
+          </a:xfrm>
+          <a:prstGeom prst="rect">
+            <a:avLst/>
+          </a:prstGeom>
+        </p:spPr>
+        <p:txBody>
+          <a:bodyPr wrap="none">
+            <a:spAutoFit/>
+          </a:bodyPr>
+          <a:lstStyle/>
+          <a:p>
+            <a:r>
+              <a:rPr lang="en-US" dirty="0" smtClean="0"/>
+              <a:t>192.167.10.70</a:t>
+            </a:r>
+            <a:endParaRPr lang="en-US" dirty="0"/>
+          </a:p>
+        </p:txBody>
+      </p:sp>
+    </p:spTree>
+  </p:cSld>
+  <p:clrMapOvr>
+    <a:masterClrMapping/>
+  </p:clrMapOvr>
+</p:sld>
+</file>
+
+<file path=ppt/slides/slide19.xml><?xml version="1.0" encoding="utf-8"?>
+<p:sld xmlns:a="http://schemas.openxmlformats.org/drawingml/2006/main" xmlns:r="http://schemas.openxmlformats.org/officeDocument/2006/relationships" xmlns:p="http://schemas.openxmlformats.org/presentationml/2006/main">
+  <p:cSld>
+    <p:spTree>
+      <p:nvGrpSpPr>
+        <p:cNvPr id="1" name=""/>
+        <p:cNvGrpSpPr/>
+        <p:nvPr/>
+      </p:nvGrpSpPr>
+      <p:grpSpPr>
+        <a:xfrm>
+          <a:off x="0" y="0"/>
+          <a:ext cx="0" cy="0"/>
+          <a:chOff x="0" y="0"/>
+          <a:chExt cx="0" cy="0"/>
+        </a:xfrm>
+      </p:grpSpPr>
+      <p:sp>
+        <p:nvSpPr>
+          <p:cNvPr id="2" name="Rectangle 1"/>
+          <p:cNvSpPr/>
+          <p:nvPr/>
+        </p:nvSpPr>
+        <p:spPr>
+          <a:xfrm>
+            <a:off x="-2057400" y="3505200"/>
+            <a:ext cx="2514600" cy="1828800"/>
+          </a:xfrm>
+          <a:prstGeom prst="rect">
+            <a:avLst/>
+          </a:prstGeom>
+          <a:noFill/>
+        </p:spPr>
+        <p:style>
+          <a:lnRef idx="2">
+            <a:schemeClr val="accent1">
+              <a:shade val="50000"/>
+            </a:schemeClr>
+          </a:lnRef>
+          <a:fillRef idx="1">
+            <a:schemeClr val="accent1"/>
+          </a:fillRef>
+          <a:effectRef idx="0">
+            <a:schemeClr val="accent1"/>
+          </a:effectRef>
+          <a:fontRef idx="minor">
+            <a:schemeClr val="lt1"/>
+          </a:fontRef>
+        </p:style>
+        <p:txBody>
+          <a:bodyPr rtlCol="0" anchor="ctr"/>
+          <a:lstStyle/>
+          <a:p>
+            <a:pPr algn="ctr"/>
+            <a:r>
+              <a:rPr lang="en-US" dirty="0" smtClean="0"/>
+              <a:t>192.167.10.70</a:t>
+            </a:r>
+            <a:endParaRPr lang="en-US" dirty="0"/>
+          </a:p>
+        </p:txBody>
+      </p:sp>
+      <p:sp>
+        <p:nvSpPr>
+          <p:cNvPr id="3" name="Rectangle 2"/>
+          <p:cNvSpPr/>
+          <p:nvPr/>
+        </p:nvSpPr>
+        <p:spPr>
+          <a:xfrm>
+            <a:off x="5486400" y="3467100"/>
+            <a:ext cx="2514600" cy="1828800"/>
+          </a:xfrm>
+          <a:prstGeom prst="rect">
+            <a:avLst/>
+          </a:prstGeom>
+          <a:noFill/>
+        </p:spPr>
+        <p:style>
+          <a:lnRef idx="2">
+            <a:schemeClr val="accent1">
+              <a:shade val="50000"/>
+            </a:schemeClr>
+          </a:lnRef>
+          <a:fillRef idx="1">
+            <a:schemeClr val="accent1"/>
+          </a:fillRef>
+          <a:effectRef idx="0">
+            <a:schemeClr val="accent1"/>
+          </a:effectRef>
+          <a:fontRef idx="minor">
+            <a:schemeClr val="lt1"/>
+          </a:fontRef>
+        </p:style>
+        <p:txBody>
+          <a:bodyPr rtlCol="0" anchor="ctr"/>
+          <a:lstStyle/>
+          <a:p>
+            <a:pPr algn="ctr"/>
+            <a:r>
+              <a:rPr lang="en-US" dirty="0" smtClean="0"/>
+              <a:t>192.167.10.70</a:t>
+            </a:r>
+            <a:endParaRPr lang="en-US" dirty="0"/>
+          </a:p>
+        </p:txBody>
+      </p:sp>
+      <p:sp>
+        <p:nvSpPr>
+          <p:cNvPr id="4" name="TextBox 3"/>
+          <p:cNvSpPr txBox="1"/>
+          <p:nvPr/>
+        </p:nvSpPr>
+        <p:spPr>
+          <a:xfrm>
+            <a:off x="7182571" y="4926568"/>
+            <a:ext cx="818429" cy="369332"/>
+          </a:xfrm>
+          <a:prstGeom prst="rect">
+            <a:avLst/>
+          </a:prstGeom>
+          <a:noFill/>
+        </p:spPr>
+        <p:txBody>
+          <a:bodyPr wrap="none" rtlCol="0">
+            <a:spAutoFit/>
+          </a:bodyPr>
+          <a:lstStyle/>
+          <a:p>
+            <a:r>
+              <a:rPr lang="en-US" dirty="0" err="1" smtClean="0"/>
+              <a:t>docker</a:t>
+            </a:r>
+            <a:endParaRPr lang="en-US" dirty="0"/>
+          </a:p>
+        </p:txBody>
+      </p:sp>
+      <p:sp>
+        <p:nvSpPr>
+          <p:cNvPr id="5" name="TextBox 4"/>
+          <p:cNvSpPr txBox="1"/>
+          <p:nvPr/>
+        </p:nvSpPr>
+        <p:spPr>
+          <a:xfrm>
+            <a:off x="-381000" y="4953000"/>
+            <a:ext cx="818429" cy="369332"/>
+          </a:xfrm>
+          <a:prstGeom prst="rect">
+            <a:avLst/>
+          </a:prstGeom>
+          <a:noFill/>
+        </p:spPr>
+        <p:txBody>
+          <a:bodyPr wrap="none" rtlCol="0">
+            <a:spAutoFit/>
+          </a:bodyPr>
+          <a:lstStyle/>
+          <a:p>
+            <a:r>
+              <a:rPr lang="en-US" dirty="0" err="1" smtClean="0"/>
+              <a:t>docker</a:t>
+            </a:r>
+            <a:endParaRPr lang="en-US" dirty="0"/>
+          </a:p>
+        </p:txBody>
+      </p:sp>
+      <p:sp>
+        <p:nvSpPr>
+          <p:cNvPr id="6" name="Rectangle 5"/>
+          <p:cNvSpPr/>
+          <p:nvPr/>
+        </p:nvSpPr>
+        <p:spPr>
+          <a:xfrm>
+            <a:off x="3581400" y="800100"/>
+            <a:ext cx="3352800" cy="2209800"/>
+          </a:xfrm>
+          <a:prstGeom prst="rect">
+            <a:avLst/>
+          </a:prstGeom>
+          <a:noFill/>
+        </p:spPr>
+        <p:style>
+          <a:lnRef idx="2">
+            <a:schemeClr val="accent1">
+              <a:shade val="50000"/>
+            </a:schemeClr>
+          </a:lnRef>
+          <a:fillRef idx="1">
+            <a:schemeClr val="accent1"/>
+          </a:fillRef>
+          <a:effectRef idx="0">
+            <a:schemeClr val="accent1"/>
+          </a:effectRef>
+          <a:fontRef idx="minor">
+            <a:schemeClr val="lt1"/>
+          </a:fontRef>
+        </p:style>
+        <p:txBody>
+          <a:bodyPr rtlCol="0" anchor="ctr"/>
+          <a:lstStyle/>
+          <a:p>
+            <a:pPr algn="ctr"/>
+            <a:endParaRPr lang="en-US"/>
+          </a:p>
+        </p:txBody>
+      </p:sp>
+      <p:sp>
+        <p:nvSpPr>
+          <p:cNvPr id="7" name="TextBox 6"/>
+          <p:cNvSpPr txBox="1"/>
+          <p:nvPr/>
+        </p:nvSpPr>
+        <p:spPr>
+          <a:xfrm>
+            <a:off x="3581400" y="419100"/>
+            <a:ext cx="2606547" cy="369332"/>
+          </a:xfrm>
+          <a:prstGeom prst="rect">
+            <a:avLst/>
+          </a:prstGeom>
+          <a:noFill/>
+        </p:spPr>
+        <p:txBody>
+          <a:bodyPr wrap="none" rtlCol="0">
+            <a:spAutoFit/>
+          </a:bodyPr>
+          <a:lstStyle/>
+          <a:p>
+            <a:r>
+              <a:rPr lang="en-US" dirty="0" smtClean="0"/>
+              <a:t>k8smaster: 192.167.10.70</a:t>
+            </a:r>
+            <a:endParaRPr lang="en-US" dirty="0"/>
+          </a:p>
+        </p:txBody>
+      </p:sp>
+      <p:sp>
+        <p:nvSpPr>
+          <p:cNvPr id="8" name="TextBox 7"/>
+          <p:cNvSpPr txBox="1"/>
+          <p:nvPr/>
+        </p:nvSpPr>
+        <p:spPr>
+          <a:xfrm>
+            <a:off x="-2057400" y="5345668"/>
+            <a:ext cx="809837" cy="369332"/>
+          </a:xfrm>
+          <a:prstGeom prst="rect">
+            <a:avLst/>
+          </a:prstGeom>
+          <a:noFill/>
+        </p:spPr>
+        <p:txBody>
+          <a:bodyPr wrap="none" rtlCol="0">
+            <a:spAutoFit/>
+          </a:bodyPr>
+          <a:lstStyle/>
+          <a:p>
+            <a:r>
+              <a:rPr lang="en-US" dirty="0" smtClean="0"/>
+              <a:t>Node1</a:t>
+            </a:r>
+            <a:endParaRPr lang="en-US" dirty="0"/>
+          </a:p>
+        </p:txBody>
+      </p:sp>
+      <p:sp>
+        <p:nvSpPr>
+          <p:cNvPr id="9" name="TextBox 8"/>
+          <p:cNvSpPr txBox="1"/>
+          <p:nvPr/>
+        </p:nvSpPr>
+        <p:spPr>
+          <a:xfrm>
+            <a:off x="5514763" y="5295900"/>
+            <a:ext cx="2552302" cy="369332"/>
+          </a:xfrm>
+          <a:prstGeom prst="rect">
+            <a:avLst/>
+          </a:prstGeom>
+          <a:noFill/>
+        </p:spPr>
+        <p:txBody>
+          <a:bodyPr wrap="none" rtlCol="0">
+            <a:spAutoFit/>
+          </a:bodyPr>
+          <a:lstStyle/>
+          <a:p>
+            <a:r>
+              <a:rPr lang="en-US" dirty="0" smtClean="0"/>
+              <a:t>k8snode1: 192.167.10.71</a:t>
+            </a:r>
+            <a:endParaRPr lang="en-US" dirty="0"/>
+          </a:p>
+        </p:txBody>
+      </p:sp>
+      <p:sp>
+        <p:nvSpPr>
+          <p:cNvPr id="10" name="TextBox 9"/>
+          <p:cNvSpPr txBox="1"/>
+          <p:nvPr/>
+        </p:nvSpPr>
+        <p:spPr>
+          <a:xfrm>
+            <a:off x="-457200" y="3505200"/>
+            <a:ext cx="889026" cy="369332"/>
+          </a:xfrm>
+          <a:prstGeom prst="rect">
+            <a:avLst/>
+          </a:prstGeom>
+          <a:noFill/>
+        </p:spPr>
+        <p:txBody>
+          <a:bodyPr wrap="none" rtlCol="0">
+            <a:spAutoFit/>
+          </a:bodyPr>
+          <a:lstStyle/>
+          <a:p>
+            <a:r>
+              <a:rPr lang="en-US" dirty="0" err="1" smtClean="0"/>
+              <a:t>kubelet</a:t>
+            </a:r>
+            <a:endParaRPr lang="en-US" dirty="0"/>
+          </a:p>
+        </p:txBody>
+      </p:sp>
+      <p:sp>
+        <p:nvSpPr>
+          <p:cNvPr id="11" name="TextBox 10"/>
+          <p:cNvSpPr txBox="1"/>
+          <p:nvPr/>
+        </p:nvSpPr>
+        <p:spPr>
+          <a:xfrm>
+            <a:off x="7111974" y="3467100"/>
+            <a:ext cx="889026" cy="369332"/>
+          </a:xfrm>
+          <a:prstGeom prst="rect">
+            <a:avLst/>
+          </a:prstGeom>
+          <a:noFill/>
+        </p:spPr>
+        <p:txBody>
+          <a:bodyPr wrap="none" rtlCol="0">
+            <a:spAutoFit/>
+          </a:bodyPr>
+          <a:lstStyle/>
+          <a:p>
+            <a:r>
+              <a:rPr lang="en-US" dirty="0" err="1" smtClean="0"/>
+              <a:t>kubelet</a:t>
+            </a:r>
+            <a:endParaRPr lang="en-US" dirty="0"/>
+          </a:p>
+        </p:txBody>
+      </p:sp>
+      <p:sp>
+        <p:nvSpPr>
+          <p:cNvPr id="12" name="TextBox 11"/>
+          <p:cNvSpPr txBox="1"/>
+          <p:nvPr/>
+        </p:nvSpPr>
+        <p:spPr>
+          <a:xfrm>
+            <a:off x="6019800" y="811768"/>
+            <a:ext cx="889026" cy="369332"/>
+          </a:xfrm>
+          <a:prstGeom prst="rect">
+            <a:avLst/>
+          </a:prstGeom>
+          <a:noFill/>
+        </p:spPr>
+        <p:txBody>
+          <a:bodyPr wrap="none" rtlCol="0">
+            <a:spAutoFit/>
+          </a:bodyPr>
+          <a:lstStyle/>
+          <a:p>
+            <a:r>
+              <a:rPr lang="en-US" dirty="0" err="1" smtClean="0"/>
+              <a:t>kubelet</a:t>
+            </a:r>
+            <a:endParaRPr lang="en-US" dirty="0"/>
+          </a:p>
+        </p:txBody>
+      </p:sp>
+      <p:sp>
+        <p:nvSpPr>
+          <p:cNvPr id="14" name="Isosceles Triangle 13"/>
+          <p:cNvSpPr/>
+          <p:nvPr/>
+        </p:nvSpPr>
+        <p:spPr>
+          <a:xfrm>
+            <a:off x="1676400" y="2628900"/>
+            <a:ext cx="457200" cy="685800"/>
+          </a:xfrm>
+          <a:prstGeom prst="triangle">
+            <a:avLst/>
+          </a:prstGeom>
+        </p:spPr>
+        <p:style>
+          <a:lnRef idx="2">
+            <a:schemeClr val="accent1">
+              <a:shade val="50000"/>
+            </a:schemeClr>
+          </a:lnRef>
+          <a:fillRef idx="1">
+            <a:schemeClr val="accent1"/>
+          </a:fillRef>
+          <a:effectRef idx="0">
+            <a:schemeClr val="accent1"/>
+          </a:effectRef>
+          <a:fontRef idx="minor">
+            <a:schemeClr val="lt1"/>
+          </a:fontRef>
+        </p:style>
+        <p:txBody>
+          <a:bodyPr rtlCol="0" anchor="ctr"/>
+          <a:lstStyle/>
+          <a:p>
+            <a:pPr algn="ctr"/>
+            <a:endParaRPr lang="en-US"/>
+          </a:p>
+        </p:txBody>
+      </p:sp>
+      <p:sp>
+        <p:nvSpPr>
+          <p:cNvPr id="13" name="Rectangle 12"/>
+          <p:cNvSpPr/>
+          <p:nvPr/>
+        </p:nvSpPr>
+        <p:spPr>
+          <a:xfrm>
+            <a:off x="838200" y="1866900"/>
+            <a:ext cx="2057400" cy="1143000"/>
+          </a:xfrm>
+          <a:prstGeom prst="rect">
+            <a:avLst/>
+          </a:prstGeom>
+        </p:spPr>
+        <p:style>
+          <a:lnRef idx="2">
+            <a:schemeClr val="accent1">
+              <a:shade val="50000"/>
+            </a:schemeClr>
+          </a:lnRef>
+          <a:fillRef idx="1">
+            <a:schemeClr val="accent1"/>
+          </a:fillRef>
+          <a:effectRef idx="0">
+            <a:schemeClr val="accent1"/>
+          </a:effectRef>
+          <a:fontRef idx="minor">
+            <a:schemeClr val="lt1"/>
+          </a:fontRef>
+        </p:style>
+        <p:txBody>
+          <a:bodyPr rtlCol="0" anchor="ctr"/>
+          <a:lstStyle/>
+          <a:p>
+            <a:pPr algn="ctr"/>
+            <a:r>
+              <a:rPr lang="en-US" dirty="0" err="1" smtClean="0"/>
+              <a:t>Kubectl</a:t>
+            </a:r>
+            <a:r>
+              <a:rPr lang="en-US" dirty="0" smtClean="0"/>
+              <a:t> create –f dep.yml</a:t>
+            </a:r>
+          </a:p>
+          <a:p>
+            <a:pPr algn="ctr"/>
+            <a:r>
+              <a:rPr lang="en-US" dirty="0" smtClean="0"/>
+              <a:t>~/.</a:t>
+            </a:r>
+            <a:r>
+              <a:rPr lang="en-US" dirty="0" err="1" smtClean="0"/>
+              <a:t>kube</a:t>
+            </a:r>
+            <a:r>
+              <a:rPr lang="en-US" dirty="0" smtClean="0"/>
+              <a:t>/</a:t>
+            </a:r>
+            <a:r>
+              <a:rPr lang="en-US" dirty="0" err="1" smtClean="0"/>
+              <a:t>config</a:t>
+            </a:r>
+            <a:endParaRPr lang="en-US" dirty="0"/>
+          </a:p>
+        </p:txBody>
+      </p:sp>
+      <p:sp>
+        <p:nvSpPr>
+          <p:cNvPr id="15" name="TextBox 14"/>
+          <p:cNvSpPr txBox="1"/>
+          <p:nvPr/>
+        </p:nvSpPr>
+        <p:spPr>
+          <a:xfrm>
+            <a:off x="4495800" y="952500"/>
+            <a:ext cx="1656094" cy="369332"/>
+          </a:xfrm>
+          <a:prstGeom prst="rect">
+            <a:avLst/>
+          </a:prstGeom>
+          <a:noFill/>
+        </p:spPr>
+        <p:txBody>
+          <a:bodyPr wrap="none" rtlCol="0">
+            <a:spAutoFit/>
+          </a:bodyPr>
+          <a:lstStyle/>
+          <a:p>
+            <a:r>
+              <a:rPr lang="en-US" dirty="0" smtClean="0"/>
+              <a:t>api-server</a:t>
+            </a:r>
+            <a:r>
+              <a:rPr lang="en-US" dirty="0" smtClean="0"/>
+              <a:t>:6443</a:t>
+            </a:r>
+            <a:endParaRPr lang="en-US" dirty="0"/>
+          </a:p>
+        </p:txBody>
+      </p:sp>
+      <p:cxnSp>
+        <p:nvCxnSpPr>
+          <p:cNvPr id="17" name="Straight Arrow Connector 16"/>
+          <p:cNvCxnSpPr>
+            <a:stCxn id="13" idx="3"/>
+            <a:endCxn id="15" idx="1"/>
+          </p:cNvCxnSpPr>
+          <p:nvPr/>
+        </p:nvCxnSpPr>
+        <p:spPr>
+          <a:xfrm flipV="1">
+            <a:off x="2895600" y="1137166"/>
+            <a:ext cx="1600200" cy="1301234"/>
+          </a:xfrm>
+          <a:prstGeom prst="straightConnector1">
+            <a:avLst/>
+          </a:prstGeom>
+          <a:ln>
+            <a:tailEnd type="arrow"/>
+          </a:ln>
+        </p:spPr>
+        <p:style>
+          <a:lnRef idx="1">
+            <a:schemeClr val="accent1"/>
+          </a:lnRef>
+          <a:fillRef idx="0">
+            <a:schemeClr val="accent1"/>
+          </a:fillRef>
+          <a:effectRef idx="0">
+            <a:schemeClr val="accent1"/>
+          </a:effectRef>
+          <a:fontRef idx="minor">
+            <a:schemeClr val="tx1"/>
+          </a:fontRef>
+        </p:style>
+      </p:cxnSp>
+      <p:sp>
+        <p:nvSpPr>
+          <p:cNvPr id="18" name="TextBox 17"/>
+          <p:cNvSpPr txBox="1"/>
+          <p:nvPr/>
+        </p:nvSpPr>
+        <p:spPr>
+          <a:xfrm>
+            <a:off x="4172998" y="1638300"/>
+            <a:ext cx="1999202" cy="553998"/>
+          </a:xfrm>
+          <a:prstGeom prst="rect">
+            <a:avLst/>
+          </a:prstGeom>
+          <a:noFill/>
+        </p:spPr>
+        <p:txBody>
+          <a:bodyPr wrap="none" rtlCol="0">
+            <a:spAutoFit/>
+          </a:bodyPr>
+          <a:lstStyle/>
+          <a:p>
+            <a:r>
+              <a:rPr lang="en-US" dirty="0" smtClean="0"/>
+              <a:t>controller-manager</a:t>
+            </a:r>
+          </a:p>
+          <a:p>
+            <a:r>
+              <a:rPr lang="en-US" sz="1200" i="1" dirty="0" smtClean="0"/>
+              <a:t>(</a:t>
+            </a:r>
+            <a:r>
+              <a:rPr lang="en-US" sz="1200" i="1" dirty="0" err="1" smtClean="0"/>
+              <a:t>dep</a:t>
+            </a:r>
+            <a:r>
+              <a:rPr lang="en-US" sz="1200" i="1" dirty="0" smtClean="0"/>
+              <a:t>, </a:t>
+            </a:r>
+            <a:r>
+              <a:rPr lang="en-US" sz="1200" i="1" dirty="0" err="1" smtClean="0"/>
+              <a:t>rs,rc</a:t>
+            </a:r>
+            <a:r>
+              <a:rPr lang="en-US" sz="1200" i="1" dirty="0" smtClean="0"/>
+              <a:t>, pod-def)</a:t>
+            </a:r>
+            <a:endParaRPr lang="en-US" i="1" dirty="0"/>
+          </a:p>
+        </p:txBody>
+      </p:sp>
+      <p:cxnSp>
+        <p:nvCxnSpPr>
+          <p:cNvPr id="20" name="Straight Arrow Connector 19"/>
+          <p:cNvCxnSpPr>
+            <a:stCxn id="15" idx="2"/>
+            <a:endCxn id="18" idx="0"/>
+          </p:cNvCxnSpPr>
+          <p:nvPr/>
+        </p:nvCxnSpPr>
+        <p:spPr>
+          <a:xfrm flipH="1">
+            <a:off x="5172599" y="1321832"/>
+            <a:ext cx="151248" cy="316468"/>
+          </a:xfrm>
+          <a:prstGeom prst="straightConnector1">
+            <a:avLst/>
+          </a:prstGeom>
+          <a:ln>
+            <a:tailEnd type="arrow"/>
+          </a:ln>
+        </p:spPr>
+        <p:style>
+          <a:lnRef idx="1">
+            <a:schemeClr val="accent1"/>
+          </a:lnRef>
+          <a:fillRef idx="0">
+            <a:schemeClr val="accent1"/>
+          </a:fillRef>
+          <a:effectRef idx="0">
+            <a:schemeClr val="accent1"/>
+          </a:effectRef>
+          <a:fontRef idx="minor">
+            <a:schemeClr val="tx1"/>
+          </a:fontRef>
+        </p:style>
+      </p:cxnSp>
+      <p:cxnSp>
+        <p:nvCxnSpPr>
+          <p:cNvPr id="22" name="Straight Arrow Connector 21"/>
+          <p:cNvCxnSpPr>
+            <a:stCxn id="18" idx="2"/>
+          </p:cNvCxnSpPr>
+          <p:nvPr/>
+        </p:nvCxnSpPr>
+        <p:spPr>
+          <a:xfrm>
+            <a:off x="5172599" y="2192298"/>
+            <a:ext cx="9001" cy="360402"/>
+          </a:xfrm>
+          <a:prstGeom prst="straightConnector1">
+            <a:avLst/>
+          </a:prstGeom>
+          <a:ln>
+            <a:tailEnd type="arrow"/>
+          </a:ln>
+        </p:spPr>
+        <p:style>
+          <a:lnRef idx="1">
+            <a:schemeClr val="accent1"/>
+          </a:lnRef>
+          <a:fillRef idx="0">
+            <a:schemeClr val="accent1"/>
+          </a:fillRef>
+          <a:effectRef idx="0">
+            <a:schemeClr val="accent1"/>
+          </a:effectRef>
+          <a:fontRef idx="minor">
+            <a:schemeClr val="tx1"/>
+          </a:fontRef>
+        </p:style>
+      </p:cxnSp>
+      <p:sp>
+        <p:nvSpPr>
+          <p:cNvPr id="23" name="TextBox 22"/>
+          <p:cNvSpPr txBox="1"/>
+          <p:nvPr/>
+        </p:nvSpPr>
+        <p:spPr>
+          <a:xfrm>
+            <a:off x="4613416" y="2552700"/>
+            <a:ext cx="1101584" cy="369332"/>
+          </a:xfrm>
+          <a:prstGeom prst="rect">
+            <a:avLst/>
+          </a:prstGeom>
+          <a:noFill/>
+        </p:spPr>
+        <p:txBody>
+          <a:bodyPr wrap="none" rtlCol="0">
+            <a:spAutoFit/>
+          </a:bodyPr>
+          <a:lstStyle/>
+          <a:p>
+            <a:r>
+              <a:rPr lang="en-US" dirty="0" smtClean="0"/>
+              <a:t>scheduler</a:t>
+            </a:r>
+            <a:endParaRPr lang="en-US" dirty="0"/>
+          </a:p>
+        </p:txBody>
+      </p:sp>
+      <p:cxnSp>
+        <p:nvCxnSpPr>
+          <p:cNvPr id="25" name="Straight Arrow Connector 24"/>
+          <p:cNvCxnSpPr>
+            <a:stCxn id="23" idx="2"/>
+            <a:endCxn id="11" idx="0"/>
+          </p:cNvCxnSpPr>
+          <p:nvPr/>
+        </p:nvCxnSpPr>
+        <p:spPr>
+          <a:xfrm>
+            <a:off x="5164208" y="2922032"/>
+            <a:ext cx="2392279" cy="545068"/>
+          </a:xfrm>
+          <a:prstGeom prst="straightConnector1">
+            <a:avLst/>
+          </a:prstGeom>
+          <a:ln>
+            <a:tailEnd type="arrow"/>
+          </a:ln>
+        </p:spPr>
+        <p:style>
+          <a:lnRef idx="1">
+            <a:schemeClr val="accent1"/>
+          </a:lnRef>
+          <a:fillRef idx="0">
+            <a:schemeClr val="accent1"/>
+          </a:fillRef>
+          <a:effectRef idx="0">
+            <a:schemeClr val="accent1"/>
+          </a:effectRef>
+          <a:fontRef idx="minor">
+            <a:schemeClr val="tx1"/>
+          </a:fontRef>
+        </p:style>
+      </p:cxnSp>
+      <p:sp>
+        <p:nvSpPr>
+          <p:cNvPr id="36" name="TextBox 35"/>
+          <p:cNvSpPr txBox="1"/>
+          <p:nvPr/>
+        </p:nvSpPr>
+        <p:spPr>
+          <a:xfrm>
+            <a:off x="6096000" y="1040368"/>
+            <a:ext cx="818429" cy="369332"/>
+          </a:xfrm>
+          <a:prstGeom prst="rect">
+            <a:avLst/>
+          </a:prstGeom>
+          <a:noFill/>
+        </p:spPr>
+        <p:txBody>
+          <a:bodyPr wrap="none" rtlCol="0">
+            <a:spAutoFit/>
+          </a:bodyPr>
+          <a:lstStyle/>
+          <a:p>
+            <a:r>
+              <a:rPr lang="en-US" dirty="0" err="1" smtClean="0"/>
+              <a:t>docker</a:t>
+            </a:r>
+            <a:endParaRPr lang="en-US" dirty="0"/>
+          </a:p>
+        </p:txBody>
+      </p:sp>
+      <p:sp>
+        <p:nvSpPr>
+          <p:cNvPr id="37" name="Can 36"/>
+          <p:cNvSpPr/>
+          <p:nvPr/>
+        </p:nvSpPr>
+        <p:spPr>
+          <a:xfrm>
+            <a:off x="6019800" y="2247900"/>
+            <a:ext cx="914400" cy="609600"/>
+          </a:xfrm>
+          <a:prstGeom prst="can">
+            <a:avLst/>
+          </a:prstGeom>
+        </p:spPr>
+        <p:style>
+          <a:lnRef idx="2">
+            <a:schemeClr val="accent1">
+              <a:shade val="50000"/>
+            </a:schemeClr>
+          </a:lnRef>
+          <a:fillRef idx="1">
+            <a:schemeClr val="accent1"/>
+          </a:fillRef>
+          <a:effectRef idx="0">
+            <a:schemeClr val="accent1"/>
+          </a:effectRef>
+          <a:fontRef idx="minor">
+            <a:schemeClr val="lt1"/>
+          </a:fontRef>
+        </p:style>
+        <p:txBody>
+          <a:bodyPr rtlCol="0" anchor="ctr"/>
+          <a:lstStyle/>
+          <a:p>
+            <a:pPr algn="ctr"/>
+            <a:r>
+              <a:rPr lang="en-US" dirty="0" err="1" smtClean="0"/>
+              <a:t>etcd</a:t>
+            </a:r>
+            <a:endParaRPr lang="en-US" dirty="0"/>
+          </a:p>
+        </p:txBody>
+      </p:sp>
+      <p:cxnSp>
+        <p:nvCxnSpPr>
+          <p:cNvPr id="39" name="Straight Arrow Connector 38"/>
+          <p:cNvCxnSpPr>
+            <a:stCxn id="18" idx="3"/>
+            <a:endCxn id="37" idx="1"/>
+          </p:cNvCxnSpPr>
+          <p:nvPr/>
+        </p:nvCxnSpPr>
+        <p:spPr>
+          <a:xfrm>
+            <a:off x="6172200" y="1915299"/>
+            <a:ext cx="304800" cy="332601"/>
+          </a:xfrm>
+          <a:prstGeom prst="straightConnector1">
+            <a:avLst/>
+          </a:prstGeom>
+          <a:ln>
+            <a:tailEnd type="arrow"/>
+          </a:ln>
+        </p:spPr>
+        <p:style>
+          <a:lnRef idx="1">
+            <a:schemeClr val="accent1"/>
+          </a:lnRef>
+          <a:fillRef idx="0">
+            <a:schemeClr val="accent1"/>
+          </a:fillRef>
+          <a:effectRef idx="0">
+            <a:schemeClr val="accent1"/>
+          </a:effectRef>
+          <a:fontRef idx="minor">
+            <a:schemeClr val="tx1"/>
+          </a:fontRef>
+        </p:style>
+      </p:cxnSp>
+      <p:sp>
+        <p:nvSpPr>
+          <p:cNvPr id="40" name="Rectangle 39"/>
+          <p:cNvSpPr/>
+          <p:nvPr/>
+        </p:nvSpPr>
+        <p:spPr>
+          <a:xfrm>
+            <a:off x="3962400" y="876300"/>
+            <a:ext cx="2209800" cy="2057400"/>
+          </a:xfrm>
+          <a:prstGeom prst="rect">
+            <a:avLst/>
+          </a:prstGeom>
+          <a:noFill/>
+          <a:ln>
+            <a:prstDash val="sysDot"/>
+          </a:ln>
+        </p:spPr>
+        <p:style>
+          <a:lnRef idx="2">
+            <a:schemeClr val="accent1">
+              <a:shade val="50000"/>
+            </a:schemeClr>
+          </a:lnRef>
+          <a:fillRef idx="1">
+            <a:schemeClr val="accent1"/>
+          </a:fillRef>
+          <a:effectRef idx="0">
+            <a:schemeClr val="accent1"/>
+          </a:effectRef>
+          <a:fontRef idx="minor">
+            <a:schemeClr val="lt1"/>
+          </a:fontRef>
+        </p:style>
+        <p:txBody>
+          <a:bodyPr rtlCol="0" anchor="ctr"/>
+          <a:lstStyle/>
+          <a:p>
+            <a:pPr algn="ctr"/>
+            <a:endParaRPr lang="en-US"/>
+          </a:p>
+        </p:txBody>
+      </p:sp>
+      <p:cxnSp>
+        <p:nvCxnSpPr>
+          <p:cNvPr id="42" name="Straight Arrow Connector 41"/>
+          <p:cNvCxnSpPr/>
+          <p:nvPr/>
+        </p:nvCxnSpPr>
+        <p:spPr>
+          <a:xfrm flipH="1">
+            <a:off x="2057400" y="2628900"/>
+            <a:ext cx="1905000" cy="533400"/>
+          </a:xfrm>
+          <a:prstGeom prst="straightConnector1">
+            <a:avLst/>
+          </a:prstGeom>
+          <a:ln>
+            <a:tailEnd type="arrow"/>
+          </a:ln>
+        </p:spPr>
+        <p:style>
+          <a:lnRef idx="1">
+            <a:schemeClr val="accent1"/>
+          </a:lnRef>
+          <a:fillRef idx="0">
+            <a:schemeClr val="accent1"/>
+          </a:fillRef>
+          <a:effectRef idx="0">
+            <a:schemeClr val="accent1"/>
+          </a:effectRef>
+          <a:fontRef idx="minor">
+            <a:schemeClr val="tx1"/>
+          </a:fontRef>
+        </p:style>
+      </p:cxnSp>
+      <p:sp>
+        <p:nvSpPr>
+          <p:cNvPr id="43" name="TextBox 42"/>
+          <p:cNvSpPr txBox="1"/>
+          <p:nvPr/>
+        </p:nvSpPr>
+        <p:spPr>
+          <a:xfrm>
+            <a:off x="662748" y="3021568"/>
+            <a:ext cx="1470852" cy="369332"/>
+          </a:xfrm>
+          <a:prstGeom prst="rect">
+            <a:avLst/>
+          </a:prstGeom>
+          <a:noFill/>
+        </p:spPr>
+        <p:txBody>
+          <a:bodyPr wrap="none" rtlCol="0">
+            <a:spAutoFit/>
+          </a:bodyPr>
+          <a:lstStyle/>
+          <a:p>
+            <a:r>
+              <a:rPr lang="en-US" dirty="0" smtClean="0"/>
+              <a:t>Control-plane</a:t>
+            </a:r>
+            <a:endParaRPr lang="en-US" dirty="0"/>
+          </a:p>
+        </p:txBody>
+      </p:sp>
+      <p:cxnSp>
+        <p:nvCxnSpPr>
+          <p:cNvPr id="45" name="Straight Arrow Connector 44"/>
+          <p:cNvCxnSpPr>
+            <a:stCxn id="37" idx="4"/>
+          </p:cNvCxnSpPr>
+          <p:nvPr/>
+        </p:nvCxnSpPr>
+        <p:spPr>
+          <a:xfrm flipV="1">
+            <a:off x="6934200" y="2095500"/>
+            <a:ext cx="609600" cy="457200"/>
+          </a:xfrm>
+          <a:prstGeom prst="straightConnector1">
+            <a:avLst/>
+          </a:prstGeom>
+          <a:ln>
+            <a:tailEnd type="arrow"/>
+          </a:ln>
+        </p:spPr>
+        <p:style>
+          <a:lnRef idx="1">
+            <a:schemeClr val="accent1"/>
+          </a:lnRef>
+          <a:fillRef idx="0">
+            <a:schemeClr val="accent1"/>
+          </a:fillRef>
+          <a:effectRef idx="0">
+            <a:schemeClr val="accent1"/>
+          </a:effectRef>
+          <a:fontRef idx="minor">
+            <a:schemeClr val="tx1"/>
+          </a:fontRef>
+        </p:style>
+      </p:cxnSp>
+      <p:sp>
+        <p:nvSpPr>
+          <p:cNvPr id="46" name="TextBox 45"/>
+          <p:cNvSpPr txBox="1"/>
+          <p:nvPr/>
+        </p:nvSpPr>
+        <p:spPr>
+          <a:xfrm>
+            <a:off x="7620000" y="1866900"/>
+            <a:ext cx="1213666" cy="369332"/>
+          </a:xfrm>
+          <a:prstGeom prst="rect">
+            <a:avLst/>
+          </a:prstGeom>
+          <a:noFill/>
+        </p:spPr>
+        <p:txBody>
+          <a:bodyPr wrap="none" rtlCol="0">
+            <a:spAutoFit/>
+          </a:bodyPr>
+          <a:lstStyle/>
+          <a:p>
+            <a:r>
+              <a:rPr lang="en-US" dirty="0" smtClean="0"/>
+              <a:t>data-plane</a:t>
+            </a:r>
+            <a:endParaRPr lang="en-US" dirty="0"/>
+          </a:p>
+        </p:txBody>
+      </p:sp>
+      <p:sp>
+        <p:nvSpPr>
+          <p:cNvPr id="52" name="Cloud 51"/>
+          <p:cNvSpPr/>
+          <p:nvPr/>
+        </p:nvSpPr>
+        <p:spPr>
+          <a:xfrm>
+            <a:off x="1371600" y="4152900"/>
+            <a:ext cx="2743200" cy="1143000"/>
+          </a:xfrm>
+          <a:prstGeom prst="cloud">
+            <a:avLst/>
+          </a:prstGeom>
+        </p:spPr>
+        <p:style>
+          <a:lnRef idx="2">
+            <a:schemeClr val="accent1">
+              <a:shade val="50000"/>
+            </a:schemeClr>
+          </a:lnRef>
+          <a:fillRef idx="1">
+            <a:schemeClr val="accent1"/>
+          </a:fillRef>
+          <a:effectRef idx="0">
+            <a:schemeClr val="accent1"/>
+          </a:effectRef>
+          <a:fontRef idx="minor">
+            <a:schemeClr val="lt1"/>
+          </a:fontRef>
+        </p:style>
+        <p:txBody>
+          <a:bodyPr rtlCol="0" anchor="ctr"/>
+          <a:lstStyle/>
+          <a:p>
+            <a:pPr algn="ctr"/>
+            <a:r>
+              <a:rPr lang="en-US" dirty="0" smtClean="0"/>
+              <a:t>Hub.docker.com</a:t>
+            </a:r>
+          </a:p>
+          <a:p>
+            <a:pPr algn="ctr"/>
+            <a:r>
+              <a:rPr lang="en-US" dirty="0" err="1" smtClean="0"/>
+              <a:t>nginx:alpine</a:t>
+            </a:r>
+            <a:endParaRPr lang="en-US" dirty="0" smtClean="0"/>
+          </a:p>
+          <a:p>
+            <a:pPr algn="ctr"/>
+            <a:endParaRPr lang="en-US" dirty="0"/>
+          </a:p>
+        </p:txBody>
+      </p:sp>
+      <p:sp>
+        <p:nvSpPr>
+          <p:cNvPr id="53" name="TextBox 52"/>
+          <p:cNvSpPr txBox="1"/>
+          <p:nvPr/>
+        </p:nvSpPr>
+        <p:spPr>
+          <a:xfrm>
+            <a:off x="3200400" y="1943100"/>
+            <a:ext cx="301686" cy="369332"/>
+          </a:xfrm>
+          <a:prstGeom prst="rect">
+            <a:avLst/>
+          </a:prstGeom>
+          <a:noFill/>
+        </p:spPr>
+        <p:txBody>
+          <a:bodyPr wrap="none" rtlCol="0">
+            <a:spAutoFit/>
+          </a:bodyPr>
+          <a:lstStyle/>
+          <a:p>
+            <a:r>
+              <a:rPr lang="en-US" dirty="0" smtClean="0"/>
+              <a:t>1</a:t>
+            </a:r>
+            <a:endParaRPr lang="en-US" dirty="0"/>
+          </a:p>
+        </p:txBody>
+      </p:sp>
+      <p:sp>
+        <p:nvSpPr>
+          <p:cNvPr id="56" name="TextBox 55"/>
+          <p:cNvSpPr txBox="1"/>
+          <p:nvPr/>
+        </p:nvSpPr>
+        <p:spPr>
+          <a:xfrm>
+            <a:off x="5032314" y="1257300"/>
+            <a:ext cx="301686" cy="369332"/>
+          </a:xfrm>
+          <a:prstGeom prst="rect">
+            <a:avLst/>
+          </a:prstGeom>
+          <a:noFill/>
+        </p:spPr>
+        <p:txBody>
+          <a:bodyPr wrap="none" rtlCol="0">
+            <a:spAutoFit/>
+          </a:bodyPr>
+          <a:lstStyle/>
+          <a:p>
+            <a:r>
+              <a:rPr lang="en-US" dirty="0" smtClean="0"/>
+              <a:t>2</a:t>
+            </a:r>
+            <a:endParaRPr lang="en-US" dirty="0"/>
+          </a:p>
+        </p:txBody>
+      </p:sp>
+      <p:cxnSp>
+        <p:nvCxnSpPr>
+          <p:cNvPr id="58" name="Straight Arrow Connector 57"/>
+          <p:cNvCxnSpPr>
+            <a:stCxn id="11" idx="2"/>
+            <a:endCxn id="4" idx="0"/>
+          </p:cNvCxnSpPr>
+          <p:nvPr/>
+        </p:nvCxnSpPr>
+        <p:spPr>
+          <a:xfrm>
+            <a:off x="7556487" y="3836432"/>
+            <a:ext cx="35299" cy="1090136"/>
+          </a:xfrm>
+          <a:prstGeom prst="straightConnector1">
+            <a:avLst/>
+          </a:prstGeom>
+          <a:ln>
+            <a:tailEnd type="arrow"/>
+          </a:ln>
+        </p:spPr>
+        <p:style>
+          <a:lnRef idx="1">
+            <a:schemeClr val="accent1"/>
+          </a:lnRef>
+          <a:fillRef idx="0">
+            <a:schemeClr val="accent1"/>
+          </a:fillRef>
+          <a:effectRef idx="0">
+            <a:schemeClr val="accent1"/>
+          </a:effectRef>
+          <a:fontRef idx="minor">
+            <a:schemeClr val="tx1"/>
+          </a:fontRef>
+        </p:style>
+      </p:cxnSp>
+      <p:cxnSp>
+        <p:nvCxnSpPr>
+          <p:cNvPr id="60" name="Straight Arrow Connector 59"/>
+          <p:cNvCxnSpPr>
+            <a:stCxn id="4" idx="1"/>
+            <a:endCxn id="52" idx="0"/>
+          </p:cNvCxnSpPr>
+          <p:nvPr/>
+        </p:nvCxnSpPr>
+        <p:spPr>
+          <a:xfrm flipH="1" flipV="1">
+            <a:off x="4112514" y="4724400"/>
+            <a:ext cx="3070057" cy="386834"/>
+          </a:xfrm>
+          <a:prstGeom prst="straightConnector1">
+            <a:avLst/>
+          </a:prstGeom>
+          <a:ln>
+            <a:tailEnd type="arrow"/>
+          </a:ln>
+        </p:spPr>
+        <p:style>
+          <a:lnRef idx="1">
+            <a:schemeClr val="accent1"/>
+          </a:lnRef>
+          <a:fillRef idx="0">
+            <a:schemeClr val="accent1"/>
+          </a:fillRef>
+          <a:effectRef idx="0">
+            <a:schemeClr val="accent1"/>
+          </a:effectRef>
+          <a:fontRef idx="minor">
+            <a:schemeClr val="tx1"/>
+          </a:fontRef>
+        </p:style>
+      </p:cxnSp>
+      <p:cxnSp>
+        <p:nvCxnSpPr>
+          <p:cNvPr id="62" name="Straight Arrow Connector 61"/>
+          <p:cNvCxnSpPr>
+            <a:endCxn id="63" idx="1"/>
+          </p:cNvCxnSpPr>
+          <p:nvPr/>
+        </p:nvCxnSpPr>
+        <p:spPr>
+          <a:xfrm flipV="1">
+            <a:off x="4038600" y="3962400"/>
+            <a:ext cx="1676400" cy="495300"/>
+          </a:xfrm>
+          <a:prstGeom prst="straightConnector1">
+            <a:avLst/>
+          </a:prstGeom>
+          <a:ln>
+            <a:tailEnd type="arrow"/>
+          </a:ln>
+        </p:spPr>
+        <p:style>
+          <a:lnRef idx="1">
+            <a:schemeClr val="accent1"/>
+          </a:lnRef>
+          <a:fillRef idx="0">
+            <a:schemeClr val="accent1"/>
+          </a:fillRef>
+          <a:effectRef idx="0">
+            <a:schemeClr val="accent1"/>
+          </a:effectRef>
+          <a:fontRef idx="minor">
+            <a:schemeClr val="tx1"/>
+          </a:fontRef>
+        </p:style>
+      </p:cxnSp>
+      <p:sp>
+        <p:nvSpPr>
+          <p:cNvPr id="63" name="Rectangle 62"/>
+          <p:cNvSpPr/>
+          <p:nvPr/>
+        </p:nvSpPr>
+        <p:spPr>
+          <a:xfrm>
+            <a:off x="5715000" y="3771900"/>
+            <a:ext cx="762000" cy="381000"/>
+          </a:xfrm>
+          <a:prstGeom prst="rect">
+            <a:avLst/>
+          </a:prstGeom>
+        </p:spPr>
+        <p:style>
+          <a:lnRef idx="2">
+            <a:schemeClr val="accent1">
+              <a:shade val="50000"/>
+            </a:schemeClr>
+          </a:lnRef>
+          <a:fillRef idx="1">
+            <a:schemeClr val="accent1"/>
+          </a:fillRef>
+          <a:effectRef idx="0">
+            <a:schemeClr val="accent1"/>
+          </a:effectRef>
+          <a:fontRef idx="minor">
+            <a:schemeClr val="lt1"/>
+          </a:fontRef>
+        </p:style>
+        <p:txBody>
+          <a:bodyPr rtlCol="0" anchor="ctr"/>
+          <a:lstStyle/>
+          <a:p>
+            <a:pPr algn="ctr"/>
+            <a:r>
+              <a:rPr lang="en-US" sz="1200" dirty="0" err="1" smtClean="0"/>
+              <a:t>Nginx:lapine</a:t>
+            </a:r>
+            <a:endParaRPr lang="en-US" sz="1200" dirty="0"/>
+          </a:p>
+        </p:txBody>
+      </p:sp>
+      <p:cxnSp>
+        <p:nvCxnSpPr>
+          <p:cNvPr id="66" name="Straight Arrow Connector 65"/>
+          <p:cNvCxnSpPr/>
+          <p:nvPr/>
+        </p:nvCxnSpPr>
+        <p:spPr>
+          <a:xfrm flipH="1" flipV="1">
+            <a:off x="6477000" y="4686300"/>
+            <a:ext cx="838200" cy="381000"/>
+          </a:xfrm>
+          <a:prstGeom prst="straightConnector1">
+            <a:avLst/>
+          </a:prstGeom>
+          <a:ln>
+            <a:tailEnd type="arrow"/>
+          </a:ln>
+        </p:spPr>
+        <p:style>
+          <a:lnRef idx="1">
+            <a:schemeClr val="accent1"/>
+          </a:lnRef>
+          <a:fillRef idx="0">
+            <a:schemeClr val="accent1"/>
+          </a:fillRef>
+          <a:effectRef idx="0">
+            <a:schemeClr val="accent1"/>
+          </a:effectRef>
+          <a:fontRef idx="minor">
+            <a:schemeClr val="tx1"/>
+          </a:fontRef>
+        </p:style>
+      </p:cxnSp>
+      <p:sp>
+        <p:nvSpPr>
+          <p:cNvPr id="67" name="Oval 66"/>
+          <p:cNvSpPr/>
+          <p:nvPr/>
+        </p:nvSpPr>
+        <p:spPr>
+          <a:xfrm>
+            <a:off x="5943600" y="4457700"/>
+            <a:ext cx="685800" cy="228600"/>
+          </a:xfrm>
+          <a:prstGeom prst="ellipse">
+            <a:avLst/>
+          </a:prstGeom>
+        </p:spPr>
+        <p:style>
+          <a:lnRef idx="2">
+            <a:schemeClr val="accent1">
+              <a:shade val="50000"/>
+            </a:schemeClr>
+          </a:lnRef>
+          <a:fillRef idx="1">
+            <a:schemeClr val="accent1"/>
+          </a:fillRef>
+          <a:effectRef idx="0">
+            <a:schemeClr val="accent1"/>
+          </a:effectRef>
+          <a:fontRef idx="minor">
+            <a:schemeClr val="lt1"/>
+          </a:fontRef>
+        </p:style>
+        <p:txBody>
+          <a:bodyPr rtlCol="0" anchor="ctr"/>
+          <a:lstStyle/>
+          <a:p>
+            <a:pPr algn="ctr"/>
+            <a:r>
+              <a:rPr lang="en-US" sz="1400" dirty="0" smtClean="0"/>
+              <a:t>pod</a:t>
+            </a:r>
+            <a:endParaRPr lang="en-US" dirty="0"/>
+          </a:p>
+        </p:txBody>
+      </p:sp>
+      <p:cxnSp>
+        <p:nvCxnSpPr>
+          <p:cNvPr id="69" name="Straight Arrow Connector 68"/>
+          <p:cNvCxnSpPr>
+            <a:stCxn id="67" idx="7"/>
+          </p:cNvCxnSpPr>
+          <p:nvPr/>
+        </p:nvCxnSpPr>
+        <p:spPr>
+          <a:xfrm>
+            <a:off x="6528967" y="4491178"/>
+            <a:ext cx="862433" cy="499922"/>
+          </a:xfrm>
+          <a:prstGeom prst="straightConnector1">
+            <a:avLst/>
+          </a:prstGeom>
+          <a:ln>
+            <a:tailEnd type="arrow"/>
+          </a:ln>
+        </p:spPr>
+        <p:style>
+          <a:lnRef idx="1">
+            <a:schemeClr val="accent1"/>
+          </a:lnRef>
+          <a:fillRef idx="0">
+            <a:schemeClr val="accent1"/>
+          </a:fillRef>
+          <a:effectRef idx="0">
+            <a:schemeClr val="accent1"/>
+          </a:effectRef>
+          <a:fontRef idx="minor">
+            <a:schemeClr val="tx1"/>
+          </a:fontRef>
+        </p:style>
+      </p:cxnSp>
+      <p:cxnSp>
+        <p:nvCxnSpPr>
+          <p:cNvPr id="71" name="Straight Arrow Connector 70"/>
+          <p:cNvCxnSpPr>
+            <a:stCxn id="4" idx="0"/>
+          </p:cNvCxnSpPr>
+          <p:nvPr/>
+        </p:nvCxnSpPr>
+        <p:spPr>
+          <a:xfrm flipH="1" flipV="1">
+            <a:off x="7086600" y="4305300"/>
+            <a:ext cx="505186" cy="621268"/>
+          </a:xfrm>
+          <a:prstGeom prst="straightConnector1">
+            <a:avLst/>
+          </a:prstGeom>
+          <a:ln>
+            <a:tailEnd type="arrow"/>
+          </a:ln>
+        </p:spPr>
+        <p:style>
+          <a:lnRef idx="1">
+            <a:schemeClr val="accent1"/>
+          </a:lnRef>
+          <a:fillRef idx="0">
+            <a:schemeClr val="accent1"/>
+          </a:fillRef>
+          <a:effectRef idx="0">
+            <a:schemeClr val="accent1"/>
+          </a:effectRef>
+          <a:fontRef idx="minor">
+            <a:schemeClr val="tx1"/>
+          </a:fontRef>
+        </p:style>
+      </p:cxnSp>
+      <p:sp>
+        <p:nvSpPr>
+          <p:cNvPr id="72" name="Oval 71"/>
+          <p:cNvSpPr/>
+          <p:nvPr/>
+        </p:nvSpPr>
+        <p:spPr>
+          <a:xfrm>
+            <a:off x="6705600" y="4076700"/>
+            <a:ext cx="685800" cy="228600"/>
+          </a:xfrm>
+          <a:prstGeom prst="ellipse">
+            <a:avLst/>
+          </a:prstGeom>
+        </p:spPr>
+        <p:style>
+          <a:lnRef idx="2">
+            <a:schemeClr val="accent1">
+              <a:shade val="50000"/>
+            </a:schemeClr>
+          </a:lnRef>
+          <a:fillRef idx="1">
+            <a:schemeClr val="accent1"/>
+          </a:fillRef>
+          <a:effectRef idx="0">
+            <a:schemeClr val="accent1"/>
+          </a:effectRef>
+          <a:fontRef idx="minor">
+            <a:schemeClr val="lt1"/>
+          </a:fontRef>
+        </p:style>
+        <p:txBody>
+          <a:bodyPr rtlCol="0" anchor="ctr"/>
+          <a:lstStyle/>
+          <a:p>
+            <a:pPr algn="ctr"/>
+            <a:r>
+              <a:rPr lang="en-US" sz="1050" dirty="0" err="1" smtClean="0"/>
+              <a:t>nginx</a:t>
+            </a:r>
+            <a:endParaRPr lang="en-US" dirty="0"/>
+          </a:p>
+        </p:txBody>
+      </p:sp>
+      <p:sp>
+        <p:nvSpPr>
+          <p:cNvPr id="73" name="Rectangle 72"/>
+          <p:cNvSpPr/>
+          <p:nvPr/>
+        </p:nvSpPr>
+        <p:spPr>
+          <a:xfrm>
+            <a:off x="5777141" y="4610100"/>
+            <a:ext cx="928459" cy="276999"/>
+          </a:xfrm>
+          <a:prstGeom prst="rect">
+            <a:avLst/>
+          </a:prstGeom>
+        </p:spPr>
+        <p:txBody>
+          <a:bodyPr wrap="none">
+            <a:spAutoFit/>
+          </a:bodyPr>
+          <a:lstStyle/>
+          <a:p>
+            <a:r>
+              <a:rPr lang="en-US" sz="1200" dirty="0" smtClean="0"/>
+              <a:t>192.168.2.4</a:t>
+            </a:r>
+            <a:endParaRPr lang="en-US" sz="1200" dirty="0"/>
+          </a:p>
+        </p:txBody>
+      </p:sp>
+      <p:sp>
+        <p:nvSpPr>
+          <p:cNvPr id="74" name="TextBox 73"/>
+          <p:cNvSpPr txBox="1"/>
+          <p:nvPr/>
+        </p:nvSpPr>
+        <p:spPr>
+          <a:xfrm>
+            <a:off x="5029200" y="2183368"/>
+            <a:ext cx="301686" cy="369332"/>
+          </a:xfrm>
+          <a:prstGeom prst="rect">
+            <a:avLst/>
+          </a:prstGeom>
+          <a:noFill/>
+        </p:spPr>
+        <p:txBody>
+          <a:bodyPr wrap="none" rtlCol="0">
+            <a:spAutoFit/>
+          </a:bodyPr>
+          <a:lstStyle/>
+          <a:p>
+            <a:r>
+              <a:rPr lang="en-US" dirty="0" smtClean="0"/>
+              <a:t>3</a:t>
+            </a:r>
+            <a:endParaRPr lang="en-US" dirty="0"/>
+          </a:p>
+        </p:txBody>
+      </p:sp>
+      <p:sp>
+        <p:nvSpPr>
+          <p:cNvPr id="75" name="TextBox 74"/>
+          <p:cNvSpPr txBox="1"/>
+          <p:nvPr/>
+        </p:nvSpPr>
+        <p:spPr>
+          <a:xfrm>
+            <a:off x="6175314" y="1866900"/>
+            <a:ext cx="301686" cy="369332"/>
+          </a:xfrm>
+          <a:prstGeom prst="rect">
+            <a:avLst/>
+          </a:prstGeom>
+          <a:noFill/>
+        </p:spPr>
+        <p:txBody>
+          <a:bodyPr wrap="none" rtlCol="0">
+            <a:spAutoFit/>
+          </a:bodyPr>
+          <a:lstStyle/>
+          <a:p>
+            <a:r>
+              <a:rPr lang="en-US" dirty="0" smtClean="0"/>
+              <a:t>3</a:t>
+            </a:r>
+            <a:endParaRPr lang="en-US" dirty="0"/>
+          </a:p>
+        </p:txBody>
+      </p:sp>
+      <p:sp>
+        <p:nvSpPr>
+          <p:cNvPr id="76" name="TextBox 75"/>
+          <p:cNvSpPr txBox="1"/>
+          <p:nvPr/>
+        </p:nvSpPr>
+        <p:spPr>
+          <a:xfrm>
+            <a:off x="6553200" y="3097768"/>
+            <a:ext cx="301686" cy="369332"/>
+          </a:xfrm>
+          <a:prstGeom prst="rect">
+            <a:avLst/>
+          </a:prstGeom>
+          <a:noFill/>
+        </p:spPr>
+        <p:txBody>
+          <a:bodyPr wrap="none" rtlCol="0">
+            <a:spAutoFit/>
+          </a:bodyPr>
+          <a:lstStyle/>
+          <a:p>
+            <a:r>
+              <a:rPr lang="en-US" dirty="0" smtClean="0"/>
+              <a:t>4</a:t>
+            </a:r>
+            <a:endParaRPr lang="en-US" dirty="0"/>
+          </a:p>
+        </p:txBody>
+      </p:sp>
+      <p:sp>
+        <p:nvSpPr>
+          <p:cNvPr id="77" name="TextBox 76"/>
+          <p:cNvSpPr txBox="1"/>
+          <p:nvPr/>
+        </p:nvSpPr>
+        <p:spPr>
+          <a:xfrm>
+            <a:off x="7467600" y="4012168"/>
+            <a:ext cx="301686" cy="369332"/>
+          </a:xfrm>
+          <a:prstGeom prst="rect">
+            <a:avLst/>
+          </a:prstGeom>
+          <a:noFill/>
+        </p:spPr>
+        <p:txBody>
+          <a:bodyPr wrap="none" rtlCol="0">
+            <a:spAutoFit/>
+          </a:bodyPr>
+          <a:lstStyle/>
+          <a:p>
+            <a:r>
+              <a:rPr lang="en-US" dirty="0" smtClean="0"/>
+              <a:t>5</a:t>
+            </a:r>
+            <a:endParaRPr lang="en-US" dirty="0"/>
+          </a:p>
+        </p:txBody>
+      </p:sp>
+      <p:sp>
+        <p:nvSpPr>
+          <p:cNvPr id="78" name="TextBox 77"/>
+          <p:cNvSpPr txBox="1"/>
+          <p:nvPr/>
+        </p:nvSpPr>
+        <p:spPr>
+          <a:xfrm>
+            <a:off x="6553200" y="4610100"/>
+            <a:ext cx="301686" cy="369332"/>
+          </a:xfrm>
+          <a:prstGeom prst="rect">
+            <a:avLst/>
+          </a:prstGeom>
+          <a:noFill/>
+        </p:spPr>
+        <p:txBody>
+          <a:bodyPr wrap="none" rtlCol="0">
+            <a:spAutoFit/>
+          </a:bodyPr>
+          <a:lstStyle/>
+          <a:p>
+            <a:r>
+              <a:rPr lang="en-US" dirty="0" smtClean="0"/>
+              <a:t>6</a:t>
+            </a:r>
+            <a:endParaRPr lang="en-US" dirty="0"/>
+          </a:p>
+        </p:txBody>
+      </p:sp>
+      <p:sp>
+        <p:nvSpPr>
+          <p:cNvPr id="79" name="TextBox 78"/>
+          <p:cNvSpPr txBox="1"/>
+          <p:nvPr/>
+        </p:nvSpPr>
+        <p:spPr>
+          <a:xfrm>
+            <a:off x="6934200" y="4610100"/>
+            <a:ext cx="301686" cy="369332"/>
+          </a:xfrm>
+          <a:prstGeom prst="rect">
+            <a:avLst/>
+          </a:prstGeom>
+          <a:noFill/>
+        </p:spPr>
+        <p:txBody>
+          <a:bodyPr wrap="none" rtlCol="0">
+            <a:spAutoFit/>
+          </a:bodyPr>
+          <a:lstStyle/>
+          <a:p>
+            <a:r>
+              <a:rPr lang="en-US" dirty="0" smtClean="0"/>
+              <a:t>7</a:t>
+            </a:r>
+            <a:endParaRPr lang="en-US" dirty="0"/>
+          </a:p>
+        </p:txBody>
+      </p:sp>
+      <p:sp>
+        <p:nvSpPr>
+          <p:cNvPr id="80" name="TextBox 79"/>
+          <p:cNvSpPr txBox="1"/>
+          <p:nvPr/>
+        </p:nvSpPr>
+        <p:spPr>
+          <a:xfrm>
+            <a:off x="5105400" y="4686300"/>
+            <a:ext cx="301686" cy="369332"/>
+          </a:xfrm>
+          <a:prstGeom prst="rect">
+            <a:avLst/>
+          </a:prstGeom>
+          <a:noFill/>
+        </p:spPr>
+        <p:txBody>
+          <a:bodyPr wrap="none" rtlCol="0">
+            <a:spAutoFit/>
+          </a:bodyPr>
+          <a:lstStyle/>
+          <a:p>
+            <a:r>
+              <a:rPr lang="en-US" dirty="0" smtClean="0"/>
+              <a:t>8</a:t>
+            </a:r>
+            <a:endParaRPr lang="en-US" dirty="0"/>
+          </a:p>
+        </p:txBody>
+      </p:sp>
+      <p:sp>
+        <p:nvSpPr>
+          <p:cNvPr id="81" name="TextBox 80"/>
+          <p:cNvSpPr txBox="1"/>
+          <p:nvPr/>
+        </p:nvSpPr>
+        <p:spPr>
+          <a:xfrm>
+            <a:off x="5105400" y="3924300"/>
+            <a:ext cx="301686" cy="369332"/>
+          </a:xfrm>
+          <a:prstGeom prst="rect">
+            <a:avLst/>
+          </a:prstGeom>
+          <a:noFill/>
+        </p:spPr>
+        <p:txBody>
+          <a:bodyPr wrap="none" rtlCol="0">
+            <a:spAutoFit/>
+          </a:bodyPr>
+          <a:lstStyle/>
+          <a:p>
+            <a:r>
+              <a:rPr lang="en-US" dirty="0" smtClean="0"/>
+              <a:t>9</a:t>
+            </a:r>
+            <a:endParaRPr lang="en-US" dirty="0"/>
+          </a:p>
+        </p:txBody>
+      </p:sp>
+      <p:sp>
+        <p:nvSpPr>
+          <p:cNvPr id="82" name="TextBox 81"/>
+          <p:cNvSpPr txBox="1"/>
+          <p:nvPr/>
+        </p:nvSpPr>
+        <p:spPr>
+          <a:xfrm>
+            <a:off x="7010400" y="4305300"/>
+            <a:ext cx="367408" cy="307777"/>
+          </a:xfrm>
+          <a:prstGeom prst="rect">
+            <a:avLst/>
+          </a:prstGeom>
+          <a:noFill/>
+        </p:spPr>
+        <p:txBody>
+          <a:bodyPr wrap="none" rtlCol="0">
+            <a:spAutoFit/>
+          </a:bodyPr>
+          <a:lstStyle/>
+          <a:p>
+            <a:r>
+              <a:rPr lang="en-US" sz="1400" dirty="0" smtClean="0"/>
+              <a:t>10</a:t>
             </a:r>
             <a:endParaRPr lang="en-US" dirty="0"/>
           </a:p>
@@ -10016,6 +12259,2469 @@
       </p:par>
     </p:tnLst>
   </p:timing>
+</p:sld>
+</file>
+
+<file path=ppt/slides/slide20.xml><?xml version="1.0" encoding="utf-8"?>
+<p:sld xmlns:a="http://schemas.openxmlformats.org/drawingml/2006/main" xmlns:r="http://schemas.openxmlformats.org/officeDocument/2006/relationships" xmlns:p="http://schemas.openxmlformats.org/presentationml/2006/main">
+  <p:cSld>
+    <p:spTree>
+      <p:nvGrpSpPr>
+        <p:cNvPr id="1" name=""/>
+        <p:cNvGrpSpPr/>
+        <p:nvPr/>
+      </p:nvGrpSpPr>
+      <p:grpSpPr>
+        <a:xfrm>
+          <a:off x="0" y="0"/>
+          <a:ext cx="0" cy="0"/>
+          <a:chOff x="0" y="0"/>
+          <a:chExt cx="0" cy="0"/>
+        </a:xfrm>
+      </p:grpSpPr>
+      <p:sp>
+        <p:nvSpPr>
+          <p:cNvPr id="2" name="Rectangle 1"/>
+          <p:cNvSpPr/>
+          <p:nvPr/>
+        </p:nvSpPr>
+        <p:spPr>
+          <a:xfrm>
+            <a:off x="2514600" y="342900"/>
+            <a:ext cx="6096000" cy="2133600"/>
+          </a:xfrm>
+          <a:prstGeom prst="rect">
+            <a:avLst/>
+          </a:prstGeom>
+          <a:noFill/>
+        </p:spPr>
+        <p:style>
+          <a:lnRef idx="2">
+            <a:schemeClr val="accent1">
+              <a:shade val="50000"/>
+            </a:schemeClr>
+          </a:lnRef>
+          <a:fillRef idx="1">
+            <a:schemeClr val="accent1"/>
+          </a:fillRef>
+          <a:effectRef idx="0">
+            <a:schemeClr val="accent1"/>
+          </a:effectRef>
+          <a:fontRef idx="minor">
+            <a:schemeClr val="lt1"/>
+          </a:fontRef>
+        </p:style>
+        <p:txBody>
+          <a:bodyPr rtlCol="0" anchor="ctr"/>
+          <a:lstStyle/>
+          <a:p>
+            <a:pPr algn="ctr"/>
+            <a:endParaRPr lang="en-US"/>
+          </a:p>
+        </p:txBody>
+      </p:sp>
+      <p:sp>
+        <p:nvSpPr>
+          <p:cNvPr id="4" name="TextBox 3"/>
+          <p:cNvSpPr txBox="1"/>
+          <p:nvPr/>
+        </p:nvSpPr>
+        <p:spPr>
+          <a:xfrm>
+            <a:off x="2514600" y="38100"/>
+            <a:ext cx="1657826" cy="276999"/>
+          </a:xfrm>
+          <a:prstGeom prst="rect">
+            <a:avLst/>
+          </a:prstGeom>
+          <a:noFill/>
+        </p:spPr>
+        <p:txBody>
+          <a:bodyPr wrap="none" rtlCol="0">
+            <a:spAutoFit/>
+          </a:bodyPr>
+          <a:lstStyle/>
+          <a:p>
+            <a:r>
+              <a:rPr lang="en-US" sz="1200" dirty="0" smtClean="0"/>
+              <a:t>Node1: 192.168.99.100</a:t>
+            </a:r>
+            <a:endParaRPr lang="en-US" dirty="0"/>
+          </a:p>
+        </p:txBody>
+      </p:sp>
+      <p:sp>
+        <p:nvSpPr>
+          <p:cNvPr id="5" name="TextBox 4"/>
+          <p:cNvSpPr txBox="1"/>
+          <p:nvPr/>
+        </p:nvSpPr>
+        <p:spPr>
+          <a:xfrm>
+            <a:off x="7467600" y="342900"/>
+            <a:ext cx="1151213" cy="276999"/>
+          </a:xfrm>
+          <a:prstGeom prst="rect">
+            <a:avLst/>
+          </a:prstGeom>
+          <a:noFill/>
+        </p:spPr>
+        <p:txBody>
+          <a:bodyPr wrap="none" rtlCol="0">
+            <a:spAutoFit/>
+          </a:bodyPr>
+          <a:lstStyle/>
+          <a:p>
+            <a:r>
+              <a:rPr lang="en-US" sz="1200" dirty="0" err="1" smtClean="0"/>
+              <a:t>Docker</a:t>
+            </a:r>
+            <a:r>
+              <a:rPr lang="en-US" sz="1200" dirty="0" smtClean="0"/>
+              <a:t>, </a:t>
+            </a:r>
+            <a:r>
+              <a:rPr lang="en-US" sz="1200" dirty="0" err="1" smtClean="0"/>
+              <a:t>kubelet</a:t>
+            </a:r>
+            <a:endParaRPr lang="en-US" dirty="0"/>
+          </a:p>
+        </p:txBody>
+      </p:sp>
+      <p:sp>
+        <p:nvSpPr>
+          <p:cNvPr id="6" name="Rectangle 5"/>
+          <p:cNvSpPr/>
+          <p:nvPr/>
+        </p:nvSpPr>
+        <p:spPr>
+          <a:xfrm>
+            <a:off x="2582587" y="3162300"/>
+            <a:ext cx="6096000" cy="2133600"/>
+          </a:xfrm>
+          <a:prstGeom prst="rect">
+            <a:avLst/>
+          </a:prstGeom>
+          <a:noFill/>
+        </p:spPr>
+        <p:style>
+          <a:lnRef idx="2">
+            <a:schemeClr val="accent1">
+              <a:shade val="50000"/>
+            </a:schemeClr>
+          </a:lnRef>
+          <a:fillRef idx="1">
+            <a:schemeClr val="accent1"/>
+          </a:fillRef>
+          <a:effectRef idx="0">
+            <a:schemeClr val="accent1"/>
+          </a:effectRef>
+          <a:fontRef idx="minor">
+            <a:schemeClr val="lt1"/>
+          </a:fontRef>
+        </p:style>
+        <p:txBody>
+          <a:bodyPr rtlCol="0" anchor="ctr"/>
+          <a:lstStyle/>
+          <a:p>
+            <a:pPr algn="ctr"/>
+            <a:endParaRPr lang="en-US"/>
+          </a:p>
+        </p:txBody>
+      </p:sp>
+      <p:sp>
+        <p:nvSpPr>
+          <p:cNvPr id="7" name="TextBox 6"/>
+          <p:cNvSpPr txBox="1"/>
+          <p:nvPr/>
+        </p:nvSpPr>
+        <p:spPr>
+          <a:xfrm>
+            <a:off x="2582587" y="2857500"/>
+            <a:ext cx="1657826" cy="276999"/>
+          </a:xfrm>
+          <a:prstGeom prst="rect">
+            <a:avLst/>
+          </a:prstGeom>
+          <a:noFill/>
+        </p:spPr>
+        <p:txBody>
+          <a:bodyPr wrap="none" rtlCol="0">
+            <a:spAutoFit/>
+          </a:bodyPr>
+          <a:lstStyle/>
+          <a:p>
+            <a:r>
+              <a:rPr lang="en-US" sz="1200" dirty="0" smtClean="0"/>
+              <a:t>Node2: 192.168.99.101</a:t>
+            </a:r>
+            <a:endParaRPr lang="en-US" dirty="0"/>
+          </a:p>
+        </p:txBody>
+      </p:sp>
+      <p:sp>
+        <p:nvSpPr>
+          <p:cNvPr id="8" name="TextBox 7"/>
+          <p:cNvSpPr txBox="1"/>
+          <p:nvPr/>
+        </p:nvSpPr>
+        <p:spPr>
+          <a:xfrm>
+            <a:off x="7535587" y="3162300"/>
+            <a:ext cx="1151213" cy="276999"/>
+          </a:xfrm>
+          <a:prstGeom prst="rect">
+            <a:avLst/>
+          </a:prstGeom>
+          <a:noFill/>
+        </p:spPr>
+        <p:txBody>
+          <a:bodyPr wrap="none" rtlCol="0">
+            <a:spAutoFit/>
+          </a:bodyPr>
+          <a:lstStyle/>
+          <a:p>
+            <a:r>
+              <a:rPr lang="en-US" sz="1200" dirty="0" err="1" smtClean="0"/>
+              <a:t>Docker</a:t>
+            </a:r>
+            <a:r>
+              <a:rPr lang="en-US" sz="1200" dirty="0" smtClean="0"/>
+              <a:t>, </a:t>
+            </a:r>
+            <a:r>
+              <a:rPr lang="en-US" sz="1200" dirty="0" err="1" smtClean="0"/>
+              <a:t>kubelet</a:t>
+            </a:r>
+            <a:endParaRPr lang="en-US" dirty="0"/>
+          </a:p>
+        </p:txBody>
+      </p:sp>
+      <p:sp>
+        <p:nvSpPr>
+          <p:cNvPr id="9" name="Rectangle 8"/>
+          <p:cNvSpPr/>
+          <p:nvPr/>
+        </p:nvSpPr>
+        <p:spPr>
+          <a:xfrm>
+            <a:off x="152400" y="1638300"/>
+            <a:ext cx="914400" cy="2209800"/>
+          </a:xfrm>
+          <a:prstGeom prst="rect">
+            <a:avLst/>
+          </a:prstGeom>
+        </p:spPr>
+        <p:style>
+          <a:lnRef idx="2">
+            <a:schemeClr val="accent1">
+              <a:shade val="50000"/>
+            </a:schemeClr>
+          </a:lnRef>
+          <a:fillRef idx="1">
+            <a:schemeClr val="accent1"/>
+          </a:fillRef>
+          <a:effectRef idx="0">
+            <a:schemeClr val="accent1"/>
+          </a:effectRef>
+          <a:fontRef idx="minor">
+            <a:schemeClr val="lt1"/>
+          </a:fontRef>
+        </p:style>
+        <p:txBody>
+          <a:bodyPr rtlCol="0" anchor="ctr"/>
+          <a:lstStyle/>
+          <a:p>
+            <a:pPr algn="ctr"/>
+            <a:r>
+              <a:rPr lang="en-US" dirty="0" smtClean="0"/>
+              <a:t>K8s master</a:t>
+            </a:r>
+            <a:endParaRPr lang="en-US" dirty="0"/>
+          </a:p>
+        </p:txBody>
+      </p:sp>
+      <p:sp>
+        <p:nvSpPr>
+          <p:cNvPr id="10" name="Oval 9"/>
+          <p:cNvSpPr/>
+          <p:nvPr/>
+        </p:nvSpPr>
+        <p:spPr>
+          <a:xfrm>
+            <a:off x="6096000" y="723900"/>
+            <a:ext cx="1143000" cy="457200"/>
+          </a:xfrm>
+          <a:prstGeom prst="ellipse">
+            <a:avLst/>
+          </a:prstGeom>
+        </p:spPr>
+        <p:style>
+          <a:lnRef idx="2">
+            <a:schemeClr val="accent1">
+              <a:shade val="50000"/>
+            </a:schemeClr>
+          </a:lnRef>
+          <a:fillRef idx="1">
+            <a:schemeClr val="accent1"/>
+          </a:fillRef>
+          <a:effectRef idx="0">
+            <a:schemeClr val="accent1"/>
+          </a:effectRef>
+          <a:fontRef idx="minor">
+            <a:schemeClr val="lt1"/>
+          </a:fontRef>
+        </p:style>
+        <p:txBody>
+          <a:bodyPr rtlCol="0" anchor="ctr"/>
+          <a:lstStyle/>
+          <a:p>
+            <a:pPr algn="ctr"/>
+            <a:r>
+              <a:rPr lang="en-US" sz="1400" dirty="0" smtClean="0"/>
+              <a:t>ghost</a:t>
+            </a:r>
+            <a:endParaRPr lang="en-US" dirty="0"/>
+          </a:p>
+        </p:txBody>
+      </p:sp>
+      <p:sp>
+        <p:nvSpPr>
+          <p:cNvPr id="11" name="Oval 10"/>
+          <p:cNvSpPr/>
+          <p:nvPr/>
+        </p:nvSpPr>
+        <p:spPr>
+          <a:xfrm>
+            <a:off x="5257800" y="3543300"/>
+            <a:ext cx="1143000" cy="457200"/>
+          </a:xfrm>
+          <a:prstGeom prst="ellipse">
+            <a:avLst/>
+          </a:prstGeom>
+        </p:spPr>
+        <p:style>
+          <a:lnRef idx="2">
+            <a:schemeClr val="accent1">
+              <a:shade val="50000"/>
+            </a:schemeClr>
+          </a:lnRef>
+          <a:fillRef idx="1">
+            <a:schemeClr val="accent1"/>
+          </a:fillRef>
+          <a:effectRef idx="0">
+            <a:schemeClr val="accent1"/>
+          </a:effectRef>
+          <a:fontRef idx="minor">
+            <a:schemeClr val="lt1"/>
+          </a:fontRef>
+        </p:style>
+        <p:txBody>
+          <a:bodyPr rtlCol="0" anchor="ctr"/>
+          <a:lstStyle/>
+          <a:p>
+            <a:pPr algn="ctr"/>
+            <a:r>
+              <a:rPr lang="en-US" sz="1400" dirty="0" smtClean="0"/>
+              <a:t>db</a:t>
+            </a:r>
+            <a:endParaRPr lang="en-US" dirty="0"/>
+          </a:p>
+        </p:txBody>
+      </p:sp>
+      <p:sp>
+        <p:nvSpPr>
+          <p:cNvPr id="12" name="TextBox 11"/>
+          <p:cNvSpPr txBox="1"/>
+          <p:nvPr/>
+        </p:nvSpPr>
+        <p:spPr>
+          <a:xfrm>
+            <a:off x="6248400" y="1181100"/>
+            <a:ext cx="1152880" cy="461665"/>
+          </a:xfrm>
+          <a:prstGeom prst="rect">
+            <a:avLst/>
+          </a:prstGeom>
+          <a:noFill/>
+        </p:spPr>
+        <p:txBody>
+          <a:bodyPr wrap="none" rtlCol="0">
+            <a:spAutoFit/>
+          </a:bodyPr>
+          <a:lstStyle/>
+          <a:p>
+            <a:r>
+              <a:rPr lang="en-US" sz="1200" dirty="0" smtClean="0"/>
+              <a:t>172.17.0.4</a:t>
+            </a:r>
+          </a:p>
+          <a:p>
+            <a:r>
+              <a:rPr lang="en-US" sz="1200" dirty="0" smtClean="0"/>
+              <a:t>ping 172.18.0.4</a:t>
+            </a:r>
+            <a:endParaRPr lang="en-US" dirty="0"/>
+          </a:p>
+        </p:txBody>
+      </p:sp>
+      <p:sp>
+        <p:nvSpPr>
+          <p:cNvPr id="13" name="TextBox 12"/>
+          <p:cNvSpPr txBox="1"/>
+          <p:nvPr/>
+        </p:nvSpPr>
+        <p:spPr>
+          <a:xfrm>
+            <a:off x="5410200" y="4000500"/>
+            <a:ext cx="849913" cy="276999"/>
+          </a:xfrm>
+          <a:prstGeom prst="rect">
+            <a:avLst/>
+          </a:prstGeom>
+          <a:noFill/>
+        </p:spPr>
+        <p:txBody>
+          <a:bodyPr wrap="none" rtlCol="0">
+            <a:spAutoFit/>
+          </a:bodyPr>
+          <a:lstStyle/>
+          <a:p>
+            <a:r>
+              <a:rPr lang="en-US" sz="1200" dirty="0" smtClean="0"/>
+              <a:t>172.18.0.4</a:t>
+            </a:r>
+            <a:endParaRPr lang="en-US" dirty="0"/>
+          </a:p>
+        </p:txBody>
+      </p:sp>
+      <p:sp>
+        <p:nvSpPr>
+          <p:cNvPr id="17" name="TextBox 16"/>
+          <p:cNvSpPr txBox="1"/>
+          <p:nvPr/>
+        </p:nvSpPr>
+        <p:spPr>
+          <a:xfrm>
+            <a:off x="2514600" y="1562100"/>
+            <a:ext cx="891654" cy="461665"/>
+          </a:xfrm>
+          <a:prstGeom prst="rect">
+            <a:avLst/>
+          </a:prstGeom>
+          <a:noFill/>
+        </p:spPr>
+        <p:txBody>
+          <a:bodyPr wrap="none" rtlCol="0">
+            <a:spAutoFit/>
+          </a:bodyPr>
+          <a:lstStyle/>
+          <a:p>
+            <a:r>
+              <a:rPr lang="en-US" sz="1200" dirty="0" smtClean="0"/>
+              <a:t>canal</a:t>
+            </a:r>
+          </a:p>
+          <a:p>
+            <a:r>
+              <a:rPr lang="en-US" sz="1200" dirty="0" err="1" smtClean="0"/>
+              <a:t>Kube</a:t>
+            </a:r>
+            <a:r>
+              <a:rPr lang="en-US" sz="1200" dirty="0" smtClean="0"/>
+              <a:t>-proxy</a:t>
+            </a:r>
+            <a:endParaRPr lang="en-US" dirty="0"/>
+          </a:p>
+        </p:txBody>
+      </p:sp>
+      <p:sp>
+        <p:nvSpPr>
+          <p:cNvPr id="18" name="TextBox 17"/>
+          <p:cNvSpPr txBox="1"/>
+          <p:nvPr/>
+        </p:nvSpPr>
+        <p:spPr>
+          <a:xfrm>
+            <a:off x="2590800" y="4305300"/>
+            <a:ext cx="891654" cy="461665"/>
+          </a:xfrm>
+          <a:prstGeom prst="rect">
+            <a:avLst/>
+          </a:prstGeom>
+          <a:noFill/>
+        </p:spPr>
+        <p:txBody>
+          <a:bodyPr wrap="none" rtlCol="0">
+            <a:spAutoFit/>
+          </a:bodyPr>
+          <a:lstStyle/>
+          <a:p>
+            <a:r>
+              <a:rPr lang="en-US" sz="1200" smtClean="0"/>
+              <a:t>Canal,</a:t>
+            </a:r>
+          </a:p>
+          <a:p>
+            <a:r>
+              <a:rPr lang="en-US" sz="1200" dirty="0" err="1" smtClean="0"/>
+              <a:t>Kube</a:t>
+            </a:r>
+            <a:r>
+              <a:rPr lang="en-US" sz="1200" dirty="0" smtClean="0"/>
+              <a:t>-proxy</a:t>
+            </a:r>
+            <a:endParaRPr lang="en-US" dirty="0"/>
+          </a:p>
+        </p:txBody>
+      </p:sp>
+      <p:sp>
+        <p:nvSpPr>
+          <p:cNvPr id="19" name="Cloud 18"/>
+          <p:cNvSpPr/>
+          <p:nvPr/>
+        </p:nvSpPr>
+        <p:spPr>
+          <a:xfrm>
+            <a:off x="838200" y="1333500"/>
+            <a:ext cx="1981200" cy="2819400"/>
+          </a:xfrm>
+          <a:prstGeom prst="cloud">
+            <a:avLst/>
+          </a:prstGeom>
+          <a:noFill/>
+          <a:ln w="3175"/>
+        </p:spPr>
+        <p:style>
+          <a:lnRef idx="2">
+            <a:schemeClr val="accent1">
+              <a:shade val="50000"/>
+            </a:schemeClr>
+          </a:lnRef>
+          <a:fillRef idx="1">
+            <a:schemeClr val="accent1"/>
+          </a:fillRef>
+          <a:effectRef idx="0">
+            <a:schemeClr val="accent1"/>
+          </a:effectRef>
+          <a:fontRef idx="minor">
+            <a:schemeClr val="lt1"/>
+          </a:fontRef>
+        </p:style>
+        <p:txBody>
+          <a:bodyPr rtlCol="0" anchor="ctr"/>
+          <a:lstStyle/>
+          <a:p>
+            <a:pPr algn="ctr"/>
+            <a:endParaRPr lang="en-US"/>
+          </a:p>
+        </p:txBody>
+      </p:sp>
+      <p:cxnSp>
+        <p:nvCxnSpPr>
+          <p:cNvPr id="21" name="Straight Arrow Connector 20"/>
+          <p:cNvCxnSpPr/>
+          <p:nvPr/>
+        </p:nvCxnSpPr>
+        <p:spPr>
+          <a:xfrm flipH="1" flipV="1">
+            <a:off x="762000" y="723900"/>
+            <a:ext cx="609600" cy="838200"/>
+          </a:xfrm>
+          <a:prstGeom prst="straightConnector1">
+            <a:avLst/>
+          </a:prstGeom>
+          <a:ln>
+            <a:tailEnd type="arrow"/>
+          </a:ln>
+        </p:spPr>
+        <p:style>
+          <a:lnRef idx="1">
+            <a:schemeClr val="accent1"/>
+          </a:lnRef>
+          <a:fillRef idx="0">
+            <a:schemeClr val="accent1"/>
+          </a:fillRef>
+          <a:effectRef idx="0">
+            <a:schemeClr val="accent1"/>
+          </a:effectRef>
+          <a:fontRef idx="minor">
+            <a:schemeClr val="tx1"/>
+          </a:fontRef>
+        </p:style>
+      </p:cxnSp>
+      <p:sp>
+        <p:nvSpPr>
+          <p:cNvPr id="22" name="TextBox 21"/>
+          <p:cNvSpPr txBox="1"/>
+          <p:nvPr/>
+        </p:nvSpPr>
+        <p:spPr>
+          <a:xfrm>
+            <a:off x="280276" y="495300"/>
+            <a:ext cx="1091324" cy="276999"/>
+          </a:xfrm>
+          <a:prstGeom prst="rect">
+            <a:avLst/>
+          </a:prstGeom>
+          <a:noFill/>
+        </p:spPr>
+        <p:txBody>
+          <a:bodyPr wrap="none" rtlCol="0">
+            <a:spAutoFit/>
+          </a:bodyPr>
+          <a:lstStyle/>
+          <a:p>
+            <a:r>
+              <a:rPr lang="en-US" sz="1200" dirty="0" smtClean="0"/>
+              <a:t>Mesh network</a:t>
+            </a:r>
+            <a:endParaRPr lang="en-US" sz="1200" dirty="0"/>
+          </a:p>
+        </p:txBody>
+      </p:sp>
+      <p:sp>
+        <p:nvSpPr>
+          <p:cNvPr id="23" name="TextBox 22"/>
+          <p:cNvSpPr txBox="1"/>
+          <p:nvPr/>
+        </p:nvSpPr>
+        <p:spPr>
+          <a:xfrm>
+            <a:off x="1143000" y="1790700"/>
+            <a:ext cx="762000" cy="1569660"/>
+          </a:xfrm>
+          <a:prstGeom prst="rect">
+            <a:avLst/>
+          </a:prstGeom>
+          <a:noFill/>
+        </p:spPr>
+        <p:txBody>
+          <a:bodyPr wrap="square" rtlCol="0">
+            <a:spAutoFit/>
+          </a:bodyPr>
+          <a:lstStyle/>
+          <a:p>
+            <a:r>
+              <a:rPr lang="en-US" sz="1200" dirty="0" smtClean="0"/>
+              <a:t>Calico(</a:t>
+            </a:r>
+            <a:r>
+              <a:rPr lang="en-US" sz="1200" dirty="0" err="1" smtClean="0"/>
+              <a:t>AWS,Oracle</a:t>
+            </a:r>
+            <a:r>
+              <a:rPr lang="en-US" sz="1200" dirty="0" smtClean="0"/>
+              <a:t>), flannel(Oracle), cloud-weave(GC)</a:t>
+            </a:r>
+            <a:endParaRPr lang="en-US" dirty="0"/>
+          </a:p>
+        </p:txBody>
+      </p:sp>
+      <p:sp>
+        <p:nvSpPr>
+          <p:cNvPr id="24" name="TextBox 23"/>
+          <p:cNvSpPr txBox="1"/>
+          <p:nvPr/>
+        </p:nvSpPr>
+        <p:spPr>
+          <a:xfrm>
+            <a:off x="2819400" y="2019300"/>
+            <a:ext cx="2763898" cy="430887"/>
+          </a:xfrm>
+          <a:prstGeom prst="rect">
+            <a:avLst/>
+          </a:prstGeom>
+          <a:noFill/>
+        </p:spPr>
+        <p:txBody>
+          <a:bodyPr wrap="none" rtlCol="0">
+            <a:spAutoFit/>
+          </a:bodyPr>
+          <a:lstStyle/>
+          <a:p>
+            <a:r>
+              <a:rPr lang="en-US" sz="1100" dirty="0" smtClean="0"/>
+              <a:t>172.17.0.0  next hop 192.168.99.100(Node1)</a:t>
+            </a:r>
+          </a:p>
+          <a:p>
+            <a:r>
+              <a:rPr lang="en-US" sz="1100" dirty="0" smtClean="0"/>
+              <a:t>172.18.0.0  </a:t>
+            </a:r>
+            <a:r>
+              <a:rPr lang="en-US" sz="1100" dirty="0" smtClean="0"/>
+              <a:t>next hop </a:t>
+            </a:r>
+            <a:r>
+              <a:rPr lang="en-US" sz="1100" dirty="0" smtClean="0"/>
+              <a:t>192.168.99.101(Node2)</a:t>
+            </a:r>
+            <a:endParaRPr lang="en-US" dirty="0"/>
+          </a:p>
+        </p:txBody>
+      </p:sp>
+      <p:sp>
+        <p:nvSpPr>
+          <p:cNvPr id="25" name="TextBox 24"/>
+          <p:cNvSpPr txBox="1"/>
+          <p:nvPr/>
+        </p:nvSpPr>
+        <p:spPr>
+          <a:xfrm>
+            <a:off x="2667000" y="4762500"/>
+            <a:ext cx="2763898" cy="430887"/>
+          </a:xfrm>
+          <a:prstGeom prst="rect">
+            <a:avLst/>
+          </a:prstGeom>
+          <a:noFill/>
+        </p:spPr>
+        <p:txBody>
+          <a:bodyPr wrap="none" rtlCol="0">
+            <a:spAutoFit/>
+          </a:bodyPr>
+          <a:lstStyle/>
+          <a:p>
+            <a:r>
+              <a:rPr lang="en-US" sz="1100" dirty="0" smtClean="0"/>
+              <a:t>172.17.0.0  next hop 192.168.99.100(Node1)</a:t>
+            </a:r>
+          </a:p>
+          <a:p>
+            <a:r>
+              <a:rPr lang="en-US" sz="1100" dirty="0" smtClean="0"/>
+              <a:t>172.18.0.0  </a:t>
+            </a:r>
+            <a:r>
+              <a:rPr lang="en-US" sz="1100" dirty="0" smtClean="0"/>
+              <a:t>next hop </a:t>
+            </a:r>
+            <a:r>
+              <a:rPr lang="en-US" sz="1100" dirty="0" smtClean="0"/>
+              <a:t>192.168.99.101(Node2)</a:t>
+            </a:r>
+            <a:endParaRPr lang="en-US" dirty="0"/>
+          </a:p>
+        </p:txBody>
+      </p:sp>
+      <p:sp>
+        <p:nvSpPr>
+          <p:cNvPr id="26" name="TextBox 25"/>
+          <p:cNvSpPr txBox="1"/>
+          <p:nvPr/>
+        </p:nvSpPr>
+        <p:spPr>
+          <a:xfrm>
+            <a:off x="0" y="4610100"/>
+            <a:ext cx="2658933" cy="738664"/>
+          </a:xfrm>
+          <a:prstGeom prst="rect">
+            <a:avLst/>
+          </a:prstGeom>
+          <a:noFill/>
+        </p:spPr>
+        <p:txBody>
+          <a:bodyPr wrap="none" rtlCol="0">
+            <a:spAutoFit/>
+          </a:bodyPr>
+          <a:lstStyle/>
+          <a:p>
+            <a:r>
+              <a:rPr lang="en-US" sz="1400" dirty="0" smtClean="0"/>
+              <a:t>Pod-to-Pod Communication:</a:t>
+            </a:r>
+          </a:p>
+          <a:p>
+            <a:r>
+              <a:rPr lang="en-US" sz="1400" dirty="0" smtClean="0"/>
+              <a:t>One pod can reach any other pod </a:t>
+            </a:r>
+          </a:p>
+          <a:p>
+            <a:r>
+              <a:rPr lang="en-US" sz="1400" dirty="0" smtClean="0"/>
+              <a:t>In the cluster</a:t>
+            </a:r>
+            <a:endParaRPr lang="en-US" dirty="0"/>
+          </a:p>
+        </p:txBody>
+      </p:sp>
+      <p:cxnSp>
+        <p:nvCxnSpPr>
+          <p:cNvPr id="28" name="Straight Arrow Connector 27"/>
+          <p:cNvCxnSpPr/>
+          <p:nvPr/>
+        </p:nvCxnSpPr>
+        <p:spPr>
+          <a:xfrm flipH="1" flipV="1">
+            <a:off x="6019800" y="1028700"/>
+            <a:ext cx="76200" cy="457200"/>
+          </a:xfrm>
+          <a:prstGeom prst="straightConnector1">
+            <a:avLst/>
+          </a:prstGeom>
+          <a:ln>
+            <a:tailEnd type="arrow"/>
+          </a:ln>
+        </p:spPr>
+        <p:style>
+          <a:lnRef idx="1">
+            <a:schemeClr val="accent1"/>
+          </a:lnRef>
+          <a:fillRef idx="0">
+            <a:schemeClr val="accent1"/>
+          </a:fillRef>
+          <a:effectRef idx="0">
+            <a:schemeClr val="accent1"/>
+          </a:effectRef>
+          <a:fontRef idx="minor">
+            <a:schemeClr val="tx1"/>
+          </a:fontRef>
+        </p:style>
+      </p:cxnSp>
+      <p:cxnSp>
+        <p:nvCxnSpPr>
+          <p:cNvPr id="30" name="Straight Arrow Connector 29"/>
+          <p:cNvCxnSpPr/>
+          <p:nvPr/>
+        </p:nvCxnSpPr>
+        <p:spPr>
+          <a:xfrm flipH="1" flipV="1">
+            <a:off x="3429000" y="419100"/>
+            <a:ext cx="2514600" cy="533400"/>
+          </a:xfrm>
+          <a:prstGeom prst="straightConnector1">
+            <a:avLst/>
+          </a:prstGeom>
+          <a:ln>
+            <a:tailEnd type="arrow"/>
+          </a:ln>
+        </p:spPr>
+        <p:style>
+          <a:lnRef idx="1">
+            <a:schemeClr val="accent1"/>
+          </a:lnRef>
+          <a:fillRef idx="0">
+            <a:schemeClr val="accent1"/>
+          </a:fillRef>
+          <a:effectRef idx="0">
+            <a:schemeClr val="accent1"/>
+          </a:effectRef>
+          <a:fontRef idx="minor">
+            <a:schemeClr val="tx1"/>
+          </a:fontRef>
+        </p:style>
+      </p:cxnSp>
+      <p:cxnSp>
+        <p:nvCxnSpPr>
+          <p:cNvPr id="32" name="Straight Arrow Connector 31"/>
+          <p:cNvCxnSpPr/>
+          <p:nvPr/>
+        </p:nvCxnSpPr>
+        <p:spPr>
+          <a:xfrm>
+            <a:off x="3505200" y="571500"/>
+            <a:ext cx="304800" cy="1447800"/>
+          </a:xfrm>
+          <a:prstGeom prst="straightConnector1">
+            <a:avLst/>
+          </a:prstGeom>
+          <a:ln>
+            <a:tailEnd type="arrow"/>
+          </a:ln>
+        </p:spPr>
+        <p:style>
+          <a:lnRef idx="1">
+            <a:schemeClr val="accent1"/>
+          </a:lnRef>
+          <a:fillRef idx="0">
+            <a:schemeClr val="accent1"/>
+          </a:fillRef>
+          <a:effectRef idx="0">
+            <a:schemeClr val="accent1"/>
+          </a:effectRef>
+          <a:fontRef idx="minor">
+            <a:schemeClr val="tx1"/>
+          </a:fontRef>
+        </p:style>
+      </p:cxnSp>
+      <p:cxnSp>
+        <p:nvCxnSpPr>
+          <p:cNvPr id="34" name="Straight Arrow Connector 33"/>
+          <p:cNvCxnSpPr>
+            <a:endCxn id="7" idx="0"/>
+          </p:cNvCxnSpPr>
+          <p:nvPr/>
+        </p:nvCxnSpPr>
+        <p:spPr>
+          <a:xfrm flipH="1">
+            <a:off x="3411500" y="2476500"/>
+            <a:ext cx="855700" cy="381000"/>
+          </a:xfrm>
+          <a:prstGeom prst="straightConnector1">
+            <a:avLst/>
+          </a:prstGeom>
+          <a:ln>
+            <a:tailEnd type="arrow"/>
+          </a:ln>
+        </p:spPr>
+        <p:style>
+          <a:lnRef idx="1">
+            <a:schemeClr val="accent1"/>
+          </a:lnRef>
+          <a:fillRef idx="0">
+            <a:schemeClr val="accent1"/>
+          </a:fillRef>
+          <a:effectRef idx="0">
+            <a:schemeClr val="accent1"/>
+          </a:effectRef>
+          <a:fontRef idx="minor">
+            <a:schemeClr val="tx1"/>
+          </a:fontRef>
+        </p:style>
+      </p:cxnSp>
+      <p:cxnSp>
+        <p:nvCxnSpPr>
+          <p:cNvPr id="36" name="Straight Arrow Connector 35"/>
+          <p:cNvCxnSpPr>
+            <a:stCxn id="7" idx="2"/>
+            <a:endCxn id="11" idx="2"/>
+          </p:cNvCxnSpPr>
+          <p:nvPr/>
+        </p:nvCxnSpPr>
+        <p:spPr>
+          <a:xfrm>
+            <a:off x="3411500" y="3134499"/>
+            <a:ext cx="1846300" cy="637401"/>
+          </a:xfrm>
+          <a:prstGeom prst="straightConnector1">
+            <a:avLst/>
+          </a:prstGeom>
+          <a:ln>
+            <a:tailEnd type="arrow"/>
+          </a:ln>
+        </p:spPr>
+        <p:style>
+          <a:lnRef idx="1">
+            <a:schemeClr val="accent1"/>
+          </a:lnRef>
+          <a:fillRef idx="0">
+            <a:schemeClr val="accent1"/>
+          </a:fillRef>
+          <a:effectRef idx="0">
+            <a:schemeClr val="accent1"/>
+          </a:effectRef>
+          <a:fontRef idx="minor">
+            <a:schemeClr val="tx1"/>
+          </a:fontRef>
+        </p:style>
+      </p:cxnSp>
+    </p:spTree>
+  </p:cSld>
+  <p:clrMapOvr>
+    <a:masterClrMapping/>
+  </p:clrMapOvr>
+</p:sld>
+</file>
+
+<file path=ppt/slides/slide21.xml><?xml version="1.0" encoding="utf-8"?>
+<p:sld xmlns:a="http://schemas.openxmlformats.org/drawingml/2006/main" xmlns:r="http://schemas.openxmlformats.org/officeDocument/2006/relationships" xmlns:p="http://schemas.openxmlformats.org/presentationml/2006/main">
+  <p:cSld>
+    <p:spTree>
+      <p:nvGrpSpPr>
+        <p:cNvPr id="1" name=""/>
+        <p:cNvGrpSpPr/>
+        <p:nvPr/>
+      </p:nvGrpSpPr>
+      <p:grpSpPr>
+        <a:xfrm>
+          <a:off x="0" y="0"/>
+          <a:ext cx="0" cy="0"/>
+          <a:chOff x="0" y="0"/>
+          <a:chExt cx="0" cy="0"/>
+        </a:xfrm>
+      </p:grpSpPr>
+      <p:sp>
+        <p:nvSpPr>
+          <p:cNvPr id="2" name="Rectangle 1"/>
+          <p:cNvSpPr/>
+          <p:nvPr/>
+        </p:nvSpPr>
+        <p:spPr>
+          <a:xfrm>
+            <a:off x="2514600" y="342900"/>
+            <a:ext cx="6096000" cy="2133600"/>
+          </a:xfrm>
+          <a:prstGeom prst="rect">
+            <a:avLst/>
+          </a:prstGeom>
+          <a:noFill/>
+        </p:spPr>
+        <p:style>
+          <a:lnRef idx="2">
+            <a:schemeClr val="accent1">
+              <a:shade val="50000"/>
+            </a:schemeClr>
+          </a:lnRef>
+          <a:fillRef idx="1">
+            <a:schemeClr val="accent1"/>
+          </a:fillRef>
+          <a:effectRef idx="0">
+            <a:schemeClr val="accent1"/>
+          </a:effectRef>
+          <a:fontRef idx="minor">
+            <a:schemeClr val="lt1"/>
+          </a:fontRef>
+        </p:style>
+        <p:txBody>
+          <a:bodyPr rtlCol="0" anchor="ctr"/>
+          <a:lstStyle/>
+          <a:p>
+            <a:pPr algn="ctr"/>
+            <a:endParaRPr lang="en-US"/>
+          </a:p>
+        </p:txBody>
+      </p:sp>
+      <p:sp>
+        <p:nvSpPr>
+          <p:cNvPr id="4" name="TextBox 3"/>
+          <p:cNvSpPr txBox="1"/>
+          <p:nvPr/>
+        </p:nvSpPr>
+        <p:spPr>
+          <a:xfrm>
+            <a:off x="2514600" y="38100"/>
+            <a:ext cx="1657826" cy="276999"/>
+          </a:xfrm>
+          <a:prstGeom prst="rect">
+            <a:avLst/>
+          </a:prstGeom>
+          <a:noFill/>
+        </p:spPr>
+        <p:txBody>
+          <a:bodyPr wrap="none" rtlCol="0">
+            <a:spAutoFit/>
+          </a:bodyPr>
+          <a:lstStyle/>
+          <a:p>
+            <a:r>
+              <a:rPr lang="en-US" sz="1200" dirty="0" smtClean="0"/>
+              <a:t>Node1: 192.168.99.100</a:t>
+            </a:r>
+            <a:endParaRPr lang="en-US" dirty="0"/>
+          </a:p>
+        </p:txBody>
+      </p:sp>
+      <p:sp>
+        <p:nvSpPr>
+          <p:cNvPr id="5" name="TextBox 4"/>
+          <p:cNvSpPr txBox="1"/>
+          <p:nvPr/>
+        </p:nvSpPr>
+        <p:spPr>
+          <a:xfrm>
+            <a:off x="7467600" y="342900"/>
+            <a:ext cx="1151213" cy="276999"/>
+          </a:xfrm>
+          <a:prstGeom prst="rect">
+            <a:avLst/>
+          </a:prstGeom>
+          <a:noFill/>
+        </p:spPr>
+        <p:txBody>
+          <a:bodyPr wrap="none" rtlCol="0">
+            <a:spAutoFit/>
+          </a:bodyPr>
+          <a:lstStyle/>
+          <a:p>
+            <a:r>
+              <a:rPr lang="en-US" sz="1200" dirty="0" err="1" smtClean="0"/>
+              <a:t>Docker</a:t>
+            </a:r>
+            <a:r>
+              <a:rPr lang="en-US" sz="1200" dirty="0" smtClean="0"/>
+              <a:t>, </a:t>
+            </a:r>
+            <a:r>
+              <a:rPr lang="en-US" sz="1200" dirty="0" err="1" smtClean="0"/>
+              <a:t>kubelet</a:t>
+            </a:r>
+            <a:endParaRPr lang="en-US" dirty="0"/>
+          </a:p>
+        </p:txBody>
+      </p:sp>
+      <p:sp>
+        <p:nvSpPr>
+          <p:cNvPr id="6" name="Rectangle 5"/>
+          <p:cNvSpPr/>
+          <p:nvPr/>
+        </p:nvSpPr>
+        <p:spPr>
+          <a:xfrm>
+            <a:off x="2582587" y="3162300"/>
+            <a:ext cx="6096000" cy="2133600"/>
+          </a:xfrm>
+          <a:prstGeom prst="rect">
+            <a:avLst/>
+          </a:prstGeom>
+          <a:noFill/>
+        </p:spPr>
+        <p:style>
+          <a:lnRef idx="2">
+            <a:schemeClr val="accent1">
+              <a:shade val="50000"/>
+            </a:schemeClr>
+          </a:lnRef>
+          <a:fillRef idx="1">
+            <a:schemeClr val="accent1"/>
+          </a:fillRef>
+          <a:effectRef idx="0">
+            <a:schemeClr val="accent1"/>
+          </a:effectRef>
+          <a:fontRef idx="minor">
+            <a:schemeClr val="lt1"/>
+          </a:fontRef>
+        </p:style>
+        <p:txBody>
+          <a:bodyPr rtlCol="0" anchor="ctr"/>
+          <a:lstStyle/>
+          <a:p>
+            <a:pPr algn="ctr"/>
+            <a:endParaRPr lang="en-US"/>
+          </a:p>
+        </p:txBody>
+      </p:sp>
+      <p:sp>
+        <p:nvSpPr>
+          <p:cNvPr id="7" name="TextBox 6"/>
+          <p:cNvSpPr txBox="1"/>
+          <p:nvPr/>
+        </p:nvSpPr>
+        <p:spPr>
+          <a:xfrm>
+            <a:off x="2582587" y="2857500"/>
+            <a:ext cx="1657826" cy="276999"/>
+          </a:xfrm>
+          <a:prstGeom prst="rect">
+            <a:avLst/>
+          </a:prstGeom>
+          <a:noFill/>
+        </p:spPr>
+        <p:txBody>
+          <a:bodyPr wrap="none" rtlCol="0">
+            <a:spAutoFit/>
+          </a:bodyPr>
+          <a:lstStyle/>
+          <a:p>
+            <a:r>
+              <a:rPr lang="en-US" sz="1200" dirty="0" smtClean="0"/>
+              <a:t>Node2: 192.168.99.101</a:t>
+            </a:r>
+            <a:endParaRPr lang="en-US" dirty="0"/>
+          </a:p>
+        </p:txBody>
+      </p:sp>
+      <p:sp>
+        <p:nvSpPr>
+          <p:cNvPr id="8" name="TextBox 7"/>
+          <p:cNvSpPr txBox="1"/>
+          <p:nvPr/>
+        </p:nvSpPr>
+        <p:spPr>
+          <a:xfrm>
+            <a:off x="7535587" y="3162300"/>
+            <a:ext cx="1151213" cy="276999"/>
+          </a:xfrm>
+          <a:prstGeom prst="rect">
+            <a:avLst/>
+          </a:prstGeom>
+          <a:noFill/>
+        </p:spPr>
+        <p:txBody>
+          <a:bodyPr wrap="none" rtlCol="0">
+            <a:spAutoFit/>
+          </a:bodyPr>
+          <a:lstStyle/>
+          <a:p>
+            <a:r>
+              <a:rPr lang="en-US" sz="1200" dirty="0" err="1" smtClean="0"/>
+              <a:t>Docker</a:t>
+            </a:r>
+            <a:r>
+              <a:rPr lang="en-US" sz="1200" dirty="0" smtClean="0"/>
+              <a:t>, </a:t>
+            </a:r>
+            <a:r>
+              <a:rPr lang="en-US" sz="1200" dirty="0" err="1" smtClean="0"/>
+              <a:t>kubelet</a:t>
+            </a:r>
+            <a:endParaRPr lang="en-US" dirty="0"/>
+          </a:p>
+        </p:txBody>
+      </p:sp>
+      <p:sp>
+        <p:nvSpPr>
+          <p:cNvPr id="9" name="Rectangle 8"/>
+          <p:cNvSpPr/>
+          <p:nvPr/>
+        </p:nvSpPr>
+        <p:spPr>
+          <a:xfrm>
+            <a:off x="152400" y="1638300"/>
+            <a:ext cx="914400" cy="2209800"/>
+          </a:xfrm>
+          <a:prstGeom prst="rect">
+            <a:avLst/>
+          </a:prstGeom>
+        </p:spPr>
+        <p:style>
+          <a:lnRef idx="2">
+            <a:schemeClr val="accent1">
+              <a:shade val="50000"/>
+            </a:schemeClr>
+          </a:lnRef>
+          <a:fillRef idx="1">
+            <a:schemeClr val="accent1"/>
+          </a:fillRef>
+          <a:effectRef idx="0">
+            <a:schemeClr val="accent1"/>
+          </a:effectRef>
+          <a:fontRef idx="minor">
+            <a:schemeClr val="lt1"/>
+          </a:fontRef>
+        </p:style>
+        <p:txBody>
+          <a:bodyPr rtlCol="0" anchor="ctr"/>
+          <a:lstStyle/>
+          <a:p>
+            <a:pPr algn="ctr"/>
+            <a:r>
+              <a:rPr lang="en-US" dirty="0" smtClean="0"/>
+              <a:t>K8s master</a:t>
+            </a:r>
+            <a:endParaRPr lang="en-US" dirty="0"/>
+          </a:p>
+        </p:txBody>
+      </p:sp>
+      <p:sp>
+        <p:nvSpPr>
+          <p:cNvPr id="10" name="Oval 9"/>
+          <p:cNvSpPr/>
+          <p:nvPr/>
+        </p:nvSpPr>
+        <p:spPr>
+          <a:xfrm>
+            <a:off x="5410200" y="571500"/>
+            <a:ext cx="1143000" cy="457200"/>
+          </a:xfrm>
+          <a:prstGeom prst="ellipse">
+            <a:avLst/>
+          </a:prstGeom>
+        </p:spPr>
+        <p:style>
+          <a:lnRef idx="2">
+            <a:schemeClr val="accent1">
+              <a:shade val="50000"/>
+            </a:schemeClr>
+          </a:lnRef>
+          <a:fillRef idx="1">
+            <a:schemeClr val="accent1"/>
+          </a:fillRef>
+          <a:effectRef idx="0">
+            <a:schemeClr val="accent1"/>
+          </a:effectRef>
+          <a:fontRef idx="minor">
+            <a:schemeClr val="lt1"/>
+          </a:fontRef>
+        </p:style>
+        <p:txBody>
+          <a:bodyPr rtlCol="0" anchor="ctr"/>
+          <a:lstStyle/>
+          <a:p>
+            <a:pPr algn="ctr"/>
+            <a:r>
+              <a:rPr lang="en-US" sz="1400" dirty="0" smtClean="0"/>
+              <a:t>ghost</a:t>
+            </a:r>
+            <a:endParaRPr lang="en-US" dirty="0"/>
+          </a:p>
+        </p:txBody>
+      </p:sp>
+      <p:sp>
+        <p:nvSpPr>
+          <p:cNvPr id="11" name="Oval 10"/>
+          <p:cNvSpPr/>
+          <p:nvPr/>
+        </p:nvSpPr>
+        <p:spPr>
+          <a:xfrm>
+            <a:off x="6019800" y="3543300"/>
+            <a:ext cx="1143000" cy="457200"/>
+          </a:xfrm>
+          <a:prstGeom prst="ellipse">
+            <a:avLst/>
+          </a:prstGeom>
+        </p:spPr>
+        <p:style>
+          <a:lnRef idx="2">
+            <a:schemeClr val="accent1">
+              <a:shade val="50000"/>
+            </a:schemeClr>
+          </a:lnRef>
+          <a:fillRef idx="1">
+            <a:schemeClr val="accent1"/>
+          </a:fillRef>
+          <a:effectRef idx="0">
+            <a:schemeClr val="accent1"/>
+          </a:effectRef>
+          <a:fontRef idx="minor">
+            <a:schemeClr val="lt1"/>
+          </a:fontRef>
+        </p:style>
+        <p:txBody>
+          <a:bodyPr rtlCol="0" anchor="ctr"/>
+          <a:lstStyle/>
+          <a:p>
+            <a:pPr algn="ctr"/>
+            <a:r>
+              <a:rPr lang="en-US" sz="1400" dirty="0" smtClean="0"/>
+              <a:t>db</a:t>
+            </a:r>
+            <a:endParaRPr lang="en-US" dirty="0"/>
+          </a:p>
+        </p:txBody>
+      </p:sp>
+      <p:sp>
+        <p:nvSpPr>
+          <p:cNvPr id="12" name="TextBox 11"/>
+          <p:cNvSpPr txBox="1"/>
+          <p:nvPr/>
+        </p:nvSpPr>
+        <p:spPr>
+          <a:xfrm>
+            <a:off x="5562600" y="1028700"/>
+            <a:ext cx="2713756" cy="1200329"/>
+          </a:xfrm>
+          <a:prstGeom prst="rect">
+            <a:avLst/>
+          </a:prstGeom>
+          <a:noFill/>
+        </p:spPr>
+        <p:txBody>
+          <a:bodyPr wrap="none" rtlCol="0">
+            <a:spAutoFit/>
+          </a:bodyPr>
+          <a:lstStyle/>
+          <a:p>
+            <a:r>
+              <a:rPr lang="en-US" sz="1200" dirty="0" smtClean="0"/>
+              <a:t>172.17.0.4</a:t>
+            </a:r>
+          </a:p>
+          <a:p>
+            <a:pPr marL="228600" indent="-228600">
+              <a:buAutoNum type="arabicPeriod"/>
+            </a:pPr>
+            <a:r>
+              <a:rPr lang="en-US" sz="1200" dirty="0" err="1" smtClean="0"/>
+              <a:t>jdbc</a:t>
+            </a:r>
+            <a:r>
+              <a:rPr lang="en-US" sz="1200" dirty="0" smtClean="0"/>
+              <a:t>: db-svc:80</a:t>
+            </a:r>
+          </a:p>
+          <a:p>
+            <a:pPr marL="342900" indent="-342900">
+              <a:buAutoNum type="arabicPeriod"/>
+            </a:pPr>
+            <a:r>
+              <a:rPr lang="en-US" sz="1200" dirty="0" smtClean="0"/>
+              <a:t>/etc/</a:t>
+            </a:r>
+            <a:r>
+              <a:rPr lang="en-US" sz="1200" dirty="0" err="1" smtClean="0"/>
+              <a:t>resolv.conf</a:t>
+            </a:r>
+            <a:endParaRPr lang="en-US" sz="1200" dirty="0" smtClean="0"/>
+          </a:p>
+          <a:p>
+            <a:pPr marL="342900" indent="-342900">
+              <a:buAutoNum type="arabicPeriod"/>
+            </a:pPr>
+            <a:r>
+              <a:rPr lang="en-US" sz="1200" dirty="0" smtClean="0"/>
+              <a:t>Sends db-svc to </a:t>
+            </a:r>
+            <a:r>
+              <a:rPr lang="en-US" sz="1200" dirty="0" err="1" smtClean="0"/>
+              <a:t>dns</a:t>
+            </a:r>
+            <a:endParaRPr lang="en-US" sz="1200" dirty="0" smtClean="0"/>
+          </a:p>
+          <a:p>
+            <a:pPr marL="342900" indent="-342900">
+              <a:buAutoNum type="arabicPeriod"/>
+            </a:pPr>
+            <a:r>
+              <a:rPr lang="en-US" sz="1200" dirty="0" err="1" smtClean="0"/>
+              <a:t>Dns</a:t>
+            </a:r>
+            <a:r>
+              <a:rPr lang="en-US" sz="1200" dirty="0" smtClean="0"/>
+              <a:t> replies back with 10.98.30.136</a:t>
+            </a:r>
+          </a:p>
+          <a:p>
+            <a:pPr marL="342900" indent="-342900">
+              <a:buAutoNum type="arabicPeriod"/>
+            </a:pPr>
+            <a:r>
+              <a:rPr lang="en-US" sz="1200" dirty="0" err="1" smtClean="0"/>
+              <a:t>Jdbc</a:t>
+            </a:r>
+            <a:r>
+              <a:rPr lang="en-US" sz="1200" dirty="0" smtClean="0"/>
+              <a:t>: 10.98.30.136:80</a:t>
+            </a:r>
+            <a:endParaRPr lang="en-US" dirty="0"/>
+          </a:p>
+        </p:txBody>
+      </p:sp>
+      <p:sp>
+        <p:nvSpPr>
+          <p:cNvPr id="13" name="TextBox 12"/>
+          <p:cNvSpPr txBox="1"/>
+          <p:nvPr/>
+        </p:nvSpPr>
+        <p:spPr>
+          <a:xfrm>
+            <a:off x="6172200" y="4000500"/>
+            <a:ext cx="1205779" cy="276999"/>
+          </a:xfrm>
+          <a:prstGeom prst="rect">
+            <a:avLst/>
+          </a:prstGeom>
+          <a:noFill/>
+        </p:spPr>
+        <p:txBody>
+          <a:bodyPr wrap="none" rtlCol="0">
+            <a:spAutoFit/>
+          </a:bodyPr>
+          <a:lstStyle/>
+          <a:p>
+            <a:r>
+              <a:rPr lang="en-US" sz="1200" dirty="0" smtClean="0"/>
+              <a:t>172.18.0.4:3306</a:t>
+            </a:r>
+            <a:endParaRPr lang="en-US" dirty="0"/>
+          </a:p>
+        </p:txBody>
+      </p:sp>
+      <p:sp>
+        <p:nvSpPr>
+          <p:cNvPr id="17" name="TextBox 16"/>
+          <p:cNvSpPr txBox="1"/>
+          <p:nvPr/>
+        </p:nvSpPr>
+        <p:spPr>
+          <a:xfrm>
+            <a:off x="2514600" y="1181100"/>
+            <a:ext cx="2645276" cy="646331"/>
+          </a:xfrm>
+          <a:prstGeom prst="rect">
+            <a:avLst/>
+          </a:prstGeom>
+          <a:noFill/>
+        </p:spPr>
+        <p:txBody>
+          <a:bodyPr wrap="none" rtlCol="0">
+            <a:spAutoFit/>
+          </a:bodyPr>
+          <a:lstStyle/>
+          <a:p>
+            <a:r>
+              <a:rPr lang="en-US" sz="1200" dirty="0" smtClean="0"/>
+              <a:t>canal</a:t>
+            </a:r>
+          </a:p>
+          <a:p>
+            <a:r>
+              <a:rPr lang="en-US" sz="1200" dirty="0" err="1" smtClean="0"/>
+              <a:t>Kube</a:t>
+            </a:r>
+            <a:r>
+              <a:rPr lang="en-US" sz="1200" dirty="0" smtClean="0"/>
+              <a:t>-proxy</a:t>
+            </a:r>
+          </a:p>
+          <a:p>
+            <a:r>
+              <a:rPr lang="en-US" sz="1200" dirty="0" smtClean="0"/>
+              <a:t>10.98.30.136:80 </a:t>
+            </a:r>
+            <a:r>
+              <a:rPr lang="en-US" sz="1200" dirty="0" smtClean="0">
+                <a:sym typeface="Wingdings" pitchFamily="2" charset="2"/>
+              </a:rPr>
+              <a:t> </a:t>
+            </a:r>
+            <a:r>
+              <a:rPr lang="en-US" sz="1200" dirty="0" smtClean="0"/>
+              <a:t>EP:172.18.0.4:3306</a:t>
+            </a:r>
+            <a:endParaRPr lang="en-US" sz="1200" dirty="0" smtClean="0"/>
+          </a:p>
+        </p:txBody>
+      </p:sp>
+      <p:sp>
+        <p:nvSpPr>
+          <p:cNvPr id="18" name="TextBox 17"/>
+          <p:cNvSpPr txBox="1"/>
+          <p:nvPr/>
+        </p:nvSpPr>
+        <p:spPr>
+          <a:xfrm>
+            <a:off x="2590800" y="3924300"/>
+            <a:ext cx="2566728" cy="646331"/>
+          </a:xfrm>
+          <a:prstGeom prst="rect">
+            <a:avLst/>
+          </a:prstGeom>
+          <a:noFill/>
+        </p:spPr>
+        <p:txBody>
+          <a:bodyPr wrap="none" rtlCol="0">
+            <a:spAutoFit/>
+          </a:bodyPr>
+          <a:lstStyle/>
+          <a:p>
+            <a:r>
+              <a:rPr lang="en-US" sz="1200" dirty="0" smtClean="0"/>
+              <a:t>Canal,</a:t>
+            </a:r>
+          </a:p>
+          <a:p>
+            <a:r>
+              <a:rPr lang="en-US" sz="1200" dirty="0" err="1" smtClean="0"/>
+              <a:t>Kube</a:t>
+            </a:r>
+            <a:r>
+              <a:rPr lang="en-US" sz="1200" dirty="0" smtClean="0"/>
+              <a:t>-proxy</a:t>
+            </a:r>
+          </a:p>
+          <a:p>
+            <a:r>
+              <a:rPr lang="en-US" sz="1200" dirty="0" smtClean="0"/>
+              <a:t>10.98.30.136:80 </a:t>
+            </a:r>
+            <a:r>
+              <a:rPr lang="en-US" sz="1200" dirty="0" smtClean="0">
+                <a:sym typeface="Wingdings" pitchFamily="2" charset="2"/>
+              </a:rPr>
+              <a:t> </a:t>
+            </a:r>
+            <a:r>
+              <a:rPr lang="en-US" sz="1200" dirty="0" smtClean="0"/>
+              <a:t>EP:192.168.2.4:80</a:t>
+            </a:r>
+            <a:endParaRPr lang="en-US" sz="1200" dirty="0" smtClean="0"/>
+          </a:p>
+        </p:txBody>
+      </p:sp>
+      <p:sp>
+        <p:nvSpPr>
+          <p:cNvPr id="19" name="Cloud 18"/>
+          <p:cNvSpPr/>
+          <p:nvPr/>
+        </p:nvSpPr>
+        <p:spPr>
+          <a:xfrm>
+            <a:off x="838200" y="1333500"/>
+            <a:ext cx="1981200" cy="2819400"/>
+          </a:xfrm>
+          <a:prstGeom prst="cloud">
+            <a:avLst/>
+          </a:prstGeom>
+          <a:noFill/>
+          <a:ln w="3175"/>
+        </p:spPr>
+        <p:style>
+          <a:lnRef idx="2">
+            <a:schemeClr val="accent1">
+              <a:shade val="50000"/>
+            </a:schemeClr>
+          </a:lnRef>
+          <a:fillRef idx="1">
+            <a:schemeClr val="accent1"/>
+          </a:fillRef>
+          <a:effectRef idx="0">
+            <a:schemeClr val="accent1"/>
+          </a:effectRef>
+          <a:fontRef idx="minor">
+            <a:schemeClr val="lt1"/>
+          </a:fontRef>
+        </p:style>
+        <p:txBody>
+          <a:bodyPr rtlCol="0" anchor="ctr"/>
+          <a:lstStyle/>
+          <a:p>
+            <a:pPr algn="ctr"/>
+            <a:endParaRPr lang="en-US"/>
+          </a:p>
+        </p:txBody>
+      </p:sp>
+      <p:cxnSp>
+        <p:nvCxnSpPr>
+          <p:cNvPr id="21" name="Straight Arrow Connector 20"/>
+          <p:cNvCxnSpPr/>
+          <p:nvPr/>
+        </p:nvCxnSpPr>
+        <p:spPr>
+          <a:xfrm flipH="1" flipV="1">
+            <a:off x="762000" y="723900"/>
+            <a:ext cx="609600" cy="838200"/>
+          </a:xfrm>
+          <a:prstGeom prst="straightConnector1">
+            <a:avLst/>
+          </a:prstGeom>
+          <a:ln>
+            <a:tailEnd type="arrow"/>
+          </a:ln>
+        </p:spPr>
+        <p:style>
+          <a:lnRef idx="1">
+            <a:schemeClr val="accent1"/>
+          </a:lnRef>
+          <a:fillRef idx="0">
+            <a:schemeClr val="accent1"/>
+          </a:fillRef>
+          <a:effectRef idx="0">
+            <a:schemeClr val="accent1"/>
+          </a:effectRef>
+          <a:fontRef idx="minor">
+            <a:schemeClr val="tx1"/>
+          </a:fontRef>
+        </p:style>
+      </p:cxnSp>
+      <p:sp>
+        <p:nvSpPr>
+          <p:cNvPr id="22" name="TextBox 21"/>
+          <p:cNvSpPr txBox="1"/>
+          <p:nvPr/>
+        </p:nvSpPr>
+        <p:spPr>
+          <a:xfrm>
+            <a:off x="280276" y="495300"/>
+            <a:ext cx="1091324" cy="276999"/>
+          </a:xfrm>
+          <a:prstGeom prst="rect">
+            <a:avLst/>
+          </a:prstGeom>
+          <a:noFill/>
+        </p:spPr>
+        <p:txBody>
+          <a:bodyPr wrap="none" rtlCol="0">
+            <a:spAutoFit/>
+          </a:bodyPr>
+          <a:lstStyle/>
+          <a:p>
+            <a:r>
+              <a:rPr lang="en-US" sz="1200" dirty="0" smtClean="0"/>
+              <a:t>Mesh network</a:t>
+            </a:r>
+            <a:endParaRPr lang="en-US" sz="1200" dirty="0"/>
+          </a:p>
+        </p:txBody>
+      </p:sp>
+      <p:sp>
+        <p:nvSpPr>
+          <p:cNvPr id="23" name="TextBox 22"/>
+          <p:cNvSpPr txBox="1"/>
+          <p:nvPr/>
+        </p:nvSpPr>
+        <p:spPr>
+          <a:xfrm>
+            <a:off x="1143000" y="1790700"/>
+            <a:ext cx="838200" cy="1384995"/>
+          </a:xfrm>
+          <a:prstGeom prst="rect">
+            <a:avLst/>
+          </a:prstGeom>
+          <a:noFill/>
+        </p:spPr>
+        <p:txBody>
+          <a:bodyPr wrap="square" rtlCol="0">
+            <a:spAutoFit/>
+          </a:bodyPr>
+          <a:lstStyle/>
+          <a:p>
+            <a:r>
+              <a:rPr lang="en-US" sz="1200" dirty="0" smtClean="0"/>
+              <a:t>Calico(</a:t>
+            </a:r>
+            <a:r>
+              <a:rPr lang="en-US" sz="1200" dirty="0" err="1" smtClean="0"/>
+              <a:t>AWS,Oracle</a:t>
+            </a:r>
+            <a:r>
+              <a:rPr lang="en-US" sz="1200" dirty="0" smtClean="0"/>
+              <a:t>), flannel(Oracle), cloud-weave(GC)</a:t>
+            </a:r>
+            <a:endParaRPr lang="en-US" dirty="0"/>
+          </a:p>
+        </p:txBody>
+      </p:sp>
+      <p:sp>
+        <p:nvSpPr>
+          <p:cNvPr id="24" name="TextBox 23"/>
+          <p:cNvSpPr txBox="1"/>
+          <p:nvPr/>
+        </p:nvSpPr>
+        <p:spPr>
+          <a:xfrm>
+            <a:off x="2819400" y="2019300"/>
+            <a:ext cx="2763898" cy="430887"/>
+          </a:xfrm>
+          <a:prstGeom prst="rect">
+            <a:avLst/>
+          </a:prstGeom>
+          <a:noFill/>
+        </p:spPr>
+        <p:txBody>
+          <a:bodyPr wrap="none" rtlCol="0">
+            <a:spAutoFit/>
+          </a:bodyPr>
+          <a:lstStyle/>
+          <a:p>
+            <a:r>
+              <a:rPr lang="en-US" sz="1100" dirty="0" smtClean="0"/>
+              <a:t>172.17.0.0  next hop 192.168.99.100(Node1)</a:t>
+            </a:r>
+          </a:p>
+          <a:p>
+            <a:r>
+              <a:rPr lang="en-US" sz="1100" dirty="0" smtClean="0"/>
+              <a:t>172.18.0.0  </a:t>
+            </a:r>
+            <a:r>
+              <a:rPr lang="en-US" sz="1100" dirty="0" smtClean="0"/>
+              <a:t>next hop </a:t>
+            </a:r>
+            <a:r>
+              <a:rPr lang="en-US" sz="1100" dirty="0" smtClean="0"/>
+              <a:t>192.168.99.101(Node2)</a:t>
+            </a:r>
+            <a:endParaRPr lang="en-US" dirty="0"/>
+          </a:p>
+        </p:txBody>
+      </p:sp>
+      <p:sp>
+        <p:nvSpPr>
+          <p:cNvPr id="25" name="TextBox 24"/>
+          <p:cNvSpPr txBox="1"/>
+          <p:nvPr/>
+        </p:nvSpPr>
+        <p:spPr>
+          <a:xfrm>
+            <a:off x="2667000" y="4762500"/>
+            <a:ext cx="2763898" cy="430887"/>
+          </a:xfrm>
+          <a:prstGeom prst="rect">
+            <a:avLst/>
+          </a:prstGeom>
+          <a:noFill/>
+        </p:spPr>
+        <p:txBody>
+          <a:bodyPr wrap="none" rtlCol="0">
+            <a:spAutoFit/>
+          </a:bodyPr>
+          <a:lstStyle/>
+          <a:p>
+            <a:r>
+              <a:rPr lang="en-US" sz="1100" dirty="0" smtClean="0"/>
+              <a:t>172.17.0.0  next hop 192.168.99.100(Node1)</a:t>
+            </a:r>
+          </a:p>
+          <a:p>
+            <a:r>
+              <a:rPr lang="en-US" sz="1100" dirty="0" smtClean="0"/>
+              <a:t>172.18.0.0  </a:t>
+            </a:r>
+            <a:r>
+              <a:rPr lang="en-US" sz="1100" dirty="0" smtClean="0"/>
+              <a:t>next hop </a:t>
+            </a:r>
+            <a:r>
+              <a:rPr lang="en-US" sz="1100" dirty="0" smtClean="0"/>
+              <a:t>192.168.99.101(Node2)</a:t>
+            </a:r>
+            <a:endParaRPr lang="en-US" dirty="0"/>
+          </a:p>
+        </p:txBody>
+      </p:sp>
+      <p:sp>
+        <p:nvSpPr>
+          <p:cNvPr id="26" name="Oval 25"/>
+          <p:cNvSpPr/>
+          <p:nvPr/>
+        </p:nvSpPr>
+        <p:spPr>
+          <a:xfrm>
+            <a:off x="7467600" y="647700"/>
+            <a:ext cx="1676400" cy="762000"/>
+          </a:xfrm>
+          <a:prstGeom prst="ellipse">
+            <a:avLst/>
+          </a:prstGeom>
+        </p:spPr>
+        <p:style>
+          <a:lnRef idx="2">
+            <a:schemeClr val="accent1">
+              <a:shade val="50000"/>
+            </a:schemeClr>
+          </a:lnRef>
+          <a:fillRef idx="1">
+            <a:schemeClr val="accent1"/>
+          </a:fillRef>
+          <a:effectRef idx="0">
+            <a:schemeClr val="accent1"/>
+          </a:effectRef>
+          <a:fontRef idx="minor">
+            <a:schemeClr val="lt1"/>
+          </a:fontRef>
+        </p:style>
+        <p:txBody>
+          <a:bodyPr rtlCol="0" anchor="ctr"/>
+          <a:lstStyle/>
+          <a:p>
+            <a:pPr algn="ctr"/>
+            <a:r>
+              <a:rPr lang="en-US" sz="1200" dirty="0" smtClean="0"/>
+              <a:t>Core-</a:t>
+            </a:r>
+            <a:r>
+              <a:rPr lang="en-US" sz="1200" dirty="0" err="1" smtClean="0"/>
+              <a:t>dns</a:t>
+            </a:r>
+            <a:endParaRPr lang="en-US" sz="1200" dirty="0" smtClean="0"/>
+          </a:p>
+          <a:p>
+            <a:pPr algn="ctr"/>
+            <a:r>
+              <a:rPr lang="en-US" sz="1200" dirty="0" smtClean="0"/>
+              <a:t>Db-svc -&gt; 10.98.30.136</a:t>
+            </a:r>
+            <a:endParaRPr lang="en-US" sz="1200" dirty="0"/>
+          </a:p>
+        </p:txBody>
+      </p:sp>
+      <p:cxnSp>
+        <p:nvCxnSpPr>
+          <p:cNvPr id="30" name="Straight Arrow Connector 29"/>
+          <p:cNvCxnSpPr/>
+          <p:nvPr/>
+        </p:nvCxnSpPr>
+        <p:spPr>
+          <a:xfrm flipH="1" flipV="1">
+            <a:off x="5334000" y="800100"/>
+            <a:ext cx="304800" cy="1295400"/>
+          </a:xfrm>
+          <a:prstGeom prst="straightConnector1">
+            <a:avLst/>
+          </a:prstGeom>
+          <a:ln>
+            <a:tailEnd type="arrow"/>
+          </a:ln>
+        </p:spPr>
+        <p:style>
+          <a:lnRef idx="1">
+            <a:schemeClr val="accent1"/>
+          </a:lnRef>
+          <a:fillRef idx="0">
+            <a:schemeClr val="accent1"/>
+          </a:fillRef>
+          <a:effectRef idx="0">
+            <a:schemeClr val="accent1"/>
+          </a:effectRef>
+          <a:fontRef idx="minor">
+            <a:schemeClr val="tx1"/>
+          </a:fontRef>
+        </p:style>
+      </p:cxnSp>
+      <p:sp>
+        <p:nvSpPr>
+          <p:cNvPr id="31" name="TextBox 30"/>
+          <p:cNvSpPr txBox="1"/>
+          <p:nvPr/>
+        </p:nvSpPr>
+        <p:spPr>
+          <a:xfrm>
+            <a:off x="5334000" y="1257300"/>
+            <a:ext cx="256802" cy="261610"/>
+          </a:xfrm>
+          <a:prstGeom prst="rect">
+            <a:avLst/>
+          </a:prstGeom>
+          <a:noFill/>
+        </p:spPr>
+        <p:txBody>
+          <a:bodyPr wrap="none" rtlCol="0">
+            <a:spAutoFit/>
+          </a:bodyPr>
+          <a:lstStyle/>
+          <a:p>
+            <a:r>
+              <a:rPr lang="en-US" sz="1100" dirty="0" smtClean="0"/>
+              <a:t>6</a:t>
+            </a:r>
+            <a:endParaRPr lang="en-US" dirty="0"/>
+          </a:p>
+        </p:txBody>
+      </p:sp>
+      <p:cxnSp>
+        <p:nvCxnSpPr>
+          <p:cNvPr id="33" name="Straight Arrow Connector 32"/>
+          <p:cNvCxnSpPr>
+            <a:stCxn id="10" idx="1"/>
+            <a:endCxn id="4" idx="2"/>
+          </p:cNvCxnSpPr>
+          <p:nvPr/>
+        </p:nvCxnSpPr>
+        <p:spPr>
+          <a:xfrm flipH="1" flipV="1">
+            <a:off x="3343513" y="315099"/>
+            <a:ext cx="2234076" cy="323356"/>
+          </a:xfrm>
+          <a:prstGeom prst="straightConnector1">
+            <a:avLst/>
+          </a:prstGeom>
+          <a:ln>
+            <a:tailEnd type="arrow"/>
+          </a:ln>
+        </p:spPr>
+        <p:style>
+          <a:lnRef idx="1">
+            <a:schemeClr val="accent1"/>
+          </a:lnRef>
+          <a:fillRef idx="0">
+            <a:schemeClr val="accent1"/>
+          </a:fillRef>
+          <a:effectRef idx="0">
+            <a:schemeClr val="accent1"/>
+          </a:effectRef>
+          <a:fontRef idx="minor">
+            <a:schemeClr val="tx1"/>
+          </a:fontRef>
+        </p:style>
+      </p:cxnSp>
+      <p:sp>
+        <p:nvSpPr>
+          <p:cNvPr id="34" name="TextBox 33"/>
+          <p:cNvSpPr txBox="1"/>
+          <p:nvPr/>
+        </p:nvSpPr>
+        <p:spPr>
+          <a:xfrm>
+            <a:off x="4343400" y="342900"/>
+            <a:ext cx="263214" cy="276999"/>
+          </a:xfrm>
+          <a:prstGeom prst="rect">
+            <a:avLst/>
+          </a:prstGeom>
+          <a:noFill/>
+        </p:spPr>
+        <p:txBody>
+          <a:bodyPr wrap="none" rtlCol="0">
+            <a:spAutoFit/>
+          </a:bodyPr>
+          <a:lstStyle/>
+          <a:p>
+            <a:r>
+              <a:rPr lang="en-US" sz="1200" dirty="0" smtClean="0"/>
+              <a:t>7</a:t>
+            </a:r>
+            <a:endParaRPr lang="en-US" dirty="0"/>
+          </a:p>
+        </p:txBody>
+      </p:sp>
+      <p:cxnSp>
+        <p:nvCxnSpPr>
+          <p:cNvPr id="36" name="Straight Arrow Connector 35"/>
+          <p:cNvCxnSpPr/>
+          <p:nvPr/>
+        </p:nvCxnSpPr>
+        <p:spPr>
+          <a:xfrm flipH="1">
+            <a:off x="1905000" y="495300"/>
+            <a:ext cx="1371600" cy="152400"/>
+          </a:xfrm>
+          <a:prstGeom prst="straightConnector1">
+            <a:avLst/>
+          </a:prstGeom>
+          <a:ln>
+            <a:tailEnd type="arrow"/>
+          </a:ln>
+        </p:spPr>
+        <p:style>
+          <a:lnRef idx="1">
+            <a:schemeClr val="accent1"/>
+          </a:lnRef>
+          <a:fillRef idx="0">
+            <a:schemeClr val="accent1"/>
+          </a:fillRef>
+          <a:effectRef idx="0">
+            <a:schemeClr val="accent1"/>
+          </a:effectRef>
+          <a:fontRef idx="minor">
+            <a:schemeClr val="tx1"/>
+          </a:fontRef>
+        </p:style>
+      </p:cxnSp>
+      <p:cxnSp>
+        <p:nvCxnSpPr>
+          <p:cNvPr id="38" name="Straight Arrow Connector 37"/>
+          <p:cNvCxnSpPr/>
+          <p:nvPr/>
+        </p:nvCxnSpPr>
+        <p:spPr>
+          <a:xfrm>
+            <a:off x="2743200" y="571500"/>
+            <a:ext cx="457200" cy="914400"/>
+          </a:xfrm>
+          <a:prstGeom prst="straightConnector1">
+            <a:avLst/>
+          </a:prstGeom>
+          <a:ln>
+            <a:tailEnd type="arrow"/>
+          </a:ln>
+        </p:spPr>
+        <p:style>
+          <a:lnRef idx="1">
+            <a:schemeClr val="accent1"/>
+          </a:lnRef>
+          <a:fillRef idx="0">
+            <a:schemeClr val="accent1"/>
+          </a:fillRef>
+          <a:effectRef idx="0">
+            <a:schemeClr val="accent1"/>
+          </a:effectRef>
+          <a:fontRef idx="minor">
+            <a:schemeClr val="tx1"/>
+          </a:fontRef>
+        </p:style>
+      </p:cxnSp>
+      <p:sp>
+        <p:nvSpPr>
+          <p:cNvPr id="39" name="TextBox 38"/>
+          <p:cNvSpPr txBox="1"/>
+          <p:nvPr/>
+        </p:nvSpPr>
+        <p:spPr>
+          <a:xfrm>
+            <a:off x="2819400" y="800100"/>
+            <a:ext cx="1357166" cy="276999"/>
+          </a:xfrm>
+          <a:prstGeom prst="rect">
+            <a:avLst/>
+          </a:prstGeom>
+          <a:noFill/>
+        </p:spPr>
+        <p:txBody>
+          <a:bodyPr wrap="none" rtlCol="0">
+            <a:spAutoFit/>
+          </a:bodyPr>
+          <a:lstStyle/>
+          <a:p>
+            <a:r>
+              <a:rPr lang="en-US" sz="1200" dirty="0" smtClean="0"/>
+              <a:t>8. </a:t>
+            </a:r>
+            <a:r>
+              <a:rPr lang="en-US" sz="1200" dirty="0" err="1" smtClean="0"/>
+              <a:t>Inflight</a:t>
+            </a:r>
+            <a:r>
+              <a:rPr lang="en-US" sz="1200" dirty="0" smtClean="0"/>
+              <a:t> snagging</a:t>
+            </a:r>
+            <a:endParaRPr lang="en-US" dirty="0"/>
+          </a:p>
+        </p:txBody>
+      </p:sp>
+      <p:sp>
+        <p:nvSpPr>
+          <p:cNvPr id="41" name="TextBox 40"/>
+          <p:cNvSpPr txBox="1"/>
+          <p:nvPr/>
+        </p:nvSpPr>
+        <p:spPr>
+          <a:xfrm>
+            <a:off x="3276600" y="1028700"/>
+            <a:ext cx="2132379" cy="461665"/>
+          </a:xfrm>
+          <a:prstGeom prst="rect">
+            <a:avLst/>
+          </a:prstGeom>
+          <a:noFill/>
+        </p:spPr>
+        <p:txBody>
+          <a:bodyPr wrap="none" rtlCol="0">
+            <a:spAutoFit/>
+          </a:bodyPr>
+          <a:lstStyle/>
+          <a:p>
+            <a:pPr marL="228600" indent="-228600">
+              <a:buAutoNum type="arabicPeriod" startAt="9"/>
+            </a:pPr>
+            <a:r>
+              <a:rPr lang="en-US" sz="1200" dirty="0" err="1" smtClean="0"/>
+              <a:t>Kubeproxy</a:t>
+            </a:r>
+            <a:r>
+              <a:rPr lang="en-US" sz="1200" dirty="0" smtClean="0"/>
+              <a:t> 172.18.0.4:3306</a:t>
+            </a:r>
+          </a:p>
+          <a:p>
+            <a:pPr marL="342900" indent="-342900">
+              <a:buAutoNum type="arabicPeriod" startAt="9"/>
+            </a:pPr>
+            <a:r>
+              <a:rPr lang="en-US" sz="1200" dirty="0" smtClean="0"/>
+              <a:t>Pod-Pod communication</a:t>
+            </a:r>
+            <a:endParaRPr lang="en-US" dirty="0"/>
+          </a:p>
+        </p:txBody>
+      </p:sp>
+      <p:cxnSp>
+        <p:nvCxnSpPr>
+          <p:cNvPr id="43" name="Straight Arrow Connector 42"/>
+          <p:cNvCxnSpPr/>
+          <p:nvPr/>
+        </p:nvCxnSpPr>
+        <p:spPr>
+          <a:xfrm flipH="1">
+            <a:off x="4114800" y="1409700"/>
+            <a:ext cx="381000" cy="838200"/>
+          </a:xfrm>
+          <a:prstGeom prst="straightConnector1">
+            <a:avLst/>
+          </a:prstGeom>
+          <a:ln>
+            <a:tailEnd type="arrow"/>
+          </a:ln>
+        </p:spPr>
+        <p:style>
+          <a:lnRef idx="1">
+            <a:schemeClr val="accent1"/>
+          </a:lnRef>
+          <a:fillRef idx="0">
+            <a:schemeClr val="accent1"/>
+          </a:fillRef>
+          <a:effectRef idx="0">
+            <a:schemeClr val="accent1"/>
+          </a:effectRef>
+          <a:fontRef idx="minor">
+            <a:schemeClr val="tx1"/>
+          </a:fontRef>
+        </p:style>
+      </p:cxnSp>
+      <p:cxnSp>
+        <p:nvCxnSpPr>
+          <p:cNvPr id="45" name="Straight Arrow Connector 44"/>
+          <p:cNvCxnSpPr/>
+          <p:nvPr/>
+        </p:nvCxnSpPr>
+        <p:spPr>
+          <a:xfrm flipH="1">
+            <a:off x="3810000" y="2476500"/>
+            <a:ext cx="457200" cy="457200"/>
+          </a:xfrm>
+          <a:prstGeom prst="straightConnector1">
+            <a:avLst/>
+          </a:prstGeom>
+          <a:ln>
+            <a:tailEnd type="arrow"/>
+          </a:ln>
+        </p:spPr>
+        <p:style>
+          <a:lnRef idx="1">
+            <a:schemeClr val="accent1"/>
+          </a:lnRef>
+          <a:fillRef idx="0">
+            <a:schemeClr val="accent1"/>
+          </a:fillRef>
+          <a:effectRef idx="0">
+            <a:schemeClr val="accent1"/>
+          </a:effectRef>
+          <a:fontRef idx="minor">
+            <a:schemeClr val="tx1"/>
+          </a:fontRef>
+        </p:style>
+      </p:cxnSp>
+      <p:cxnSp>
+        <p:nvCxnSpPr>
+          <p:cNvPr id="47" name="Straight Arrow Connector 46"/>
+          <p:cNvCxnSpPr>
+            <a:endCxn id="11" idx="2"/>
+          </p:cNvCxnSpPr>
+          <p:nvPr/>
+        </p:nvCxnSpPr>
+        <p:spPr>
+          <a:xfrm>
+            <a:off x="3810000" y="3162300"/>
+            <a:ext cx="2209800" cy="609600"/>
+          </a:xfrm>
+          <a:prstGeom prst="straightConnector1">
+            <a:avLst/>
+          </a:prstGeom>
+          <a:ln>
+            <a:tailEnd type="arrow"/>
+          </a:ln>
+        </p:spPr>
+        <p:style>
+          <a:lnRef idx="1">
+            <a:schemeClr val="accent1"/>
+          </a:lnRef>
+          <a:fillRef idx="0">
+            <a:schemeClr val="accent1"/>
+          </a:fillRef>
+          <a:effectRef idx="0">
+            <a:schemeClr val="accent1"/>
+          </a:effectRef>
+          <a:fontRef idx="minor">
+            <a:schemeClr val="tx1"/>
+          </a:fontRef>
+        </p:style>
+      </p:cxnSp>
+      <p:sp>
+        <p:nvSpPr>
+          <p:cNvPr id="48" name="TextBox 47"/>
+          <p:cNvSpPr txBox="1"/>
+          <p:nvPr/>
+        </p:nvSpPr>
+        <p:spPr>
+          <a:xfrm>
+            <a:off x="2197858" y="843290"/>
+            <a:ext cx="545342" cy="261610"/>
+          </a:xfrm>
+          <a:prstGeom prst="rect">
+            <a:avLst/>
+          </a:prstGeom>
+          <a:noFill/>
+        </p:spPr>
+        <p:txBody>
+          <a:bodyPr wrap="none" rtlCol="0">
+            <a:spAutoFit/>
+          </a:bodyPr>
+          <a:lstStyle/>
+          <a:p>
+            <a:r>
+              <a:rPr lang="en-US" sz="1100" dirty="0" smtClean="0"/>
+              <a:t>32592</a:t>
+            </a:r>
+            <a:endParaRPr lang="en-US" dirty="0"/>
+          </a:p>
+        </p:txBody>
+      </p:sp>
+      <p:sp>
+        <p:nvSpPr>
+          <p:cNvPr id="49" name="TextBox 48"/>
+          <p:cNvSpPr txBox="1"/>
+          <p:nvPr/>
+        </p:nvSpPr>
+        <p:spPr>
+          <a:xfrm>
+            <a:off x="2350258" y="3695700"/>
+            <a:ext cx="545342" cy="261610"/>
+          </a:xfrm>
+          <a:prstGeom prst="rect">
+            <a:avLst/>
+          </a:prstGeom>
+          <a:noFill/>
+        </p:spPr>
+        <p:txBody>
+          <a:bodyPr wrap="none" rtlCol="0">
+            <a:spAutoFit/>
+          </a:bodyPr>
+          <a:lstStyle/>
+          <a:p>
+            <a:r>
+              <a:rPr lang="en-US" sz="1100" dirty="0" smtClean="0"/>
+              <a:t>32592</a:t>
+            </a:r>
+            <a:endParaRPr lang="en-US" dirty="0"/>
+          </a:p>
+        </p:txBody>
+      </p:sp>
+      <p:sp>
+        <p:nvSpPr>
+          <p:cNvPr id="50" name="TextBox 49"/>
+          <p:cNvSpPr txBox="1"/>
+          <p:nvPr/>
+        </p:nvSpPr>
+        <p:spPr>
+          <a:xfrm>
+            <a:off x="-76200" y="1943100"/>
+            <a:ext cx="545342" cy="261610"/>
+          </a:xfrm>
+          <a:prstGeom prst="rect">
+            <a:avLst/>
+          </a:prstGeom>
+          <a:noFill/>
+        </p:spPr>
+        <p:txBody>
+          <a:bodyPr wrap="none" rtlCol="0">
+            <a:spAutoFit/>
+          </a:bodyPr>
+          <a:lstStyle/>
+          <a:p>
+            <a:r>
+              <a:rPr lang="en-US" sz="1100" dirty="0" smtClean="0"/>
+              <a:t>32592</a:t>
+            </a:r>
+            <a:endParaRPr lang="en-US" dirty="0"/>
+          </a:p>
+        </p:txBody>
+      </p:sp>
+      <p:sp>
+        <p:nvSpPr>
+          <p:cNvPr id="51" name="Rectangle 50"/>
+          <p:cNvSpPr/>
+          <p:nvPr/>
+        </p:nvSpPr>
+        <p:spPr>
+          <a:xfrm>
+            <a:off x="-1752600" y="1714500"/>
+            <a:ext cx="1219200" cy="1981200"/>
+          </a:xfrm>
+          <a:prstGeom prst="rect">
+            <a:avLst/>
+          </a:prstGeom>
+        </p:spPr>
+        <p:style>
+          <a:lnRef idx="2">
+            <a:schemeClr val="accent1">
+              <a:shade val="50000"/>
+            </a:schemeClr>
+          </a:lnRef>
+          <a:fillRef idx="1">
+            <a:schemeClr val="accent1"/>
+          </a:fillRef>
+          <a:effectRef idx="0">
+            <a:schemeClr val="accent1"/>
+          </a:effectRef>
+          <a:fontRef idx="minor">
+            <a:schemeClr val="lt1"/>
+          </a:fontRef>
+        </p:style>
+        <p:txBody>
+          <a:bodyPr rtlCol="0" anchor="ctr"/>
+          <a:lstStyle/>
+          <a:p>
+            <a:pPr algn="ctr"/>
+            <a:r>
+              <a:rPr lang="en-US" dirty="0" smtClean="0"/>
+              <a:t>Hw load balancer</a:t>
+            </a:r>
+          </a:p>
+          <a:p>
+            <a:pPr algn="ctr"/>
+            <a:r>
+              <a:rPr lang="en-US" dirty="0" smtClean="0"/>
+              <a:t>All </a:t>
+            </a:r>
+            <a:r>
+              <a:rPr lang="en-US" dirty="0" err="1" smtClean="0"/>
+              <a:t>ips</a:t>
+            </a:r>
+            <a:r>
+              <a:rPr lang="en-US" dirty="0" smtClean="0"/>
+              <a:t> of k8s </a:t>
+            </a:r>
+            <a:r>
+              <a:rPr lang="en-US" dirty="0" err="1" smtClean="0"/>
+              <a:t>cluser</a:t>
+            </a:r>
+            <a:endParaRPr lang="en-US" dirty="0"/>
+          </a:p>
+        </p:txBody>
+      </p:sp>
+      <p:sp>
+        <p:nvSpPr>
+          <p:cNvPr id="52" name="TextBox 51"/>
+          <p:cNvSpPr txBox="1"/>
+          <p:nvPr/>
+        </p:nvSpPr>
+        <p:spPr>
+          <a:xfrm>
+            <a:off x="-1905000" y="1257300"/>
+            <a:ext cx="2058577" cy="369332"/>
+          </a:xfrm>
+          <a:prstGeom prst="rect">
+            <a:avLst/>
+          </a:prstGeom>
+          <a:noFill/>
+        </p:spPr>
+        <p:txBody>
+          <a:bodyPr wrap="none" rtlCol="0">
+            <a:spAutoFit/>
+          </a:bodyPr>
+          <a:lstStyle/>
+          <a:p>
+            <a:r>
+              <a:rPr lang="en-US" dirty="0" smtClean="0"/>
+              <a:t>201.21.34.56:32592</a:t>
+            </a:r>
+            <a:endParaRPr lang="en-US" dirty="0"/>
+          </a:p>
+        </p:txBody>
+      </p:sp>
+      <p:cxnSp>
+        <p:nvCxnSpPr>
+          <p:cNvPr id="54" name="Straight Arrow Connector 53"/>
+          <p:cNvCxnSpPr>
+            <a:endCxn id="52" idx="1"/>
+          </p:cNvCxnSpPr>
+          <p:nvPr/>
+        </p:nvCxnSpPr>
+        <p:spPr>
+          <a:xfrm flipV="1">
+            <a:off x="-2590800" y="1441966"/>
+            <a:ext cx="685800" cy="424934"/>
+          </a:xfrm>
+          <a:prstGeom prst="straightConnector1">
+            <a:avLst/>
+          </a:prstGeom>
+          <a:ln>
+            <a:tailEnd type="arrow"/>
+          </a:ln>
+        </p:spPr>
+        <p:style>
+          <a:lnRef idx="1">
+            <a:schemeClr val="accent1"/>
+          </a:lnRef>
+          <a:fillRef idx="0">
+            <a:schemeClr val="accent1"/>
+          </a:fillRef>
+          <a:effectRef idx="0">
+            <a:schemeClr val="accent1"/>
+          </a:effectRef>
+          <a:fontRef idx="minor">
+            <a:schemeClr val="tx1"/>
+          </a:fontRef>
+        </p:style>
+      </p:cxnSp>
+    </p:spTree>
+  </p:cSld>
+  <p:clrMapOvr>
+    <a:masterClrMapping/>
+  </p:clrMapOvr>
 </p:sld>
 </file>
 
